--- a/Slide Corso Metodi Montecarlo.pptx
+++ b/Slide Corso Metodi Montecarlo.pptx
@@ -5,7 +5,7 @@
     <p:sldMasterId id="2147483648" r:id="rId1"/>
   </p:sldMasterIdLst>
   <p:notesMasterIdLst>
-    <p:notesMasterId r:id="rId19"/>
+    <p:notesMasterId r:id="rId26"/>
   </p:notesMasterIdLst>
   <p:sldIdLst>
     <p:sldId id="256" r:id="rId2"/>
@@ -25,6 +25,13 @@
     <p:sldId id="270" r:id="rId16"/>
     <p:sldId id="271" r:id="rId17"/>
     <p:sldId id="272" r:id="rId18"/>
+    <p:sldId id="273" r:id="rId19"/>
+    <p:sldId id="274" r:id="rId20"/>
+    <p:sldId id="275" r:id="rId21"/>
+    <p:sldId id="276" r:id="rId22"/>
+    <p:sldId id="277" r:id="rId23"/>
+    <p:sldId id="278" r:id="rId24"/>
+    <p:sldId id="279" r:id="rId25"/>
   </p:sldIdLst>
   <p:sldSz cx="12192000" cy="6858000"/>
   <p:notesSz cx="6858000" cy="9144000"/>
@@ -213,7 +220,7 @@
           <a:p>
             <a:fld id="{41288613-0B85-403D-92A7-6B6C545CB660}" type="datetimeFigureOut">
               <a:rPr lang="it-IT" smtClean="0"/>
-              <a:t>12/03/2020</a:t>
+              <a:t>19/03/2020</a:t>
             </a:fld>
             <a:endParaRPr lang="it-IT"/>
           </a:p>
@@ -711,7 +718,7 @@
           <a:p>
             <a:fld id="{1A3BF8E8-E514-488A-8533-83F354D3E341}" type="datetimeFigureOut">
               <a:rPr lang="it-IT" smtClean="0"/>
-              <a:t>12/03/2020</a:t>
+              <a:t>19/03/2020</a:t>
             </a:fld>
             <a:endParaRPr lang="it-IT"/>
           </a:p>
@@ -909,7 +916,7 @@
           <a:p>
             <a:fld id="{1A3BF8E8-E514-488A-8533-83F354D3E341}" type="datetimeFigureOut">
               <a:rPr lang="it-IT" smtClean="0"/>
-              <a:t>12/03/2020</a:t>
+              <a:t>19/03/2020</a:t>
             </a:fld>
             <a:endParaRPr lang="it-IT"/>
           </a:p>
@@ -1117,7 +1124,7 @@
           <a:p>
             <a:fld id="{1A3BF8E8-E514-488A-8533-83F354D3E341}" type="datetimeFigureOut">
               <a:rPr lang="it-IT" smtClean="0"/>
-              <a:t>12/03/2020</a:t>
+              <a:t>19/03/2020</a:t>
             </a:fld>
             <a:endParaRPr lang="it-IT"/>
           </a:p>
@@ -1315,7 +1322,7 @@
           <a:p>
             <a:fld id="{1A3BF8E8-E514-488A-8533-83F354D3E341}" type="datetimeFigureOut">
               <a:rPr lang="it-IT" smtClean="0"/>
-              <a:t>12/03/2020</a:t>
+              <a:t>19/03/2020</a:t>
             </a:fld>
             <a:endParaRPr lang="it-IT"/>
           </a:p>
@@ -1590,7 +1597,7 @@
           <a:p>
             <a:fld id="{1A3BF8E8-E514-488A-8533-83F354D3E341}" type="datetimeFigureOut">
               <a:rPr lang="it-IT" smtClean="0"/>
-              <a:t>12/03/2020</a:t>
+              <a:t>19/03/2020</a:t>
             </a:fld>
             <a:endParaRPr lang="it-IT"/>
           </a:p>
@@ -1855,7 +1862,7 @@
           <a:p>
             <a:fld id="{1A3BF8E8-E514-488A-8533-83F354D3E341}" type="datetimeFigureOut">
               <a:rPr lang="it-IT" smtClean="0"/>
-              <a:t>12/03/2020</a:t>
+              <a:t>19/03/2020</a:t>
             </a:fld>
             <a:endParaRPr lang="it-IT"/>
           </a:p>
@@ -2267,7 +2274,7 @@
           <a:p>
             <a:fld id="{1A3BF8E8-E514-488A-8533-83F354D3E341}" type="datetimeFigureOut">
               <a:rPr lang="it-IT" smtClean="0"/>
-              <a:t>12/03/2020</a:t>
+              <a:t>19/03/2020</a:t>
             </a:fld>
             <a:endParaRPr lang="it-IT"/>
           </a:p>
@@ -2408,7 +2415,7 @@
           <a:p>
             <a:fld id="{1A3BF8E8-E514-488A-8533-83F354D3E341}" type="datetimeFigureOut">
               <a:rPr lang="it-IT" smtClean="0"/>
-              <a:t>12/03/2020</a:t>
+              <a:t>19/03/2020</a:t>
             </a:fld>
             <a:endParaRPr lang="it-IT"/>
           </a:p>
@@ -2521,7 +2528,7 @@
           <a:p>
             <a:fld id="{1A3BF8E8-E514-488A-8533-83F354D3E341}" type="datetimeFigureOut">
               <a:rPr lang="it-IT" smtClean="0"/>
-              <a:t>12/03/2020</a:t>
+              <a:t>19/03/2020</a:t>
             </a:fld>
             <a:endParaRPr lang="it-IT"/>
           </a:p>
@@ -2832,7 +2839,7 @@
           <a:p>
             <a:fld id="{1A3BF8E8-E514-488A-8533-83F354D3E341}" type="datetimeFigureOut">
               <a:rPr lang="it-IT" smtClean="0"/>
-              <a:t>12/03/2020</a:t>
+              <a:t>19/03/2020</a:t>
             </a:fld>
             <a:endParaRPr lang="it-IT"/>
           </a:p>
@@ -3120,7 +3127,7 @@
           <a:p>
             <a:fld id="{1A3BF8E8-E514-488A-8533-83F354D3E341}" type="datetimeFigureOut">
               <a:rPr lang="it-IT" smtClean="0"/>
-              <a:t>12/03/2020</a:t>
+              <a:t>19/03/2020</a:t>
             </a:fld>
             <a:endParaRPr lang="it-IT"/>
           </a:p>
@@ -3361,7 +3368,7 @@
           <a:p>
             <a:fld id="{1A3BF8E8-E514-488A-8533-83F354D3E341}" type="datetimeFigureOut">
               <a:rPr lang="it-IT" smtClean="0"/>
-              <a:t>12/03/2020</a:t>
+              <a:t>19/03/2020</a:t>
             </a:fld>
             <a:endParaRPr lang="it-IT"/>
           </a:p>
@@ -3796,7 +3803,9 @@
         </p:nvSpPr>
         <p:spPr/>
         <p:txBody>
-          <a:bodyPr/>
+          <a:bodyPr>
+            <a:normAutofit/>
+          </a:bodyPr>
           <a:lstStyle/>
           <a:p>
             <a:r>
@@ -3904,8 +3913,8 @@
           </a:p>
         </p:txBody>
       </p:sp>
-      <mc:AlternateContent xmlns:mc="http://schemas.openxmlformats.org/markup-compatibility/2006">
-        <mc:Choice xmlns:a14="http://schemas.microsoft.com/office/drawing/2010/main" Requires="a14">
+      <mc:AlternateContent xmlns:mc="http://schemas.openxmlformats.org/markup-compatibility/2006" xmlns:a14="http://schemas.microsoft.com/office/drawing/2010/main">
+        <mc:Choice Requires="a14">
           <p:sp>
             <p:nvSpPr>
               <p:cNvPr id="3" name="Segnaposto contenuto 2">
@@ -4133,7 +4142,7 @@
             </p:txBody>
           </p:sp>
         </mc:Choice>
-        <mc:Fallback>
+        <mc:Fallback xmlns="">
           <p:sp>
             <p:nvSpPr>
               <p:cNvPr id="3" name="Segnaposto contenuto 2">
@@ -4852,8 +4861,8 @@
           </a:p>
         </p:txBody>
       </p:sp>
-      <mc:AlternateContent xmlns:mc="http://schemas.openxmlformats.org/markup-compatibility/2006">
-        <mc:Choice xmlns:a14="http://schemas.microsoft.com/office/drawing/2010/main" Requires="a14">
+      <mc:AlternateContent xmlns:mc="http://schemas.openxmlformats.org/markup-compatibility/2006" xmlns:a14="http://schemas.microsoft.com/office/drawing/2010/main">
+        <mc:Choice Requires="a14">
           <p:sp>
             <p:nvSpPr>
               <p:cNvPr id="3" name="Segnaposto contenuto 2">
@@ -4935,19 +4944,7 @@
                             <a:rPr lang="it-IT" b="0" i="1" smtClean="0">
                               <a:latin typeface="Cambria Math" panose="02040503050406030204" pitchFamily="18" charset="0"/>
                             </a:rPr>
-                            <m:t>+</m:t>
-                          </m:r>
-                          <m:r>
-                            <a:rPr lang="it-IT" b="0" i="1" smtClean="0">
-                              <a:latin typeface="Cambria Math" panose="02040503050406030204" pitchFamily="18" charset="0"/>
-                            </a:rPr>
-                            <m:t>1</m:t>
-                          </m:r>
-                          <m:r>
-                            <a:rPr lang="it-IT" b="0" i="1" smtClean="0">
-                              <a:latin typeface="Cambria Math" panose="02040503050406030204" pitchFamily="18" charset="0"/>
-                            </a:rPr>
-                            <m:t>  </m:t>
+                            <m:t>+1  </m:t>
                           </m:r>
                         </m:sub>
                       </m:sSub>
@@ -5163,7 +5160,7 @@
             </p:txBody>
           </p:sp>
         </mc:Choice>
-        <mc:Fallback>
+        <mc:Fallback xmlns="">
           <p:sp>
             <p:nvSpPr>
               <p:cNvPr id="3" name="Segnaposto contenuto 2">
@@ -5354,6 +5351,769 @@
 </p:sld>
 </file>
 
+<file path=ppt/slides/slide18.xml><?xml version="1.0" encoding="utf-8"?>
+<p:sld xmlns:a="http://schemas.openxmlformats.org/drawingml/2006/main" xmlns:r="http://schemas.openxmlformats.org/officeDocument/2006/relationships" xmlns:p="http://schemas.openxmlformats.org/presentationml/2006/main">
+  <p:cSld>
+    <p:spTree>
+      <p:nvGrpSpPr>
+        <p:cNvPr id="1" name=""/>
+        <p:cNvGrpSpPr/>
+        <p:nvPr/>
+      </p:nvGrpSpPr>
+      <p:grpSpPr>
+        <a:xfrm>
+          <a:off x="0" y="0"/>
+          <a:ext cx="0" cy="0"/>
+          <a:chOff x="0" y="0"/>
+          <a:chExt cx="0" cy="0"/>
+        </a:xfrm>
+      </p:grpSpPr>
+      <p:sp>
+        <p:nvSpPr>
+          <p:cNvPr id="2" name="Titolo 1">
+            <a:extLst>
+              <a:ext uri="{FF2B5EF4-FFF2-40B4-BE49-F238E27FC236}">
+                <a16:creationId xmlns:a16="http://schemas.microsoft.com/office/drawing/2014/main" id="{C8545174-DB8A-4029-8A5B-BC03899574A1}"/>
+              </a:ext>
+            </a:extLst>
+          </p:cNvPr>
+          <p:cNvSpPr>
+            <a:spLocks noGrp="1"/>
+          </p:cNvSpPr>
+          <p:nvPr>
+            <p:ph type="title"/>
+          </p:nvPr>
+        </p:nvSpPr>
+        <p:spPr/>
+        <p:txBody>
+          <a:bodyPr/>
+          <a:lstStyle/>
+          <a:p>
+            <a:pPr algn="ctr"/>
+            <a:r>
+              <a:rPr lang="it-IT" dirty="0"/>
+              <a:t>Montecarlo VS Metodi analitici </a:t>
+            </a:r>
+          </a:p>
+        </p:txBody>
+      </p:sp>
+      <mc:AlternateContent xmlns:mc="http://schemas.openxmlformats.org/markup-compatibility/2006" xmlns:a14="http://schemas.microsoft.com/office/drawing/2010/main">
+        <mc:Choice Requires="a14">
+          <p:sp>
+            <p:nvSpPr>
+              <p:cNvPr id="3" name="Segnaposto contenuto 2">
+                <a:extLst>
+                  <a:ext uri="{FF2B5EF4-FFF2-40B4-BE49-F238E27FC236}">
+                    <a16:creationId xmlns:a16="http://schemas.microsoft.com/office/drawing/2014/main" id="{976A6703-AA5B-4B55-A1A6-4DD549BDFF91}"/>
+                  </a:ext>
+                </a:extLst>
+              </p:cNvPr>
+              <p:cNvSpPr>
+                <a:spLocks noGrp="1"/>
+              </p:cNvSpPr>
+              <p:nvPr>
+                <p:ph idx="1"/>
+              </p:nvPr>
+            </p:nvSpPr>
+            <p:spPr/>
+            <p:txBody>
+              <a:bodyPr>
+                <a:normAutofit/>
+              </a:bodyPr>
+              <a:lstStyle/>
+              <a:p>
+                <a:pPr marL="0" indent="0">
+                  <a:buNone/>
+                </a:pPr>
+                <a:r>
+                  <a:rPr lang="it-IT" dirty="0"/>
+                  <a:t>Una delle applicazioni dei numeri casuali consiste nella determinazione per via numerica di Integrali . La stima di </a:t>
+                </a:r>
+                <a:r>
+                  <a:rPr lang="it-IT" dirty="0">
+                    <a:latin typeface="Symbol" panose="05050102010706020507" pitchFamily="18" charset="2"/>
+                  </a:rPr>
+                  <a:t>p</a:t>
+                </a:r>
+                <a:r>
+                  <a:rPr lang="it-IT" dirty="0"/>
+                  <a:t> tirando «punti a caso» è un modo (forse non il più furbo!)  per risolvere numericamente l’integrale </a:t>
+                </a:r>
+              </a:p>
+              <a:p>
+                <a:pPr marL="0" indent="0">
+                  <a:buNone/>
+                </a:pPr>
+                <a14:m>
+                  <m:oMathPara xmlns:m="http://schemas.openxmlformats.org/officeDocument/2006/math">
+                    <m:oMathParaPr>
+                      <m:jc m:val="centerGroup"/>
+                    </m:oMathParaPr>
+                    <m:oMath xmlns:m="http://schemas.openxmlformats.org/officeDocument/2006/math">
+                      <m:nary>
+                        <m:naryPr>
+                          <m:ctrlPr>
+                            <a:rPr lang="it-IT" i="1" smtClean="0">
+                              <a:latin typeface="Cambria Math" panose="02040503050406030204" pitchFamily="18" charset="0"/>
+                            </a:rPr>
+                          </m:ctrlPr>
+                        </m:naryPr>
+                        <m:sub>
+                          <m:r>
+                            <m:rPr>
+                              <m:brk m:alnAt="23"/>
+                            </m:rPr>
+                            <a:rPr lang="it-IT" b="0" i="1" smtClean="0">
+                              <a:latin typeface="Cambria Math" panose="02040503050406030204" pitchFamily="18" charset="0"/>
+                            </a:rPr>
+                            <m:t>0</m:t>
+                          </m:r>
+                        </m:sub>
+                        <m:sup>
+                          <m:r>
+                            <a:rPr lang="it-IT" b="0" i="1" smtClean="0">
+                              <a:latin typeface="Cambria Math" panose="02040503050406030204" pitchFamily="18" charset="0"/>
+                            </a:rPr>
+                            <m:t>1</m:t>
+                          </m:r>
+                        </m:sup>
+                        <m:e>
+                          <m:rad>
+                            <m:radPr>
+                              <m:degHide m:val="on"/>
+                              <m:ctrlPr>
+                                <a:rPr lang="it-IT" i="1" smtClean="0">
+                                  <a:latin typeface="Cambria Math" panose="02040503050406030204" pitchFamily="18" charset="0"/>
+                                </a:rPr>
+                              </m:ctrlPr>
+                            </m:radPr>
+                            <m:deg/>
+                            <m:e>
+                              <m:r>
+                                <a:rPr lang="it-IT" b="0" i="1" smtClean="0">
+                                  <a:latin typeface="Cambria Math" panose="02040503050406030204" pitchFamily="18" charset="0"/>
+                                </a:rPr>
+                                <m:t>1</m:t>
+                              </m:r>
+                              <m:r>
+                                <a:rPr lang="it-IT" b="0" i="1" smtClean="0">
+                                  <a:latin typeface="Cambria Math" panose="02040503050406030204" pitchFamily="18" charset="0"/>
+                                </a:rPr>
+                                <m:t>−</m:t>
+                              </m:r>
+                              <m:sSup>
+                                <m:sSupPr>
+                                  <m:ctrlPr>
+                                    <a:rPr lang="it-IT" b="0" i="1" smtClean="0">
+                                      <a:latin typeface="Cambria Math" panose="02040503050406030204" pitchFamily="18" charset="0"/>
+                                    </a:rPr>
+                                  </m:ctrlPr>
+                                </m:sSupPr>
+                                <m:e>
+                                  <m:r>
+                                    <a:rPr lang="it-IT" b="0" i="1" smtClean="0">
+                                      <a:latin typeface="Cambria Math" panose="02040503050406030204" pitchFamily="18" charset="0"/>
+                                    </a:rPr>
+                                    <m:t>𝑥</m:t>
+                                  </m:r>
+                                </m:e>
+                                <m:sup>
+                                  <m:r>
+                                    <a:rPr lang="it-IT" b="0" i="1" smtClean="0">
+                                      <a:latin typeface="Cambria Math" panose="02040503050406030204" pitchFamily="18" charset="0"/>
+                                    </a:rPr>
+                                    <m:t>2</m:t>
+                                  </m:r>
+                                </m:sup>
+                              </m:sSup>
+                            </m:e>
+                          </m:rad>
+                          <m:r>
+                            <a:rPr lang="it-IT" b="0" i="1" smtClean="0">
+                              <a:latin typeface="Cambria Math" panose="02040503050406030204" pitchFamily="18" charset="0"/>
+                            </a:rPr>
+                            <m:t>= </m:t>
+                          </m:r>
+                          <m:f>
+                            <m:fPr>
+                              <m:ctrlPr>
+                                <a:rPr lang="it-IT" b="0" i="1" smtClean="0">
+                                  <a:latin typeface="Cambria Math" panose="02040503050406030204" pitchFamily="18" charset="0"/>
+                                </a:rPr>
+                              </m:ctrlPr>
+                            </m:fPr>
+                            <m:num>
+                              <m:r>
+                                <a:rPr lang="it-IT" b="0" i="1" smtClean="0">
+                                  <a:latin typeface="Cambria Math" panose="02040503050406030204" pitchFamily="18" charset="0"/>
+                                  <a:ea typeface="Cambria Math" panose="02040503050406030204" pitchFamily="18" charset="0"/>
+                                </a:rPr>
+                                <m:t>𝜋</m:t>
+                              </m:r>
+                            </m:num>
+                            <m:den>
+                              <m:r>
+                                <a:rPr lang="it-IT" b="0" i="1" smtClean="0">
+                                  <a:latin typeface="Cambria Math" panose="02040503050406030204" pitchFamily="18" charset="0"/>
+                                </a:rPr>
+                                <m:t>4</m:t>
+                              </m:r>
+                            </m:den>
+                          </m:f>
+                        </m:e>
+                      </m:nary>
+                    </m:oMath>
+                  </m:oMathPara>
+                </a14:m>
+                <a:endParaRPr lang="it-IT" dirty="0"/>
+              </a:p>
+              <a:p>
+                <a:pPr marL="0" indent="0">
+                  <a:buNone/>
+                </a:pPr>
+                <a:r>
+                  <a:rPr lang="it-IT" dirty="0"/>
+                  <a:t>Se N indica il numero di punti sorteggiati ovvero il numero di volte che si è calcolato il valore dell’integrando, il metodo fornisce l’integrale con una accuratezza che scala come  N</a:t>
+                </a:r>
+                <a:r>
+                  <a:rPr lang="it-IT" baseline="30000" dirty="0"/>
+                  <a:t>-1/2</a:t>
+                </a:r>
+              </a:p>
+              <a:p>
+                <a:pPr marL="0" indent="0">
+                  <a:buNone/>
+                </a:pPr>
+                <a:r>
+                  <a:rPr lang="it-IT" dirty="0"/>
+                  <a:t>Domanda: MMC è competitivo  con altri metodi ?  Vale la pena di adottarlo? </a:t>
+                </a:r>
+              </a:p>
+              <a:p>
+                <a:pPr marL="0" indent="0">
+                  <a:buNone/>
+                </a:pPr>
+                <a:endParaRPr lang="it-IT" baseline="30000" dirty="0"/>
+              </a:p>
+              <a:p>
+                <a:pPr marL="0" indent="0">
+                  <a:buNone/>
+                </a:pPr>
+                <a:endParaRPr lang="it-IT" baseline="30000" dirty="0"/>
+              </a:p>
+            </p:txBody>
+          </p:sp>
+        </mc:Choice>
+        <mc:Fallback xmlns="">
+          <p:sp>
+            <p:nvSpPr>
+              <p:cNvPr id="3" name="Segnaposto contenuto 2">
+                <a:extLst>
+                  <a:ext uri="{FF2B5EF4-FFF2-40B4-BE49-F238E27FC236}">
+                    <a16:creationId xmlns:a16="http://schemas.microsoft.com/office/drawing/2014/main" id="{976A6703-AA5B-4B55-A1A6-4DD549BDFF91}"/>
+                  </a:ext>
+                </a:extLst>
+              </p:cNvPr>
+              <p:cNvSpPr>
+                <a:spLocks noGrp="1" noRot="1" noChangeAspect="1" noMove="1" noResize="1" noEditPoints="1" noAdjustHandles="1" noChangeArrowheads="1" noChangeShapeType="1" noTextEdit="1"/>
+              </p:cNvSpPr>
+              <p:nvPr>
+                <p:ph idx="1"/>
+              </p:nvPr>
+            </p:nvSpPr>
+            <p:spPr>
+              <a:blipFill>
+                <a:blip r:embed="rId2"/>
+                <a:stretch>
+                  <a:fillRect l="-1217" t="-2241" r="-986" b="-2381"/>
+                </a:stretch>
+              </a:blipFill>
+            </p:spPr>
+            <p:txBody>
+              <a:bodyPr/>
+              <a:lstStyle/>
+              <a:p>
+                <a:r>
+                  <a:rPr lang="it-IT">
+                    <a:noFill/>
+                  </a:rPr>
+                  <a:t> </a:t>
+                </a:r>
+              </a:p>
+            </p:txBody>
+          </p:sp>
+        </mc:Fallback>
+      </mc:AlternateContent>
+    </p:spTree>
+    <p:extLst>
+      <p:ext uri="{BB962C8B-B14F-4D97-AF65-F5344CB8AC3E}">
+        <p14:creationId xmlns:p14="http://schemas.microsoft.com/office/powerpoint/2010/main" val="3139230020"/>
+      </p:ext>
+    </p:extLst>
+  </p:cSld>
+  <p:clrMapOvr>
+    <a:masterClrMapping/>
+  </p:clrMapOvr>
+</p:sld>
+</file>
+
+<file path=ppt/slides/slide19.xml><?xml version="1.0" encoding="utf-8"?>
+<p:sld xmlns:a="http://schemas.openxmlformats.org/drawingml/2006/main" xmlns:r="http://schemas.openxmlformats.org/officeDocument/2006/relationships" xmlns:p="http://schemas.openxmlformats.org/presentationml/2006/main">
+  <p:cSld>
+    <p:spTree>
+      <p:nvGrpSpPr>
+        <p:cNvPr id="1" name=""/>
+        <p:cNvGrpSpPr/>
+        <p:nvPr/>
+      </p:nvGrpSpPr>
+      <p:grpSpPr>
+        <a:xfrm>
+          <a:off x="0" y="0"/>
+          <a:ext cx="0" cy="0"/>
+          <a:chOff x="0" y="0"/>
+          <a:chExt cx="0" cy="0"/>
+        </a:xfrm>
+      </p:grpSpPr>
+      <p:sp>
+        <p:nvSpPr>
+          <p:cNvPr id="2" name="Titolo 1">
+            <a:extLst>
+              <a:ext uri="{FF2B5EF4-FFF2-40B4-BE49-F238E27FC236}">
+                <a16:creationId xmlns:a16="http://schemas.microsoft.com/office/drawing/2014/main" id="{6011A848-6F02-4FE5-A86B-19BE21B79200}"/>
+              </a:ext>
+            </a:extLst>
+          </p:cNvPr>
+          <p:cNvSpPr>
+            <a:spLocks noGrp="1"/>
+          </p:cNvSpPr>
+          <p:nvPr>
+            <p:ph type="title"/>
+          </p:nvPr>
+        </p:nvSpPr>
+        <p:spPr/>
+        <p:txBody>
+          <a:bodyPr/>
+          <a:lstStyle/>
+          <a:p>
+            <a:pPr algn="ctr"/>
+            <a:r>
+              <a:rPr lang="it-IT" dirty="0"/>
+              <a:t>Metodo dei trapezio</a:t>
+            </a:r>
+          </a:p>
+        </p:txBody>
+      </p:sp>
+      <p:sp>
+        <p:nvSpPr>
+          <p:cNvPr id="3" name="Segnaposto contenuto 2">
+            <a:extLst>
+              <a:ext uri="{FF2B5EF4-FFF2-40B4-BE49-F238E27FC236}">
+                <a16:creationId xmlns:a16="http://schemas.microsoft.com/office/drawing/2014/main" id="{7F67AC89-B3B6-4495-8FF5-AEB650CE97A2}"/>
+              </a:ext>
+            </a:extLst>
+          </p:cNvPr>
+          <p:cNvSpPr>
+            <a:spLocks noGrp="1"/>
+          </p:cNvSpPr>
+          <p:nvPr>
+            <p:ph idx="1"/>
+          </p:nvPr>
+        </p:nvSpPr>
+        <p:spPr/>
+        <p:txBody>
+          <a:bodyPr>
+            <a:normAutofit/>
+          </a:bodyPr>
+          <a:lstStyle/>
+          <a:p>
+            <a:pPr algn="just"/>
+            <a:r>
+              <a:rPr lang="it-IT" sz="2400" dirty="0"/>
+              <a:t>Un metodo classico per valutare numericamente integrali definiti consiste nel dividere l’intervallo di </a:t>
+            </a:r>
+            <a:r>
+              <a:rPr lang="it-IT" sz="2400" dirty="0" err="1"/>
+              <a:t>integraziona</a:t>
+            </a:r>
+            <a:r>
+              <a:rPr lang="it-IT" sz="2400" dirty="0"/>
+              <a:t> [</a:t>
+            </a:r>
+            <a:r>
+              <a:rPr lang="it-IT" sz="2400" dirty="0" err="1"/>
+              <a:t>a,b</a:t>
+            </a:r>
+            <a:r>
+              <a:rPr lang="it-IT" sz="2400" dirty="0"/>
+              <a:t>] in N </a:t>
+            </a:r>
+            <a:r>
+              <a:rPr lang="it-IT" sz="2400" dirty="0" err="1"/>
+              <a:t>sottointervalli</a:t>
+            </a:r>
+            <a:r>
+              <a:rPr lang="it-IT" sz="2400" dirty="0"/>
+              <a:t>  di uguale ampiezza (b-a)/N , nei quali la funzione si approssima con il suo valore medio  (Regola del trapezio) </a:t>
+            </a:r>
+          </a:p>
+        </p:txBody>
+      </p:sp>
+      <p:pic>
+        <p:nvPicPr>
+          <p:cNvPr id="5" name="Immagine 4" descr="Immagine che contiene edificio, orologio, torre&#10;&#10;Descrizione generata automaticamente">
+            <a:extLst>
+              <a:ext uri="{FF2B5EF4-FFF2-40B4-BE49-F238E27FC236}">
+                <a16:creationId xmlns:a16="http://schemas.microsoft.com/office/drawing/2014/main" id="{52D9A14B-0CE7-463B-9F2A-15B7BF369056}"/>
+              </a:ext>
+            </a:extLst>
+          </p:cNvPr>
+          <p:cNvPicPr>
+            <a:picLocks noChangeAspect="1"/>
+          </p:cNvPicPr>
+          <p:nvPr/>
+        </p:nvPicPr>
+        <p:blipFill>
+          <a:blip r:embed="rId2">
+            <a:extLst>
+              <a:ext uri="{28A0092B-C50C-407E-A947-70E740481C1C}">
+                <a14:useLocalDpi xmlns:a14="http://schemas.microsoft.com/office/drawing/2010/main" val="0"/>
+              </a:ext>
+            </a:extLst>
+          </a:blip>
+          <a:stretch>
+            <a:fillRect/>
+          </a:stretch>
+        </p:blipFill>
+        <p:spPr>
+          <a:xfrm>
+            <a:off x="1042256" y="3719375"/>
+            <a:ext cx="2744552" cy="2298562"/>
+          </a:xfrm>
+          <a:prstGeom prst="rect">
+            <a:avLst/>
+          </a:prstGeom>
+        </p:spPr>
+      </p:pic>
+      <mc:AlternateContent xmlns:mc="http://schemas.openxmlformats.org/markup-compatibility/2006" xmlns:a14="http://schemas.microsoft.com/office/drawing/2010/main">
+        <mc:Choice Requires="a14">
+          <p:sp>
+            <p:nvSpPr>
+              <p:cNvPr id="6" name="CasellaDiTesto 5">
+                <a:extLst>
+                  <a:ext uri="{FF2B5EF4-FFF2-40B4-BE49-F238E27FC236}">
+                    <a16:creationId xmlns:a16="http://schemas.microsoft.com/office/drawing/2014/main" id="{F208AC86-D178-4FD8-8B0B-65271759B9B8}"/>
+                  </a:ext>
+                </a:extLst>
+              </p:cNvPr>
+              <p:cNvSpPr txBox="1"/>
+              <p:nvPr/>
+            </p:nvSpPr>
+            <p:spPr>
+              <a:xfrm>
+                <a:off x="4800599" y="3429000"/>
+                <a:ext cx="6132444" cy="2870273"/>
+              </a:xfrm>
+              <a:prstGeom prst="rect">
+                <a:avLst/>
+              </a:prstGeom>
+              <a:noFill/>
+            </p:spPr>
+            <p:txBody>
+              <a:bodyPr wrap="square" rtlCol="0">
+                <a:spAutoFit/>
+              </a:bodyPr>
+              <a:lstStyle/>
+              <a:p>
+                <a14:m>
+                  <m:oMath xmlns:m="http://schemas.openxmlformats.org/officeDocument/2006/math">
+                    <m:r>
+                      <a:rPr lang="it-IT" sz="3200" b="0" i="1" smtClean="0">
+                        <a:latin typeface="Cambria Math" panose="02040503050406030204" pitchFamily="18" charset="0"/>
+                      </a:rPr>
+                      <m:t>𝐸𝑟𝑟𝑜𝑟</m:t>
+                    </m:r>
+                    <m:r>
+                      <a:rPr lang="it-IT" sz="3200" b="0" i="1" smtClean="0">
+                        <a:latin typeface="Cambria Math" panose="02040503050406030204" pitchFamily="18" charset="0"/>
+                      </a:rPr>
+                      <m:t> =−</m:t>
+                    </m:r>
+                    <m:f>
+                      <m:fPr>
+                        <m:ctrlPr>
+                          <a:rPr lang="it-IT" sz="3200" i="1" smtClean="0">
+                            <a:latin typeface="Cambria Math" panose="02040503050406030204" pitchFamily="18" charset="0"/>
+                          </a:rPr>
+                        </m:ctrlPr>
+                      </m:fPr>
+                      <m:num>
+                        <m:sSup>
+                          <m:sSupPr>
+                            <m:ctrlPr>
+                              <a:rPr lang="it-IT" sz="3200" i="1" smtClean="0">
+                                <a:latin typeface="Cambria Math" panose="02040503050406030204" pitchFamily="18" charset="0"/>
+                              </a:rPr>
+                            </m:ctrlPr>
+                          </m:sSupPr>
+                          <m:e>
+                            <m:r>
+                              <a:rPr lang="it-IT" sz="3200" b="0" i="1" smtClean="0">
+                                <a:latin typeface="Cambria Math" panose="02040503050406030204" pitchFamily="18" charset="0"/>
+                              </a:rPr>
+                              <m:t>(</m:t>
+                            </m:r>
+                            <m:r>
+                              <a:rPr lang="it-IT" sz="3200" b="0" i="1" smtClean="0">
+                                <a:latin typeface="Cambria Math" panose="02040503050406030204" pitchFamily="18" charset="0"/>
+                              </a:rPr>
+                              <m:t>𝑏</m:t>
+                            </m:r>
+                            <m:r>
+                              <a:rPr lang="it-IT" sz="3200" b="0" i="1" smtClean="0">
+                                <a:latin typeface="Cambria Math" panose="02040503050406030204" pitchFamily="18" charset="0"/>
+                              </a:rPr>
+                              <m:t>−</m:t>
+                            </m:r>
+                            <m:r>
+                              <a:rPr lang="it-IT" sz="3200" b="0" i="1" smtClean="0">
+                                <a:latin typeface="Cambria Math" panose="02040503050406030204" pitchFamily="18" charset="0"/>
+                              </a:rPr>
+                              <m:t>𝑎</m:t>
+                            </m:r>
+                            <m:r>
+                              <a:rPr lang="it-IT" sz="3200" b="0" i="1" smtClean="0">
+                                <a:latin typeface="Cambria Math" panose="02040503050406030204" pitchFamily="18" charset="0"/>
+                              </a:rPr>
+                              <m:t>)</m:t>
+                            </m:r>
+                          </m:e>
+                          <m:sup>
+                            <m:r>
+                              <a:rPr lang="it-IT" sz="3200" b="0" i="1" smtClean="0">
+                                <a:latin typeface="Cambria Math" panose="02040503050406030204" pitchFamily="18" charset="0"/>
+                              </a:rPr>
+                              <m:t>3</m:t>
+                            </m:r>
+                          </m:sup>
+                        </m:sSup>
+                      </m:num>
+                      <m:den>
+                        <m:sSup>
+                          <m:sSupPr>
+                            <m:ctrlPr>
+                              <a:rPr lang="it-IT" sz="3200" i="1" smtClean="0">
+                                <a:latin typeface="Cambria Math" panose="02040503050406030204" pitchFamily="18" charset="0"/>
+                              </a:rPr>
+                            </m:ctrlPr>
+                          </m:sSupPr>
+                          <m:e>
+                            <m:r>
+                              <a:rPr lang="it-IT" sz="3200" b="0" i="1" smtClean="0">
+                                <a:latin typeface="Cambria Math" panose="02040503050406030204" pitchFamily="18" charset="0"/>
+                              </a:rPr>
+                              <m:t>𝑁</m:t>
+                            </m:r>
+                          </m:e>
+                          <m:sup>
+                            <m:r>
+                              <a:rPr lang="it-IT" sz="3200" b="0" i="1" smtClean="0">
+                                <a:latin typeface="Cambria Math" panose="02040503050406030204" pitchFamily="18" charset="0"/>
+                              </a:rPr>
+                              <m:t>2</m:t>
+                            </m:r>
+                          </m:sup>
+                        </m:sSup>
+                      </m:den>
+                    </m:f>
+                    <m:r>
+                      <a:rPr lang="it-IT" sz="3200" b="0" i="1" smtClean="0">
+                        <a:latin typeface="Cambria Math" panose="02040503050406030204" pitchFamily="18" charset="0"/>
+                      </a:rPr>
+                      <m:t> </m:t>
+                    </m:r>
+                    <m:sSup>
+                      <m:sSupPr>
+                        <m:ctrlPr>
+                          <a:rPr lang="it-IT" sz="3200" b="0" i="1" smtClean="0">
+                            <a:latin typeface="Cambria Math" panose="02040503050406030204" pitchFamily="18" charset="0"/>
+                          </a:rPr>
+                        </m:ctrlPr>
+                      </m:sSupPr>
+                      <m:e>
+                        <m:r>
+                          <a:rPr lang="it-IT" sz="3200" b="0" i="1" smtClean="0">
+                            <a:latin typeface="Cambria Math" panose="02040503050406030204" pitchFamily="18" charset="0"/>
+                          </a:rPr>
+                          <m:t>𝑓</m:t>
+                        </m:r>
+                      </m:e>
+                      <m:sup>
+                        <m:r>
+                          <a:rPr lang="it-IT" sz="3200" b="0" i="1" smtClean="0">
+                            <a:latin typeface="Cambria Math" panose="02040503050406030204" pitchFamily="18" charset="0"/>
+                          </a:rPr>
+                          <m:t>′′</m:t>
+                        </m:r>
+                      </m:sup>
+                    </m:sSup>
+                    <m:d>
+                      <m:dPr>
+                        <m:ctrlPr>
+                          <a:rPr lang="it-IT" sz="3200" b="0" i="1" smtClean="0">
+                            <a:latin typeface="Cambria Math" panose="02040503050406030204" pitchFamily="18" charset="0"/>
+                          </a:rPr>
+                        </m:ctrlPr>
+                      </m:dPr>
+                      <m:e>
+                        <m:r>
+                          <a:rPr lang="it-IT" sz="3200" b="0" i="1" smtClean="0">
+                            <a:latin typeface="Cambria Math" panose="02040503050406030204" pitchFamily="18" charset="0"/>
+                          </a:rPr>
+                          <m:t>𝑐</m:t>
+                        </m:r>
+                      </m:e>
+                    </m:d>
+                    <m:r>
+                      <a:rPr lang="it-IT" sz="3200" b="0" i="1" smtClean="0">
+                        <a:latin typeface="Cambria Math" panose="02040503050406030204" pitchFamily="18" charset="0"/>
+                      </a:rPr>
+                      <m:t>+</m:t>
+                    </m:r>
+                    <m:r>
+                      <a:rPr lang="it-IT" sz="3200" b="0" i="1" smtClean="0">
+                        <a:latin typeface="Cambria Math" panose="02040503050406030204" pitchFamily="18" charset="0"/>
+                      </a:rPr>
+                      <m:t>𝑂</m:t>
+                    </m:r>
+                    <m:r>
+                      <a:rPr lang="it-IT" sz="3200" b="0" i="1" smtClean="0">
+                        <a:latin typeface="Cambria Math" panose="02040503050406030204" pitchFamily="18" charset="0"/>
+                      </a:rPr>
+                      <m:t>(</m:t>
+                    </m:r>
+                    <m:sSup>
+                      <m:sSupPr>
+                        <m:ctrlPr>
+                          <a:rPr lang="it-IT" sz="3200" b="0" i="1" smtClean="0">
+                            <a:latin typeface="Cambria Math" panose="02040503050406030204" pitchFamily="18" charset="0"/>
+                          </a:rPr>
+                        </m:ctrlPr>
+                      </m:sSupPr>
+                      <m:e>
+                        <m:r>
+                          <a:rPr lang="it-IT" sz="3200" b="0" i="1" smtClean="0">
+                            <a:latin typeface="Cambria Math" panose="02040503050406030204" pitchFamily="18" charset="0"/>
+                          </a:rPr>
+                          <m:t>𝑁</m:t>
+                        </m:r>
+                      </m:e>
+                      <m:sup>
+                        <m:r>
+                          <a:rPr lang="it-IT" sz="3200" b="0" i="1" smtClean="0">
+                            <a:latin typeface="Cambria Math" panose="02040503050406030204" pitchFamily="18" charset="0"/>
+                          </a:rPr>
+                          <m:t>−</m:t>
+                        </m:r>
+                        <m:r>
+                          <a:rPr lang="it-IT" sz="3200" b="0" i="1" smtClean="0">
+                            <a:latin typeface="Cambria Math" panose="02040503050406030204" pitchFamily="18" charset="0"/>
+                          </a:rPr>
+                          <m:t>3</m:t>
+                        </m:r>
+                      </m:sup>
+                    </m:sSup>
+                    <m:r>
+                      <a:rPr lang="it-IT" sz="3200" b="0" i="1" smtClean="0">
+                        <a:latin typeface="Cambria Math" panose="02040503050406030204" pitchFamily="18" charset="0"/>
+                      </a:rPr>
+                      <m:t>)</m:t>
+                    </m:r>
+                  </m:oMath>
+                </a14:m>
+                <a:r>
+                  <a:rPr lang="it-IT" sz="3200" dirty="0"/>
+                  <a:t> </a:t>
+                </a:r>
+              </a:p>
+              <a:p>
+                <a:endParaRPr lang="it-IT" sz="2400" dirty="0"/>
+              </a:p>
+              <a:p>
+                <a:pPr algn="just"/>
+                <a:r>
+                  <a:rPr lang="it-IT" sz="2400" dirty="0"/>
+                  <a:t>Dove c è un qualche punto in [</a:t>
+                </a:r>
+                <a:r>
+                  <a:rPr lang="it-IT" sz="2400" dirty="0" err="1"/>
+                  <a:t>a,b</a:t>
+                </a:r>
+                <a:r>
+                  <a:rPr lang="it-IT" sz="2400" dirty="0"/>
+                  <a:t>]. La dimostrazione segue dal teorema della media di Lagrange. [Cercare una dimostrazione]  </a:t>
+                </a:r>
+              </a:p>
+            </p:txBody>
+          </p:sp>
+        </mc:Choice>
+        <mc:Fallback xmlns="">
+          <p:sp>
+            <p:nvSpPr>
+              <p:cNvPr id="6" name="CasellaDiTesto 5">
+                <a:extLst>
+                  <a:ext uri="{FF2B5EF4-FFF2-40B4-BE49-F238E27FC236}">
+                    <a16:creationId xmlns:a16="http://schemas.microsoft.com/office/drawing/2014/main" id="{F208AC86-D178-4FD8-8B0B-65271759B9B8}"/>
+                  </a:ext>
+                </a:extLst>
+              </p:cNvPr>
+              <p:cNvSpPr txBox="1">
+                <a:spLocks noRot="1" noChangeAspect="1" noMove="1" noResize="1" noEditPoints="1" noAdjustHandles="1" noChangeArrowheads="1" noChangeShapeType="1" noTextEdit="1"/>
+              </p:cNvSpPr>
+              <p:nvPr/>
+            </p:nvSpPr>
+            <p:spPr>
+              <a:xfrm>
+                <a:off x="4800599" y="3429000"/>
+                <a:ext cx="6132444" cy="2870273"/>
+              </a:xfrm>
+              <a:prstGeom prst="rect">
+                <a:avLst/>
+              </a:prstGeom>
+              <a:blipFill>
+                <a:blip r:embed="rId3"/>
+                <a:stretch>
+                  <a:fillRect l="-1491" r="-1590" b="-2340"/>
+                </a:stretch>
+              </a:blipFill>
+            </p:spPr>
+            <p:txBody>
+              <a:bodyPr/>
+              <a:lstStyle/>
+              <a:p>
+                <a:r>
+                  <a:rPr lang="it-IT">
+                    <a:noFill/>
+                  </a:rPr>
+                  <a:t> </a:t>
+                </a:r>
+              </a:p>
+            </p:txBody>
+          </p:sp>
+        </mc:Fallback>
+      </mc:AlternateContent>
+    </p:spTree>
+    <p:extLst>
+      <p:ext uri="{BB962C8B-B14F-4D97-AF65-F5344CB8AC3E}">
+        <p14:creationId xmlns:p14="http://schemas.microsoft.com/office/powerpoint/2010/main" val="2696691162"/>
+      </p:ext>
+    </p:extLst>
+  </p:cSld>
+  <p:clrMapOvr>
+    <a:masterClrMapping/>
+  </p:clrMapOvr>
+</p:sld>
+</file>
+
 <file path=ppt/slides/slide2.xml><?xml version="1.0" encoding="utf-8"?>
 <p:sld xmlns:a="http://schemas.openxmlformats.org/drawingml/2006/main" xmlns:r="http://schemas.openxmlformats.org/officeDocument/2006/relationships" xmlns:p="http://schemas.openxmlformats.org/presentationml/2006/main">
   <p:cSld>
@@ -5519,6 +6279,1669 @@
     <p:extLst>
       <p:ext uri="{BB962C8B-B14F-4D97-AF65-F5344CB8AC3E}">
         <p14:creationId xmlns:p14="http://schemas.microsoft.com/office/powerpoint/2010/main" val="1019021931"/>
+      </p:ext>
+    </p:extLst>
+  </p:cSld>
+  <p:clrMapOvr>
+    <a:masterClrMapping/>
+  </p:clrMapOvr>
+</p:sld>
+</file>
+
+<file path=ppt/slides/slide20.xml><?xml version="1.0" encoding="utf-8"?>
+<p:sld xmlns:a="http://schemas.openxmlformats.org/drawingml/2006/main" xmlns:r="http://schemas.openxmlformats.org/officeDocument/2006/relationships" xmlns:p="http://schemas.openxmlformats.org/presentationml/2006/main">
+  <p:cSld>
+    <p:spTree>
+      <p:nvGrpSpPr>
+        <p:cNvPr id="1" name=""/>
+        <p:cNvGrpSpPr/>
+        <p:nvPr/>
+      </p:nvGrpSpPr>
+      <p:grpSpPr>
+        <a:xfrm>
+          <a:off x="0" y="0"/>
+          <a:ext cx="0" cy="0"/>
+          <a:chOff x="0" y="0"/>
+          <a:chExt cx="0" cy="0"/>
+        </a:xfrm>
+      </p:grpSpPr>
+      <p:sp>
+        <p:nvSpPr>
+          <p:cNvPr id="2" name="Titolo 1">
+            <a:extLst>
+              <a:ext uri="{FF2B5EF4-FFF2-40B4-BE49-F238E27FC236}">
+                <a16:creationId xmlns:a16="http://schemas.microsoft.com/office/drawing/2014/main" id="{321CECAB-D063-4B7B-8364-EE1C3D6C9752}"/>
+              </a:ext>
+            </a:extLst>
+          </p:cNvPr>
+          <p:cNvSpPr>
+            <a:spLocks noGrp="1"/>
+          </p:cNvSpPr>
+          <p:nvPr>
+            <p:ph type="title"/>
+          </p:nvPr>
+        </p:nvSpPr>
+        <p:spPr/>
+        <p:txBody>
+          <a:bodyPr/>
+          <a:lstStyle/>
+          <a:p>
+            <a:r>
+              <a:rPr lang="it-IT" dirty="0"/>
+              <a:t>Approssimazione parabolica </a:t>
+            </a:r>
+          </a:p>
+        </p:txBody>
+      </p:sp>
+      <p:sp>
+        <p:nvSpPr>
+          <p:cNvPr id="3" name="Segnaposto contenuto 2">
+            <a:extLst>
+              <a:ext uri="{FF2B5EF4-FFF2-40B4-BE49-F238E27FC236}">
+                <a16:creationId xmlns:a16="http://schemas.microsoft.com/office/drawing/2014/main" id="{93D6BF96-BAE1-47A0-B4D6-C09FAA3900C8}"/>
+              </a:ext>
+            </a:extLst>
+          </p:cNvPr>
+          <p:cNvSpPr>
+            <a:spLocks noGrp="1"/>
+          </p:cNvSpPr>
+          <p:nvPr>
+            <p:ph idx="1"/>
+          </p:nvPr>
+        </p:nvSpPr>
+        <p:spPr/>
+        <p:txBody>
+          <a:bodyPr/>
+          <a:lstStyle/>
+          <a:p>
+            <a:r>
+              <a:rPr lang="it-IT" dirty="0"/>
+              <a:t>Si possono usare altre approssimazioni. Il metodo Cavalieri-Simpson usa una approssimazione parabolica  </a:t>
+            </a:r>
+          </a:p>
+        </p:txBody>
+      </p:sp>
+      <p:pic>
+        <p:nvPicPr>
+          <p:cNvPr id="5" name="Immagine 4" descr="Immagine che contiene luce&#10;&#10;Descrizione generata automaticamente">
+            <a:extLst>
+              <a:ext uri="{FF2B5EF4-FFF2-40B4-BE49-F238E27FC236}">
+                <a16:creationId xmlns:a16="http://schemas.microsoft.com/office/drawing/2014/main" id="{2025D9F1-3434-4644-B2FC-B69EA0A6973A}"/>
+              </a:ext>
+            </a:extLst>
+          </p:cNvPr>
+          <p:cNvPicPr>
+            <a:picLocks noChangeAspect="1"/>
+          </p:cNvPicPr>
+          <p:nvPr/>
+        </p:nvPicPr>
+        <p:blipFill>
+          <a:blip r:embed="rId2">
+            <a:extLst>
+              <a:ext uri="{28A0092B-C50C-407E-A947-70E740481C1C}">
+                <a14:useLocalDpi xmlns:a14="http://schemas.microsoft.com/office/drawing/2010/main" val="0"/>
+              </a:ext>
+            </a:extLst>
+          </a:blip>
+          <a:stretch>
+            <a:fillRect/>
+          </a:stretch>
+        </p:blipFill>
+        <p:spPr>
+          <a:xfrm>
+            <a:off x="838200" y="3244349"/>
+            <a:ext cx="3594496" cy="3248526"/>
+          </a:xfrm>
+          <a:prstGeom prst="rect">
+            <a:avLst/>
+          </a:prstGeom>
+        </p:spPr>
+      </p:pic>
+      <mc:AlternateContent xmlns:mc="http://schemas.openxmlformats.org/markup-compatibility/2006" xmlns:a14="http://schemas.microsoft.com/office/drawing/2010/main">
+        <mc:Choice Requires="a14">
+          <p:sp>
+            <p:nvSpPr>
+              <p:cNvPr id="6" name="CasellaDiTesto 5">
+                <a:extLst>
+                  <a:ext uri="{FF2B5EF4-FFF2-40B4-BE49-F238E27FC236}">
+                    <a16:creationId xmlns:a16="http://schemas.microsoft.com/office/drawing/2014/main" id="{A8A35430-DCB6-4364-BA33-A464BBD30EE0}"/>
+                  </a:ext>
+                </a:extLst>
+              </p:cNvPr>
+              <p:cNvSpPr txBox="1"/>
+              <p:nvPr/>
+            </p:nvSpPr>
+            <p:spPr>
+              <a:xfrm>
+                <a:off x="4432696" y="3429000"/>
+                <a:ext cx="6500347" cy="2704458"/>
+              </a:xfrm>
+              <a:prstGeom prst="rect">
+                <a:avLst/>
+              </a:prstGeom>
+              <a:noFill/>
+            </p:spPr>
+            <p:txBody>
+              <a:bodyPr wrap="square" rtlCol="0">
+                <a:spAutoFit/>
+              </a:bodyPr>
+              <a:lstStyle/>
+              <a:p>
+                <a14:m>
+                  <m:oMath xmlns:m="http://schemas.openxmlformats.org/officeDocument/2006/math">
+                    <m:r>
+                      <a:rPr lang="it-IT" sz="3200" b="0" i="1" smtClean="0">
+                        <a:latin typeface="Cambria Math" panose="02040503050406030204" pitchFamily="18" charset="0"/>
+                      </a:rPr>
+                      <m:t>𝐸𝑟𝑟𝑜𝑟</m:t>
+                    </m:r>
+                    <m:r>
+                      <a:rPr lang="it-IT" sz="3200" b="0" i="1" smtClean="0">
+                        <a:latin typeface="Cambria Math" panose="02040503050406030204" pitchFamily="18" charset="0"/>
+                      </a:rPr>
+                      <m:t> =−</m:t>
+                    </m:r>
+                    <m:f>
+                      <m:fPr>
+                        <m:ctrlPr>
+                          <a:rPr lang="it-IT" sz="3200" i="1" smtClean="0">
+                            <a:latin typeface="Cambria Math" panose="02040503050406030204" pitchFamily="18" charset="0"/>
+                          </a:rPr>
+                        </m:ctrlPr>
+                      </m:fPr>
+                      <m:num>
+                        <m:sSup>
+                          <m:sSupPr>
+                            <m:ctrlPr>
+                              <a:rPr lang="it-IT" sz="3200" i="1" smtClean="0">
+                                <a:latin typeface="Cambria Math" panose="02040503050406030204" pitchFamily="18" charset="0"/>
+                              </a:rPr>
+                            </m:ctrlPr>
+                          </m:sSupPr>
+                          <m:e>
+                            <m:d>
+                              <m:dPr>
+                                <m:ctrlPr>
+                                  <a:rPr lang="it-IT" sz="3200" b="0" i="1" smtClean="0">
+                                    <a:latin typeface="Cambria Math" panose="02040503050406030204" pitchFamily="18" charset="0"/>
+                                  </a:rPr>
+                                </m:ctrlPr>
+                              </m:dPr>
+                              <m:e>
+                                <m:r>
+                                  <a:rPr lang="it-IT" sz="3200" b="0" i="1" smtClean="0">
+                                    <a:latin typeface="Cambria Math" panose="02040503050406030204" pitchFamily="18" charset="0"/>
+                                  </a:rPr>
+                                  <m:t>𝑏</m:t>
+                                </m:r>
+                                <m:r>
+                                  <a:rPr lang="it-IT" sz="3200" b="0" i="1" smtClean="0">
+                                    <a:latin typeface="Cambria Math" panose="02040503050406030204" pitchFamily="18" charset="0"/>
+                                  </a:rPr>
+                                  <m:t>−</m:t>
+                                </m:r>
+                                <m:r>
+                                  <a:rPr lang="it-IT" sz="3200" b="0" i="1" smtClean="0">
+                                    <a:latin typeface="Cambria Math" panose="02040503050406030204" pitchFamily="18" charset="0"/>
+                                  </a:rPr>
+                                  <m:t>𝑎</m:t>
+                                </m:r>
+                              </m:e>
+                            </m:d>
+                          </m:e>
+                          <m:sup>
+                            <m:r>
+                              <a:rPr lang="it-IT" sz="3200" b="0" i="1" smtClean="0">
+                                <a:latin typeface="Cambria Math" panose="02040503050406030204" pitchFamily="18" charset="0"/>
+                              </a:rPr>
+                              <m:t>3</m:t>
+                            </m:r>
+                          </m:sup>
+                        </m:sSup>
+                      </m:num>
+                      <m:den>
+                        <m:sSup>
+                          <m:sSupPr>
+                            <m:ctrlPr>
+                              <a:rPr lang="it-IT" sz="3200" i="1" smtClean="0">
+                                <a:latin typeface="Cambria Math" panose="02040503050406030204" pitchFamily="18" charset="0"/>
+                              </a:rPr>
+                            </m:ctrlPr>
+                          </m:sSupPr>
+                          <m:e>
+                            <m:r>
+                              <a:rPr lang="it-IT" sz="3200" b="0" i="1" smtClean="0">
+                                <a:latin typeface="Cambria Math" panose="02040503050406030204" pitchFamily="18" charset="0"/>
+                              </a:rPr>
+                              <m:t>𝑁</m:t>
+                            </m:r>
+                          </m:e>
+                          <m:sup>
+                            <m:r>
+                              <a:rPr lang="it-IT" sz="3200" b="0" i="1" smtClean="0">
+                                <a:latin typeface="Cambria Math" panose="02040503050406030204" pitchFamily="18" charset="0"/>
+                              </a:rPr>
+                              <m:t>3</m:t>
+                            </m:r>
+                          </m:sup>
+                        </m:sSup>
+                      </m:den>
+                    </m:f>
+                    <m:r>
+                      <a:rPr lang="it-IT" sz="3200" b="0" i="1" smtClean="0">
+                        <a:latin typeface="Cambria Math" panose="02040503050406030204" pitchFamily="18" charset="0"/>
+                      </a:rPr>
+                      <m:t> </m:t>
+                    </m:r>
+                    <m:sSup>
+                      <m:sSupPr>
+                        <m:ctrlPr>
+                          <a:rPr lang="it-IT" sz="3200" b="0" i="1" smtClean="0">
+                            <a:latin typeface="Cambria Math" panose="02040503050406030204" pitchFamily="18" charset="0"/>
+                          </a:rPr>
+                        </m:ctrlPr>
+                      </m:sSupPr>
+                      <m:e>
+                        <m:r>
+                          <a:rPr lang="it-IT" sz="3200" b="0" i="1" smtClean="0">
+                            <a:latin typeface="Cambria Math" panose="02040503050406030204" pitchFamily="18" charset="0"/>
+                          </a:rPr>
+                          <m:t>𝑓</m:t>
+                        </m:r>
+                      </m:e>
+                      <m:sup>
+                        <m:r>
+                          <a:rPr lang="it-IT" sz="3200" b="0" i="1" smtClean="0">
+                            <a:latin typeface="Cambria Math" panose="02040503050406030204" pitchFamily="18" charset="0"/>
+                          </a:rPr>
+                          <m:t>′′</m:t>
+                        </m:r>
+                      </m:sup>
+                    </m:sSup>
+                    <m:d>
+                      <m:dPr>
+                        <m:ctrlPr>
+                          <a:rPr lang="it-IT" sz="3200" b="0" i="1" smtClean="0">
+                            <a:latin typeface="Cambria Math" panose="02040503050406030204" pitchFamily="18" charset="0"/>
+                          </a:rPr>
+                        </m:ctrlPr>
+                      </m:dPr>
+                      <m:e>
+                        <m:r>
+                          <a:rPr lang="it-IT" sz="3200" b="0" i="1" smtClean="0">
+                            <a:latin typeface="Cambria Math" panose="02040503050406030204" pitchFamily="18" charset="0"/>
+                          </a:rPr>
+                          <m:t>𝑐</m:t>
+                        </m:r>
+                      </m:e>
+                    </m:d>
+                    <m:r>
+                      <a:rPr lang="it-IT" sz="3200" b="0" i="1" smtClean="0">
+                        <a:latin typeface="Cambria Math" panose="02040503050406030204" pitchFamily="18" charset="0"/>
+                      </a:rPr>
+                      <m:t>+</m:t>
+                    </m:r>
+                    <m:r>
+                      <a:rPr lang="it-IT" sz="3200" b="0" i="1" smtClean="0">
+                        <a:latin typeface="Cambria Math" panose="02040503050406030204" pitchFamily="18" charset="0"/>
+                      </a:rPr>
+                      <m:t>𝑂</m:t>
+                    </m:r>
+                    <m:r>
+                      <a:rPr lang="it-IT" sz="3200" b="0" i="1" smtClean="0">
+                        <a:latin typeface="Cambria Math" panose="02040503050406030204" pitchFamily="18" charset="0"/>
+                      </a:rPr>
+                      <m:t>(</m:t>
+                    </m:r>
+                    <m:sSup>
+                      <m:sSupPr>
+                        <m:ctrlPr>
+                          <a:rPr lang="it-IT" sz="3200" b="0" i="1" smtClean="0">
+                            <a:latin typeface="Cambria Math" panose="02040503050406030204" pitchFamily="18" charset="0"/>
+                          </a:rPr>
+                        </m:ctrlPr>
+                      </m:sSupPr>
+                      <m:e>
+                        <m:r>
+                          <a:rPr lang="it-IT" sz="3200" b="0" i="1" smtClean="0">
+                            <a:latin typeface="Cambria Math" panose="02040503050406030204" pitchFamily="18" charset="0"/>
+                          </a:rPr>
+                          <m:t>𝑁</m:t>
+                        </m:r>
+                      </m:e>
+                      <m:sup>
+                        <m:r>
+                          <a:rPr lang="it-IT" sz="3200" b="0" i="1" smtClean="0">
+                            <a:latin typeface="Cambria Math" panose="02040503050406030204" pitchFamily="18" charset="0"/>
+                          </a:rPr>
+                          <m:t>−4</m:t>
+                        </m:r>
+                      </m:sup>
+                    </m:sSup>
+                    <m:r>
+                      <a:rPr lang="it-IT" sz="3200" b="0" i="1" smtClean="0">
+                        <a:latin typeface="Cambria Math" panose="02040503050406030204" pitchFamily="18" charset="0"/>
+                      </a:rPr>
+                      <m:t>)</m:t>
+                    </m:r>
+                  </m:oMath>
+                </a14:m>
+                <a:r>
+                  <a:rPr lang="it-IT" sz="3200" dirty="0"/>
+                  <a:t> </a:t>
+                </a:r>
+              </a:p>
+              <a:p>
+                <a:endParaRPr lang="it-IT" sz="2400" dirty="0"/>
+              </a:p>
+              <a:p>
+                <a:pPr algn="just"/>
+                <a:r>
+                  <a:rPr lang="it-IT" sz="2400" dirty="0"/>
+                  <a:t>Dove c è un qualche punto in [</a:t>
+                </a:r>
+                <a:r>
+                  <a:rPr lang="it-IT" sz="2400" dirty="0" err="1"/>
+                  <a:t>a,b</a:t>
+                </a:r>
+                <a:r>
+                  <a:rPr lang="it-IT" sz="2400" dirty="0"/>
+                  <a:t>].  </a:t>
+                </a:r>
+              </a:p>
+              <a:p>
+                <a:pPr algn="just"/>
+                <a:r>
+                  <a:rPr lang="it-IT" sz="2400" dirty="0"/>
+                  <a:t>Aumentando il grado del polinomio l’accuratezza migliora ma si paga il prezzo «computazionale» di dover calcolare derivate di ordine elevato !</a:t>
+                </a:r>
+              </a:p>
+            </p:txBody>
+          </p:sp>
+        </mc:Choice>
+        <mc:Fallback xmlns="">
+          <p:sp>
+            <p:nvSpPr>
+              <p:cNvPr id="6" name="CasellaDiTesto 5">
+                <a:extLst>
+                  <a:ext uri="{FF2B5EF4-FFF2-40B4-BE49-F238E27FC236}">
+                    <a16:creationId xmlns:a16="http://schemas.microsoft.com/office/drawing/2014/main" id="{A8A35430-DCB6-4364-BA33-A464BBD30EE0}"/>
+                  </a:ext>
+                </a:extLst>
+              </p:cNvPr>
+              <p:cNvSpPr txBox="1">
+                <a:spLocks noRot="1" noChangeAspect="1" noMove="1" noResize="1" noEditPoints="1" noAdjustHandles="1" noChangeArrowheads="1" noChangeShapeType="1" noTextEdit="1"/>
+              </p:cNvSpPr>
+              <p:nvPr/>
+            </p:nvSpPr>
+            <p:spPr>
+              <a:xfrm>
+                <a:off x="4432696" y="3429000"/>
+                <a:ext cx="6500347" cy="2704458"/>
+              </a:xfrm>
+              <a:prstGeom prst="rect">
+                <a:avLst/>
+              </a:prstGeom>
+              <a:blipFill>
+                <a:blip r:embed="rId3"/>
+                <a:stretch>
+                  <a:fillRect l="-1407" r="-1501" b="-4063"/>
+                </a:stretch>
+              </a:blipFill>
+            </p:spPr>
+            <p:txBody>
+              <a:bodyPr/>
+              <a:lstStyle/>
+              <a:p>
+                <a:r>
+                  <a:rPr lang="it-IT">
+                    <a:noFill/>
+                  </a:rPr>
+                  <a:t> </a:t>
+                </a:r>
+              </a:p>
+            </p:txBody>
+          </p:sp>
+        </mc:Fallback>
+      </mc:AlternateContent>
+    </p:spTree>
+    <p:extLst>
+      <p:ext uri="{BB962C8B-B14F-4D97-AF65-F5344CB8AC3E}">
+        <p14:creationId xmlns:p14="http://schemas.microsoft.com/office/powerpoint/2010/main" val="939066236"/>
+      </p:ext>
+    </p:extLst>
+  </p:cSld>
+  <p:clrMapOvr>
+    <a:masterClrMapping/>
+  </p:clrMapOvr>
+</p:sld>
+</file>
+
+<file path=ppt/slides/slide21.xml><?xml version="1.0" encoding="utf-8"?>
+<p:sld xmlns:a="http://schemas.openxmlformats.org/drawingml/2006/main" xmlns:r="http://schemas.openxmlformats.org/officeDocument/2006/relationships" xmlns:p="http://schemas.openxmlformats.org/presentationml/2006/main">
+  <p:cSld>
+    <p:spTree>
+      <p:nvGrpSpPr>
+        <p:cNvPr id="1" name=""/>
+        <p:cNvGrpSpPr/>
+        <p:nvPr/>
+      </p:nvGrpSpPr>
+      <p:grpSpPr>
+        <a:xfrm>
+          <a:off x="0" y="0"/>
+          <a:ext cx="0" cy="0"/>
+          <a:chOff x="0" y="0"/>
+          <a:chExt cx="0" cy="0"/>
+        </a:xfrm>
+      </p:grpSpPr>
+      <p:sp>
+        <p:nvSpPr>
+          <p:cNvPr id="2" name="Titolo 1">
+            <a:extLst>
+              <a:ext uri="{FF2B5EF4-FFF2-40B4-BE49-F238E27FC236}">
+                <a16:creationId xmlns:a16="http://schemas.microsoft.com/office/drawing/2014/main" id="{8AE1CC9C-CFC2-4A40-9E68-84E3A34E2FBF}"/>
+              </a:ext>
+            </a:extLst>
+          </p:cNvPr>
+          <p:cNvSpPr>
+            <a:spLocks noGrp="1"/>
+          </p:cNvSpPr>
+          <p:nvPr>
+            <p:ph type="title"/>
+          </p:nvPr>
+        </p:nvSpPr>
+        <p:spPr/>
+        <p:txBody>
+          <a:bodyPr/>
+          <a:lstStyle/>
+          <a:p>
+            <a:r>
+              <a:rPr lang="it-IT" b="1" dirty="0"/>
+              <a:t>Confronto con accuratezza MC e Integrali in dimensione d</a:t>
+            </a:r>
+          </a:p>
+        </p:txBody>
+      </p:sp>
+      <p:sp>
+        <p:nvSpPr>
+          <p:cNvPr id="3" name="Segnaposto contenuto 2">
+            <a:extLst>
+              <a:ext uri="{FF2B5EF4-FFF2-40B4-BE49-F238E27FC236}">
+                <a16:creationId xmlns:a16="http://schemas.microsoft.com/office/drawing/2014/main" id="{67F7055C-7768-4C18-AA51-07EFF0B7C0E2}"/>
+              </a:ext>
+            </a:extLst>
+          </p:cNvPr>
+          <p:cNvSpPr>
+            <a:spLocks noGrp="1"/>
+          </p:cNvSpPr>
+          <p:nvPr>
+            <p:ph idx="1"/>
+          </p:nvPr>
+        </p:nvSpPr>
+        <p:spPr/>
+        <p:txBody>
+          <a:bodyPr/>
+          <a:lstStyle/>
+          <a:p>
+            <a:r>
+              <a:rPr lang="it-IT" dirty="0"/>
+              <a:t>Il metodo dei trapezi si può estendere al caso di Integrali doppi (d=2) </a:t>
+            </a:r>
+          </a:p>
+          <a:p>
+            <a:r>
+              <a:rPr lang="it-IT" dirty="0"/>
+              <a:t>IL numero N di «chiamate» alla funzione integranda viene però distribuito su un una griglia  bidimensionale. </a:t>
+            </a:r>
+          </a:p>
+          <a:p>
+            <a:r>
+              <a:rPr lang="it-IT" dirty="0"/>
+              <a:t>La precisione del metodo trapezio si abbassa a N </a:t>
+            </a:r>
+            <a:r>
+              <a:rPr lang="it-IT" baseline="30000" dirty="0"/>
+              <a:t>-2/d </a:t>
+            </a:r>
+            <a:endParaRPr lang="it-IT" dirty="0"/>
+          </a:p>
+          <a:p>
+            <a:r>
+              <a:rPr lang="it-IT" dirty="0"/>
+              <a:t>IL metodo MC invece mantiene il suo carattere binomiale e qualunque sia la dimensione la usa accuratezza è sempre  N</a:t>
+            </a:r>
+            <a:r>
+              <a:rPr lang="it-IT" baseline="30000" dirty="0"/>
+              <a:t>-1/2</a:t>
+            </a:r>
+            <a:r>
+              <a:rPr lang="it-IT" dirty="0"/>
+              <a:t>  </a:t>
+            </a:r>
+          </a:p>
+          <a:p>
+            <a:r>
+              <a:rPr lang="it-IT" b="1" dirty="0">
+                <a:solidFill>
+                  <a:srgbClr val="FF0000"/>
+                </a:solidFill>
+              </a:rPr>
+              <a:t>Se d&gt;4  Montecarlo «vince» sui Trapezi </a:t>
+            </a:r>
+          </a:p>
+        </p:txBody>
+      </p:sp>
+    </p:spTree>
+    <p:extLst>
+      <p:ext uri="{BB962C8B-B14F-4D97-AF65-F5344CB8AC3E}">
+        <p14:creationId xmlns:p14="http://schemas.microsoft.com/office/powerpoint/2010/main" val="119337008"/>
+      </p:ext>
+    </p:extLst>
+  </p:cSld>
+  <p:clrMapOvr>
+    <a:masterClrMapping/>
+  </p:clrMapOvr>
+</p:sld>
+</file>
+
+<file path=ppt/slides/slide22.xml><?xml version="1.0" encoding="utf-8"?>
+<p:sld xmlns:a="http://schemas.openxmlformats.org/drawingml/2006/main" xmlns:r="http://schemas.openxmlformats.org/officeDocument/2006/relationships" xmlns:p="http://schemas.openxmlformats.org/presentationml/2006/main">
+  <p:cSld>
+    <p:spTree>
+      <p:nvGrpSpPr>
+        <p:cNvPr id="1" name=""/>
+        <p:cNvGrpSpPr/>
+        <p:nvPr/>
+      </p:nvGrpSpPr>
+      <p:grpSpPr>
+        <a:xfrm>
+          <a:off x="0" y="0"/>
+          <a:ext cx="0" cy="0"/>
+          <a:chOff x="0" y="0"/>
+          <a:chExt cx="0" cy="0"/>
+        </a:xfrm>
+      </p:grpSpPr>
+      <p:sp>
+        <p:nvSpPr>
+          <p:cNvPr id="2" name="Titolo 1">
+            <a:extLst>
+              <a:ext uri="{FF2B5EF4-FFF2-40B4-BE49-F238E27FC236}">
+                <a16:creationId xmlns:a16="http://schemas.microsoft.com/office/drawing/2014/main" id="{2FBAB392-2FD5-4F25-8E2D-9FF896596D4E}"/>
+              </a:ext>
+            </a:extLst>
+          </p:cNvPr>
+          <p:cNvSpPr>
+            <a:spLocks noGrp="1"/>
+          </p:cNvSpPr>
+          <p:nvPr>
+            <p:ph type="title"/>
+          </p:nvPr>
+        </p:nvSpPr>
+        <p:spPr/>
+        <p:txBody>
+          <a:bodyPr/>
+          <a:lstStyle/>
+          <a:p>
+            <a:r>
+              <a:rPr lang="it-IT" dirty="0"/>
+              <a:t>Un teorema utile per il campionamento </a:t>
+            </a:r>
+          </a:p>
+        </p:txBody>
+      </p:sp>
+      <mc:AlternateContent xmlns:mc="http://schemas.openxmlformats.org/markup-compatibility/2006" xmlns:a14="http://schemas.microsoft.com/office/drawing/2010/main">
+        <mc:Choice Requires="a14">
+          <p:sp>
+            <p:nvSpPr>
+              <p:cNvPr id="3" name="Segnaposto contenuto 2">
+                <a:extLst>
+                  <a:ext uri="{FF2B5EF4-FFF2-40B4-BE49-F238E27FC236}">
+                    <a16:creationId xmlns:a16="http://schemas.microsoft.com/office/drawing/2014/main" id="{DEDBD4CB-3647-460D-B44D-85529A5C3CB5}"/>
+                  </a:ext>
+                </a:extLst>
+              </p:cNvPr>
+              <p:cNvSpPr>
+                <a:spLocks noGrp="1"/>
+              </p:cNvSpPr>
+              <p:nvPr>
+                <p:ph idx="1"/>
+              </p:nvPr>
+            </p:nvSpPr>
+            <p:spPr>
+              <a:xfrm>
+                <a:off x="838200" y="1825624"/>
+                <a:ext cx="10515600" cy="3978827"/>
+              </a:xfrm>
+            </p:spPr>
+            <p:txBody>
+              <a:bodyPr>
+                <a:normAutofit fontScale="77500" lnSpcReduction="20000"/>
+              </a:bodyPr>
+              <a:lstStyle/>
+              <a:p>
+                <a:r>
+                  <a:rPr lang="it-IT" dirty="0"/>
+                  <a:t>T</a:t>
+                </a:r>
+                <a:r>
+                  <a:rPr lang="it-IT" sz="3100" dirty="0"/>
+                  <a:t>eorema:  La distribuzione della cumulativa di una assegnata distribuzione P(x) è uniforme in [0,1]</a:t>
+                </a:r>
+              </a:p>
+              <a:p>
+                <a:pPr marL="0" indent="0">
+                  <a:buNone/>
+                </a:pPr>
+                <a14:m>
+                  <m:oMathPara xmlns:m="http://schemas.openxmlformats.org/officeDocument/2006/math">
+                    <m:oMathParaPr>
+                      <m:jc m:val="centerGroup"/>
+                    </m:oMathParaPr>
+                    <m:oMath xmlns:m="http://schemas.openxmlformats.org/officeDocument/2006/math">
+                      <m:r>
+                        <a:rPr lang="it-IT" sz="3100" b="0" i="1" smtClean="0">
+                          <a:latin typeface="Cambria Math" panose="02040503050406030204" pitchFamily="18" charset="0"/>
+                        </a:rPr>
+                        <m:t>𝑟</m:t>
+                      </m:r>
+                      <m:r>
+                        <a:rPr lang="it-IT" sz="3100" b="0" i="1" smtClean="0">
+                          <a:latin typeface="Cambria Math" panose="02040503050406030204" pitchFamily="18" charset="0"/>
+                        </a:rPr>
+                        <m:t>(</m:t>
+                      </m:r>
+                      <m:r>
+                        <a:rPr lang="it-IT" sz="3100" b="0" i="1" smtClean="0">
+                          <a:latin typeface="Cambria Math" panose="02040503050406030204" pitchFamily="18" charset="0"/>
+                        </a:rPr>
+                        <m:t>𝑥</m:t>
+                      </m:r>
+                      <m:r>
+                        <a:rPr lang="it-IT" sz="3100" b="0" i="1" smtClean="0">
+                          <a:latin typeface="Cambria Math" panose="02040503050406030204" pitchFamily="18" charset="0"/>
+                        </a:rPr>
+                        <m:t>)=</m:t>
+                      </m:r>
+                      <m:nary>
+                        <m:naryPr>
+                          <m:ctrlPr>
+                            <a:rPr lang="it-IT" sz="3100" i="1" smtClean="0">
+                              <a:latin typeface="Cambria Math" panose="02040503050406030204" pitchFamily="18" charset="0"/>
+                            </a:rPr>
+                          </m:ctrlPr>
+                        </m:naryPr>
+                        <m:sub>
+                          <m:r>
+                            <m:rPr>
+                              <m:brk m:alnAt="23"/>
+                            </m:rPr>
+                            <a:rPr lang="it-IT" sz="3100" b="0" i="1" smtClean="0">
+                              <a:latin typeface="Cambria Math" panose="02040503050406030204" pitchFamily="18" charset="0"/>
+                            </a:rPr>
+                            <m:t>−</m:t>
+                          </m:r>
+                          <m:r>
+                            <m:rPr>
+                              <m:brk m:alnAt="23"/>
+                            </m:rPr>
+                            <a:rPr lang="it-IT" sz="3100" b="0" i="1" smtClean="0">
+                              <a:latin typeface="Cambria Math" panose="02040503050406030204" pitchFamily="18" charset="0"/>
+                              <a:ea typeface="Cambria Math" panose="02040503050406030204" pitchFamily="18" charset="0"/>
+                            </a:rPr>
+                            <m:t>∞</m:t>
+                          </m:r>
+                        </m:sub>
+                        <m:sup>
+                          <m:r>
+                            <a:rPr lang="it-IT" sz="3100" b="0" i="1" smtClean="0">
+                              <a:latin typeface="Cambria Math" panose="02040503050406030204" pitchFamily="18" charset="0"/>
+                            </a:rPr>
+                            <m:t>𝑥</m:t>
+                          </m:r>
+                        </m:sup>
+                        <m:e>
+                          <m:r>
+                            <a:rPr lang="it-IT" sz="3100" b="0" i="1" smtClean="0">
+                              <a:latin typeface="Cambria Math" panose="02040503050406030204" pitchFamily="18" charset="0"/>
+                            </a:rPr>
+                            <m:t>𝑃</m:t>
+                          </m:r>
+                          <m:d>
+                            <m:dPr>
+                              <m:ctrlPr>
+                                <a:rPr lang="it-IT" sz="3100" b="0" i="1" smtClean="0">
+                                  <a:latin typeface="Cambria Math" panose="02040503050406030204" pitchFamily="18" charset="0"/>
+                                </a:rPr>
+                              </m:ctrlPr>
+                            </m:dPr>
+                            <m:e>
+                              <m:r>
+                                <a:rPr lang="it-IT" sz="3100" b="0" i="1" smtClean="0">
+                                  <a:latin typeface="Cambria Math" panose="02040503050406030204" pitchFamily="18" charset="0"/>
+                                </a:rPr>
+                                <m:t>𝑢</m:t>
+                              </m:r>
+                            </m:e>
+                          </m:d>
+                          <m:r>
+                            <a:rPr lang="it-IT" sz="3100" b="0" i="1" smtClean="0">
+                              <a:latin typeface="Cambria Math" panose="02040503050406030204" pitchFamily="18" charset="0"/>
+                            </a:rPr>
+                            <m:t>𝑑𝑢</m:t>
+                          </m:r>
+                          <m:r>
+                            <a:rPr lang="it-IT" sz="3100" b="0" i="1" smtClean="0">
+                              <a:latin typeface="Cambria Math" panose="02040503050406030204" pitchFamily="18" charset="0"/>
+                            </a:rPr>
+                            <m:t> </m:t>
+                          </m:r>
+                        </m:e>
+                      </m:nary>
+                    </m:oMath>
+                  </m:oMathPara>
+                </a14:m>
+                <a:endParaRPr lang="it-IT" sz="3100" dirty="0"/>
+              </a:p>
+              <a:p>
+                <a:r>
+                  <a:rPr lang="it-IT" sz="3100" dirty="0"/>
+                  <a:t>P(u) &gt;0 per ogni u perché P(u) è una densità di </a:t>
+                </a:r>
+                <a:r>
+                  <a:rPr lang="it-IT" sz="3100" dirty="0" err="1"/>
+                  <a:t>probabilita</a:t>
+                </a:r>
+                <a:r>
+                  <a:rPr lang="it-IT" sz="3100" dirty="0"/>
+                  <a:t> </a:t>
+                </a:r>
+                <a:r>
+                  <a:rPr lang="it-IT" sz="3100" dirty="0">
+                    <a:sym typeface="Wingdings" panose="05000000000000000000" pitchFamily="2" charset="2"/>
+                  </a:rPr>
+                  <a:t> r(x) è monotona crescente. </a:t>
+                </a:r>
+              </a:p>
+              <a:p>
+                <a:r>
+                  <a:rPr lang="it-IT" sz="3100" dirty="0">
+                    <a:sym typeface="Wingdings" panose="05000000000000000000" pitchFamily="2" charset="2"/>
+                  </a:rPr>
+                  <a:t>La probabilità di avere r</a:t>
+                </a:r>
+                <a:r>
+                  <a:rPr lang="it-IT" sz="3100" baseline="-25000" dirty="0">
+                    <a:sym typeface="Wingdings" panose="05000000000000000000" pitchFamily="2" charset="2"/>
+                  </a:rPr>
+                  <a:t>1</a:t>
+                </a:r>
+                <a:r>
+                  <a:rPr lang="it-IT" sz="3100" dirty="0">
+                    <a:sym typeface="Wingdings" panose="05000000000000000000" pitchFamily="2" charset="2"/>
+                  </a:rPr>
+                  <a:t>&lt;r&lt;r</a:t>
+                </a:r>
+                <a:r>
+                  <a:rPr lang="it-IT" sz="3100" baseline="-25000" dirty="0">
+                    <a:sym typeface="Wingdings" panose="05000000000000000000" pitchFamily="2" charset="2"/>
+                  </a:rPr>
+                  <a:t>2</a:t>
+                </a:r>
+                <a:r>
+                  <a:rPr lang="it-IT" sz="3100" dirty="0">
+                    <a:sym typeface="Wingdings" panose="05000000000000000000" pitchFamily="2" charset="2"/>
+                  </a:rPr>
+                  <a:t>   è uguale a </a:t>
+                </a:r>
+              </a:p>
+              <a:p>
+                <a:endParaRPr lang="it-IT" sz="3100" dirty="0">
+                  <a:sym typeface="Wingdings" panose="05000000000000000000" pitchFamily="2" charset="2"/>
+                </a:endParaRPr>
+              </a:p>
+              <a:p>
+                <a:pPr marL="0" indent="0" algn="ctr">
+                  <a:buNone/>
+                </a:pPr>
+                <a:r>
+                  <a:rPr lang="it-IT" sz="3100" dirty="0">
+                    <a:sym typeface="Wingdings" panose="05000000000000000000" pitchFamily="2" charset="2"/>
+                  </a:rPr>
+                  <a:t> </a:t>
+                </a:r>
+                <a14:m>
+                  <m:oMath xmlns:m="http://schemas.openxmlformats.org/officeDocument/2006/math">
+                    <m:nary>
+                      <m:naryPr>
+                        <m:ctrlPr>
+                          <a:rPr lang="it-IT" sz="3100" i="1" smtClean="0">
+                            <a:latin typeface="Cambria Math" panose="02040503050406030204" pitchFamily="18" charset="0"/>
+                            <a:sym typeface="Wingdings" panose="05000000000000000000" pitchFamily="2" charset="2"/>
+                          </a:rPr>
+                        </m:ctrlPr>
+                      </m:naryPr>
+                      <m:sub>
+                        <m:sSub>
+                          <m:sSubPr>
+                            <m:ctrlPr>
+                              <a:rPr lang="it-IT" sz="3100" i="1" smtClean="0">
+                                <a:latin typeface="Cambria Math" panose="02040503050406030204" pitchFamily="18" charset="0"/>
+                                <a:sym typeface="Wingdings" panose="05000000000000000000" pitchFamily="2" charset="2"/>
+                              </a:rPr>
+                            </m:ctrlPr>
+                          </m:sSubPr>
+                          <m:e>
+                            <m:r>
+                              <a:rPr lang="it-IT" sz="3100" b="0" i="1" smtClean="0">
+                                <a:latin typeface="Cambria Math" panose="02040503050406030204" pitchFamily="18" charset="0"/>
+                                <a:sym typeface="Wingdings" panose="05000000000000000000" pitchFamily="2" charset="2"/>
+                              </a:rPr>
+                              <m:t>𝑥</m:t>
+                            </m:r>
+                          </m:e>
+                          <m:sub>
+                            <m:r>
+                              <a:rPr lang="it-IT" sz="3100" b="0" i="1" smtClean="0">
+                                <a:latin typeface="Cambria Math" panose="02040503050406030204" pitchFamily="18" charset="0"/>
+                                <a:sym typeface="Wingdings" panose="05000000000000000000" pitchFamily="2" charset="2"/>
+                              </a:rPr>
+                              <m:t>1</m:t>
+                            </m:r>
+                          </m:sub>
+                        </m:sSub>
+                      </m:sub>
+                      <m:sup>
+                        <m:sSub>
+                          <m:sSubPr>
+                            <m:ctrlPr>
+                              <a:rPr lang="it-IT" sz="3100" i="1" smtClean="0">
+                                <a:latin typeface="Cambria Math" panose="02040503050406030204" pitchFamily="18" charset="0"/>
+                                <a:sym typeface="Wingdings" panose="05000000000000000000" pitchFamily="2" charset="2"/>
+                              </a:rPr>
+                            </m:ctrlPr>
+                          </m:sSubPr>
+                          <m:e>
+                            <m:r>
+                              <a:rPr lang="it-IT" sz="3100" b="0" i="1" smtClean="0">
+                                <a:latin typeface="Cambria Math" panose="02040503050406030204" pitchFamily="18" charset="0"/>
+                                <a:sym typeface="Wingdings" panose="05000000000000000000" pitchFamily="2" charset="2"/>
+                              </a:rPr>
+                              <m:t>𝑥</m:t>
+                            </m:r>
+                          </m:e>
+                          <m:sub>
+                            <m:r>
+                              <a:rPr lang="it-IT" sz="3100" b="0" i="1" smtClean="0">
+                                <a:latin typeface="Cambria Math" panose="02040503050406030204" pitchFamily="18" charset="0"/>
+                                <a:sym typeface="Wingdings" panose="05000000000000000000" pitchFamily="2" charset="2"/>
+                              </a:rPr>
+                              <m:t>2</m:t>
+                            </m:r>
+                          </m:sub>
+                        </m:sSub>
+                      </m:sup>
+                      <m:e>
+                        <m:r>
+                          <a:rPr lang="it-IT" sz="3100" b="0" i="1" smtClean="0">
+                            <a:latin typeface="Cambria Math" panose="02040503050406030204" pitchFamily="18" charset="0"/>
+                            <a:sym typeface="Wingdings" panose="05000000000000000000" pitchFamily="2" charset="2"/>
+                          </a:rPr>
+                          <m:t>𝑃</m:t>
+                        </m:r>
+                        <m:d>
+                          <m:dPr>
+                            <m:ctrlPr>
+                              <a:rPr lang="it-IT" sz="3100" b="0" i="1" smtClean="0">
+                                <a:latin typeface="Cambria Math" panose="02040503050406030204" pitchFamily="18" charset="0"/>
+                                <a:sym typeface="Wingdings" panose="05000000000000000000" pitchFamily="2" charset="2"/>
+                              </a:rPr>
+                            </m:ctrlPr>
+                          </m:dPr>
+                          <m:e>
+                            <m:r>
+                              <a:rPr lang="it-IT" sz="3100" b="0" i="1" smtClean="0">
+                                <a:latin typeface="Cambria Math" panose="02040503050406030204" pitchFamily="18" charset="0"/>
+                                <a:sym typeface="Wingdings" panose="05000000000000000000" pitchFamily="2" charset="2"/>
+                              </a:rPr>
+                              <m:t>𝑢</m:t>
+                            </m:r>
+                          </m:e>
+                        </m:d>
+                        <m:r>
+                          <a:rPr lang="it-IT" sz="3100" b="0" i="1" smtClean="0">
+                            <a:latin typeface="Cambria Math" panose="02040503050406030204" pitchFamily="18" charset="0"/>
+                            <a:sym typeface="Wingdings" panose="05000000000000000000" pitchFamily="2" charset="2"/>
+                          </a:rPr>
+                          <m:t>𝑑𝑢</m:t>
+                        </m:r>
+                        <m:r>
+                          <a:rPr lang="it-IT" sz="3100" b="0" i="1" smtClean="0">
+                            <a:latin typeface="Cambria Math" panose="02040503050406030204" pitchFamily="18" charset="0"/>
+                            <a:sym typeface="Wingdings" panose="05000000000000000000" pitchFamily="2" charset="2"/>
+                          </a:rPr>
+                          <m:t>=</m:t>
+                        </m:r>
+                        <m:r>
+                          <a:rPr lang="it-IT" sz="3100" b="0" i="1" smtClean="0">
+                            <a:latin typeface="Cambria Math" panose="02040503050406030204" pitchFamily="18" charset="0"/>
+                            <a:sym typeface="Wingdings" panose="05000000000000000000" pitchFamily="2" charset="2"/>
+                          </a:rPr>
+                          <m:t>𝑟</m:t>
+                        </m:r>
+                        <m:d>
+                          <m:dPr>
+                            <m:ctrlPr>
+                              <a:rPr lang="it-IT" sz="3100" b="0" i="1" smtClean="0">
+                                <a:latin typeface="Cambria Math" panose="02040503050406030204" pitchFamily="18" charset="0"/>
+                                <a:sym typeface="Wingdings" panose="05000000000000000000" pitchFamily="2" charset="2"/>
+                              </a:rPr>
+                            </m:ctrlPr>
+                          </m:dPr>
+                          <m:e>
+                            <m:sSub>
+                              <m:sSubPr>
+                                <m:ctrlPr>
+                                  <a:rPr lang="it-IT" sz="3100" b="0" i="1" smtClean="0">
+                                    <a:latin typeface="Cambria Math" panose="02040503050406030204" pitchFamily="18" charset="0"/>
+                                    <a:sym typeface="Wingdings" panose="05000000000000000000" pitchFamily="2" charset="2"/>
+                                  </a:rPr>
+                                </m:ctrlPr>
+                              </m:sSubPr>
+                              <m:e>
+                                <m:r>
+                                  <a:rPr lang="it-IT" sz="3100" b="0" i="1" smtClean="0">
+                                    <a:latin typeface="Cambria Math" panose="02040503050406030204" pitchFamily="18" charset="0"/>
+                                    <a:sym typeface="Wingdings" panose="05000000000000000000" pitchFamily="2" charset="2"/>
+                                  </a:rPr>
+                                  <m:t>𝑥</m:t>
+                                </m:r>
+                              </m:e>
+                              <m:sub>
+                                <m:r>
+                                  <a:rPr lang="it-IT" sz="3100" b="0" i="1" smtClean="0">
+                                    <a:latin typeface="Cambria Math" panose="02040503050406030204" pitchFamily="18" charset="0"/>
+                                    <a:sym typeface="Wingdings" panose="05000000000000000000" pitchFamily="2" charset="2"/>
+                                  </a:rPr>
+                                  <m:t>2</m:t>
+                                </m:r>
+                                <m:r>
+                                  <a:rPr lang="it-IT" sz="3100" b="0" i="1" smtClean="0">
+                                    <a:latin typeface="Cambria Math" panose="02040503050406030204" pitchFamily="18" charset="0"/>
+                                    <a:sym typeface="Wingdings" panose="05000000000000000000" pitchFamily="2" charset="2"/>
+                                  </a:rPr>
+                                  <m:t> </m:t>
+                                </m:r>
+                              </m:sub>
+                            </m:sSub>
+                          </m:e>
+                        </m:d>
+                        <m:r>
+                          <a:rPr lang="it-IT" sz="3100" b="0" i="1" smtClean="0">
+                            <a:latin typeface="Cambria Math" panose="02040503050406030204" pitchFamily="18" charset="0"/>
+                            <a:sym typeface="Wingdings" panose="05000000000000000000" pitchFamily="2" charset="2"/>
+                          </a:rPr>
+                          <m:t>−</m:t>
+                        </m:r>
+                        <m:r>
+                          <a:rPr lang="it-IT" sz="3100" b="0" i="1" smtClean="0">
+                            <a:latin typeface="Cambria Math" panose="02040503050406030204" pitchFamily="18" charset="0"/>
+                            <a:sym typeface="Wingdings" panose="05000000000000000000" pitchFamily="2" charset="2"/>
+                          </a:rPr>
+                          <m:t>𝑟</m:t>
+                        </m:r>
+                        <m:r>
+                          <a:rPr lang="it-IT" sz="3100" b="0" i="1" smtClean="0">
+                            <a:latin typeface="Cambria Math" panose="02040503050406030204" pitchFamily="18" charset="0"/>
+                            <a:sym typeface="Wingdings" panose="05000000000000000000" pitchFamily="2" charset="2"/>
+                          </a:rPr>
+                          <m:t>(</m:t>
+                        </m:r>
+                        <m:sSub>
+                          <m:sSubPr>
+                            <m:ctrlPr>
+                              <a:rPr lang="it-IT" sz="3100" b="0" i="1" smtClean="0">
+                                <a:latin typeface="Cambria Math" panose="02040503050406030204" pitchFamily="18" charset="0"/>
+                                <a:sym typeface="Wingdings" panose="05000000000000000000" pitchFamily="2" charset="2"/>
+                              </a:rPr>
+                            </m:ctrlPr>
+                          </m:sSubPr>
+                          <m:e>
+                            <m:r>
+                              <a:rPr lang="it-IT" sz="3100" b="0" i="1" smtClean="0">
+                                <a:latin typeface="Cambria Math" panose="02040503050406030204" pitchFamily="18" charset="0"/>
+                                <a:sym typeface="Wingdings" panose="05000000000000000000" pitchFamily="2" charset="2"/>
+                              </a:rPr>
+                              <m:t>𝑥</m:t>
+                            </m:r>
+                          </m:e>
+                          <m:sub>
+                            <m:r>
+                              <a:rPr lang="it-IT" sz="3100" b="0" i="1" smtClean="0">
+                                <a:latin typeface="Cambria Math" panose="02040503050406030204" pitchFamily="18" charset="0"/>
+                                <a:sym typeface="Wingdings" panose="05000000000000000000" pitchFamily="2" charset="2"/>
+                              </a:rPr>
+                              <m:t>1</m:t>
+                            </m:r>
+                          </m:sub>
+                        </m:sSub>
+                      </m:e>
+                    </m:nary>
+                    <m:r>
+                      <a:rPr lang="it-IT" sz="3100" b="0" i="1" smtClean="0">
+                        <a:latin typeface="Cambria Math" panose="02040503050406030204" pitchFamily="18" charset="0"/>
+                        <a:sym typeface="Wingdings" panose="05000000000000000000" pitchFamily="2" charset="2"/>
+                      </a:rPr>
+                      <m:t>)= </m:t>
+                    </m:r>
+                    <m:sSub>
+                      <m:sSubPr>
+                        <m:ctrlPr>
+                          <a:rPr lang="it-IT" sz="3100" b="0" i="1" smtClean="0">
+                            <a:latin typeface="Cambria Math" panose="02040503050406030204" pitchFamily="18" charset="0"/>
+                            <a:sym typeface="Wingdings" panose="05000000000000000000" pitchFamily="2" charset="2"/>
+                          </a:rPr>
+                        </m:ctrlPr>
+                      </m:sSubPr>
+                      <m:e>
+                        <m:r>
+                          <a:rPr lang="it-IT" sz="3100" b="0" i="1" smtClean="0">
+                            <a:latin typeface="Cambria Math" panose="02040503050406030204" pitchFamily="18" charset="0"/>
+                            <a:sym typeface="Wingdings" panose="05000000000000000000" pitchFamily="2" charset="2"/>
+                          </a:rPr>
+                          <m:t>𝑟</m:t>
+                        </m:r>
+                      </m:e>
+                      <m:sub>
+                        <m:r>
+                          <a:rPr lang="it-IT" sz="3100" b="0" i="1" smtClean="0">
+                            <a:latin typeface="Cambria Math" panose="02040503050406030204" pitchFamily="18" charset="0"/>
+                            <a:sym typeface="Wingdings" panose="05000000000000000000" pitchFamily="2" charset="2"/>
+                          </a:rPr>
+                          <m:t>2</m:t>
+                        </m:r>
+                      </m:sub>
+                    </m:sSub>
+                    <m:r>
+                      <a:rPr lang="it-IT" sz="3100" b="0" i="1" smtClean="0">
+                        <a:latin typeface="Cambria Math" panose="02040503050406030204" pitchFamily="18" charset="0"/>
+                        <a:sym typeface="Wingdings" panose="05000000000000000000" pitchFamily="2" charset="2"/>
+                      </a:rPr>
+                      <m:t>−</m:t>
+                    </m:r>
+                    <m:sSub>
+                      <m:sSubPr>
+                        <m:ctrlPr>
+                          <a:rPr lang="it-IT" sz="3100" b="0" i="1" smtClean="0">
+                            <a:latin typeface="Cambria Math" panose="02040503050406030204" pitchFamily="18" charset="0"/>
+                            <a:sym typeface="Wingdings" panose="05000000000000000000" pitchFamily="2" charset="2"/>
+                          </a:rPr>
+                        </m:ctrlPr>
+                      </m:sSubPr>
+                      <m:e>
+                        <m:r>
+                          <a:rPr lang="it-IT" sz="3100" b="0" i="1" smtClean="0">
+                            <a:latin typeface="Cambria Math" panose="02040503050406030204" pitchFamily="18" charset="0"/>
+                            <a:sym typeface="Wingdings" panose="05000000000000000000" pitchFamily="2" charset="2"/>
+                          </a:rPr>
+                          <m:t>𝑟</m:t>
+                        </m:r>
+                      </m:e>
+                      <m:sub>
+                        <m:r>
+                          <a:rPr lang="it-IT" sz="3100" b="0" i="1" smtClean="0">
+                            <a:latin typeface="Cambria Math" panose="02040503050406030204" pitchFamily="18" charset="0"/>
+                            <a:sym typeface="Wingdings" panose="05000000000000000000" pitchFamily="2" charset="2"/>
+                          </a:rPr>
+                          <m:t>1</m:t>
+                        </m:r>
+                      </m:sub>
+                    </m:sSub>
+                    <m:r>
+                      <a:rPr lang="it-IT" sz="3100" b="0" i="1" smtClean="0">
+                        <a:latin typeface="Cambria Math" panose="02040503050406030204" pitchFamily="18" charset="0"/>
+                        <a:sym typeface="Wingdings" panose="05000000000000000000" pitchFamily="2" charset="2"/>
+                      </a:rPr>
+                      <m:t> </m:t>
+                    </m:r>
+                  </m:oMath>
+                </a14:m>
+                <a:endParaRPr lang="it-IT" sz="3100" b="0" dirty="0">
+                  <a:sym typeface="Wingdings" panose="05000000000000000000" pitchFamily="2" charset="2"/>
+                </a:endParaRPr>
+              </a:p>
+              <a:p>
+                <a:pPr marL="0" indent="0">
+                  <a:buNone/>
+                </a:pPr>
+                <a:endParaRPr lang="it-IT" sz="3100" b="0" dirty="0">
+                  <a:sym typeface="Wingdings" panose="05000000000000000000" pitchFamily="2" charset="2"/>
+                </a:endParaRPr>
+              </a:p>
+              <a:p>
+                <a:pPr marL="0" indent="0">
+                  <a:buNone/>
+                </a:pPr>
+                <a:r>
+                  <a:rPr lang="it-IT" sz="3100" dirty="0">
+                    <a:sym typeface="Wingdings" panose="05000000000000000000" pitchFamily="2" charset="2"/>
+                  </a:rPr>
+                  <a:t>Essendo P(r</a:t>
+                </a:r>
+                <a:r>
+                  <a:rPr lang="it-IT" sz="3100" baseline="-25000" dirty="0">
+                    <a:sym typeface="Wingdings" panose="05000000000000000000" pitchFamily="2" charset="2"/>
+                  </a:rPr>
+                  <a:t>1</a:t>
+                </a:r>
+                <a:r>
+                  <a:rPr lang="it-IT" sz="3100" dirty="0">
+                    <a:sym typeface="Wingdings" panose="05000000000000000000" pitchFamily="2" charset="2"/>
+                  </a:rPr>
+                  <a:t>&lt;r&lt;r</a:t>
+                </a:r>
+                <a:r>
+                  <a:rPr lang="it-IT" sz="3100" baseline="-25000" dirty="0">
+                    <a:sym typeface="Wingdings" panose="05000000000000000000" pitchFamily="2" charset="2"/>
+                  </a:rPr>
+                  <a:t>2</a:t>
+                </a:r>
+                <a:r>
+                  <a:rPr lang="it-IT" sz="3100" dirty="0">
+                    <a:sym typeface="Wingdings" panose="05000000000000000000" pitchFamily="2" charset="2"/>
+                  </a:rPr>
+                  <a:t>)  uguale all’ampiezza dell’intervallo stesso allora  r è uniforme. </a:t>
+                </a:r>
+                <a:endParaRPr lang="it-IT" sz="3100" b="0" dirty="0">
+                  <a:sym typeface="Wingdings" panose="05000000000000000000" pitchFamily="2" charset="2"/>
+                </a:endParaRPr>
+              </a:p>
+              <a:p>
+                <a:pPr marL="0" indent="0">
+                  <a:buNone/>
+                </a:pPr>
+                <a:endParaRPr lang="it-IT" dirty="0">
+                  <a:sym typeface="Wingdings" panose="05000000000000000000" pitchFamily="2" charset="2"/>
+                </a:endParaRPr>
+              </a:p>
+              <a:p>
+                <a:pPr marL="0" indent="0">
+                  <a:buNone/>
+                </a:pPr>
+                <a:endParaRPr lang="it-IT" b="0" dirty="0">
+                  <a:sym typeface="Wingdings" panose="05000000000000000000" pitchFamily="2" charset="2"/>
+                </a:endParaRPr>
+              </a:p>
+              <a:p>
+                <a:pPr marL="0" indent="0">
+                  <a:buNone/>
+                </a:pPr>
+                <a:endParaRPr lang="it-IT" b="0" dirty="0">
+                  <a:sym typeface="Wingdings" panose="05000000000000000000" pitchFamily="2" charset="2"/>
+                </a:endParaRPr>
+              </a:p>
+              <a:p>
+                <a:pPr marL="0" indent="0">
+                  <a:buNone/>
+                </a:pPr>
+                <a:endParaRPr lang="it-IT" b="0" dirty="0">
+                  <a:sym typeface="Wingdings" panose="05000000000000000000" pitchFamily="2" charset="2"/>
+                </a:endParaRPr>
+              </a:p>
+              <a:p>
+                <a:pPr marL="0" indent="0">
+                  <a:buNone/>
+                </a:pPr>
+                <a:endParaRPr lang="it-IT" dirty="0"/>
+              </a:p>
+              <a:p>
+                <a:pPr marL="0" indent="0">
+                  <a:buNone/>
+                </a:pPr>
+                <a:endParaRPr lang="it-IT" dirty="0"/>
+              </a:p>
+              <a:p>
+                <a:pPr marL="0" indent="0">
+                  <a:buNone/>
+                </a:pPr>
+                <a:endParaRPr lang="it-IT" dirty="0"/>
+              </a:p>
+            </p:txBody>
+          </p:sp>
+        </mc:Choice>
+        <mc:Fallback xmlns="">
+          <p:sp>
+            <p:nvSpPr>
+              <p:cNvPr id="3" name="Segnaposto contenuto 2">
+                <a:extLst>
+                  <a:ext uri="{FF2B5EF4-FFF2-40B4-BE49-F238E27FC236}">
+                    <a16:creationId xmlns:a16="http://schemas.microsoft.com/office/drawing/2014/main" id="{DEDBD4CB-3647-460D-B44D-85529A5C3CB5}"/>
+                  </a:ext>
+                </a:extLst>
+              </p:cNvPr>
+              <p:cNvSpPr>
+                <a:spLocks noGrp="1" noRot="1" noChangeAspect="1" noMove="1" noResize="1" noEditPoints="1" noAdjustHandles="1" noChangeArrowheads="1" noChangeShapeType="1" noTextEdit="1"/>
+              </p:cNvSpPr>
+              <p:nvPr>
+                <p:ph idx="1"/>
+              </p:nvPr>
+            </p:nvSpPr>
+            <p:spPr>
+              <a:xfrm>
+                <a:off x="838200" y="1825624"/>
+                <a:ext cx="10515600" cy="3978827"/>
+              </a:xfrm>
+              <a:blipFill>
+                <a:blip r:embed="rId2"/>
+                <a:stretch>
+                  <a:fillRect l="-928" t="-3522" b="-3675"/>
+                </a:stretch>
+              </a:blipFill>
+            </p:spPr>
+            <p:txBody>
+              <a:bodyPr/>
+              <a:lstStyle/>
+              <a:p>
+                <a:r>
+                  <a:rPr lang="it-IT">
+                    <a:noFill/>
+                  </a:rPr>
+                  <a:t> </a:t>
+                </a:r>
+              </a:p>
+            </p:txBody>
+          </p:sp>
+        </mc:Fallback>
+      </mc:AlternateContent>
+    </p:spTree>
+    <p:extLst>
+      <p:ext uri="{BB962C8B-B14F-4D97-AF65-F5344CB8AC3E}">
+        <p14:creationId xmlns:p14="http://schemas.microsoft.com/office/powerpoint/2010/main" val="188233158"/>
+      </p:ext>
+    </p:extLst>
+  </p:cSld>
+  <p:clrMapOvr>
+    <a:masterClrMapping/>
+  </p:clrMapOvr>
+</p:sld>
+</file>
+
+<file path=ppt/slides/slide23.xml><?xml version="1.0" encoding="utf-8"?>
+<p:sld xmlns:a="http://schemas.openxmlformats.org/drawingml/2006/main" xmlns:r="http://schemas.openxmlformats.org/officeDocument/2006/relationships" xmlns:p="http://schemas.openxmlformats.org/presentationml/2006/main">
+  <p:cSld>
+    <p:spTree>
+      <p:nvGrpSpPr>
+        <p:cNvPr id="1" name=""/>
+        <p:cNvGrpSpPr/>
+        <p:nvPr/>
+      </p:nvGrpSpPr>
+      <p:grpSpPr>
+        <a:xfrm>
+          <a:off x="0" y="0"/>
+          <a:ext cx="0" cy="0"/>
+          <a:chOff x="0" y="0"/>
+          <a:chExt cx="0" cy="0"/>
+        </a:xfrm>
+      </p:grpSpPr>
+      <p:sp>
+        <p:nvSpPr>
+          <p:cNvPr id="2" name="Titolo 1">
+            <a:extLst>
+              <a:ext uri="{FF2B5EF4-FFF2-40B4-BE49-F238E27FC236}">
+                <a16:creationId xmlns:a16="http://schemas.microsoft.com/office/drawing/2014/main" id="{9833C867-3969-4245-B0CB-C559FBA5CBB7}"/>
+              </a:ext>
+            </a:extLst>
+          </p:cNvPr>
+          <p:cNvSpPr>
+            <a:spLocks noGrp="1"/>
+          </p:cNvSpPr>
+          <p:nvPr>
+            <p:ph type="title"/>
+          </p:nvPr>
+        </p:nvSpPr>
+        <p:spPr/>
+        <p:txBody>
+          <a:bodyPr/>
+          <a:lstStyle/>
+          <a:p>
+            <a:r>
+              <a:rPr lang="it-IT" dirty="0"/>
+              <a:t>Campionamento Esatto </a:t>
+            </a:r>
+          </a:p>
+        </p:txBody>
+      </p:sp>
+      <mc:AlternateContent xmlns:mc="http://schemas.openxmlformats.org/markup-compatibility/2006" xmlns:a14="http://schemas.microsoft.com/office/drawing/2010/main">
+        <mc:Choice Requires="a14">
+          <p:sp>
+            <p:nvSpPr>
+              <p:cNvPr id="3" name="Segnaposto contenuto 2">
+                <a:extLst>
+                  <a:ext uri="{FF2B5EF4-FFF2-40B4-BE49-F238E27FC236}">
+                    <a16:creationId xmlns:a16="http://schemas.microsoft.com/office/drawing/2014/main" id="{BE59ADB6-E3E0-4ADD-9DDB-011EB0A28CF6}"/>
+                  </a:ext>
+                </a:extLst>
+              </p:cNvPr>
+              <p:cNvSpPr>
+                <a:spLocks noGrp="1"/>
+              </p:cNvSpPr>
+              <p:nvPr>
+                <p:ph idx="1"/>
+              </p:nvPr>
+            </p:nvSpPr>
+            <p:spPr/>
+            <p:txBody>
+              <a:bodyPr/>
+              <a:lstStyle/>
+              <a:p>
+                <a:r>
+                  <a:rPr lang="it-IT" dirty="0"/>
+                  <a:t>Se si riesce analiticamente ad invertire l’equazione </a:t>
+                </a:r>
+                <a14:m>
+                  <m:oMath xmlns:m="http://schemas.openxmlformats.org/officeDocument/2006/math">
+                    <m:r>
+                      <a:rPr lang="it-IT" i="1">
+                        <a:latin typeface="Cambria Math" panose="02040503050406030204" pitchFamily="18" charset="0"/>
+                      </a:rPr>
+                      <m:t>𝑟</m:t>
+                    </m:r>
+                    <m:r>
+                      <a:rPr lang="it-IT" i="1">
+                        <a:latin typeface="Cambria Math" panose="02040503050406030204" pitchFamily="18" charset="0"/>
+                      </a:rPr>
+                      <m:t>=</m:t>
+                    </m:r>
+                    <m:nary>
+                      <m:naryPr>
+                        <m:ctrlPr>
+                          <a:rPr lang="it-IT" i="1">
+                            <a:latin typeface="Cambria Math" panose="02040503050406030204" pitchFamily="18" charset="0"/>
+                          </a:rPr>
+                        </m:ctrlPr>
+                      </m:naryPr>
+                      <m:sub>
+                        <m:r>
+                          <m:rPr>
+                            <m:brk m:alnAt="23"/>
+                          </m:rPr>
+                          <a:rPr lang="it-IT" i="1">
+                            <a:latin typeface="Cambria Math" panose="02040503050406030204" pitchFamily="18" charset="0"/>
+                          </a:rPr>
+                          <m:t>−</m:t>
+                        </m:r>
+                        <m:r>
+                          <a:rPr lang="it-IT" i="1">
+                            <a:latin typeface="Cambria Math" panose="02040503050406030204" pitchFamily="18" charset="0"/>
+                            <a:ea typeface="Cambria Math" panose="02040503050406030204" pitchFamily="18" charset="0"/>
+                          </a:rPr>
+                          <m:t>∞</m:t>
+                        </m:r>
+                      </m:sub>
+                      <m:sup>
+                        <m:r>
+                          <a:rPr lang="it-IT" i="1">
+                            <a:latin typeface="Cambria Math" panose="02040503050406030204" pitchFamily="18" charset="0"/>
+                          </a:rPr>
+                          <m:t>𝑥</m:t>
+                        </m:r>
+                      </m:sup>
+                      <m:e>
+                        <m:r>
+                          <a:rPr lang="it-IT" i="1">
+                            <a:latin typeface="Cambria Math" panose="02040503050406030204" pitchFamily="18" charset="0"/>
+                          </a:rPr>
+                          <m:t>𝑃</m:t>
+                        </m:r>
+                        <m:d>
+                          <m:dPr>
+                            <m:ctrlPr>
+                              <a:rPr lang="it-IT" i="1">
+                                <a:latin typeface="Cambria Math" panose="02040503050406030204" pitchFamily="18" charset="0"/>
+                              </a:rPr>
+                            </m:ctrlPr>
+                          </m:dPr>
+                          <m:e>
+                            <m:r>
+                              <a:rPr lang="it-IT" i="1">
+                                <a:latin typeface="Cambria Math" panose="02040503050406030204" pitchFamily="18" charset="0"/>
+                              </a:rPr>
+                              <m:t>𝑢</m:t>
+                            </m:r>
+                          </m:e>
+                        </m:d>
+                        <m:r>
+                          <a:rPr lang="it-IT" i="1">
+                            <a:latin typeface="Cambria Math" panose="02040503050406030204" pitchFamily="18" charset="0"/>
+                          </a:rPr>
+                          <m:t>𝑑𝑢</m:t>
+                        </m:r>
+                        <m:r>
+                          <a:rPr lang="it-IT" i="1">
+                            <a:latin typeface="Cambria Math" panose="02040503050406030204" pitchFamily="18" charset="0"/>
+                          </a:rPr>
+                          <m:t> </m:t>
+                        </m:r>
+                      </m:e>
+                    </m:nary>
+                  </m:oMath>
+                </a14:m>
+                <a:endParaRPr lang="it-IT" dirty="0"/>
+              </a:p>
+              <a:p>
+                <a:r>
+                  <a:rPr lang="it-IT" dirty="0"/>
+                  <a:t>Allora si può sorteggiare r uniforme in [0,1] e determinare x </a:t>
+                </a:r>
+              </a:p>
+              <a:p>
+                <a:r>
+                  <a:rPr lang="it-IT" dirty="0"/>
+                  <a:t>In questo modo si è certi che x si distribuisce come P(x) </a:t>
+                </a:r>
+              </a:p>
+            </p:txBody>
+          </p:sp>
+        </mc:Choice>
+        <mc:Fallback xmlns="">
+          <p:sp>
+            <p:nvSpPr>
+              <p:cNvPr id="3" name="Segnaposto contenuto 2">
+                <a:extLst>
+                  <a:ext uri="{FF2B5EF4-FFF2-40B4-BE49-F238E27FC236}">
+                    <a16:creationId xmlns:a16="http://schemas.microsoft.com/office/drawing/2014/main" id="{BE59ADB6-E3E0-4ADD-9DDB-011EB0A28CF6}"/>
+                  </a:ext>
+                </a:extLst>
+              </p:cNvPr>
+              <p:cNvSpPr>
+                <a:spLocks noGrp="1" noRot="1" noChangeAspect="1" noMove="1" noResize="1" noEditPoints="1" noAdjustHandles="1" noChangeArrowheads="1" noChangeShapeType="1" noTextEdit="1"/>
+              </p:cNvSpPr>
+              <p:nvPr>
+                <p:ph idx="1"/>
+              </p:nvPr>
+            </p:nvSpPr>
+            <p:spPr>
+              <a:blipFill>
+                <a:blip r:embed="rId2"/>
+                <a:stretch>
+                  <a:fillRect l="-1043" t="-840"/>
+                </a:stretch>
+              </a:blipFill>
+            </p:spPr>
+            <p:txBody>
+              <a:bodyPr/>
+              <a:lstStyle/>
+              <a:p>
+                <a:r>
+                  <a:rPr lang="it-IT">
+                    <a:noFill/>
+                  </a:rPr>
+                  <a:t> </a:t>
+                </a:r>
+              </a:p>
+            </p:txBody>
+          </p:sp>
+        </mc:Fallback>
+      </mc:AlternateContent>
+    </p:spTree>
+    <p:extLst>
+      <p:ext uri="{BB962C8B-B14F-4D97-AF65-F5344CB8AC3E}">
+        <p14:creationId xmlns:p14="http://schemas.microsoft.com/office/powerpoint/2010/main" val="2257768997"/>
+      </p:ext>
+    </p:extLst>
+  </p:cSld>
+  <p:clrMapOvr>
+    <a:masterClrMapping/>
+  </p:clrMapOvr>
+</p:sld>
+</file>
+
+<file path=ppt/slides/slide24.xml><?xml version="1.0" encoding="utf-8"?>
+<p:sld xmlns:a="http://schemas.openxmlformats.org/drawingml/2006/main" xmlns:r="http://schemas.openxmlformats.org/officeDocument/2006/relationships" xmlns:p="http://schemas.openxmlformats.org/presentationml/2006/main">
+  <p:cSld>
+    <p:spTree>
+      <p:nvGrpSpPr>
+        <p:cNvPr id="1" name=""/>
+        <p:cNvGrpSpPr/>
+        <p:nvPr/>
+      </p:nvGrpSpPr>
+      <p:grpSpPr>
+        <a:xfrm>
+          <a:off x="0" y="0"/>
+          <a:ext cx="0" cy="0"/>
+          <a:chOff x="0" y="0"/>
+          <a:chExt cx="0" cy="0"/>
+        </a:xfrm>
+      </p:grpSpPr>
+      <p:sp>
+        <p:nvSpPr>
+          <p:cNvPr id="2" name="Titolo 1">
+            <a:extLst>
+              <a:ext uri="{FF2B5EF4-FFF2-40B4-BE49-F238E27FC236}">
+                <a16:creationId xmlns:a16="http://schemas.microsoft.com/office/drawing/2014/main" id="{AF11A0BF-8940-426F-B817-C47133A0A947}"/>
+              </a:ext>
+            </a:extLst>
+          </p:cNvPr>
+          <p:cNvSpPr>
+            <a:spLocks noGrp="1"/>
+          </p:cNvSpPr>
+          <p:nvPr>
+            <p:ph type="title"/>
+          </p:nvPr>
+        </p:nvSpPr>
+        <p:spPr/>
+        <p:txBody>
+          <a:bodyPr/>
+          <a:lstStyle/>
+          <a:p>
+            <a:r>
+              <a:rPr lang="it-IT" dirty="0"/>
+              <a:t>..e se non è invertibile! </a:t>
+            </a:r>
+          </a:p>
+        </p:txBody>
+      </p:sp>
+      <p:sp>
+        <p:nvSpPr>
+          <p:cNvPr id="3" name="Segnaposto contenuto 2">
+            <a:extLst>
+              <a:ext uri="{FF2B5EF4-FFF2-40B4-BE49-F238E27FC236}">
+                <a16:creationId xmlns:a16="http://schemas.microsoft.com/office/drawing/2014/main" id="{F9FC0845-2EBF-4CB7-A0F6-11722A1EB84B}"/>
+              </a:ext>
+            </a:extLst>
+          </p:cNvPr>
+          <p:cNvSpPr>
+            <a:spLocks noGrp="1"/>
+          </p:cNvSpPr>
+          <p:nvPr>
+            <p:ph idx="1"/>
+          </p:nvPr>
+        </p:nvSpPr>
+        <p:spPr/>
+        <p:txBody>
+          <a:bodyPr/>
+          <a:lstStyle/>
+          <a:p>
+            <a:r>
+              <a:rPr lang="it-IT" dirty="0"/>
+              <a:t>Se 0&lt;P(x)&lt; P</a:t>
+            </a:r>
+            <a:r>
+              <a:rPr lang="it-IT" baseline="-25000" dirty="0"/>
+              <a:t>max  </a:t>
+            </a:r>
+            <a:r>
+              <a:rPr lang="it-IT" dirty="0"/>
+              <a:t>e si vuole campionare P(x) in a&lt;x&lt;b </a:t>
+            </a:r>
+          </a:p>
+          <a:p>
+            <a:r>
+              <a:rPr lang="it-IT" dirty="0"/>
+              <a:t>Si genera x uniforme in [</a:t>
+            </a:r>
+            <a:r>
+              <a:rPr lang="it-IT" dirty="0" err="1"/>
+              <a:t>a,b</a:t>
+            </a:r>
+            <a:r>
+              <a:rPr lang="it-IT" dirty="0"/>
+              <a:t>]</a:t>
+            </a:r>
+          </a:p>
+          <a:p>
+            <a:r>
+              <a:rPr lang="it-IT" dirty="0"/>
+              <a:t>Si genera un random uniforme in 0&lt;r&lt;P</a:t>
+            </a:r>
+            <a:r>
+              <a:rPr lang="it-IT" baseline="-25000" dirty="0"/>
+              <a:t>max</a:t>
+            </a:r>
+            <a:r>
+              <a:rPr lang="it-IT" dirty="0"/>
+              <a:t> </a:t>
+            </a:r>
+          </a:p>
+          <a:p>
+            <a:r>
+              <a:rPr lang="it-IT" dirty="0"/>
+              <a:t>Se r&lt; P(x) si tiene la x appena generata</a:t>
+            </a:r>
+          </a:p>
+          <a:p>
+            <a:r>
+              <a:rPr lang="it-IT" dirty="0"/>
+              <a:t>Se r &gt; P(x) si rigetta la x e si ripete l’estrazione. </a:t>
+            </a:r>
+          </a:p>
+          <a:p>
+            <a:endParaRPr lang="it-IT" dirty="0"/>
+          </a:p>
+          <a:p>
+            <a:pPr marL="0" indent="0">
+              <a:buNone/>
+            </a:pPr>
+            <a:r>
+              <a:rPr lang="it-IT" dirty="0"/>
+              <a:t>Quali sono le inefficienze del metodo ?  Quando non si può applicare ? </a:t>
+            </a:r>
+          </a:p>
+          <a:p>
+            <a:pPr marL="0" indent="0">
+              <a:buNone/>
+            </a:pPr>
+            <a:r>
+              <a:rPr lang="it-IT"/>
+              <a:t>Cercate </a:t>
+            </a:r>
+            <a:endParaRPr lang="it-IT" dirty="0"/>
+          </a:p>
+        </p:txBody>
+      </p:sp>
+    </p:spTree>
+    <p:extLst>
+      <p:ext uri="{BB962C8B-B14F-4D97-AF65-F5344CB8AC3E}">
+        <p14:creationId xmlns:p14="http://schemas.microsoft.com/office/powerpoint/2010/main" val="3933109098"/>
       </p:ext>
     </p:extLst>
   </p:cSld>
@@ -6140,8 +8563,8 @@
           </a:p>
         </p:txBody>
       </p:sp>
-      <mc:AlternateContent xmlns:mc="http://schemas.openxmlformats.org/markup-compatibility/2006">
-        <mc:Choice xmlns:a14="http://schemas.microsoft.com/office/drawing/2010/main" Requires="a14">
+      <mc:AlternateContent xmlns:mc="http://schemas.openxmlformats.org/markup-compatibility/2006" xmlns:a14="http://schemas.microsoft.com/office/drawing/2010/main">
+        <mc:Choice Requires="a14">
           <p:sp>
             <p:nvSpPr>
               <p:cNvPr id="3" name="Segnaposto contenuto 2">
@@ -6691,7 +9114,7 @@
                           <m:begChr m:val="|"/>
                           <m:endChr m:val="|"/>
                           <m:ctrlPr>
-                            <a:rPr lang="it-IT" sz="4400" b="1" dirty="0" smtClean="0">
+                            <a:rPr lang="it-IT" sz="4400" b="1" i="1" dirty="0" smtClean="0">
                               <a:solidFill>
                                 <a:srgbClr val="C00000"/>
                               </a:solidFill>
@@ -6703,7 +9126,7 @@
                           <m:f>
                             <m:fPr>
                               <m:ctrlPr>
-                                <a:rPr lang="it-IT" sz="4400" b="1" dirty="0">
+                                <a:rPr lang="it-IT" sz="4400" b="1" i="1" dirty="0">
                                   <a:solidFill>
                                     <a:srgbClr val="C00000"/>
                                   </a:solidFill>
@@ -6715,7 +9138,7 @@
                               <m:sSub>
                                 <m:sSubPr>
                                   <m:ctrlPr>
-                                    <a:rPr lang="it-IT" sz="4400" b="1" dirty="0">
+                                    <a:rPr lang="it-IT" sz="4400" b="1" i="1" dirty="0">
                                       <a:solidFill>
                                         <a:srgbClr val="C00000"/>
                                       </a:solidFill>
@@ -6850,7 +9273,7 @@
             </p:txBody>
           </p:sp>
         </mc:Choice>
-        <mc:Fallback>
+        <mc:Fallback xmlns="">
           <p:sp>
             <p:nvSpPr>
               <p:cNvPr id="3" name="Segnaposto contenuto 2">
@@ -6960,8 +9383,8 @@
           </a:p>
         </p:txBody>
       </p:sp>
-      <mc:AlternateContent xmlns:mc="http://schemas.openxmlformats.org/markup-compatibility/2006">
-        <mc:Choice xmlns:a14="http://schemas.microsoft.com/office/drawing/2010/main" Requires="a14">
+      <mc:AlternateContent xmlns:mc="http://schemas.openxmlformats.org/markup-compatibility/2006" xmlns:a14="http://schemas.microsoft.com/office/drawing/2010/main">
+        <mc:Choice Requires="a14">
           <p:sp>
             <p:nvSpPr>
               <p:cNvPr id="3" name="Segnaposto contenuto 2">
@@ -7072,7 +9495,13 @@
                           <a:rPr lang="it-IT" i="1" smtClean="0">
                             <a:latin typeface="Cambria Math" panose="02040503050406030204" pitchFamily="18" charset="0"/>
                           </a:rPr>
-                          <m:t>&lt;1</m:t>
+                          <m:t>&lt;</m:t>
+                        </m:r>
+                        <m:r>
+                          <a:rPr lang="it-IT" i="1" smtClean="0">
+                            <a:latin typeface="Cambria Math" panose="02040503050406030204" pitchFamily="18" charset="0"/>
+                          </a:rPr>
+                          <m:t>1</m:t>
                         </m:r>
                       </m:e>
                     </m:d>
@@ -7139,7 +9568,7 @@
             </p:txBody>
           </p:sp>
         </mc:Choice>
-        <mc:Fallback>
+        <mc:Fallback xmlns="">
           <p:sp>
             <p:nvSpPr>
               <p:cNvPr id="3" name="Segnaposto contenuto 2">
@@ -7215,8 +9644,8 @@
           </a:prstGeom>
         </p:spPr>
       </p:pic>
-      <mc:AlternateContent xmlns:mc="http://schemas.openxmlformats.org/markup-compatibility/2006">
-        <mc:Choice xmlns:a14="http://schemas.microsoft.com/office/drawing/2010/main" Requires="a14">
+      <mc:AlternateContent xmlns:mc="http://schemas.openxmlformats.org/markup-compatibility/2006" xmlns:a14="http://schemas.microsoft.com/office/drawing/2010/main">
+        <mc:Choice Requires="a14">
           <p:sp>
             <p:nvSpPr>
               <p:cNvPr id="6" name="Rettangolo 5">
@@ -7302,7 +9731,16 @@
                                   </a:solidFill>
                                   <a:latin typeface="Cambria Math" panose="02040503050406030204" pitchFamily="18" charset="0"/>
                                 </a:rPr>
-                                <m:t>→∞</m:t>
+                                <m:t>→</m:t>
+                              </m:r>
+                              <m:r>
+                                <a:rPr lang="pt-BR" sz="3600" b="1" i="1">
+                                  <a:solidFill>
+                                    <a:srgbClr val="C00000"/>
+                                  </a:solidFill>
+                                  <a:latin typeface="Cambria Math" panose="02040503050406030204" pitchFamily="18" charset="0"/>
+                                </a:rPr>
+                                <m:t>∞</m:t>
                               </m:r>
                             </m:lim>
                           </m:limLow>
@@ -7439,7 +9877,7 @@
             </p:txBody>
           </p:sp>
         </mc:Choice>
-        <mc:Fallback>
+        <mc:Fallback xmlns="">
           <p:sp>
             <p:nvSpPr>
               <p:cNvPr id="6" name="Rettangolo 5">
@@ -7542,8 +9980,8 @@
           </a:p>
         </p:txBody>
       </p:sp>
-      <mc:AlternateContent xmlns:mc="http://schemas.openxmlformats.org/markup-compatibility/2006">
-        <mc:Choice xmlns:a14="http://schemas.microsoft.com/office/drawing/2010/main" Requires="a14">
+      <mc:AlternateContent xmlns:mc="http://schemas.openxmlformats.org/markup-compatibility/2006" xmlns:a14="http://schemas.microsoft.com/office/drawing/2010/main">
+        <mc:Choice Requires="a14">
           <p:sp>
             <p:nvSpPr>
               <p:cNvPr id="3" name="Segnaposto contenuto 2">
@@ -7729,7 +10167,7 @@
             </p:txBody>
           </p:sp>
         </mc:Choice>
-        <mc:Fallback>
+        <mc:Fallback xmlns="">
           <p:sp>
             <p:nvSpPr>
               <p:cNvPr id="3" name="Segnaposto contenuto 2">
@@ -7769,8 +10207,8 @@
           </p:sp>
         </mc:Fallback>
       </mc:AlternateContent>
-      <mc:AlternateContent xmlns:mc="http://schemas.openxmlformats.org/markup-compatibility/2006">
-        <mc:Choice xmlns:a14="http://schemas.microsoft.com/office/drawing/2010/main" Requires="a14">
+      <mc:AlternateContent xmlns:mc="http://schemas.openxmlformats.org/markup-compatibility/2006" xmlns:a14="http://schemas.microsoft.com/office/drawing/2010/main">
+        <mc:Choice Requires="a14">
           <p:sp>
             <p:nvSpPr>
               <p:cNvPr id="4" name="Rettangolo 3">
@@ -8131,7 +10569,7 @@
             </p:txBody>
           </p:sp>
         </mc:Choice>
-        <mc:Fallback>
+        <mc:Fallback xmlns="">
           <p:sp>
             <p:nvSpPr>
               <p:cNvPr id="4" name="Rettangolo 3">

--- a/Slide Corso Metodi Montecarlo.pptx
+++ b/Slide Corso Metodi Montecarlo.pptx
@@ -5,7 +5,7 @@
     <p:sldMasterId id="2147483648" r:id="rId1"/>
   </p:sldMasterIdLst>
   <p:notesMasterIdLst>
-    <p:notesMasterId r:id="rId58"/>
+    <p:notesMasterId r:id="rId67"/>
   </p:notesMasterIdLst>
   <p:sldIdLst>
     <p:sldId id="256" r:id="rId2"/>
@@ -64,6 +64,15 @@
     <p:sldId id="310" r:id="rId55"/>
     <p:sldId id="311" r:id="rId56"/>
     <p:sldId id="312" r:id="rId57"/>
+    <p:sldId id="315" r:id="rId58"/>
+    <p:sldId id="314" r:id="rId59"/>
+    <p:sldId id="316" r:id="rId60"/>
+    <p:sldId id="317" r:id="rId61"/>
+    <p:sldId id="318" r:id="rId62"/>
+    <p:sldId id="319" r:id="rId63"/>
+    <p:sldId id="320" r:id="rId64"/>
+    <p:sldId id="321" r:id="rId65"/>
+    <p:sldId id="322" r:id="rId66"/>
   </p:sldIdLst>
   <p:sldSz cx="12192000" cy="6858000"/>
   <p:notesSz cx="6858000" cy="9144000"/>
@@ -252,7 +261,7 @@
           <a:p>
             <a:fld id="{41288613-0B85-403D-92A7-6B6C545CB660}" type="datetimeFigureOut">
               <a:rPr lang="it-IT" smtClean="0"/>
-              <a:t>02/04/2020</a:t>
+              <a:t>09/04/2020</a:t>
             </a:fld>
             <a:endParaRPr lang="it-IT"/>
           </a:p>
@@ -603,6 +612,90 @@
 </p:notes>
 </file>
 
+<file path=ppt/notesSlides/notesSlide2.xml><?xml version="1.0" encoding="utf-8"?>
+<p:notes xmlns:a="http://schemas.openxmlformats.org/drawingml/2006/main" xmlns:r="http://schemas.openxmlformats.org/officeDocument/2006/relationships" xmlns:p="http://schemas.openxmlformats.org/presentationml/2006/main">
+  <p:cSld>
+    <p:spTree>
+      <p:nvGrpSpPr>
+        <p:cNvPr id="1" name=""/>
+        <p:cNvGrpSpPr/>
+        <p:nvPr/>
+      </p:nvGrpSpPr>
+      <p:grpSpPr>
+        <a:xfrm>
+          <a:off x="0" y="0"/>
+          <a:ext cx="0" cy="0"/>
+          <a:chOff x="0" y="0"/>
+          <a:chExt cx="0" cy="0"/>
+        </a:xfrm>
+      </p:grpSpPr>
+      <p:sp>
+        <p:nvSpPr>
+          <p:cNvPr id="2" name="Segnaposto immagine diapositiva 1"/>
+          <p:cNvSpPr>
+            <a:spLocks noGrp="1" noRot="1" noChangeAspect="1"/>
+          </p:cNvSpPr>
+          <p:nvPr>
+            <p:ph type="sldImg"/>
+          </p:nvPr>
+        </p:nvSpPr>
+        <p:spPr/>
+      </p:sp>
+      <p:sp>
+        <p:nvSpPr>
+          <p:cNvPr id="3" name="Segnaposto note 2"/>
+          <p:cNvSpPr>
+            <a:spLocks noGrp="1"/>
+          </p:cNvSpPr>
+          <p:nvPr>
+            <p:ph type="body" idx="1"/>
+          </p:nvPr>
+        </p:nvSpPr>
+        <p:spPr/>
+        <p:txBody>
+          <a:bodyPr/>
+          <a:lstStyle/>
+          <a:p>
+            <a:endParaRPr lang="it-IT" dirty="0"/>
+          </a:p>
+        </p:txBody>
+      </p:sp>
+      <p:sp>
+        <p:nvSpPr>
+          <p:cNvPr id="4" name="Segnaposto numero diapositiva 3"/>
+          <p:cNvSpPr>
+            <a:spLocks noGrp="1"/>
+          </p:cNvSpPr>
+          <p:nvPr>
+            <p:ph type="sldNum" sz="quarter" idx="5"/>
+          </p:nvPr>
+        </p:nvSpPr>
+        <p:spPr/>
+        <p:txBody>
+          <a:bodyPr/>
+          <a:lstStyle/>
+          <a:p>
+            <a:fld id="{5767E505-1ADA-4304-97E7-1919B4D0EBB1}" type="slidenum">
+              <a:rPr lang="it-IT" smtClean="0"/>
+              <a:t>57</a:t>
+            </a:fld>
+            <a:endParaRPr lang="it-IT"/>
+          </a:p>
+        </p:txBody>
+      </p:sp>
+    </p:spTree>
+    <p:extLst>
+      <p:ext uri="{BB962C8B-B14F-4D97-AF65-F5344CB8AC3E}">
+        <p14:creationId xmlns:p14="http://schemas.microsoft.com/office/powerpoint/2010/main" val="3587116856"/>
+      </p:ext>
+    </p:extLst>
+  </p:cSld>
+  <p:clrMapOvr>
+    <a:masterClrMapping/>
+  </p:clrMapOvr>
+</p:notes>
+</file>
+
 <file path=ppt/slideLayouts/slideLayout1.xml><?xml version="1.0" encoding="utf-8"?>
 <p:sldLayout xmlns:a="http://schemas.openxmlformats.org/drawingml/2006/main" xmlns:r="http://schemas.openxmlformats.org/officeDocument/2006/relationships" xmlns:p="http://schemas.openxmlformats.org/presentationml/2006/main" type="title" preserve="1">
   <p:cSld name="Diapositiva titolo">
@@ -750,7 +843,7 @@
           <a:p>
             <a:fld id="{1A3BF8E8-E514-488A-8533-83F354D3E341}" type="datetimeFigureOut">
               <a:rPr lang="it-IT" smtClean="0"/>
-              <a:t>02/04/2020</a:t>
+              <a:t>09/04/2020</a:t>
             </a:fld>
             <a:endParaRPr lang="it-IT"/>
           </a:p>
@@ -948,7 +1041,7 @@
           <a:p>
             <a:fld id="{1A3BF8E8-E514-488A-8533-83F354D3E341}" type="datetimeFigureOut">
               <a:rPr lang="it-IT" smtClean="0"/>
-              <a:t>02/04/2020</a:t>
+              <a:t>09/04/2020</a:t>
             </a:fld>
             <a:endParaRPr lang="it-IT"/>
           </a:p>
@@ -1156,7 +1249,7 @@
           <a:p>
             <a:fld id="{1A3BF8E8-E514-488A-8533-83F354D3E341}" type="datetimeFigureOut">
               <a:rPr lang="it-IT" smtClean="0"/>
-              <a:t>02/04/2020</a:t>
+              <a:t>09/04/2020</a:t>
             </a:fld>
             <a:endParaRPr lang="it-IT"/>
           </a:p>
@@ -1354,7 +1447,7 @@
           <a:p>
             <a:fld id="{1A3BF8E8-E514-488A-8533-83F354D3E341}" type="datetimeFigureOut">
               <a:rPr lang="it-IT" smtClean="0"/>
-              <a:t>02/04/2020</a:t>
+              <a:t>09/04/2020</a:t>
             </a:fld>
             <a:endParaRPr lang="it-IT"/>
           </a:p>
@@ -1629,7 +1722,7 @@
           <a:p>
             <a:fld id="{1A3BF8E8-E514-488A-8533-83F354D3E341}" type="datetimeFigureOut">
               <a:rPr lang="it-IT" smtClean="0"/>
-              <a:t>02/04/2020</a:t>
+              <a:t>09/04/2020</a:t>
             </a:fld>
             <a:endParaRPr lang="it-IT"/>
           </a:p>
@@ -1894,7 +1987,7 @@
           <a:p>
             <a:fld id="{1A3BF8E8-E514-488A-8533-83F354D3E341}" type="datetimeFigureOut">
               <a:rPr lang="it-IT" smtClean="0"/>
-              <a:t>02/04/2020</a:t>
+              <a:t>09/04/2020</a:t>
             </a:fld>
             <a:endParaRPr lang="it-IT"/>
           </a:p>
@@ -2306,7 +2399,7 @@
           <a:p>
             <a:fld id="{1A3BF8E8-E514-488A-8533-83F354D3E341}" type="datetimeFigureOut">
               <a:rPr lang="it-IT" smtClean="0"/>
-              <a:t>02/04/2020</a:t>
+              <a:t>09/04/2020</a:t>
             </a:fld>
             <a:endParaRPr lang="it-IT"/>
           </a:p>
@@ -2447,7 +2540,7 @@
           <a:p>
             <a:fld id="{1A3BF8E8-E514-488A-8533-83F354D3E341}" type="datetimeFigureOut">
               <a:rPr lang="it-IT" smtClean="0"/>
-              <a:t>02/04/2020</a:t>
+              <a:t>09/04/2020</a:t>
             </a:fld>
             <a:endParaRPr lang="it-IT"/>
           </a:p>
@@ -2560,7 +2653,7 @@
           <a:p>
             <a:fld id="{1A3BF8E8-E514-488A-8533-83F354D3E341}" type="datetimeFigureOut">
               <a:rPr lang="it-IT" smtClean="0"/>
-              <a:t>02/04/2020</a:t>
+              <a:t>09/04/2020</a:t>
             </a:fld>
             <a:endParaRPr lang="it-IT"/>
           </a:p>
@@ -2871,7 +2964,7 @@
           <a:p>
             <a:fld id="{1A3BF8E8-E514-488A-8533-83F354D3E341}" type="datetimeFigureOut">
               <a:rPr lang="it-IT" smtClean="0"/>
-              <a:t>02/04/2020</a:t>
+              <a:t>09/04/2020</a:t>
             </a:fld>
             <a:endParaRPr lang="it-IT"/>
           </a:p>
@@ -3159,7 +3252,7 @@
           <a:p>
             <a:fld id="{1A3BF8E8-E514-488A-8533-83F354D3E341}" type="datetimeFigureOut">
               <a:rPr lang="it-IT" smtClean="0"/>
-              <a:t>02/04/2020</a:t>
+              <a:t>09/04/2020</a:t>
             </a:fld>
             <a:endParaRPr lang="it-IT"/>
           </a:p>
@@ -3400,7 +3493,7 @@
           <a:p>
             <a:fld id="{1A3BF8E8-E514-488A-8533-83F354D3E341}" type="datetimeFigureOut">
               <a:rPr lang="it-IT" smtClean="0"/>
-              <a:t>02/04/2020</a:t>
+              <a:t>09/04/2020</a:t>
             </a:fld>
             <a:endParaRPr lang="it-IT"/>
           </a:p>
@@ -21843,7 +21936,15 @@
             </a:r>
             <a:r>
               <a:rPr lang="it-IT" dirty="0"/>
-              <a:t> nel caso «inaccurate»</a:t>
+              <a:t> nel caso «</a:t>
+            </a:r>
+            <a:r>
+              <a:rPr lang="it-IT" dirty="0" err="1"/>
+              <a:t>trivial</a:t>
+            </a:r>
+            <a:r>
+              <a:rPr lang="it-IT" dirty="0"/>
+              <a:t>»</a:t>
             </a:r>
           </a:p>
         </p:txBody>
@@ -22321,7 +22422,7 @@
             </a:pPr>
             <a:r>
               <a:rPr lang="it-IT" dirty="0"/>
-              <a:t>   Suggerimento: Il momento di inerzia del peso non è in genere noto  tuttavia è sicuramente della forma I =KL</a:t>
+              <a:t>   Suggerimento: Il momento di inerzia del peso non è in genere noto  tuttavia è sicuramente della forma I =kmL</a:t>
             </a:r>
             <a:r>
               <a:rPr lang="it-IT" baseline="30000" dirty="0"/>
@@ -23595,82 +23696,87 @@
                                     </a:rPr>
                                     <m:t>𝑔</m:t>
                                   </m:r>
-                                  <m:r>
-                                    <a:rPr lang="it-IT" sz="3200" b="0" i="1" smtClean="0">
-                                      <a:latin typeface="Cambria Math" panose="02040503050406030204" pitchFamily="18" charset="0"/>
-                                      <a:ea typeface="Cambria Math" panose="02040503050406030204" pitchFamily="18" charset="0"/>
-                                    </a:rPr>
-                                    <m:t>(</m:t>
-                                  </m:r>
-                                  <m:sSub>
-                                    <m:sSubPr>
+                                  <m:d>
+                                    <m:dPr>
                                       <m:ctrlPr>
                                         <a:rPr lang="it-IT" sz="3200" b="0" i="1" smtClean="0">
                                           <a:latin typeface="Cambria Math" panose="02040503050406030204" pitchFamily="18" charset="0"/>
                                           <a:ea typeface="Cambria Math" panose="02040503050406030204" pitchFamily="18" charset="0"/>
                                         </a:rPr>
                                       </m:ctrlPr>
-                                    </m:sSubPr>
+                                    </m:dPr>
                                     <m:e>
+                                      <m:sSub>
+                                        <m:sSubPr>
+                                          <m:ctrlPr>
+                                            <a:rPr lang="it-IT" sz="3200" b="0" i="1" smtClean="0">
+                                              <a:latin typeface="Cambria Math" panose="02040503050406030204" pitchFamily="18" charset="0"/>
+                                              <a:ea typeface="Cambria Math" panose="02040503050406030204" pitchFamily="18" charset="0"/>
+                                            </a:rPr>
+                                          </m:ctrlPr>
+                                        </m:sSubPr>
+                                        <m:e>
+                                          <m:r>
+                                            <a:rPr lang="it-IT" sz="3200" b="0" i="1" smtClean="0">
+                                              <a:latin typeface="Cambria Math" panose="02040503050406030204" pitchFamily="18" charset="0"/>
+                                              <a:ea typeface="Cambria Math" panose="02040503050406030204" pitchFamily="18" charset="0"/>
+                                            </a:rPr>
+                                            <m:t>𝑢</m:t>
+                                          </m:r>
+                                        </m:e>
+                                        <m:sub>
+                                          <m:r>
+                                            <a:rPr lang="it-IT" sz="3200" b="0" i="1" smtClean="0">
+                                              <a:latin typeface="Cambria Math" panose="02040503050406030204" pitchFamily="18" charset="0"/>
+                                              <a:ea typeface="Cambria Math" panose="02040503050406030204" pitchFamily="18" charset="0"/>
+                                            </a:rPr>
+                                            <m:t>𝑖</m:t>
+                                          </m:r>
+                                        </m:sub>
+                                      </m:sSub>
                                       <m:r>
                                         <a:rPr lang="it-IT" sz="3200" b="0" i="1" smtClean="0">
                                           <a:latin typeface="Cambria Math" panose="02040503050406030204" pitchFamily="18" charset="0"/>
                                           <a:ea typeface="Cambria Math" panose="02040503050406030204" pitchFamily="18" charset="0"/>
                                         </a:rPr>
-                                        <m:t>𝑢</m:t>
+                                        <m:t>,</m:t>
                                       </m:r>
+                                      <m:sSub>
+                                        <m:sSubPr>
+                                          <m:ctrlPr>
+                                            <a:rPr lang="it-IT" sz="3200" b="0" i="1" smtClean="0">
+                                              <a:latin typeface="Cambria Math" panose="02040503050406030204" pitchFamily="18" charset="0"/>
+                                              <a:ea typeface="Cambria Math" panose="02040503050406030204" pitchFamily="18" charset="0"/>
+                                            </a:rPr>
+                                          </m:ctrlPr>
+                                        </m:sSubPr>
+                                        <m:e>
+                                          <m:r>
+                                            <a:rPr lang="it-IT" sz="3200" b="0" i="1" smtClean="0">
+                                              <a:latin typeface="Cambria Math" panose="02040503050406030204" pitchFamily="18" charset="0"/>
+                                              <a:ea typeface="Cambria Math" panose="02040503050406030204" pitchFamily="18" charset="0"/>
+                                            </a:rPr>
+                                            <m:t>𝑣</m:t>
+                                          </m:r>
+                                        </m:e>
+                                        <m:sub>
+                                          <m:r>
+                                            <a:rPr lang="it-IT" sz="3200" b="0" i="1" smtClean="0">
+                                              <a:latin typeface="Cambria Math" panose="02040503050406030204" pitchFamily="18" charset="0"/>
+                                              <a:ea typeface="Cambria Math" panose="02040503050406030204" pitchFamily="18" charset="0"/>
+                                            </a:rPr>
+                                            <m:t>𝑖</m:t>
+                                          </m:r>
+                                        </m:sub>
+                                      </m:sSub>
                                     </m:e>
-                                    <m:sub>
-                                      <m:r>
-                                        <a:rPr lang="it-IT" sz="3200" b="0" i="1" smtClean="0">
-                                          <a:latin typeface="Cambria Math" panose="02040503050406030204" pitchFamily="18" charset="0"/>
-                                          <a:ea typeface="Cambria Math" panose="02040503050406030204" pitchFamily="18" charset="0"/>
-                                        </a:rPr>
-                                        <m:t>𝑖</m:t>
-                                      </m:r>
-                                    </m:sub>
-                                  </m:sSub>
+                                  </m:d>
                                   <m:r>
                                     <a:rPr lang="it-IT" sz="3200" b="0" i="1" smtClean="0">
                                       <a:latin typeface="Cambria Math" panose="02040503050406030204" pitchFamily="18" charset="0"/>
                                       <a:ea typeface="Cambria Math" panose="02040503050406030204" pitchFamily="18" charset="0"/>
                                     </a:rPr>
-                                    <m:t>,</m:t>
-                                  </m:r>
-                                  <m:sSub>
-                                    <m:sSubPr>
-                                      <m:ctrlPr>
-                                        <a:rPr lang="it-IT" sz="3200" b="0" i="1" smtClean="0">
-                                          <a:latin typeface="Cambria Math" panose="02040503050406030204" pitchFamily="18" charset="0"/>
-                                          <a:ea typeface="Cambria Math" panose="02040503050406030204" pitchFamily="18" charset="0"/>
-                                        </a:rPr>
-                                      </m:ctrlPr>
-                                    </m:sSubPr>
-                                    <m:e>
-                                      <m:r>
-                                        <a:rPr lang="it-IT" sz="3200" b="0" i="1" smtClean="0">
-                                          <a:latin typeface="Cambria Math" panose="02040503050406030204" pitchFamily="18" charset="0"/>
-                                          <a:ea typeface="Cambria Math" panose="02040503050406030204" pitchFamily="18" charset="0"/>
-                                        </a:rPr>
-                                        <m:t>𝑣</m:t>
-                                      </m:r>
-                                    </m:e>
-                                    <m:sub>
-                                      <m:r>
-                                        <a:rPr lang="it-IT" sz="3200" b="0" i="1" smtClean="0">
-                                          <a:latin typeface="Cambria Math" panose="02040503050406030204" pitchFamily="18" charset="0"/>
-                                          <a:ea typeface="Cambria Math" panose="02040503050406030204" pitchFamily="18" charset="0"/>
-                                        </a:rPr>
-                                        <m:t>𝑖</m:t>
-                                      </m:r>
-                                    </m:sub>
-                                  </m:sSub>
-                                  <m:r>
-                                    <a:rPr lang="it-IT" sz="3200" b="0" i="1" smtClean="0">
-                                      <a:latin typeface="Cambria Math" panose="02040503050406030204" pitchFamily="18" charset="0"/>
-                                      <a:ea typeface="Cambria Math" panose="02040503050406030204" pitchFamily="18" charset="0"/>
-                                    </a:rPr>
-                                    <m:t>)</m:t>
+                                    <m:t>−0</m:t>
                                   </m:r>
                                 </m:e>
                               </m:d>
@@ -23781,7 +23887,7 @@
                             <a:rPr lang="it-IT" sz="3200" b="0" i="1" smtClean="0">
                               <a:latin typeface="Cambria Math" panose="02040503050406030204" pitchFamily="18" charset="0"/>
                             </a:rPr>
-                            <m:t>(</m:t>
+                            <m:t>−(</m:t>
                           </m:r>
                           <m:r>
                             <a:rPr lang="it-IT" sz="3200" b="0" i="1" smtClean="0">
@@ -24145,6 +24251,2094 @@
 </p:sld>
 </file>
 
+<file path=ppt/slides/slide57.xml><?xml version="1.0" encoding="utf-8"?>
+<p:sld xmlns:a="http://schemas.openxmlformats.org/drawingml/2006/main" xmlns:r="http://schemas.openxmlformats.org/officeDocument/2006/relationships" xmlns:p="http://schemas.openxmlformats.org/presentationml/2006/main">
+  <p:cSld>
+    <p:spTree>
+      <p:nvGrpSpPr>
+        <p:cNvPr id="1" name=""/>
+        <p:cNvGrpSpPr/>
+        <p:nvPr/>
+      </p:nvGrpSpPr>
+      <p:grpSpPr>
+        <a:xfrm>
+          <a:off x="0" y="0"/>
+          <a:ext cx="0" cy="0"/>
+          <a:chOff x="0" y="0"/>
+          <a:chExt cx="0" cy="0"/>
+        </a:xfrm>
+      </p:grpSpPr>
+      <p:sp>
+        <p:nvSpPr>
+          <p:cNvPr id="2" name="Titolo 1">
+            <a:extLst>
+              <a:ext uri="{FF2B5EF4-FFF2-40B4-BE49-F238E27FC236}">
+                <a16:creationId xmlns:a16="http://schemas.microsoft.com/office/drawing/2014/main" id="{D495A2D8-7FA2-4738-AC35-09DD4856E753}"/>
+              </a:ext>
+            </a:extLst>
+          </p:cNvPr>
+          <p:cNvSpPr>
+            <a:spLocks noGrp="1"/>
+          </p:cNvSpPr>
+          <p:nvPr>
+            <p:ph type="title"/>
+          </p:nvPr>
+        </p:nvSpPr>
+        <p:spPr>
+          <a:xfrm>
+            <a:off x="1233227" y="180001"/>
+            <a:ext cx="10515600" cy="1196568"/>
+          </a:xfrm>
+        </p:spPr>
+        <p:txBody>
+          <a:bodyPr>
+            <a:noAutofit/>
+          </a:bodyPr>
+          <a:lstStyle/>
+          <a:p>
+            <a:r>
+              <a:rPr lang="it-IT" sz="3600" b="1" dirty="0"/>
+              <a:t>Effetto Compton e Misura della massa dell’elettrone </a:t>
+            </a:r>
+          </a:p>
+        </p:txBody>
+      </p:sp>
+      <p:sp>
+        <p:nvSpPr>
+          <p:cNvPr id="4" name="Ovale 3">
+            <a:extLst>
+              <a:ext uri="{FF2B5EF4-FFF2-40B4-BE49-F238E27FC236}">
+                <a16:creationId xmlns:a16="http://schemas.microsoft.com/office/drawing/2014/main" id="{847C5DAF-4A46-44CF-AB17-6EB27CBB70CD}"/>
+              </a:ext>
+            </a:extLst>
+          </p:cNvPr>
+          <p:cNvSpPr/>
+          <p:nvPr/>
+        </p:nvSpPr>
+        <p:spPr>
+          <a:xfrm>
+            <a:off x="2997550" y="3866324"/>
+            <a:ext cx="253061" cy="228600"/>
+          </a:xfrm>
+          <a:prstGeom prst="ellipse">
+            <a:avLst/>
+          </a:prstGeom>
+        </p:spPr>
+        <p:style>
+          <a:lnRef idx="2">
+            <a:schemeClr val="accent6"/>
+          </a:lnRef>
+          <a:fillRef idx="1">
+            <a:schemeClr val="lt1"/>
+          </a:fillRef>
+          <a:effectRef idx="0">
+            <a:schemeClr val="accent6"/>
+          </a:effectRef>
+          <a:fontRef idx="minor">
+            <a:schemeClr val="dk1"/>
+          </a:fontRef>
+        </p:style>
+        <p:txBody>
+          <a:bodyPr rtlCol="0" anchor="ctr"/>
+          <a:lstStyle/>
+          <a:p>
+            <a:pPr algn="ctr"/>
+            <a:endParaRPr lang="it-IT"/>
+          </a:p>
+        </p:txBody>
+      </p:sp>
+      <p:sp>
+        <p:nvSpPr>
+          <p:cNvPr id="5" name="Rettangolo 4">
+            <a:extLst>
+              <a:ext uri="{FF2B5EF4-FFF2-40B4-BE49-F238E27FC236}">
+                <a16:creationId xmlns:a16="http://schemas.microsoft.com/office/drawing/2014/main" id="{D62DA3DE-DB01-42C3-B822-A28F39A51B5F}"/>
+              </a:ext>
+            </a:extLst>
+          </p:cNvPr>
+          <p:cNvSpPr/>
+          <p:nvPr/>
+        </p:nvSpPr>
+        <p:spPr>
+          <a:xfrm>
+            <a:off x="2997550" y="4199285"/>
+            <a:ext cx="1053548" cy="178904"/>
+          </a:xfrm>
+          <a:prstGeom prst="rect">
+            <a:avLst/>
+          </a:prstGeom>
+        </p:spPr>
+        <p:style>
+          <a:lnRef idx="2">
+            <a:schemeClr val="accent6"/>
+          </a:lnRef>
+          <a:fillRef idx="1">
+            <a:schemeClr val="lt1"/>
+          </a:fillRef>
+          <a:effectRef idx="0">
+            <a:schemeClr val="accent6"/>
+          </a:effectRef>
+          <a:fontRef idx="minor">
+            <a:schemeClr val="dk1"/>
+          </a:fontRef>
+        </p:style>
+        <p:txBody>
+          <a:bodyPr rtlCol="0" anchor="ctr"/>
+          <a:lstStyle/>
+          <a:p>
+            <a:pPr algn="ctr"/>
+            <a:endParaRPr lang="it-IT"/>
+          </a:p>
+        </p:txBody>
+      </p:sp>
+      <p:sp>
+        <p:nvSpPr>
+          <p:cNvPr id="6" name="Rettangolo 5">
+            <a:extLst>
+              <a:ext uri="{FF2B5EF4-FFF2-40B4-BE49-F238E27FC236}">
+                <a16:creationId xmlns:a16="http://schemas.microsoft.com/office/drawing/2014/main" id="{70DA9EC3-4F02-4CD6-8944-F51987AD0840}"/>
+              </a:ext>
+            </a:extLst>
+          </p:cNvPr>
+          <p:cNvSpPr/>
+          <p:nvPr/>
+        </p:nvSpPr>
+        <p:spPr>
+          <a:xfrm>
+            <a:off x="2997550" y="3604181"/>
+            <a:ext cx="1053548" cy="198780"/>
+          </a:xfrm>
+          <a:prstGeom prst="rect">
+            <a:avLst/>
+          </a:prstGeom>
+        </p:spPr>
+        <p:style>
+          <a:lnRef idx="2">
+            <a:schemeClr val="accent6"/>
+          </a:lnRef>
+          <a:fillRef idx="1">
+            <a:schemeClr val="lt1"/>
+          </a:fillRef>
+          <a:effectRef idx="0">
+            <a:schemeClr val="accent6"/>
+          </a:effectRef>
+          <a:fontRef idx="minor">
+            <a:schemeClr val="dk1"/>
+          </a:fontRef>
+        </p:style>
+        <p:txBody>
+          <a:bodyPr rtlCol="0" anchor="ctr"/>
+          <a:lstStyle/>
+          <a:p>
+            <a:pPr algn="ctr"/>
+            <a:endParaRPr lang="it-IT"/>
+          </a:p>
+        </p:txBody>
+      </p:sp>
+      <p:cxnSp>
+        <p:nvCxnSpPr>
+          <p:cNvPr id="8" name="Connettore diritto 7">
+            <a:extLst>
+              <a:ext uri="{FF2B5EF4-FFF2-40B4-BE49-F238E27FC236}">
+                <a16:creationId xmlns:a16="http://schemas.microsoft.com/office/drawing/2014/main" id="{CC2CEE39-8960-427C-B0BF-8AEB8D3CF32A}"/>
+              </a:ext>
+            </a:extLst>
+          </p:cNvPr>
+          <p:cNvCxnSpPr>
+            <a:cxnSpLocks/>
+          </p:cNvCxnSpPr>
+          <p:nvPr/>
+        </p:nvCxnSpPr>
+        <p:spPr>
+          <a:xfrm>
+            <a:off x="3250870" y="3983108"/>
+            <a:ext cx="6480314" cy="24847"/>
+          </a:xfrm>
+          <a:prstGeom prst="line">
+            <a:avLst/>
+          </a:prstGeom>
+        </p:spPr>
+        <p:style>
+          <a:lnRef idx="1">
+            <a:schemeClr val="accent1"/>
+          </a:lnRef>
+          <a:fillRef idx="0">
+            <a:schemeClr val="accent1"/>
+          </a:fillRef>
+          <a:effectRef idx="0">
+            <a:schemeClr val="accent1"/>
+          </a:effectRef>
+          <a:fontRef idx="minor">
+            <a:schemeClr val="tx1"/>
+          </a:fontRef>
+        </p:style>
+      </p:cxnSp>
+      <p:sp>
+        <p:nvSpPr>
+          <p:cNvPr id="9" name="Rettangolo 8">
+            <a:extLst>
+              <a:ext uri="{FF2B5EF4-FFF2-40B4-BE49-F238E27FC236}">
+                <a16:creationId xmlns:a16="http://schemas.microsoft.com/office/drawing/2014/main" id="{17AC5D2D-81B2-4BF3-ABB9-A491EC26BEF2}"/>
+              </a:ext>
+            </a:extLst>
+          </p:cNvPr>
+          <p:cNvSpPr/>
+          <p:nvPr/>
+        </p:nvSpPr>
+        <p:spPr>
+          <a:xfrm>
+            <a:off x="7110308" y="3391729"/>
+            <a:ext cx="178904" cy="1182757"/>
+          </a:xfrm>
+          <a:prstGeom prst="rect">
+            <a:avLst/>
+          </a:prstGeom>
+        </p:spPr>
+        <p:style>
+          <a:lnRef idx="2">
+            <a:schemeClr val="accent6"/>
+          </a:lnRef>
+          <a:fillRef idx="1">
+            <a:schemeClr val="lt1"/>
+          </a:fillRef>
+          <a:effectRef idx="0">
+            <a:schemeClr val="accent6"/>
+          </a:effectRef>
+          <a:fontRef idx="minor">
+            <a:schemeClr val="dk1"/>
+          </a:fontRef>
+        </p:style>
+        <p:txBody>
+          <a:bodyPr rtlCol="0" anchor="ctr"/>
+          <a:lstStyle/>
+          <a:p>
+            <a:pPr algn="ctr"/>
+            <a:endParaRPr lang="it-IT"/>
+          </a:p>
+        </p:txBody>
+      </p:sp>
+      <p:sp>
+        <p:nvSpPr>
+          <p:cNvPr id="17" name="Arco a tutto sesto 16">
+            <a:extLst>
+              <a:ext uri="{FF2B5EF4-FFF2-40B4-BE49-F238E27FC236}">
+                <a16:creationId xmlns:a16="http://schemas.microsoft.com/office/drawing/2014/main" id="{7B6FC81B-C263-4553-BF73-F54FBE703FAA}"/>
+              </a:ext>
+            </a:extLst>
+          </p:cNvPr>
+          <p:cNvSpPr/>
+          <p:nvPr/>
+        </p:nvSpPr>
+        <p:spPr>
+          <a:xfrm rot="5400000">
+            <a:off x="4605647" y="1183017"/>
+            <a:ext cx="5188226" cy="5625031"/>
+          </a:xfrm>
+          <a:prstGeom prst="blockArc">
+            <a:avLst>
+              <a:gd name="adj1" fmla="val 10827149"/>
+              <a:gd name="adj2" fmla="val 90100"/>
+              <a:gd name="adj3" fmla="val 15148"/>
+            </a:avLst>
+          </a:prstGeom>
+        </p:spPr>
+        <p:style>
+          <a:lnRef idx="2">
+            <a:schemeClr val="accent6"/>
+          </a:lnRef>
+          <a:fillRef idx="1">
+            <a:schemeClr val="lt1"/>
+          </a:fillRef>
+          <a:effectRef idx="0">
+            <a:schemeClr val="accent6"/>
+          </a:effectRef>
+          <a:fontRef idx="minor">
+            <a:schemeClr val="dk1"/>
+          </a:fontRef>
+        </p:style>
+        <p:txBody>
+          <a:bodyPr rtlCol="0" anchor="ctr"/>
+          <a:lstStyle/>
+          <a:p>
+            <a:pPr algn="ctr"/>
+            <a:endParaRPr lang="it-IT">
+              <a:solidFill>
+                <a:schemeClr val="tx1"/>
+              </a:solidFill>
+            </a:endParaRPr>
+          </a:p>
+        </p:txBody>
+      </p:sp>
+      <p:cxnSp>
+        <p:nvCxnSpPr>
+          <p:cNvPr id="19" name="Connettore 2 18">
+            <a:extLst>
+              <a:ext uri="{FF2B5EF4-FFF2-40B4-BE49-F238E27FC236}">
+                <a16:creationId xmlns:a16="http://schemas.microsoft.com/office/drawing/2014/main" id="{FE37A320-50A8-408C-BC43-74E30BB2C143}"/>
+              </a:ext>
+            </a:extLst>
+          </p:cNvPr>
+          <p:cNvCxnSpPr>
+            <a:cxnSpLocks/>
+          </p:cNvCxnSpPr>
+          <p:nvPr/>
+        </p:nvCxnSpPr>
+        <p:spPr>
+          <a:xfrm flipV="1">
+            <a:off x="7199760" y="2601569"/>
+            <a:ext cx="1675883" cy="1359178"/>
+          </a:xfrm>
+          <a:prstGeom prst="straightConnector1">
+            <a:avLst/>
+          </a:prstGeom>
+          <a:ln>
+            <a:tailEnd type="triangle"/>
+          </a:ln>
+        </p:spPr>
+        <p:style>
+          <a:lnRef idx="1">
+            <a:schemeClr val="accent1"/>
+          </a:lnRef>
+          <a:fillRef idx="0">
+            <a:schemeClr val="accent1"/>
+          </a:fillRef>
+          <a:effectRef idx="0">
+            <a:schemeClr val="accent1"/>
+          </a:effectRef>
+          <a:fontRef idx="minor">
+            <a:schemeClr val="tx1"/>
+          </a:fontRef>
+        </p:style>
+      </p:cxnSp>
+      <p:sp>
+        <p:nvSpPr>
+          <p:cNvPr id="20" name="Rettangolo 19">
+            <a:extLst>
+              <a:ext uri="{FF2B5EF4-FFF2-40B4-BE49-F238E27FC236}">
+                <a16:creationId xmlns:a16="http://schemas.microsoft.com/office/drawing/2014/main" id="{AADF6CA4-CA8E-49F6-9968-C3FA5D622684}"/>
+              </a:ext>
+            </a:extLst>
+          </p:cNvPr>
+          <p:cNvSpPr/>
+          <p:nvPr/>
+        </p:nvSpPr>
+        <p:spPr>
+          <a:xfrm rot="19077017">
+            <a:off x="8521031" y="2316539"/>
+            <a:ext cx="850491" cy="411858"/>
+          </a:xfrm>
+          <a:prstGeom prst="rect">
+            <a:avLst/>
+          </a:prstGeom>
+        </p:spPr>
+        <p:style>
+          <a:lnRef idx="2">
+            <a:schemeClr val="accent1">
+              <a:shade val="50000"/>
+            </a:schemeClr>
+          </a:lnRef>
+          <a:fillRef idx="1">
+            <a:schemeClr val="accent1"/>
+          </a:fillRef>
+          <a:effectRef idx="0">
+            <a:schemeClr val="accent1"/>
+          </a:effectRef>
+          <a:fontRef idx="minor">
+            <a:schemeClr val="lt1"/>
+          </a:fontRef>
+        </p:style>
+        <p:txBody>
+          <a:bodyPr rtlCol="0" anchor="ctr"/>
+          <a:lstStyle/>
+          <a:p>
+            <a:pPr algn="ctr"/>
+            <a:endParaRPr lang="it-IT"/>
+          </a:p>
+        </p:txBody>
+      </p:sp>
+      <p:sp>
+        <p:nvSpPr>
+          <p:cNvPr id="21" name="CasellaDiTesto 20">
+            <a:extLst>
+              <a:ext uri="{FF2B5EF4-FFF2-40B4-BE49-F238E27FC236}">
+                <a16:creationId xmlns:a16="http://schemas.microsoft.com/office/drawing/2014/main" id="{D640E3EA-DABE-446F-BFC9-8753488F1446}"/>
+              </a:ext>
+            </a:extLst>
+          </p:cNvPr>
+          <p:cNvSpPr txBox="1"/>
+          <p:nvPr/>
+        </p:nvSpPr>
+        <p:spPr>
+          <a:xfrm>
+            <a:off x="1013791" y="4499948"/>
+            <a:ext cx="3373453" cy="923330"/>
+          </a:xfrm>
+          <a:prstGeom prst="rect">
+            <a:avLst/>
+          </a:prstGeom>
+          <a:noFill/>
+        </p:spPr>
+        <p:txBody>
+          <a:bodyPr wrap="square" rtlCol="0">
+            <a:spAutoFit/>
+          </a:bodyPr>
+          <a:lstStyle/>
+          <a:p>
+            <a:pPr algn="ctr"/>
+            <a:r>
+              <a:rPr lang="it-IT" dirty="0"/>
+              <a:t>Sorgente  di Fotoni (E = 662 </a:t>
+            </a:r>
+            <a:r>
+              <a:rPr lang="it-IT" dirty="0" err="1"/>
+              <a:t>KeV</a:t>
+            </a:r>
+            <a:r>
+              <a:rPr lang="it-IT" dirty="0"/>
+              <a:t>)  </a:t>
+            </a:r>
+            <a:r>
+              <a:rPr lang="it-IT" dirty="0" err="1"/>
+              <a:t>Cesium</a:t>
+            </a:r>
+            <a:r>
+              <a:rPr lang="it-IT" dirty="0"/>
+              <a:t> 137 </a:t>
+            </a:r>
+          </a:p>
+          <a:p>
+            <a:pPr algn="ctr"/>
+            <a:r>
+              <a:rPr lang="it-IT" dirty="0"/>
+              <a:t>Sistema di collimatori </a:t>
+            </a:r>
+          </a:p>
+        </p:txBody>
+      </p:sp>
+      <p:sp>
+        <p:nvSpPr>
+          <p:cNvPr id="22" name="CasellaDiTesto 21">
+            <a:extLst>
+              <a:ext uri="{FF2B5EF4-FFF2-40B4-BE49-F238E27FC236}">
+                <a16:creationId xmlns:a16="http://schemas.microsoft.com/office/drawing/2014/main" id="{92E25E85-0046-4C61-A73B-A4FFA70DD8A2}"/>
+              </a:ext>
+            </a:extLst>
+          </p:cNvPr>
+          <p:cNvSpPr txBox="1"/>
+          <p:nvPr/>
+        </p:nvSpPr>
+        <p:spPr>
+          <a:xfrm>
+            <a:off x="5893925" y="4574486"/>
+            <a:ext cx="1866772" cy="923330"/>
+          </a:xfrm>
+          <a:prstGeom prst="rect">
+            <a:avLst/>
+          </a:prstGeom>
+          <a:noFill/>
+        </p:spPr>
+        <p:txBody>
+          <a:bodyPr wrap="square" rtlCol="0">
+            <a:spAutoFit/>
+          </a:bodyPr>
+          <a:lstStyle/>
+          <a:p>
+            <a:r>
+              <a:rPr lang="it-IT" dirty="0"/>
+              <a:t>Scintillatore per «</a:t>
+            </a:r>
+            <a:r>
+              <a:rPr lang="it-IT" dirty="0" err="1"/>
+              <a:t>triggerare</a:t>
+            </a:r>
+            <a:r>
+              <a:rPr lang="it-IT" dirty="0"/>
+              <a:t>» sull’elettrone </a:t>
+            </a:r>
+          </a:p>
+        </p:txBody>
+      </p:sp>
+      <p:sp>
+        <p:nvSpPr>
+          <p:cNvPr id="24" name="CasellaDiTesto 23">
+            <a:extLst>
+              <a:ext uri="{FF2B5EF4-FFF2-40B4-BE49-F238E27FC236}">
+                <a16:creationId xmlns:a16="http://schemas.microsoft.com/office/drawing/2014/main" id="{CB76B48D-B982-4FC7-B701-B78E61E5E02F}"/>
+              </a:ext>
+            </a:extLst>
+          </p:cNvPr>
+          <p:cNvSpPr txBox="1"/>
+          <p:nvPr/>
+        </p:nvSpPr>
+        <p:spPr>
+          <a:xfrm>
+            <a:off x="9450650" y="1376569"/>
+            <a:ext cx="2484286" cy="923330"/>
+          </a:xfrm>
+          <a:prstGeom prst="rect">
+            <a:avLst/>
+          </a:prstGeom>
+          <a:noFill/>
+        </p:spPr>
+        <p:txBody>
+          <a:bodyPr wrap="square" rtlCol="0">
+            <a:spAutoFit/>
+          </a:bodyPr>
+          <a:lstStyle/>
+          <a:p>
+            <a:r>
+              <a:rPr lang="it-IT" dirty="0"/>
+              <a:t>Rivelatore di Fotoni :</a:t>
+            </a:r>
+          </a:p>
+          <a:p>
+            <a:r>
+              <a:rPr lang="it-IT" dirty="0"/>
+              <a:t>     Cristalli di </a:t>
+            </a:r>
+            <a:r>
+              <a:rPr lang="it-IT" dirty="0" err="1"/>
+              <a:t>NaI</a:t>
+            </a:r>
+            <a:endParaRPr lang="it-IT" dirty="0"/>
+          </a:p>
+          <a:p>
+            <a:r>
+              <a:rPr lang="it-IT" dirty="0"/>
+              <a:t>Misura Energia e Angolo </a:t>
+            </a:r>
+          </a:p>
+        </p:txBody>
+      </p:sp>
+    </p:spTree>
+    <p:extLst>
+      <p:ext uri="{BB962C8B-B14F-4D97-AF65-F5344CB8AC3E}">
+        <p14:creationId xmlns:p14="http://schemas.microsoft.com/office/powerpoint/2010/main" val="3486660554"/>
+      </p:ext>
+    </p:extLst>
+  </p:cSld>
+  <p:clrMapOvr>
+    <a:masterClrMapping/>
+  </p:clrMapOvr>
+</p:sld>
+</file>
+
+<file path=ppt/slides/slide58.xml><?xml version="1.0" encoding="utf-8"?>
+<p:sld xmlns:a="http://schemas.openxmlformats.org/drawingml/2006/main" xmlns:r="http://schemas.openxmlformats.org/officeDocument/2006/relationships" xmlns:p="http://schemas.openxmlformats.org/presentationml/2006/main">
+  <p:cSld>
+    <p:spTree>
+      <p:nvGrpSpPr>
+        <p:cNvPr id="1" name=""/>
+        <p:cNvGrpSpPr/>
+        <p:nvPr/>
+      </p:nvGrpSpPr>
+      <p:grpSpPr>
+        <a:xfrm>
+          <a:off x="0" y="0"/>
+          <a:ext cx="0" cy="0"/>
+          <a:chOff x="0" y="0"/>
+          <a:chExt cx="0" cy="0"/>
+        </a:xfrm>
+      </p:grpSpPr>
+      <mc:AlternateContent xmlns:mc="http://schemas.openxmlformats.org/markup-compatibility/2006">
+        <mc:Choice xmlns:a14="http://schemas.microsoft.com/office/drawing/2010/main" Requires="a14">
+          <p:sp>
+            <p:nvSpPr>
+              <p:cNvPr id="2" name="Titolo 1">
+                <a:extLst>
+                  <a:ext uri="{FF2B5EF4-FFF2-40B4-BE49-F238E27FC236}">
+                    <a16:creationId xmlns:a16="http://schemas.microsoft.com/office/drawing/2014/main" id="{F0DAD5B4-37B9-4B34-8914-FE675DA6D871}"/>
+                  </a:ext>
+                </a:extLst>
+              </p:cNvPr>
+              <p:cNvSpPr>
+                <a:spLocks noGrp="1"/>
+              </p:cNvSpPr>
+              <p:nvPr>
+                <p:ph type="title"/>
+              </p:nvPr>
+            </p:nvSpPr>
+            <p:spPr/>
+            <p:txBody>
+              <a:bodyPr/>
+              <a:lstStyle/>
+              <a:p>
+                <a:pPr algn="ctr"/>
+                <a:r>
+                  <a:rPr lang="it-IT" dirty="0">
+                    <a:ea typeface="Cambria Math" panose="02040503050406030204" pitchFamily="18" charset="0"/>
+                  </a:rPr>
+                  <a:t>Cinematica  </a:t>
+                </a:r>
+                <a14:m>
+                  <m:oMath xmlns:m="http://schemas.openxmlformats.org/officeDocument/2006/math">
+                    <m:r>
+                      <a:rPr lang="it-IT" i="1" smtClean="0">
+                        <a:latin typeface="Cambria Math" panose="02040503050406030204" pitchFamily="18" charset="0"/>
+                        <a:ea typeface="Cambria Math" panose="02040503050406030204" pitchFamily="18" charset="0"/>
+                      </a:rPr>
+                      <m:t>𝛾</m:t>
+                    </m:r>
+                    <m:r>
+                      <a:rPr lang="it-IT" b="0" i="1" smtClean="0">
+                        <a:latin typeface="Cambria Math" panose="02040503050406030204" pitchFamily="18" charset="0"/>
+                        <a:ea typeface="Cambria Math" panose="02040503050406030204" pitchFamily="18" charset="0"/>
+                      </a:rPr>
+                      <m:t>+ </m:t>
+                    </m:r>
+                    <m:sSup>
+                      <m:sSupPr>
+                        <m:ctrlPr>
+                          <a:rPr lang="it-IT" b="0" i="1" smtClean="0">
+                            <a:latin typeface="Cambria Math" panose="02040503050406030204" pitchFamily="18" charset="0"/>
+                            <a:ea typeface="Cambria Math" panose="02040503050406030204" pitchFamily="18" charset="0"/>
+                          </a:rPr>
+                        </m:ctrlPr>
+                      </m:sSupPr>
+                      <m:e>
+                        <m:r>
+                          <a:rPr lang="it-IT" b="0" i="1" smtClean="0">
+                            <a:latin typeface="Cambria Math" panose="02040503050406030204" pitchFamily="18" charset="0"/>
+                            <a:ea typeface="Cambria Math" panose="02040503050406030204" pitchFamily="18" charset="0"/>
+                          </a:rPr>
+                          <m:t>𝑒</m:t>
+                        </m:r>
+                      </m:e>
+                      <m:sup>
+                        <m:r>
+                          <a:rPr lang="it-IT" b="0" i="1" smtClean="0">
+                            <a:latin typeface="Cambria Math" panose="02040503050406030204" pitchFamily="18" charset="0"/>
+                            <a:ea typeface="Cambria Math" panose="02040503050406030204" pitchFamily="18" charset="0"/>
+                          </a:rPr>
+                          <m:t>−</m:t>
+                        </m:r>
+                      </m:sup>
+                    </m:sSup>
+                    <m:r>
+                      <a:rPr lang="it-IT" i="1" smtClean="0">
+                        <a:latin typeface="Cambria Math" panose="02040503050406030204" pitchFamily="18" charset="0"/>
+                        <a:ea typeface="Cambria Math" panose="02040503050406030204" pitchFamily="18" charset="0"/>
+                      </a:rPr>
+                      <m:t>→</m:t>
+                    </m:r>
+                    <m:r>
+                      <a:rPr lang="it-IT" i="1" smtClean="0">
+                        <a:latin typeface="Cambria Math" panose="02040503050406030204" pitchFamily="18" charset="0"/>
+                        <a:ea typeface="Cambria Math" panose="02040503050406030204" pitchFamily="18" charset="0"/>
+                      </a:rPr>
+                      <m:t>𝛾</m:t>
+                    </m:r>
+                    <m:r>
+                      <a:rPr lang="it-IT" b="0" i="1" smtClean="0">
+                        <a:latin typeface="Cambria Math" panose="02040503050406030204" pitchFamily="18" charset="0"/>
+                        <a:ea typeface="Cambria Math" panose="02040503050406030204" pitchFamily="18" charset="0"/>
+                      </a:rPr>
+                      <m:t>+</m:t>
+                    </m:r>
+                    <m:sSup>
+                      <m:sSupPr>
+                        <m:ctrlPr>
+                          <a:rPr lang="it-IT" b="0" i="1" smtClean="0">
+                            <a:latin typeface="Cambria Math" panose="02040503050406030204" pitchFamily="18" charset="0"/>
+                            <a:ea typeface="Cambria Math" panose="02040503050406030204" pitchFamily="18" charset="0"/>
+                          </a:rPr>
+                        </m:ctrlPr>
+                      </m:sSupPr>
+                      <m:e>
+                        <m:r>
+                          <a:rPr lang="it-IT" b="0" i="1" smtClean="0">
+                            <a:latin typeface="Cambria Math" panose="02040503050406030204" pitchFamily="18" charset="0"/>
+                            <a:ea typeface="Cambria Math" panose="02040503050406030204" pitchFamily="18" charset="0"/>
+                          </a:rPr>
+                          <m:t>𝑒</m:t>
+                        </m:r>
+                      </m:e>
+                      <m:sup>
+                        <m:r>
+                          <a:rPr lang="it-IT" b="0" i="1" smtClean="0">
+                            <a:latin typeface="Cambria Math" panose="02040503050406030204" pitchFamily="18" charset="0"/>
+                            <a:ea typeface="Cambria Math" panose="02040503050406030204" pitchFamily="18" charset="0"/>
+                          </a:rPr>
+                          <m:t>−</m:t>
+                        </m:r>
+                      </m:sup>
+                    </m:sSup>
+                  </m:oMath>
+                </a14:m>
+                <a:endParaRPr lang="it-IT" dirty="0"/>
+              </a:p>
+            </p:txBody>
+          </p:sp>
+        </mc:Choice>
+        <mc:Fallback>
+          <p:sp>
+            <p:nvSpPr>
+              <p:cNvPr id="2" name="Titolo 1">
+                <a:extLst>
+                  <a:ext uri="{FF2B5EF4-FFF2-40B4-BE49-F238E27FC236}">
+                    <a16:creationId xmlns:a16="http://schemas.microsoft.com/office/drawing/2014/main" id="{F0DAD5B4-37B9-4B34-8914-FE675DA6D871}"/>
+                  </a:ext>
+                </a:extLst>
+              </p:cNvPr>
+              <p:cNvSpPr>
+                <a:spLocks noGrp="1" noRot="1" noChangeAspect="1" noMove="1" noResize="1" noEditPoints="1" noAdjustHandles="1" noChangeArrowheads="1" noChangeShapeType="1" noTextEdit="1"/>
+              </p:cNvSpPr>
+              <p:nvPr>
+                <p:ph type="title"/>
+              </p:nvPr>
+            </p:nvSpPr>
+            <p:spPr>
+              <a:blipFill>
+                <a:blip r:embed="rId2"/>
+                <a:stretch>
+                  <a:fillRect/>
+                </a:stretch>
+              </a:blipFill>
+            </p:spPr>
+            <p:txBody>
+              <a:bodyPr/>
+              <a:lstStyle/>
+              <a:p>
+                <a:r>
+                  <a:rPr lang="it-IT">
+                    <a:noFill/>
+                  </a:rPr>
+                  <a:t> </a:t>
+                </a:r>
+              </a:p>
+            </p:txBody>
+          </p:sp>
+        </mc:Fallback>
+      </mc:AlternateContent>
+      <mc:AlternateContent xmlns:mc="http://schemas.openxmlformats.org/markup-compatibility/2006">
+        <mc:Choice xmlns:a14="http://schemas.microsoft.com/office/drawing/2010/main" Requires="a14">
+          <p:sp>
+            <p:nvSpPr>
+              <p:cNvPr id="3" name="Segnaposto contenuto 2">
+                <a:extLst>
+                  <a:ext uri="{FF2B5EF4-FFF2-40B4-BE49-F238E27FC236}">
+                    <a16:creationId xmlns:a16="http://schemas.microsoft.com/office/drawing/2014/main" id="{EA72E4F1-2196-49FA-87EC-6E8D5C589149}"/>
+                  </a:ext>
+                </a:extLst>
+              </p:cNvPr>
+              <p:cNvSpPr>
+                <a:spLocks noGrp="1"/>
+              </p:cNvSpPr>
+              <p:nvPr>
+                <p:ph idx="1"/>
+              </p:nvPr>
+            </p:nvSpPr>
+            <p:spPr>
+              <a:xfrm>
+                <a:off x="838200" y="1964773"/>
+                <a:ext cx="10515600" cy="4351338"/>
+              </a:xfrm>
+            </p:spPr>
+            <p:txBody>
+              <a:bodyPr>
+                <a:normAutofit fontScale="70000" lnSpcReduction="20000"/>
+              </a:bodyPr>
+              <a:lstStyle/>
+              <a:p>
+                <a:pPr marL="0" indent="0">
+                  <a:buNone/>
+                </a:pPr>
+                <a:endParaRPr lang="it-IT" dirty="0"/>
+              </a:p>
+              <a:p>
+                <a:pPr marL="0" indent="0" algn="ctr">
+                  <a:buNone/>
+                </a:pPr>
+                <a14:m>
+                  <m:oMathPara xmlns:m="http://schemas.openxmlformats.org/officeDocument/2006/math">
+                    <m:oMathParaPr>
+                      <m:jc m:val="left"/>
+                    </m:oMathParaPr>
+                    <m:oMath xmlns:m="http://schemas.openxmlformats.org/officeDocument/2006/math">
+                      <m:r>
+                        <a:rPr lang="it-IT" sz="5200" b="0" i="1" smtClean="0">
+                          <a:latin typeface="Cambria Math" panose="02040503050406030204" pitchFamily="18" charset="0"/>
+                        </a:rPr>
+                        <m:t>𝑥</m:t>
+                      </m:r>
+                      <m:r>
+                        <a:rPr lang="it-IT" sz="5200" b="0" i="1" smtClean="0">
+                          <a:latin typeface="Cambria Math" panose="02040503050406030204" pitchFamily="18" charset="0"/>
+                        </a:rPr>
+                        <m:t>=</m:t>
+                      </m:r>
+                      <m:r>
+                        <a:rPr lang="it-IT" sz="5200" b="0" i="1" smtClean="0">
+                          <a:latin typeface="Cambria Math" panose="02040503050406030204" pitchFamily="18" charset="0"/>
+                        </a:rPr>
+                        <m:t>1</m:t>
+                      </m:r>
+                      <m:r>
+                        <a:rPr lang="it-IT" sz="5200" b="0" i="1" smtClean="0">
+                          <a:latin typeface="Cambria Math" panose="02040503050406030204" pitchFamily="18" charset="0"/>
+                        </a:rPr>
+                        <m:t>+</m:t>
+                      </m:r>
+                      <m:r>
+                        <a:rPr lang="it-IT" sz="5400" i="1" smtClean="0">
+                          <a:latin typeface="Cambria Math" panose="02040503050406030204" pitchFamily="18" charset="0"/>
+                          <a:ea typeface="Cambria Math" panose="02040503050406030204" pitchFamily="18" charset="0"/>
+                        </a:rPr>
+                        <m:t>𝜀</m:t>
+                      </m:r>
+                      <m:r>
+                        <a:rPr lang="it-IT" sz="5400" b="0" i="1" smtClean="0">
+                          <a:latin typeface="Cambria Math" panose="02040503050406030204" pitchFamily="18" charset="0"/>
+                        </a:rPr>
+                        <m:t> </m:t>
+                      </m:r>
+                      <m:sSup>
+                        <m:sSupPr>
+                          <m:ctrlPr>
+                            <a:rPr lang="it-IT" sz="5400" b="0" i="1" smtClean="0">
+                              <a:latin typeface="Cambria Math" panose="02040503050406030204" pitchFamily="18" charset="0"/>
+                            </a:rPr>
+                          </m:ctrlPr>
+                        </m:sSupPr>
+                        <m:e>
+                          <m:r>
+                            <a:rPr lang="it-IT" sz="5400" b="0" i="1" smtClean="0">
+                              <a:latin typeface="Cambria Math" panose="02040503050406030204" pitchFamily="18" charset="0"/>
+                            </a:rPr>
+                            <m:t>𝑠𝑖𝑛</m:t>
+                          </m:r>
+                        </m:e>
+                        <m:sup>
+                          <m:r>
+                            <a:rPr lang="it-IT" sz="5400" b="0" i="1" smtClean="0">
+                              <a:latin typeface="Cambria Math" panose="02040503050406030204" pitchFamily="18" charset="0"/>
+                            </a:rPr>
+                            <m:t>2</m:t>
+                          </m:r>
+                        </m:sup>
+                      </m:sSup>
+                      <m:d>
+                        <m:dPr>
+                          <m:ctrlPr>
+                            <a:rPr lang="it-IT" sz="5400" b="0" i="1" smtClean="0">
+                              <a:latin typeface="Cambria Math" panose="02040503050406030204" pitchFamily="18" charset="0"/>
+                            </a:rPr>
+                          </m:ctrlPr>
+                        </m:dPr>
+                        <m:e>
+                          <m:f>
+                            <m:fPr>
+                              <m:ctrlPr>
+                                <a:rPr lang="it-IT" sz="5400" b="0" i="1" smtClean="0">
+                                  <a:latin typeface="Cambria Math" panose="02040503050406030204" pitchFamily="18" charset="0"/>
+                                </a:rPr>
+                              </m:ctrlPr>
+                            </m:fPr>
+                            <m:num>
+                              <m:r>
+                                <a:rPr lang="it-IT" sz="5400" b="0" i="1" smtClean="0">
+                                  <a:latin typeface="Cambria Math" panose="02040503050406030204" pitchFamily="18" charset="0"/>
+                                  <a:ea typeface="Cambria Math" panose="02040503050406030204" pitchFamily="18" charset="0"/>
+                                </a:rPr>
+                                <m:t>𝜃</m:t>
+                              </m:r>
+                            </m:num>
+                            <m:den>
+                              <m:r>
+                                <a:rPr lang="it-IT" sz="5400" b="0" i="1" smtClean="0">
+                                  <a:latin typeface="Cambria Math" panose="02040503050406030204" pitchFamily="18" charset="0"/>
+                                </a:rPr>
+                                <m:t>2</m:t>
+                              </m:r>
+                            </m:den>
+                          </m:f>
+                        </m:e>
+                      </m:d>
+                    </m:oMath>
+                  </m:oMathPara>
+                </a14:m>
+                <a:endParaRPr lang="it-IT" sz="5400" dirty="0"/>
+              </a:p>
+              <a:p>
+                <a:pPr marL="0" indent="0" algn="ctr">
+                  <a:buNone/>
+                </a:pPr>
+                <a:endParaRPr lang="it-IT" sz="5400" dirty="0"/>
+              </a:p>
+              <a:p>
+                <a:pPr marL="0" indent="0">
+                  <a:buNone/>
+                </a:pPr>
+                <a:r>
+                  <a:rPr lang="it-IT" sz="5200" dirty="0"/>
+                  <a:t>1</a:t>
+                </a:r>
+                <a14:m>
+                  <m:oMath xmlns:m="http://schemas.openxmlformats.org/officeDocument/2006/math">
+                    <m:r>
+                      <a:rPr lang="it-IT" sz="5200" b="0" i="1" dirty="0" smtClean="0">
+                        <a:latin typeface="Cambria Math" panose="02040503050406030204" pitchFamily="18" charset="0"/>
+                      </a:rPr>
+                      <m:t>&lt;</m:t>
+                    </m:r>
+                    <m:f>
+                      <m:fPr>
+                        <m:ctrlPr>
+                          <a:rPr lang="it-IT" sz="5200" b="0" i="1" dirty="0" smtClean="0">
+                            <a:latin typeface="Cambria Math" panose="02040503050406030204" pitchFamily="18" charset="0"/>
+                          </a:rPr>
+                        </m:ctrlPr>
+                      </m:fPr>
+                      <m:num>
+                        <m:r>
+                          <a:rPr lang="it-IT" sz="5200" b="0" i="1" dirty="0" smtClean="0">
+                            <a:latin typeface="Cambria Math" panose="02040503050406030204" pitchFamily="18" charset="0"/>
+                          </a:rPr>
+                          <m:t>𝑘</m:t>
+                        </m:r>
+                      </m:num>
+                      <m:den>
+                        <m:sSub>
+                          <m:sSubPr>
+                            <m:ctrlPr>
+                              <a:rPr lang="it-IT" sz="5200" b="0" i="1" dirty="0" smtClean="0">
+                                <a:latin typeface="Cambria Math" panose="02040503050406030204" pitchFamily="18" charset="0"/>
+                              </a:rPr>
+                            </m:ctrlPr>
+                          </m:sSubPr>
+                          <m:e>
+                            <m:r>
+                              <a:rPr lang="it-IT" sz="5200" b="0" i="1" dirty="0" smtClean="0">
+                                <a:latin typeface="Cambria Math" panose="02040503050406030204" pitchFamily="18" charset="0"/>
+                              </a:rPr>
+                              <m:t>𝑘</m:t>
+                            </m:r>
+                          </m:e>
+                          <m:sub>
+                            <m:r>
+                              <a:rPr lang="it-IT" sz="5200" b="0" i="1" dirty="0" smtClean="0">
+                                <a:latin typeface="Cambria Math" panose="02040503050406030204" pitchFamily="18" charset="0"/>
+                              </a:rPr>
+                              <m:t>𝑓</m:t>
+                            </m:r>
+                          </m:sub>
+                        </m:sSub>
+                      </m:den>
+                    </m:f>
+                    <m:r>
+                      <a:rPr lang="it-IT" sz="5200" b="0" i="1" dirty="0" smtClean="0">
+                        <a:latin typeface="Cambria Math" panose="02040503050406030204" pitchFamily="18" charset="0"/>
+                      </a:rPr>
+                      <m:t>&lt;</m:t>
+                    </m:r>
+                    <m:r>
+                      <a:rPr lang="it-IT" sz="5200" b="0" i="1" dirty="0" smtClean="0">
+                        <a:latin typeface="Cambria Math" panose="02040503050406030204" pitchFamily="18" charset="0"/>
+                      </a:rPr>
+                      <m:t>1</m:t>
+                    </m:r>
+                    <m:r>
+                      <a:rPr lang="it-IT" sz="5200" b="0" i="1" dirty="0" smtClean="0">
+                        <a:latin typeface="Cambria Math" panose="02040503050406030204" pitchFamily="18" charset="0"/>
+                      </a:rPr>
+                      <m:t>+</m:t>
+                    </m:r>
+                    <m:r>
+                      <a:rPr lang="it-IT" sz="5200" b="0" i="1" dirty="0" smtClean="0">
+                        <a:latin typeface="Cambria Math" panose="02040503050406030204" pitchFamily="18" charset="0"/>
+                        <a:ea typeface="Cambria Math" panose="02040503050406030204" pitchFamily="18" charset="0"/>
+                      </a:rPr>
+                      <m:t>𝜀</m:t>
+                    </m:r>
+                    <m:r>
+                      <a:rPr lang="it-IT" sz="5200" b="0" i="1" dirty="0" smtClean="0">
+                        <a:latin typeface="Cambria Math" panose="02040503050406030204" pitchFamily="18" charset="0"/>
+                      </a:rPr>
+                      <m:t> </m:t>
+                    </m:r>
+                  </m:oMath>
+                </a14:m>
+                <a:r>
+                  <a:rPr lang="it-IT" sz="5200" dirty="0"/>
+                  <a:t> </a:t>
+                </a:r>
+              </a:p>
+              <a:p>
+                <a:pPr marL="0" indent="0">
+                  <a:buNone/>
+                </a:pPr>
+                <a:r>
+                  <a:rPr lang="it-IT" sz="5200" dirty="0"/>
+                  <a:t> </a:t>
+                </a:r>
+              </a:p>
+              <a:p>
+                <a:pPr marL="0" indent="0">
+                  <a:buNone/>
+                </a:pPr>
+                <a:r>
+                  <a:rPr lang="it-IT" sz="5200" dirty="0"/>
+                  <a:t> </a:t>
+                </a:r>
+                <a14:m>
+                  <m:oMath xmlns:m="http://schemas.openxmlformats.org/officeDocument/2006/math">
+                    <m:r>
+                      <a:rPr lang="it-IT" sz="5200" b="0" i="1" smtClean="0">
+                        <a:latin typeface="Cambria Math" panose="02040503050406030204" pitchFamily="18" charset="0"/>
+                        <a:ea typeface="Cambria Math" panose="02040503050406030204" pitchFamily="18" charset="0"/>
+                      </a:rPr>
+                      <m:t>𝜀</m:t>
+                    </m:r>
+                    <m:r>
+                      <a:rPr lang="it-IT" sz="5200" i="1" smtClean="0">
+                        <a:latin typeface="Cambria Math" panose="02040503050406030204" pitchFamily="18" charset="0"/>
+                      </a:rPr>
+                      <m:t>=</m:t>
+                    </m:r>
+                    <m:f>
+                      <m:fPr>
+                        <m:ctrlPr>
+                          <a:rPr lang="it-IT" sz="5200" i="1" smtClean="0">
+                            <a:latin typeface="Cambria Math" panose="02040503050406030204" pitchFamily="18" charset="0"/>
+                          </a:rPr>
+                        </m:ctrlPr>
+                      </m:fPr>
+                      <m:num>
+                        <m:r>
+                          <a:rPr lang="it-IT" sz="5200" b="0" i="1" smtClean="0">
+                            <a:latin typeface="Cambria Math" panose="02040503050406030204" pitchFamily="18" charset="0"/>
+                          </a:rPr>
+                          <m:t>2</m:t>
+                        </m:r>
+                        <m:r>
+                          <a:rPr lang="it-IT" sz="5200" b="0" i="1" smtClean="0">
+                            <a:latin typeface="Cambria Math" panose="02040503050406030204" pitchFamily="18" charset="0"/>
+                          </a:rPr>
+                          <m:t>𝑘</m:t>
+                        </m:r>
+                      </m:num>
+                      <m:den>
+                        <m:sSub>
+                          <m:sSubPr>
+                            <m:ctrlPr>
+                              <a:rPr lang="it-IT" sz="5200" i="1" smtClean="0">
+                                <a:latin typeface="Cambria Math" panose="02040503050406030204" pitchFamily="18" charset="0"/>
+                              </a:rPr>
+                            </m:ctrlPr>
+                          </m:sSubPr>
+                          <m:e>
+                            <m:r>
+                              <a:rPr lang="it-IT" sz="5200" b="0" i="1" smtClean="0">
+                                <a:latin typeface="Cambria Math" panose="02040503050406030204" pitchFamily="18" charset="0"/>
+                              </a:rPr>
+                              <m:t>𝑚</m:t>
+                            </m:r>
+                          </m:e>
+                          <m:sub>
+                            <m:r>
+                              <a:rPr lang="it-IT" sz="5200" b="0" i="1" smtClean="0">
+                                <a:latin typeface="Cambria Math" panose="02040503050406030204" pitchFamily="18" charset="0"/>
+                              </a:rPr>
+                              <m:t>𝑒</m:t>
+                            </m:r>
+                          </m:sub>
+                        </m:sSub>
+                      </m:den>
+                    </m:f>
+                  </m:oMath>
+                </a14:m>
+                <a:r>
+                  <a:rPr lang="it-IT" sz="5200" dirty="0"/>
+                  <a:t>   </a:t>
+                </a:r>
+              </a:p>
+              <a:p>
+                <a:pPr marL="0" indent="0" algn="ctr">
+                  <a:buNone/>
+                </a:pPr>
+                <a:endParaRPr lang="it-IT" dirty="0"/>
+              </a:p>
+              <a:p>
+                <a:pPr marL="0" indent="0" algn="ctr">
+                  <a:buNone/>
+                </a:pPr>
+                <a:endParaRPr lang="it-IT" dirty="0"/>
+              </a:p>
+              <a:p>
+                <a:pPr marL="0" indent="0">
+                  <a:buNone/>
+                </a:pPr>
+                <a:endParaRPr lang="it-IT" dirty="0"/>
+              </a:p>
+              <a:p>
+                <a:pPr marL="0" indent="0">
+                  <a:buNone/>
+                </a:pPr>
+                <a:endParaRPr lang="it-IT" dirty="0"/>
+              </a:p>
+              <a:p>
+                <a:pPr marL="0" indent="0">
+                  <a:buNone/>
+                </a:pPr>
+                <a:endParaRPr lang="it-IT" dirty="0"/>
+              </a:p>
+            </p:txBody>
+          </p:sp>
+        </mc:Choice>
+        <mc:Fallback>
+          <p:sp>
+            <p:nvSpPr>
+              <p:cNvPr id="3" name="Segnaposto contenuto 2">
+                <a:extLst>
+                  <a:ext uri="{FF2B5EF4-FFF2-40B4-BE49-F238E27FC236}">
+                    <a16:creationId xmlns:a16="http://schemas.microsoft.com/office/drawing/2014/main" id="{EA72E4F1-2196-49FA-87EC-6E8D5C589149}"/>
+                  </a:ext>
+                </a:extLst>
+              </p:cNvPr>
+              <p:cNvSpPr>
+                <a:spLocks noGrp="1" noRot="1" noChangeAspect="1" noMove="1" noResize="1" noEditPoints="1" noAdjustHandles="1" noChangeArrowheads="1" noChangeShapeType="1" noTextEdit="1"/>
+              </p:cNvSpPr>
+              <p:nvPr>
+                <p:ph idx="1"/>
+              </p:nvPr>
+            </p:nvSpPr>
+            <p:spPr>
+              <a:xfrm>
+                <a:off x="838200" y="1964773"/>
+                <a:ext cx="10515600" cy="4351338"/>
+              </a:xfrm>
+              <a:blipFill>
+                <a:blip r:embed="rId3"/>
+                <a:stretch>
+                  <a:fillRect l="-1797"/>
+                </a:stretch>
+              </a:blipFill>
+            </p:spPr>
+            <p:txBody>
+              <a:bodyPr/>
+              <a:lstStyle/>
+              <a:p>
+                <a:r>
+                  <a:rPr lang="it-IT">
+                    <a:noFill/>
+                  </a:rPr>
+                  <a:t> </a:t>
+                </a:r>
+              </a:p>
+            </p:txBody>
+          </p:sp>
+        </mc:Fallback>
+      </mc:AlternateContent>
+      <p:pic>
+        <p:nvPicPr>
+          <p:cNvPr id="5" name="Immagine 4" descr="Immagine che contiene testo, mappa&#10;&#10;Descrizione generata automaticamente">
+            <a:extLst>
+              <a:ext uri="{FF2B5EF4-FFF2-40B4-BE49-F238E27FC236}">
+                <a16:creationId xmlns:a16="http://schemas.microsoft.com/office/drawing/2014/main" id="{9AF489E4-E655-4F03-994C-518CBE0396AA}"/>
+              </a:ext>
+            </a:extLst>
+          </p:cNvPr>
+          <p:cNvPicPr>
+            <a:picLocks noChangeAspect="1"/>
+          </p:cNvPicPr>
+          <p:nvPr/>
+        </p:nvPicPr>
+        <p:blipFill>
+          <a:blip r:embed="rId4">
+            <a:extLst>
+              <a:ext uri="{28A0092B-C50C-407E-A947-70E740481C1C}">
+                <a14:useLocalDpi xmlns:a14="http://schemas.microsoft.com/office/drawing/2010/main" val="0"/>
+              </a:ext>
+            </a:extLst>
+          </a:blip>
+          <a:stretch>
+            <a:fillRect/>
+          </a:stretch>
+        </p:blipFill>
+        <p:spPr>
+          <a:xfrm>
+            <a:off x="5951389" y="1783778"/>
+            <a:ext cx="5402411" cy="4713328"/>
+          </a:xfrm>
+          <a:prstGeom prst="rect">
+            <a:avLst/>
+          </a:prstGeom>
+        </p:spPr>
+      </p:pic>
+    </p:spTree>
+    <p:extLst>
+      <p:ext uri="{BB962C8B-B14F-4D97-AF65-F5344CB8AC3E}">
+        <p14:creationId xmlns:p14="http://schemas.microsoft.com/office/powerpoint/2010/main" val="2557493653"/>
+      </p:ext>
+    </p:extLst>
+  </p:cSld>
+  <p:clrMapOvr>
+    <a:masterClrMapping/>
+  </p:clrMapOvr>
+</p:sld>
+</file>
+
+<file path=ppt/slides/slide59.xml><?xml version="1.0" encoding="utf-8"?>
+<p:sld xmlns:a="http://schemas.openxmlformats.org/drawingml/2006/main" xmlns:r="http://schemas.openxmlformats.org/officeDocument/2006/relationships" xmlns:p="http://schemas.openxmlformats.org/presentationml/2006/main">
+  <p:cSld>
+    <p:spTree>
+      <p:nvGrpSpPr>
+        <p:cNvPr id="1" name=""/>
+        <p:cNvGrpSpPr/>
+        <p:nvPr/>
+      </p:nvGrpSpPr>
+      <p:grpSpPr>
+        <a:xfrm>
+          <a:off x="0" y="0"/>
+          <a:ext cx="0" cy="0"/>
+          <a:chOff x="0" y="0"/>
+          <a:chExt cx="0" cy="0"/>
+        </a:xfrm>
+      </p:grpSpPr>
+      <mc:AlternateContent xmlns:mc="http://schemas.openxmlformats.org/markup-compatibility/2006">
+        <mc:Choice xmlns:a14="http://schemas.microsoft.com/office/drawing/2010/main" Requires="a14">
+          <p:sp>
+            <p:nvSpPr>
+              <p:cNvPr id="2" name="Titolo 1">
+                <a:extLst>
+                  <a:ext uri="{FF2B5EF4-FFF2-40B4-BE49-F238E27FC236}">
+                    <a16:creationId xmlns:a16="http://schemas.microsoft.com/office/drawing/2014/main" id="{E30D8E86-C1F3-4A27-86B6-8D50F01D3158}"/>
+                  </a:ext>
+                </a:extLst>
+              </p:cNvPr>
+              <p:cNvSpPr>
+                <a:spLocks noGrp="1"/>
+              </p:cNvSpPr>
+              <p:nvPr>
+                <p:ph type="title"/>
+              </p:nvPr>
+            </p:nvSpPr>
+            <p:spPr/>
+            <p:txBody>
+              <a:bodyPr/>
+              <a:lstStyle/>
+              <a:p>
+                <a:pPr algn="ctr"/>
+                <a:r>
+                  <a:rPr lang="it-IT" b="1" dirty="0">
+                    <a:ea typeface="Cambria Math" panose="02040503050406030204" pitchFamily="18" charset="0"/>
+                  </a:rPr>
+                  <a:t>Dinamica</a:t>
+                </a:r>
+                <a:r>
+                  <a:rPr lang="it-IT" dirty="0">
+                    <a:ea typeface="Cambria Math" panose="02040503050406030204" pitchFamily="18" charset="0"/>
+                  </a:rPr>
+                  <a:t>   </a:t>
+                </a:r>
+                <a14:m>
+                  <m:oMath xmlns:m="http://schemas.openxmlformats.org/officeDocument/2006/math">
+                    <m:r>
+                      <a:rPr lang="it-IT" i="1">
+                        <a:latin typeface="Cambria Math" panose="02040503050406030204" pitchFamily="18" charset="0"/>
+                        <a:ea typeface="Cambria Math" panose="02040503050406030204" pitchFamily="18" charset="0"/>
+                      </a:rPr>
+                      <m:t>𝛾</m:t>
+                    </m:r>
+                    <m:r>
+                      <a:rPr lang="it-IT" i="1">
+                        <a:latin typeface="Cambria Math" panose="02040503050406030204" pitchFamily="18" charset="0"/>
+                        <a:ea typeface="Cambria Math" panose="02040503050406030204" pitchFamily="18" charset="0"/>
+                      </a:rPr>
+                      <m:t>+ </m:t>
+                    </m:r>
+                    <m:sSup>
+                      <m:sSupPr>
+                        <m:ctrlPr>
+                          <a:rPr lang="it-IT" i="1">
+                            <a:latin typeface="Cambria Math" panose="02040503050406030204" pitchFamily="18" charset="0"/>
+                            <a:ea typeface="Cambria Math" panose="02040503050406030204" pitchFamily="18" charset="0"/>
+                          </a:rPr>
+                        </m:ctrlPr>
+                      </m:sSupPr>
+                      <m:e>
+                        <m:r>
+                          <a:rPr lang="it-IT" i="1">
+                            <a:latin typeface="Cambria Math" panose="02040503050406030204" pitchFamily="18" charset="0"/>
+                            <a:ea typeface="Cambria Math" panose="02040503050406030204" pitchFamily="18" charset="0"/>
+                          </a:rPr>
+                          <m:t>𝑒</m:t>
+                        </m:r>
+                      </m:e>
+                      <m:sup>
+                        <m:r>
+                          <a:rPr lang="it-IT" i="1">
+                            <a:latin typeface="Cambria Math" panose="02040503050406030204" pitchFamily="18" charset="0"/>
+                            <a:ea typeface="Cambria Math" panose="02040503050406030204" pitchFamily="18" charset="0"/>
+                          </a:rPr>
+                          <m:t>−</m:t>
+                        </m:r>
+                      </m:sup>
+                    </m:sSup>
+                    <m:r>
+                      <a:rPr lang="it-IT" i="1">
+                        <a:latin typeface="Cambria Math" panose="02040503050406030204" pitchFamily="18" charset="0"/>
+                        <a:ea typeface="Cambria Math" panose="02040503050406030204" pitchFamily="18" charset="0"/>
+                      </a:rPr>
+                      <m:t>→</m:t>
+                    </m:r>
+                    <m:r>
+                      <a:rPr lang="it-IT" i="1">
+                        <a:latin typeface="Cambria Math" panose="02040503050406030204" pitchFamily="18" charset="0"/>
+                        <a:ea typeface="Cambria Math" panose="02040503050406030204" pitchFamily="18" charset="0"/>
+                      </a:rPr>
+                      <m:t>𝛾</m:t>
+                    </m:r>
+                    <m:r>
+                      <a:rPr lang="it-IT" i="1">
+                        <a:latin typeface="Cambria Math" panose="02040503050406030204" pitchFamily="18" charset="0"/>
+                        <a:ea typeface="Cambria Math" panose="02040503050406030204" pitchFamily="18" charset="0"/>
+                      </a:rPr>
+                      <m:t>+</m:t>
+                    </m:r>
+                    <m:sSup>
+                      <m:sSupPr>
+                        <m:ctrlPr>
+                          <a:rPr lang="it-IT" i="1">
+                            <a:latin typeface="Cambria Math" panose="02040503050406030204" pitchFamily="18" charset="0"/>
+                            <a:ea typeface="Cambria Math" panose="02040503050406030204" pitchFamily="18" charset="0"/>
+                          </a:rPr>
+                        </m:ctrlPr>
+                      </m:sSupPr>
+                      <m:e>
+                        <m:r>
+                          <a:rPr lang="it-IT" i="1">
+                            <a:latin typeface="Cambria Math" panose="02040503050406030204" pitchFamily="18" charset="0"/>
+                            <a:ea typeface="Cambria Math" panose="02040503050406030204" pitchFamily="18" charset="0"/>
+                          </a:rPr>
+                          <m:t>𝑒</m:t>
+                        </m:r>
+                      </m:e>
+                      <m:sup>
+                        <m:r>
+                          <a:rPr lang="it-IT" i="1">
+                            <a:latin typeface="Cambria Math" panose="02040503050406030204" pitchFamily="18" charset="0"/>
+                            <a:ea typeface="Cambria Math" panose="02040503050406030204" pitchFamily="18" charset="0"/>
+                          </a:rPr>
+                          <m:t>−</m:t>
+                        </m:r>
+                      </m:sup>
+                    </m:sSup>
+                  </m:oMath>
+                </a14:m>
+                <a:endParaRPr lang="it-IT" dirty="0"/>
+              </a:p>
+            </p:txBody>
+          </p:sp>
+        </mc:Choice>
+        <mc:Fallback>
+          <p:sp>
+            <p:nvSpPr>
+              <p:cNvPr id="2" name="Titolo 1">
+                <a:extLst>
+                  <a:ext uri="{FF2B5EF4-FFF2-40B4-BE49-F238E27FC236}">
+                    <a16:creationId xmlns:a16="http://schemas.microsoft.com/office/drawing/2014/main" id="{E30D8E86-C1F3-4A27-86B6-8D50F01D3158}"/>
+                  </a:ext>
+                </a:extLst>
+              </p:cNvPr>
+              <p:cNvSpPr>
+                <a:spLocks noGrp="1" noRot="1" noChangeAspect="1" noMove="1" noResize="1" noEditPoints="1" noAdjustHandles="1" noChangeArrowheads="1" noChangeShapeType="1" noTextEdit="1"/>
+              </p:cNvSpPr>
+              <p:nvPr>
+                <p:ph type="title"/>
+              </p:nvPr>
+            </p:nvSpPr>
+            <p:spPr>
+              <a:blipFill>
+                <a:blip r:embed="rId2"/>
+                <a:stretch>
+                  <a:fillRect/>
+                </a:stretch>
+              </a:blipFill>
+            </p:spPr>
+            <p:txBody>
+              <a:bodyPr/>
+              <a:lstStyle/>
+              <a:p>
+                <a:r>
+                  <a:rPr lang="it-IT">
+                    <a:noFill/>
+                  </a:rPr>
+                  <a:t> </a:t>
+                </a:r>
+              </a:p>
+            </p:txBody>
+          </p:sp>
+        </mc:Fallback>
+      </mc:AlternateContent>
+      <mc:AlternateContent xmlns:mc="http://schemas.openxmlformats.org/markup-compatibility/2006">
+        <mc:Choice xmlns:a14="http://schemas.microsoft.com/office/drawing/2010/main" Requires="a14">
+          <p:sp>
+            <p:nvSpPr>
+              <p:cNvPr id="3" name="Segnaposto contenuto 2">
+                <a:extLst>
+                  <a:ext uri="{FF2B5EF4-FFF2-40B4-BE49-F238E27FC236}">
+                    <a16:creationId xmlns:a16="http://schemas.microsoft.com/office/drawing/2014/main" id="{6218B0F2-AC38-478C-AE79-79B8832F3087}"/>
+                  </a:ext>
+                </a:extLst>
+              </p:cNvPr>
+              <p:cNvSpPr>
+                <a:spLocks noGrp="1"/>
+              </p:cNvSpPr>
+              <p:nvPr>
+                <p:ph idx="1"/>
+              </p:nvPr>
+            </p:nvSpPr>
+            <p:spPr>
+              <a:xfrm>
+                <a:off x="838200" y="1612211"/>
+                <a:ext cx="10515600" cy="4880664"/>
+              </a:xfrm>
+            </p:spPr>
+            <p:txBody>
+              <a:bodyPr>
+                <a:normAutofit/>
+              </a:bodyPr>
+              <a:lstStyle/>
+              <a:p>
+                <a:r>
+                  <a:rPr lang="it-IT" b="1" dirty="0"/>
+                  <a:t> basse energie (k&lt;&lt;m</a:t>
+                </a:r>
+                <a:r>
+                  <a:rPr lang="it-IT" b="1" baseline="-25000" dirty="0"/>
+                  <a:t>e </a:t>
+                </a:r>
+                <a:r>
+                  <a:rPr lang="it-IT" dirty="0"/>
+                  <a:t>) il fotone «rimbalza» coerentemente sull’elettrone (Lo vede come se fosse un centro di scattering rigido di massa infinita…) e mantiene  la propria energia </a:t>
+                </a:r>
+                <a:r>
+                  <a:rPr lang="it-IT" dirty="0" err="1"/>
+                  <a:t>k≈k</a:t>
+                </a:r>
+                <a:r>
+                  <a:rPr lang="it-IT" dirty="0"/>
+                  <a:t>’  Il fotone </a:t>
+                </a:r>
+                <a:r>
+                  <a:rPr lang="it-IT" dirty="0" err="1"/>
+                  <a:t>emergecon</a:t>
+                </a:r>
+                <a:r>
+                  <a:rPr lang="it-IT" dirty="0"/>
+                  <a:t>  distribuzione angolare </a:t>
+                </a:r>
+              </a:p>
+              <a:p>
+                <a:pPr marL="0" indent="0" algn="ctr">
+                  <a:buNone/>
+                </a:pPr>
+                <a:r>
+                  <a:rPr lang="it-IT" dirty="0"/>
+                  <a:t> </a:t>
+                </a:r>
+                <a14:m>
+                  <m:oMath xmlns:m="http://schemas.openxmlformats.org/officeDocument/2006/math">
+                    <m:f>
+                      <m:fPr>
+                        <m:ctrlPr>
+                          <a:rPr lang="it-IT" i="1" smtClean="0">
+                            <a:latin typeface="Cambria Math" panose="02040503050406030204" pitchFamily="18" charset="0"/>
+                          </a:rPr>
+                        </m:ctrlPr>
+                      </m:fPr>
+                      <m:num>
+                        <m:r>
+                          <a:rPr lang="it-IT" b="0" i="1" smtClean="0">
+                            <a:latin typeface="Cambria Math" panose="02040503050406030204" pitchFamily="18" charset="0"/>
+                          </a:rPr>
+                          <m:t>𝑑</m:t>
+                        </m:r>
+                        <m:r>
+                          <a:rPr lang="it-IT" b="0" i="1" smtClean="0">
+                            <a:latin typeface="Cambria Math" panose="02040503050406030204" pitchFamily="18" charset="0"/>
+                            <a:ea typeface="Cambria Math" panose="02040503050406030204" pitchFamily="18" charset="0"/>
+                          </a:rPr>
+                          <m:t>𝜎</m:t>
+                        </m:r>
+                      </m:num>
+                      <m:den>
+                        <m:r>
+                          <a:rPr lang="it-IT" b="0" i="1" smtClean="0">
+                            <a:latin typeface="Cambria Math" panose="02040503050406030204" pitchFamily="18" charset="0"/>
+                          </a:rPr>
+                          <m:t>𝑑𝑐𝑜𝑠</m:t>
+                        </m:r>
+                        <m:r>
+                          <a:rPr lang="it-IT" b="0" i="1" smtClean="0">
+                            <a:latin typeface="Cambria Math" panose="02040503050406030204" pitchFamily="18" charset="0"/>
+                            <a:ea typeface="Cambria Math" panose="02040503050406030204" pitchFamily="18" charset="0"/>
+                          </a:rPr>
+                          <m:t>𝜃</m:t>
+                        </m:r>
+                      </m:den>
+                    </m:f>
+                    <m:r>
+                      <a:rPr lang="it-IT" b="0" i="0" smtClean="0">
+                        <a:latin typeface="Cambria Math" panose="02040503050406030204" pitchFamily="18" charset="0"/>
+                      </a:rPr>
+                      <m:t>=</m:t>
+                    </m:r>
+                    <m:f>
+                      <m:fPr>
+                        <m:ctrlPr>
+                          <a:rPr lang="it-IT" b="0" i="1" smtClean="0">
+                            <a:latin typeface="Cambria Math" panose="02040503050406030204" pitchFamily="18" charset="0"/>
+                          </a:rPr>
+                        </m:ctrlPr>
+                      </m:fPr>
+                      <m:num>
+                        <m:r>
+                          <a:rPr lang="it-IT" b="0" i="1" smtClean="0">
+                            <a:latin typeface="Cambria Math" panose="02040503050406030204" pitchFamily="18" charset="0"/>
+                          </a:rPr>
+                          <m:t>1</m:t>
+                        </m:r>
+                      </m:num>
+                      <m:den>
+                        <m:r>
+                          <a:rPr lang="it-IT" b="0" i="1" smtClean="0">
+                            <a:latin typeface="Cambria Math" panose="02040503050406030204" pitchFamily="18" charset="0"/>
+                          </a:rPr>
+                          <m:t>2</m:t>
+                        </m:r>
+                      </m:den>
+                    </m:f>
+                    <m:sSubSup>
+                      <m:sSubSupPr>
+                        <m:ctrlPr>
+                          <a:rPr lang="it-IT" b="0" i="1" smtClean="0">
+                            <a:latin typeface="Cambria Math" panose="02040503050406030204" pitchFamily="18" charset="0"/>
+                          </a:rPr>
+                        </m:ctrlPr>
+                      </m:sSubSupPr>
+                      <m:e>
+                        <m:r>
+                          <a:rPr lang="it-IT" b="0" i="1" smtClean="0">
+                            <a:latin typeface="Cambria Math" panose="02040503050406030204" pitchFamily="18" charset="0"/>
+                          </a:rPr>
+                          <m:t>𝑟</m:t>
+                        </m:r>
+                      </m:e>
+                      <m:sub>
+                        <m:r>
+                          <a:rPr lang="it-IT" b="0" i="1" smtClean="0">
+                            <a:latin typeface="Cambria Math" panose="02040503050406030204" pitchFamily="18" charset="0"/>
+                          </a:rPr>
+                          <m:t>𝑒</m:t>
+                        </m:r>
+                      </m:sub>
+                      <m:sup>
+                        <m:r>
+                          <a:rPr lang="it-IT" b="0" i="1" smtClean="0">
+                            <a:latin typeface="Cambria Math" panose="02040503050406030204" pitchFamily="18" charset="0"/>
+                          </a:rPr>
+                          <m:t>2</m:t>
+                        </m:r>
+                      </m:sup>
+                    </m:sSubSup>
+                    <m:d>
+                      <m:dPr>
+                        <m:ctrlPr>
+                          <a:rPr lang="it-IT" b="0" i="1" smtClean="0">
+                            <a:latin typeface="Cambria Math" panose="02040503050406030204" pitchFamily="18" charset="0"/>
+                          </a:rPr>
+                        </m:ctrlPr>
+                      </m:dPr>
+                      <m:e>
+                        <m:r>
+                          <a:rPr lang="it-IT" b="0" i="1" smtClean="0">
+                            <a:latin typeface="Cambria Math" panose="02040503050406030204" pitchFamily="18" charset="0"/>
+                          </a:rPr>
+                          <m:t>1</m:t>
+                        </m:r>
+                        <m:r>
+                          <a:rPr lang="it-IT" b="0" i="1" smtClean="0">
+                            <a:latin typeface="Cambria Math" panose="02040503050406030204" pitchFamily="18" charset="0"/>
+                          </a:rPr>
+                          <m:t>+</m:t>
+                        </m:r>
+                        <m:sSup>
+                          <m:sSupPr>
+                            <m:ctrlPr>
+                              <a:rPr lang="it-IT" b="0" i="1" smtClean="0">
+                                <a:latin typeface="Cambria Math" panose="02040503050406030204" pitchFamily="18" charset="0"/>
+                              </a:rPr>
+                            </m:ctrlPr>
+                          </m:sSupPr>
+                          <m:e>
+                            <m:r>
+                              <a:rPr lang="it-IT" b="0" i="1" smtClean="0">
+                                <a:latin typeface="Cambria Math" panose="02040503050406030204" pitchFamily="18" charset="0"/>
+                              </a:rPr>
+                              <m:t>𝑐𝑜𝑠</m:t>
+                            </m:r>
+                          </m:e>
+                          <m:sup>
+                            <m:r>
+                              <a:rPr lang="it-IT" b="0" i="1" smtClean="0">
+                                <a:latin typeface="Cambria Math" panose="02040503050406030204" pitchFamily="18" charset="0"/>
+                              </a:rPr>
+                              <m:t>2</m:t>
+                            </m:r>
+                          </m:sup>
+                        </m:sSup>
+                        <m:r>
+                          <a:rPr lang="it-IT" b="0" i="1" smtClean="0">
+                            <a:latin typeface="Cambria Math" panose="02040503050406030204" pitchFamily="18" charset="0"/>
+                            <a:ea typeface="Cambria Math" panose="02040503050406030204" pitchFamily="18" charset="0"/>
+                          </a:rPr>
+                          <m:t>𝜃</m:t>
+                        </m:r>
+                      </m:e>
+                    </m:d>
+                  </m:oMath>
+                </a14:m>
+                <a:r>
+                  <a:rPr lang="it-IT" dirty="0"/>
+                  <a:t>       (Thomson)    </a:t>
+                </a:r>
+              </a:p>
+              <a:p>
+                <a:pPr marL="0" indent="0">
+                  <a:buNone/>
+                </a:pPr>
+                <a:endParaRPr lang="it-IT" dirty="0"/>
+              </a:p>
+              <a:p>
+                <a:r>
+                  <a:rPr lang="it-IT" b="1" dirty="0"/>
+                  <a:t>Alte Energie  </a:t>
+                </a:r>
+                <a:r>
+                  <a:rPr lang="it-IT" dirty="0"/>
+                  <a:t>la sezione d’urto diventa meno efficiente</a:t>
+                </a:r>
+              </a:p>
+              <a:p>
+                <a:pPr marL="0" indent="0" algn="ctr">
+                  <a:buNone/>
+                </a:pPr>
+                <a:r>
+                  <a:rPr lang="it-IT" dirty="0"/>
+                  <a:t>  </a:t>
+                </a:r>
+                <a14:m>
+                  <m:oMath xmlns:m="http://schemas.openxmlformats.org/officeDocument/2006/math">
+                    <m:f>
+                      <m:fPr>
+                        <m:ctrlPr>
+                          <a:rPr lang="it-IT" i="1">
+                            <a:latin typeface="Cambria Math" panose="02040503050406030204" pitchFamily="18" charset="0"/>
+                          </a:rPr>
+                        </m:ctrlPr>
+                      </m:fPr>
+                      <m:num>
+                        <m:r>
+                          <a:rPr lang="it-IT" i="1">
+                            <a:latin typeface="Cambria Math" panose="02040503050406030204" pitchFamily="18" charset="0"/>
+                          </a:rPr>
+                          <m:t>𝑑</m:t>
+                        </m:r>
+                        <m:r>
+                          <a:rPr lang="it-IT" i="1">
+                            <a:latin typeface="Cambria Math" panose="02040503050406030204" pitchFamily="18" charset="0"/>
+                            <a:ea typeface="Cambria Math" panose="02040503050406030204" pitchFamily="18" charset="0"/>
+                          </a:rPr>
+                          <m:t>𝜎</m:t>
+                        </m:r>
+                      </m:num>
+                      <m:den>
+                        <m:r>
+                          <a:rPr lang="it-IT" i="1">
+                            <a:latin typeface="Cambria Math" panose="02040503050406030204" pitchFamily="18" charset="0"/>
+                          </a:rPr>
+                          <m:t>𝑑𝑐𝑜𝑠</m:t>
+                        </m:r>
+                        <m:r>
+                          <a:rPr lang="it-IT" i="1">
+                            <a:latin typeface="Cambria Math" panose="02040503050406030204" pitchFamily="18" charset="0"/>
+                            <a:ea typeface="Cambria Math" panose="02040503050406030204" pitchFamily="18" charset="0"/>
+                          </a:rPr>
+                          <m:t>𝜃</m:t>
+                        </m:r>
+                      </m:den>
+                    </m:f>
+                    <m:r>
+                      <a:rPr lang="it-IT">
+                        <a:latin typeface="Cambria Math" panose="02040503050406030204" pitchFamily="18" charset="0"/>
+                      </a:rPr>
+                      <m:t>=</m:t>
+                    </m:r>
+                    <m:f>
+                      <m:fPr>
+                        <m:ctrlPr>
+                          <a:rPr lang="it-IT" i="1">
+                            <a:latin typeface="Cambria Math" panose="02040503050406030204" pitchFamily="18" charset="0"/>
+                          </a:rPr>
+                        </m:ctrlPr>
+                      </m:fPr>
+                      <m:num>
+                        <m:r>
+                          <a:rPr lang="it-IT" i="1">
+                            <a:latin typeface="Cambria Math" panose="02040503050406030204" pitchFamily="18" charset="0"/>
+                          </a:rPr>
+                          <m:t>1</m:t>
+                        </m:r>
+                      </m:num>
+                      <m:den>
+                        <m:r>
+                          <a:rPr lang="it-IT" i="1">
+                            <a:latin typeface="Cambria Math" panose="02040503050406030204" pitchFamily="18" charset="0"/>
+                          </a:rPr>
+                          <m:t>2</m:t>
+                        </m:r>
+                      </m:den>
+                    </m:f>
+                    <m:sSubSup>
+                      <m:sSubSupPr>
+                        <m:ctrlPr>
+                          <a:rPr lang="it-IT" i="1">
+                            <a:latin typeface="Cambria Math" panose="02040503050406030204" pitchFamily="18" charset="0"/>
+                          </a:rPr>
+                        </m:ctrlPr>
+                      </m:sSubSupPr>
+                      <m:e>
+                        <m:r>
+                          <a:rPr lang="it-IT" i="1">
+                            <a:latin typeface="Cambria Math" panose="02040503050406030204" pitchFamily="18" charset="0"/>
+                          </a:rPr>
+                          <m:t>𝑟</m:t>
+                        </m:r>
+                      </m:e>
+                      <m:sub>
+                        <m:r>
+                          <a:rPr lang="it-IT" i="1">
+                            <a:latin typeface="Cambria Math" panose="02040503050406030204" pitchFamily="18" charset="0"/>
+                          </a:rPr>
+                          <m:t>𝑒</m:t>
+                        </m:r>
+                      </m:sub>
+                      <m:sup>
+                        <m:r>
+                          <a:rPr lang="it-IT" i="1">
+                            <a:latin typeface="Cambria Math" panose="02040503050406030204" pitchFamily="18" charset="0"/>
+                          </a:rPr>
+                          <m:t>2</m:t>
+                        </m:r>
+                      </m:sup>
+                    </m:sSubSup>
+                    <m:sSup>
+                      <m:sSupPr>
+                        <m:ctrlPr>
+                          <a:rPr lang="it-IT" i="1" smtClean="0">
+                            <a:latin typeface="Cambria Math" panose="02040503050406030204" pitchFamily="18" charset="0"/>
+                          </a:rPr>
+                        </m:ctrlPr>
+                      </m:sSupPr>
+                      <m:e>
+                        <m:d>
+                          <m:dPr>
+                            <m:ctrlPr>
+                              <a:rPr lang="it-IT" i="1" smtClean="0">
+                                <a:latin typeface="Cambria Math" panose="02040503050406030204" pitchFamily="18" charset="0"/>
+                              </a:rPr>
+                            </m:ctrlPr>
+                          </m:dPr>
+                          <m:e>
+                            <m:f>
+                              <m:fPr>
+                                <m:ctrlPr>
+                                  <a:rPr lang="it-IT" i="1" smtClean="0">
+                                    <a:latin typeface="Cambria Math" panose="02040503050406030204" pitchFamily="18" charset="0"/>
+                                  </a:rPr>
+                                </m:ctrlPr>
+                              </m:fPr>
+                              <m:num>
+                                <m:sSub>
+                                  <m:sSubPr>
+                                    <m:ctrlPr>
+                                      <a:rPr lang="it-IT" i="1" smtClean="0">
+                                        <a:latin typeface="Cambria Math" panose="02040503050406030204" pitchFamily="18" charset="0"/>
+                                      </a:rPr>
+                                    </m:ctrlPr>
+                                  </m:sSubPr>
+                                  <m:e>
+                                    <m:r>
+                                      <a:rPr lang="it-IT" b="0" i="1" smtClean="0">
+                                        <a:latin typeface="Cambria Math" panose="02040503050406030204" pitchFamily="18" charset="0"/>
+                                      </a:rPr>
+                                      <m:t>𝑘</m:t>
+                                    </m:r>
+                                  </m:e>
+                                  <m:sub>
+                                    <m:r>
+                                      <a:rPr lang="it-IT" b="0" i="1" smtClean="0">
+                                        <a:latin typeface="Cambria Math" panose="02040503050406030204" pitchFamily="18" charset="0"/>
+                                      </a:rPr>
+                                      <m:t>𝑓</m:t>
+                                    </m:r>
+                                  </m:sub>
+                                </m:sSub>
+                              </m:num>
+                              <m:den>
+                                <m:r>
+                                  <a:rPr lang="it-IT" b="0" i="1" smtClean="0">
+                                    <a:latin typeface="Cambria Math" panose="02040503050406030204" pitchFamily="18" charset="0"/>
+                                  </a:rPr>
+                                  <m:t>𝑘</m:t>
+                                </m:r>
+                              </m:den>
+                            </m:f>
+                          </m:e>
+                        </m:d>
+                      </m:e>
+                      <m:sup>
+                        <m:r>
+                          <a:rPr lang="it-IT" b="0" i="1" smtClean="0">
+                            <a:latin typeface="Cambria Math" panose="02040503050406030204" pitchFamily="18" charset="0"/>
+                          </a:rPr>
+                          <m:t>2</m:t>
+                        </m:r>
+                      </m:sup>
+                    </m:sSup>
+                    <m:d>
+                      <m:dPr>
+                        <m:ctrlPr>
+                          <a:rPr lang="it-IT" i="1">
+                            <a:latin typeface="Cambria Math" panose="02040503050406030204" pitchFamily="18" charset="0"/>
+                          </a:rPr>
+                        </m:ctrlPr>
+                      </m:dPr>
+                      <m:e>
+                        <m:r>
+                          <a:rPr lang="it-IT" b="0" i="1" smtClean="0">
+                            <a:latin typeface="Cambria Math" panose="02040503050406030204" pitchFamily="18" charset="0"/>
+                          </a:rPr>
+                          <m:t> </m:t>
+                        </m:r>
+                        <m:f>
+                          <m:fPr>
+                            <m:ctrlPr>
+                              <a:rPr lang="it-IT" i="1">
+                                <a:latin typeface="Cambria Math" panose="02040503050406030204" pitchFamily="18" charset="0"/>
+                              </a:rPr>
+                            </m:ctrlPr>
+                          </m:fPr>
+                          <m:num>
+                            <m:sSub>
+                              <m:sSubPr>
+                                <m:ctrlPr>
+                                  <a:rPr lang="it-IT" i="1">
+                                    <a:latin typeface="Cambria Math" panose="02040503050406030204" pitchFamily="18" charset="0"/>
+                                  </a:rPr>
+                                </m:ctrlPr>
+                              </m:sSubPr>
+                              <m:e>
+                                <m:r>
+                                  <a:rPr lang="it-IT" i="1">
+                                    <a:latin typeface="Cambria Math" panose="02040503050406030204" pitchFamily="18" charset="0"/>
+                                  </a:rPr>
+                                  <m:t>𝑘</m:t>
+                                </m:r>
+                              </m:e>
+                              <m:sub>
+                                <m:r>
+                                  <a:rPr lang="it-IT" i="1">
+                                    <a:latin typeface="Cambria Math" panose="02040503050406030204" pitchFamily="18" charset="0"/>
+                                  </a:rPr>
+                                  <m:t>𝑓</m:t>
+                                </m:r>
+                              </m:sub>
+                            </m:sSub>
+                          </m:num>
+                          <m:den>
+                            <m:r>
+                              <a:rPr lang="it-IT" i="1">
+                                <a:latin typeface="Cambria Math" panose="02040503050406030204" pitchFamily="18" charset="0"/>
+                              </a:rPr>
+                              <m:t>𝑘</m:t>
+                            </m:r>
+                          </m:den>
+                        </m:f>
+                        <m:r>
+                          <a:rPr lang="it-IT" i="1">
+                            <a:latin typeface="Cambria Math" panose="02040503050406030204" pitchFamily="18" charset="0"/>
+                          </a:rPr>
+                          <m:t>+</m:t>
+                        </m:r>
+                        <m:sSup>
+                          <m:sSupPr>
+                            <m:ctrlPr>
+                              <a:rPr lang="it-IT" i="1">
+                                <a:latin typeface="Cambria Math" panose="02040503050406030204" pitchFamily="18" charset="0"/>
+                              </a:rPr>
+                            </m:ctrlPr>
+                          </m:sSupPr>
+                          <m:e>
+                            <m:f>
+                              <m:fPr>
+                                <m:ctrlPr>
+                                  <a:rPr lang="it-IT" i="1" smtClean="0">
+                                    <a:latin typeface="Cambria Math" panose="02040503050406030204" pitchFamily="18" charset="0"/>
+                                  </a:rPr>
+                                </m:ctrlPr>
+                              </m:fPr>
+                              <m:num>
+                                <m:r>
+                                  <a:rPr lang="it-IT" b="0" i="1" smtClean="0">
+                                    <a:latin typeface="Cambria Math" panose="02040503050406030204" pitchFamily="18" charset="0"/>
+                                  </a:rPr>
+                                  <m:t>𝑘</m:t>
+                                </m:r>
+                              </m:num>
+                              <m:den>
+                                <m:sSub>
+                                  <m:sSubPr>
+                                    <m:ctrlPr>
+                                      <a:rPr lang="it-IT" i="1" smtClean="0">
+                                        <a:latin typeface="Cambria Math" panose="02040503050406030204" pitchFamily="18" charset="0"/>
+                                      </a:rPr>
+                                    </m:ctrlPr>
+                                  </m:sSubPr>
+                                  <m:e>
+                                    <m:r>
+                                      <a:rPr lang="it-IT" b="0" i="1" smtClean="0">
+                                        <a:latin typeface="Cambria Math" panose="02040503050406030204" pitchFamily="18" charset="0"/>
+                                      </a:rPr>
+                                      <m:t>𝑘</m:t>
+                                    </m:r>
+                                  </m:e>
+                                  <m:sub>
+                                    <m:r>
+                                      <a:rPr lang="it-IT" b="0" i="1" smtClean="0">
+                                        <a:latin typeface="Cambria Math" panose="02040503050406030204" pitchFamily="18" charset="0"/>
+                                      </a:rPr>
+                                      <m:t>𝑓</m:t>
+                                    </m:r>
+                                  </m:sub>
+                                </m:sSub>
+                              </m:den>
+                            </m:f>
+                            <m:r>
+                              <a:rPr lang="it-IT" b="0" i="1" smtClean="0">
+                                <a:latin typeface="Cambria Math" panose="02040503050406030204" pitchFamily="18" charset="0"/>
+                              </a:rPr>
+                              <m:t> −</m:t>
+                            </m:r>
+                            <m:r>
+                              <a:rPr lang="it-IT" b="0" i="1" smtClean="0">
+                                <a:latin typeface="Cambria Math" panose="02040503050406030204" pitchFamily="18" charset="0"/>
+                              </a:rPr>
+                              <m:t>𝑠𝑖𝑛</m:t>
+                            </m:r>
+                          </m:e>
+                          <m:sup>
+                            <m:r>
+                              <a:rPr lang="it-IT" i="1">
+                                <a:latin typeface="Cambria Math" panose="02040503050406030204" pitchFamily="18" charset="0"/>
+                              </a:rPr>
+                              <m:t>2</m:t>
+                            </m:r>
+                          </m:sup>
+                        </m:sSup>
+                        <m:r>
+                          <a:rPr lang="it-IT" i="1">
+                            <a:latin typeface="Cambria Math" panose="02040503050406030204" pitchFamily="18" charset="0"/>
+                            <a:ea typeface="Cambria Math" panose="02040503050406030204" pitchFamily="18" charset="0"/>
+                          </a:rPr>
+                          <m:t>𝜃</m:t>
+                        </m:r>
+                      </m:e>
+                    </m:d>
+                    <m:r>
+                      <a:rPr lang="it-IT" i="1">
+                        <a:latin typeface="Cambria Math" panose="02040503050406030204" pitchFamily="18" charset="0"/>
+                        <a:ea typeface="Cambria Math" panose="02040503050406030204" pitchFamily="18" charset="0"/>
+                      </a:rPr>
+                      <m:t> </m:t>
+                    </m:r>
+                  </m:oMath>
+                </a14:m>
+                <a:r>
+                  <a:rPr lang="it-IT" dirty="0"/>
+                  <a:t>    (Klein-</a:t>
+                </a:r>
+                <a:r>
+                  <a:rPr lang="it-IT" dirty="0" err="1"/>
+                  <a:t>Nishina</a:t>
+                </a:r>
+                <a:r>
+                  <a:rPr lang="it-IT" dirty="0"/>
+                  <a:t>)</a:t>
+                </a:r>
+              </a:p>
+            </p:txBody>
+          </p:sp>
+        </mc:Choice>
+        <mc:Fallback>
+          <p:sp>
+            <p:nvSpPr>
+              <p:cNvPr id="3" name="Segnaposto contenuto 2">
+                <a:extLst>
+                  <a:ext uri="{FF2B5EF4-FFF2-40B4-BE49-F238E27FC236}">
+                    <a16:creationId xmlns:a16="http://schemas.microsoft.com/office/drawing/2014/main" id="{6218B0F2-AC38-478C-AE79-79B8832F3087}"/>
+                  </a:ext>
+                </a:extLst>
+              </p:cNvPr>
+              <p:cNvSpPr>
+                <a:spLocks noGrp="1" noRot="1" noChangeAspect="1" noMove="1" noResize="1" noEditPoints="1" noAdjustHandles="1" noChangeArrowheads="1" noChangeShapeType="1" noTextEdit="1"/>
+              </p:cNvSpPr>
+              <p:nvPr>
+                <p:ph idx="1"/>
+              </p:nvPr>
+            </p:nvSpPr>
+            <p:spPr>
+              <a:xfrm>
+                <a:off x="838200" y="1612211"/>
+                <a:ext cx="10515600" cy="4880664"/>
+              </a:xfrm>
+              <a:blipFill>
+                <a:blip r:embed="rId3"/>
+                <a:stretch>
+                  <a:fillRect l="-1043" t="-1998"/>
+                </a:stretch>
+              </a:blipFill>
+            </p:spPr>
+            <p:txBody>
+              <a:bodyPr/>
+              <a:lstStyle/>
+              <a:p>
+                <a:r>
+                  <a:rPr lang="it-IT">
+                    <a:noFill/>
+                  </a:rPr>
+                  <a:t> </a:t>
+                </a:r>
+              </a:p>
+            </p:txBody>
+          </p:sp>
+        </mc:Fallback>
+      </mc:AlternateContent>
+    </p:spTree>
+    <p:extLst>
+      <p:ext uri="{BB962C8B-B14F-4D97-AF65-F5344CB8AC3E}">
+        <p14:creationId xmlns:p14="http://schemas.microsoft.com/office/powerpoint/2010/main" val="1268252749"/>
+      </p:ext>
+    </p:extLst>
+  </p:cSld>
+  <p:clrMapOvr>
+    <a:masterClrMapping/>
+  </p:clrMapOvr>
+</p:sld>
+</file>
+
 <file path=ppt/slides/slide6.xml><?xml version="1.0" encoding="utf-8"?>
 <p:sld xmlns:a="http://schemas.openxmlformats.org/drawingml/2006/main" xmlns:r="http://schemas.openxmlformats.org/officeDocument/2006/relationships" xmlns:p="http://schemas.openxmlformats.org/presentationml/2006/main">
   <p:cSld>
@@ -24314,6 +26508,1877 @@
     <p:extLst>
       <p:ext uri="{BB962C8B-B14F-4D97-AF65-F5344CB8AC3E}">
         <p14:creationId xmlns:p14="http://schemas.microsoft.com/office/powerpoint/2010/main" val="459921424"/>
+      </p:ext>
+    </p:extLst>
+  </p:cSld>
+  <p:clrMapOvr>
+    <a:masterClrMapping/>
+  </p:clrMapOvr>
+</p:sld>
+</file>
+
+<file path=ppt/slides/slide60.xml><?xml version="1.0" encoding="utf-8"?>
+<p:sld xmlns:a="http://schemas.openxmlformats.org/drawingml/2006/main" xmlns:r="http://schemas.openxmlformats.org/officeDocument/2006/relationships" xmlns:p="http://schemas.openxmlformats.org/presentationml/2006/main">
+  <p:cSld>
+    <p:spTree>
+      <p:nvGrpSpPr>
+        <p:cNvPr id="1" name=""/>
+        <p:cNvGrpSpPr/>
+        <p:nvPr/>
+      </p:nvGrpSpPr>
+      <p:grpSpPr>
+        <a:xfrm>
+          <a:off x="0" y="0"/>
+          <a:ext cx="0" cy="0"/>
+          <a:chOff x="0" y="0"/>
+          <a:chExt cx="0" cy="0"/>
+        </a:xfrm>
+      </p:grpSpPr>
+      <p:sp>
+        <p:nvSpPr>
+          <p:cNvPr id="2" name="Titolo 1">
+            <a:extLst>
+              <a:ext uri="{FF2B5EF4-FFF2-40B4-BE49-F238E27FC236}">
+                <a16:creationId xmlns:a16="http://schemas.microsoft.com/office/drawing/2014/main" id="{B471B832-747E-415F-88D9-9D3918C11841}"/>
+              </a:ext>
+            </a:extLst>
+          </p:cNvPr>
+          <p:cNvSpPr>
+            <a:spLocks noGrp="1"/>
+          </p:cNvSpPr>
+          <p:nvPr>
+            <p:ph type="title"/>
+          </p:nvPr>
+        </p:nvSpPr>
+        <p:spPr>
+          <a:xfrm>
+            <a:off x="838200" y="365125"/>
+            <a:ext cx="5247249" cy="5557373"/>
+          </a:xfrm>
+        </p:spPr>
+        <p:txBody>
+          <a:bodyPr>
+            <a:normAutofit/>
+          </a:bodyPr>
+          <a:lstStyle/>
+          <a:p>
+            <a:r>
+              <a:rPr lang="it-IT" dirty="0"/>
+              <a:t>Scattering Compton</a:t>
+            </a:r>
+            <a:br>
+              <a:rPr lang="it-IT" dirty="0"/>
+            </a:br>
+            <a:br>
+              <a:rPr lang="it-IT" dirty="0"/>
+            </a:br>
+            <a:r>
+              <a:rPr lang="it-IT" dirty="0"/>
+              <a:t>Diagramma polare</a:t>
+            </a:r>
+            <a:br>
+              <a:rPr lang="it-IT" dirty="0"/>
+            </a:br>
+            <a:r>
+              <a:rPr lang="it-IT" dirty="0"/>
+              <a:t>Perdita di simmetria alle alte energia</a:t>
+            </a:r>
+          </a:p>
+        </p:txBody>
+      </p:sp>
+      <p:pic>
+        <p:nvPicPr>
+          <p:cNvPr id="5" name="Segnaposto contenuto 4" descr="Immagine che contiene testo, mappa&#10;&#10;Descrizione generata automaticamente">
+            <a:extLst>
+              <a:ext uri="{FF2B5EF4-FFF2-40B4-BE49-F238E27FC236}">
+                <a16:creationId xmlns:a16="http://schemas.microsoft.com/office/drawing/2014/main" id="{C9B44902-40DA-4DDB-B22B-9049B343A533}"/>
+              </a:ext>
+            </a:extLst>
+          </p:cNvPr>
+          <p:cNvPicPr>
+            <a:picLocks noGrp="1" noChangeAspect="1"/>
+          </p:cNvPicPr>
+          <p:nvPr>
+            <p:ph idx="1"/>
+          </p:nvPr>
+        </p:nvPicPr>
+        <p:blipFill>
+          <a:blip r:embed="rId2">
+            <a:extLst>
+              <a:ext uri="{28A0092B-C50C-407E-A947-70E740481C1C}">
+                <a14:useLocalDpi xmlns:a14="http://schemas.microsoft.com/office/drawing/2010/main" val="0"/>
+              </a:ext>
+            </a:extLst>
+          </a:blip>
+          <a:stretch>
+            <a:fillRect/>
+          </a:stretch>
+        </p:blipFill>
+        <p:spPr>
+          <a:xfrm>
+            <a:off x="5950634" y="211017"/>
+            <a:ext cx="5247249" cy="6296699"/>
+          </a:xfrm>
+        </p:spPr>
+      </p:pic>
+    </p:spTree>
+    <p:extLst>
+      <p:ext uri="{BB962C8B-B14F-4D97-AF65-F5344CB8AC3E}">
+        <p14:creationId xmlns:p14="http://schemas.microsoft.com/office/powerpoint/2010/main" val="1675146727"/>
+      </p:ext>
+    </p:extLst>
+  </p:cSld>
+  <p:clrMapOvr>
+    <a:masterClrMapping/>
+  </p:clrMapOvr>
+</p:sld>
+</file>
+
+<file path=ppt/slides/slide61.xml><?xml version="1.0" encoding="utf-8"?>
+<p:sld xmlns:a="http://schemas.openxmlformats.org/drawingml/2006/main" xmlns:r="http://schemas.openxmlformats.org/officeDocument/2006/relationships" xmlns:p="http://schemas.openxmlformats.org/presentationml/2006/main">
+  <p:cSld>
+    <p:spTree>
+      <p:nvGrpSpPr>
+        <p:cNvPr id="1" name=""/>
+        <p:cNvGrpSpPr/>
+        <p:nvPr/>
+      </p:nvGrpSpPr>
+      <p:grpSpPr>
+        <a:xfrm>
+          <a:off x="0" y="0"/>
+          <a:ext cx="0" cy="0"/>
+          <a:chOff x="0" y="0"/>
+          <a:chExt cx="0" cy="0"/>
+        </a:xfrm>
+      </p:grpSpPr>
+      <p:sp>
+        <p:nvSpPr>
+          <p:cNvPr id="2" name="Titolo 1">
+            <a:extLst>
+              <a:ext uri="{FF2B5EF4-FFF2-40B4-BE49-F238E27FC236}">
+                <a16:creationId xmlns:a16="http://schemas.microsoft.com/office/drawing/2014/main" id="{F0A7F3CD-9C09-4E2E-93CA-6BDEA13D0E39}"/>
+              </a:ext>
+            </a:extLst>
+          </p:cNvPr>
+          <p:cNvSpPr>
+            <a:spLocks noGrp="1"/>
+          </p:cNvSpPr>
+          <p:nvPr>
+            <p:ph type="title"/>
+          </p:nvPr>
+        </p:nvSpPr>
+        <p:spPr/>
+        <p:txBody>
+          <a:bodyPr/>
+          <a:lstStyle/>
+          <a:p>
+            <a:r>
+              <a:rPr lang="it-IT" dirty="0"/>
+              <a:t>Esercizi  </a:t>
+            </a:r>
+          </a:p>
+        </p:txBody>
+      </p:sp>
+      <mc:AlternateContent xmlns:mc="http://schemas.openxmlformats.org/markup-compatibility/2006">
+        <mc:Choice xmlns:a14="http://schemas.microsoft.com/office/drawing/2010/main" Requires="a14">
+          <p:sp>
+            <p:nvSpPr>
+              <p:cNvPr id="3" name="Segnaposto contenuto 2">
+                <a:extLst>
+                  <a:ext uri="{FF2B5EF4-FFF2-40B4-BE49-F238E27FC236}">
+                    <a16:creationId xmlns:a16="http://schemas.microsoft.com/office/drawing/2014/main" id="{B9059DB7-BAAB-466C-8E7B-6683ADCB4A38}"/>
+                  </a:ext>
+                </a:extLst>
+              </p:cNvPr>
+              <p:cNvSpPr>
+                <a:spLocks noGrp="1"/>
+              </p:cNvSpPr>
+              <p:nvPr>
+                <p:ph idx="1"/>
+              </p:nvPr>
+            </p:nvSpPr>
+            <p:spPr/>
+            <p:txBody>
+              <a:bodyPr/>
+              <a:lstStyle/>
+              <a:p>
+                <a:r>
+                  <a:rPr lang="it-IT" dirty="0"/>
+                  <a:t>Dimostrare che a basse energie Klein-</a:t>
+                </a:r>
+                <a:r>
+                  <a:rPr lang="it-IT" dirty="0" err="1"/>
+                  <a:t>Nishina</a:t>
+                </a:r>
+                <a:r>
+                  <a:rPr lang="it-IT" dirty="0"/>
+                  <a:t> si riduce a Thomson</a:t>
+                </a:r>
+              </a:p>
+              <a:p>
+                <a:r>
+                  <a:rPr lang="it-IT" dirty="0"/>
+                  <a:t>Trovare l’energia massima trasferita all’elettrone </a:t>
+                </a:r>
+              </a:p>
+              <a:p>
+                <a:r>
+                  <a:rPr lang="it-IT" dirty="0"/>
+                  <a:t>Studiare la asimmetria tra scattering in avanti e scattering indietro</a:t>
+                </a:r>
+              </a:p>
+              <a:p>
+                <a:r>
+                  <a:rPr lang="it-IT" dirty="0"/>
+                  <a:t>Dimostrare che sul piano (</a:t>
+                </a:r>
+                <a:r>
+                  <a:rPr lang="it-IT" dirty="0" err="1"/>
+                  <a:t>x,y</a:t>
+                </a:r>
+                <a:r>
+                  <a:rPr lang="it-IT" dirty="0"/>
+                  <a:t>) lo Scattering equivale alla matrice</a:t>
+                </a:r>
+              </a:p>
+              <a:p>
+                <a:pPr marL="0" indent="0">
+                  <a:buNone/>
+                </a:pPr>
+                <a:r>
+                  <a:rPr lang="it-IT" dirty="0"/>
+                  <a:t> </a:t>
+                </a:r>
+              </a:p>
+              <a:p>
+                <a:pPr marL="0" indent="0" algn="ctr">
+                  <a:buNone/>
+                </a:pPr>
+                <a14:m>
+                  <m:oMath xmlns:m="http://schemas.openxmlformats.org/officeDocument/2006/math">
+                    <m:r>
+                      <a:rPr lang="it-IT" b="0" i="1" smtClean="0">
+                        <a:latin typeface="Cambria Math" panose="02040503050406030204" pitchFamily="18" charset="0"/>
+                      </a:rPr>
+                      <m:t>𝑆</m:t>
+                    </m:r>
+                    <m:r>
+                      <a:rPr lang="it-IT" b="0" i="1" smtClean="0">
+                        <a:latin typeface="Cambria Math" panose="02040503050406030204" pitchFamily="18" charset="0"/>
+                      </a:rPr>
+                      <m:t>= </m:t>
+                    </m:r>
+                    <m:f>
+                      <m:fPr>
+                        <m:ctrlPr>
+                          <a:rPr lang="it-IT" b="0" i="1" smtClean="0">
+                            <a:latin typeface="Cambria Math" panose="02040503050406030204" pitchFamily="18" charset="0"/>
+                          </a:rPr>
+                        </m:ctrlPr>
+                      </m:fPr>
+                      <m:num>
+                        <m:sSub>
+                          <m:sSubPr>
+                            <m:ctrlPr>
+                              <a:rPr lang="it-IT" b="0" i="1" smtClean="0">
+                                <a:latin typeface="Cambria Math" panose="02040503050406030204" pitchFamily="18" charset="0"/>
+                              </a:rPr>
+                            </m:ctrlPr>
+                          </m:sSubPr>
+                          <m:e>
+                            <m:r>
+                              <a:rPr lang="it-IT" b="0" i="1" smtClean="0">
+                                <a:latin typeface="Cambria Math" panose="02040503050406030204" pitchFamily="18" charset="0"/>
+                              </a:rPr>
+                              <m:t>𝑘</m:t>
+                            </m:r>
+                          </m:e>
+                          <m:sub>
+                            <m:r>
+                              <a:rPr lang="it-IT" b="0" i="1" smtClean="0">
+                                <a:latin typeface="Cambria Math" panose="02040503050406030204" pitchFamily="18" charset="0"/>
+                              </a:rPr>
+                              <m:t>𝑓</m:t>
+                            </m:r>
+                          </m:sub>
+                        </m:sSub>
+                      </m:num>
+                      <m:den>
+                        <m:r>
+                          <a:rPr lang="it-IT" b="0" i="1" smtClean="0">
+                            <a:latin typeface="Cambria Math" panose="02040503050406030204" pitchFamily="18" charset="0"/>
+                          </a:rPr>
+                          <m:t>𝑘</m:t>
+                        </m:r>
+                      </m:den>
+                    </m:f>
+                    <m:d>
+                      <m:dPr>
+                        <m:begChr m:val="["/>
+                        <m:endChr m:val="]"/>
+                        <m:ctrlPr>
+                          <a:rPr lang="it-IT" b="0" i="1" smtClean="0">
+                            <a:latin typeface="Cambria Math" panose="02040503050406030204" pitchFamily="18" charset="0"/>
+                          </a:rPr>
+                        </m:ctrlPr>
+                      </m:dPr>
+                      <m:e>
+                        <m:m>
+                          <m:mPr>
+                            <m:mcs>
+                              <m:mc>
+                                <m:mcPr>
+                                  <m:count m:val="3"/>
+                                  <m:mcJc m:val="center"/>
+                                </m:mcPr>
+                              </m:mc>
+                            </m:mcs>
+                            <m:ctrlPr>
+                              <a:rPr lang="it-IT" b="0" i="1" smtClean="0">
+                                <a:latin typeface="Cambria Math" panose="02040503050406030204" pitchFamily="18" charset="0"/>
+                              </a:rPr>
+                            </m:ctrlPr>
+                          </m:mPr>
+                          <m:mr>
+                            <m:e>
+                              <m:r>
+                                <m:rPr>
+                                  <m:brk m:alnAt="7"/>
+                                </m:rPr>
+                                <a:rPr lang="it-IT" b="0" i="1" smtClean="0">
+                                  <a:latin typeface="Cambria Math" panose="02040503050406030204" pitchFamily="18" charset="0"/>
+                                </a:rPr>
+                                <m:t>1</m:t>
+                              </m:r>
+                            </m:e>
+                            <m:e>
+                              <m:r>
+                                <a:rPr lang="it-IT" b="0" i="1" smtClean="0">
+                                  <a:latin typeface="Cambria Math" panose="02040503050406030204" pitchFamily="18" charset="0"/>
+                                </a:rPr>
+                                <m:t>0</m:t>
+                              </m:r>
+                            </m:e>
+                            <m:e>
+                              <m:r>
+                                <a:rPr lang="it-IT" b="0" i="1" smtClean="0">
+                                  <a:latin typeface="Cambria Math" panose="02040503050406030204" pitchFamily="18" charset="0"/>
+                                </a:rPr>
+                                <m:t>0</m:t>
+                              </m:r>
+                            </m:e>
+                          </m:mr>
+                          <m:mr>
+                            <m:e>
+                              <m:r>
+                                <a:rPr lang="it-IT" b="0" i="1" smtClean="0">
+                                  <a:latin typeface="Cambria Math" panose="02040503050406030204" pitchFamily="18" charset="0"/>
+                                </a:rPr>
+                                <m:t>0</m:t>
+                              </m:r>
+                            </m:e>
+                            <m:e>
+                              <m:r>
+                                <a:rPr lang="it-IT" b="0" i="1" smtClean="0">
+                                  <a:latin typeface="Cambria Math" panose="02040503050406030204" pitchFamily="18" charset="0"/>
+                                </a:rPr>
+                                <m:t>𝑐𝑜𝑠</m:t>
+                              </m:r>
+                              <m:r>
+                                <a:rPr lang="it-IT" b="0" i="1" smtClean="0">
+                                  <a:latin typeface="Cambria Math" panose="02040503050406030204" pitchFamily="18" charset="0"/>
+                                  <a:ea typeface="Cambria Math" panose="02040503050406030204" pitchFamily="18" charset="0"/>
+                                </a:rPr>
+                                <m:t>𝜃</m:t>
+                              </m:r>
+                            </m:e>
+                            <m:e>
+                              <m:r>
+                                <a:rPr lang="it-IT" b="0" i="1" smtClean="0">
+                                  <a:latin typeface="Cambria Math" panose="02040503050406030204" pitchFamily="18" charset="0"/>
+                                </a:rPr>
+                                <m:t>−</m:t>
+                              </m:r>
+                              <m:r>
+                                <a:rPr lang="it-IT" b="0" i="1" smtClean="0">
+                                  <a:latin typeface="Cambria Math" panose="02040503050406030204" pitchFamily="18" charset="0"/>
+                                </a:rPr>
+                                <m:t>𝑠𝑖𝑛</m:t>
+                              </m:r>
+                              <m:r>
+                                <a:rPr lang="it-IT" b="0" i="1" smtClean="0">
+                                  <a:latin typeface="Cambria Math" panose="02040503050406030204" pitchFamily="18" charset="0"/>
+                                  <a:ea typeface="Cambria Math" panose="02040503050406030204" pitchFamily="18" charset="0"/>
+                                </a:rPr>
+                                <m:t>𝜃</m:t>
+                              </m:r>
+                            </m:e>
+                          </m:mr>
+                          <m:mr>
+                            <m:e>
+                              <m:r>
+                                <a:rPr lang="it-IT" b="0" i="1" smtClean="0">
+                                  <a:latin typeface="Cambria Math" panose="02040503050406030204" pitchFamily="18" charset="0"/>
+                                </a:rPr>
+                                <m:t>0</m:t>
+                              </m:r>
+                            </m:e>
+                            <m:e>
+                              <m:r>
+                                <a:rPr lang="it-IT" b="0" i="1" smtClean="0">
+                                  <a:latin typeface="Cambria Math" panose="02040503050406030204" pitchFamily="18" charset="0"/>
+                                </a:rPr>
+                                <m:t>𝑠𝑖𝑛</m:t>
+                              </m:r>
+                              <m:r>
+                                <a:rPr lang="it-IT" b="0" i="1" smtClean="0">
+                                  <a:latin typeface="Cambria Math" panose="02040503050406030204" pitchFamily="18" charset="0"/>
+                                  <a:ea typeface="Cambria Math" panose="02040503050406030204" pitchFamily="18" charset="0"/>
+                                </a:rPr>
+                                <m:t>𝜃</m:t>
+                              </m:r>
+                            </m:e>
+                            <m:e>
+                              <m:r>
+                                <a:rPr lang="it-IT" b="0" i="1" smtClean="0">
+                                  <a:latin typeface="Cambria Math" panose="02040503050406030204" pitchFamily="18" charset="0"/>
+                                </a:rPr>
+                                <m:t>𝑐𝑜𝑠</m:t>
+                              </m:r>
+                              <m:r>
+                                <a:rPr lang="it-IT" b="0" i="1" smtClean="0">
+                                  <a:latin typeface="Cambria Math" panose="02040503050406030204" pitchFamily="18" charset="0"/>
+                                  <a:ea typeface="Cambria Math" panose="02040503050406030204" pitchFamily="18" charset="0"/>
+                                </a:rPr>
+                                <m:t>𝜃</m:t>
+                              </m:r>
+                            </m:e>
+                          </m:mr>
+                        </m:m>
+                      </m:e>
+                    </m:d>
+                  </m:oMath>
+                </a14:m>
+                <a:r>
+                  <a:rPr lang="it-IT" dirty="0"/>
+                  <a:t>   quindi    </a:t>
+                </a:r>
+                <a14:m>
+                  <m:oMath xmlns:m="http://schemas.openxmlformats.org/officeDocument/2006/math">
+                    <m:d>
+                      <m:dPr>
+                        <m:ctrlPr>
+                          <a:rPr lang="it-IT" i="1" smtClean="0">
+                            <a:latin typeface="Cambria Math" panose="02040503050406030204" pitchFamily="18" charset="0"/>
+                          </a:rPr>
+                        </m:ctrlPr>
+                      </m:dPr>
+                      <m:e>
+                        <m:m>
+                          <m:mPr>
+                            <m:mcs>
+                              <m:mc>
+                                <m:mcPr>
+                                  <m:count m:val="1"/>
+                                  <m:mcJc m:val="center"/>
+                                </m:mcPr>
+                              </m:mc>
+                            </m:mcs>
+                            <m:ctrlPr>
+                              <a:rPr lang="it-IT" i="1" smtClean="0">
+                                <a:latin typeface="Cambria Math" panose="02040503050406030204" pitchFamily="18" charset="0"/>
+                              </a:rPr>
+                            </m:ctrlPr>
+                          </m:mPr>
+                          <m:mr>
+                            <m:e>
+                              <m:r>
+                                <m:rPr>
+                                  <m:brk m:alnAt="7"/>
+                                </m:rPr>
+                                <a:rPr lang="it-IT" b="0" i="1" smtClean="0">
+                                  <a:latin typeface="Cambria Math" panose="02040503050406030204" pitchFamily="18" charset="0"/>
+                                </a:rPr>
+                                <m:t>𝐸</m:t>
+                              </m:r>
+                              <m:r>
+                                <a:rPr lang="it-IT" b="0" i="1" smtClean="0">
+                                  <a:latin typeface="Cambria Math" panose="02040503050406030204" pitchFamily="18" charset="0"/>
+                                </a:rPr>
+                                <m:t>′</m:t>
+                              </m:r>
+                            </m:e>
+                          </m:mr>
+                          <m:mr>
+                            <m:e>
+                              <m:sSub>
+                                <m:sSubPr>
+                                  <m:ctrlPr>
+                                    <a:rPr lang="it-IT" i="1" smtClean="0">
+                                      <a:latin typeface="Cambria Math" panose="02040503050406030204" pitchFamily="18" charset="0"/>
+                                    </a:rPr>
+                                  </m:ctrlPr>
+                                </m:sSubPr>
+                                <m:e>
+                                  <m:r>
+                                    <a:rPr lang="it-IT" b="0" i="1" smtClean="0">
+                                      <a:latin typeface="Cambria Math" panose="02040503050406030204" pitchFamily="18" charset="0"/>
+                                    </a:rPr>
+                                    <m:t>𝑝</m:t>
+                                  </m:r>
+                                  <m:r>
+                                    <a:rPr lang="it-IT" b="0" i="1" smtClean="0">
+                                      <a:latin typeface="Cambria Math" panose="02040503050406030204" pitchFamily="18" charset="0"/>
+                                    </a:rPr>
+                                    <m:t>′</m:t>
+                                  </m:r>
+                                </m:e>
+                                <m:sub>
+                                  <m:r>
+                                    <a:rPr lang="it-IT" b="0" i="1" smtClean="0">
+                                      <a:latin typeface="Cambria Math" panose="02040503050406030204" pitchFamily="18" charset="0"/>
+                                    </a:rPr>
+                                    <m:t>𝑥</m:t>
+                                  </m:r>
+                                </m:sub>
+                              </m:sSub>
+                            </m:e>
+                          </m:mr>
+                          <m:mr>
+                            <m:e>
+                              <m:sSub>
+                                <m:sSubPr>
+                                  <m:ctrlPr>
+                                    <a:rPr lang="it-IT" i="1" smtClean="0">
+                                      <a:latin typeface="Cambria Math" panose="02040503050406030204" pitchFamily="18" charset="0"/>
+                                    </a:rPr>
+                                  </m:ctrlPr>
+                                </m:sSubPr>
+                                <m:e>
+                                  <m:r>
+                                    <a:rPr lang="it-IT" b="0" i="1" smtClean="0">
+                                      <a:latin typeface="Cambria Math" panose="02040503050406030204" pitchFamily="18" charset="0"/>
+                                    </a:rPr>
+                                    <m:t>𝑝</m:t>
+                                  </m:r>
+                                  <m:r>
+                                    <a:rPr lang="it-IT" b="0" i="1" smtClean="0">
+                                      <a:latin typeface="Cambria Math" panose="02040503050406030204" pitchFamily="18" charset="0"/>
+                                    </a:rPr>
+                                    <m:t>′</m:t>
+                                  </m:r>
+                                </m:e>
+                                <m:sub>
+                                  <m:r>
+                                    <a:rPr lang="it-IT" b="0" i="1" smtClean="0">
+                                      <a:latin typeface="Cambria Math" panose="02040503050406030204" pitchFamily="18" charset="0"/>
+                                    </a:rPr>
+                                    <m:t>𝑦</m:t>
+                                  </m:r>
+                                </m:sub>
+                              </m:sSub>
+                            </m:e>
+                          </m:mr>
+                        </m:m>
+                      </m:e>
+                    </m:d>
+                    <m:r>
+                      <a:rPr lang="it-IT" i="1" smtClean="0">
+                        <a:latin typeface="Cambria Math" panose="02040503050406030204" pitchFamily="18" charset="0"/>
+                      </a:rPr>
+                      <m:t>=</m:t>
+                    </m:r>
+                    <m:r>
+                      <a:rPr lang="it-IT" b="0" i="1" smtClean="0">
+                        <a:latin typeface="Cambria Math" panose="02040503050406030204" pitchFamily="18" charset="0"/>
+                      </a:rPr>
+                      <m:t>𝑆</m:t>
+                    </m:r>
+                  </m:oMath>
+                </a14:m>
+                <a:r>
+                  <a:rPr lang="it-IT" dirty="0"/>
+                  <a:t> </a:t>
+                </a:r>
+                <a14:m>
+                  <m:oMath xmlns:m="http://schemas.openxmlformats.org/officeDocument/2006/math">
+                    <m:d>
+                      <m:dPr>
+                        <m:ctrlPr>
+                          <a:rPr lang="it-IT" i="1">
+                            <a:latin typeface="Cambria Math" panose="02040503050406030204" pitchFamily="18" charset="0"/>
+                          </a:rPr>
+                        </m:ctrlPr>
+                      </m:dPr>
+                      <m:e>
+                        <m:m>
+                          <m:mPr>
+                            <m:mcs>
+                              <m:mc>
+                                <m:mcPr>
+                                  <m:count m:val="1"/>
+                                  <m:mcJc m:val="center"/>
+                                </m:mcPr>
+                              </m:mc>
+                            </m:mcs>
+                            <m:ctrlPr>
+                              <a:rPr lang="it-IT" i="1">
+                                <a:latin typeface="Cambria Math" panose="02040503050406030204" pitchFamily="18" charset="0"/>
+                              </a:rPr>
+                            </m:ctrlPr>
+                          </m:mPr>
+                          <m:mr>
+                            <m:e>
+                              <m:r>
+                                <m:rPr>
+                                  <m:brk m:alnAt="7"/>
+                                </m:rPr>
+                                <a:rPr lang="it-IT" i="1">
+                                  <a:latin typeface="Cambria Math" panose="02040503050406030204" pitchFamily="18" charset="0"/>
+                                </a:rPr>
+                                <m:t>𝐸</m:t>
+                              </m:r>
+                            </m:e>
+                          </m:mr>
+                          <m:mr>
+                            <m:e>
+                              <m:sSub>
+                                <m:sSubPr>
+                                  <m:ctrlPr>
+                                    <a:rPr lang="it-IT" i="1">
+                                      <a:latin typeface="Cambria Math" panose="02040503050406030204" pitchFamily="18" charset="0"/>
+                                    </a:rPr>
+                                  </m:ctrlPr>
+                                </m:sSubPr>
+                                <m:e>
+                                  <m:r>
+                                    <a:rPr lang="it-IT" i="1">
+                                      <a:latin typeface="Cambria Math" panose="02040503050406030204" pitchFamily="18" charset="0"/>
+                                    </a:rPr>
+                                    <m:t>𝑝</m:t>
+                                  </m:r>
+                                </m:e>
+                                <m:sub>
+                                  <m:r>
+                                    <a:rPr lang="it-IT" i="1">
+                                      <a:latin typeface="Cambria Math" panose="02040503050406030204" pitchFamily="18" charset="0"/>
+                                    </a:rPr>
+                                    <m:t>𝑥</m:t>
+                                  </m:r>
+                                </m:sub>
+                              </m:sSub>
+                            </m:e>
+                          </m:mr>
+                          <m:mr>
+                            <m:e>
+                              <m:sSub>
+                                <m:sSubPr>
+                                  <m:ctrlPr>
+                                    <a:rPr lang="it-IT" i="1">
+                                      <a:latin typeface="Cambria Math" panose="02040503050406030204" pitchFamily="18" charset="0"/>
+                                    </a:rPr>
+                                  </m:ctrlPr>
+                                </m:sSubPr>
+                                <m:e>
+                                  <m:r>
+                                    <a:rPr lang="it-IT" i="1">
+                                      <a:latin typeface="Cambria Math" panose="02040503050406030204" pitchFamily="18" charset="0"/>
+                                    </a:rPr>
+                                    <m:t>𝑝</m:t>
+                                  </m:r>
+                                </m:e>
+                                <m:sub>
+                                  <m:r>
+                                    <a:rPr lang="it-IT" i="1">
+                                      <a:latin typeface="Cambria Math" panose="02040503050406030204" pitchFamily="18" charset="0"/>
+                                    </a:rPr>
+                                    <m:t>𝑦</m:t>
+                                  </m:r>
+                                </m:sub>
+                              </m:sSub>
+                            </m:e>
+                          </m:mr>
+                        </m:m>
+                      </m:e>
+                    </m:d>
+                  </m:oMath>
+                </a14:m>
+                <a:endParaRPr lang="it-IT" dirty="0"/>
+              </a:p>
+            </p:txBody>
+          </p:sp>
+        </mc:Choice>
+        <mc:Fallback>
+          <p:sp>
+            <p:nvSpPr>
+              <p:cNvPr id="3" name="Segnaposto contenuto 2">
+                <a:extLst>
+                  <a:ext uri="{FF2B5EF4-FFF2-40B4-BE49-F238E27FC236}">
+                    <a16:creationId xmlns:a16="http://schemas.microsoft.com/office/drawing/2014/main" id="{B9059DB7-BAAB-466C-8E7B-6683ADCB4A38}"/>
+                  </a:ext>
+                </a:extLst>
+              </p:cNvPr>
+              <p:cNvSpPr>
+                <a:spLocks noGrp="1" noRot="1" noChangeAspect="1" noMove="1" noResize="1" noEditPoints="1" noAdjustHandles="1" noChangeArrowheads="1" noChangeShapeType="1" noTextEdit="1"/>
+              </p:cNvSpPr>
+              <p:nvPr>
+                <p:ph idx="1"/>
+              </p:nvPr>
+            </p:nvSpPr>
+            <p:spPr>
+              <a:blipFill>
+                <a:blip r:embed="rId2"/>
+                <a:stretch>
+                  <a:fillRect l="-1217" t="-2241"/>
+                </a:stretch>
+              </a:blipFill>
+            </p:spPr>
+            <p:txBody>
+              <a:bodyPr/>
+              <a:lstStyle/>
+              <a:p>
+                <a:r>
+                  <a:rPr lang="it-IT">
+                    <a:noFill/>
+                  </a:rPr>
+                  <a:t> </a:t>
+                </a:r>
+              </a:p>
+            </p:txBody>
+          </p:sp>
+        </mc:Fallback>
+      </mc:AlternateContent>
+    </p:spTree>
+    <p:extLst>
+      <p:ext uri="{BB962C8B-B14F-4D97-AF65-F5344CB8AC3E}">
+        <p14:creationId xmlns:p14="http://schemas.microsoft.com/office/powerpoint/2010/main" val="1256586735"/>
+      </p:ext>
+    </p:extLst>
+  </p:cSld>
+  <p:clrMapOvr>
+    <a:masterClrMapping/>
+  </p:clrMapOvr>
+</p:sld>
+</file>
+
+<file path=ppt/slides/slide62.xml><?xml version="1.0" encoding="utf-8"?>
+<p:sld xmlns:a="http://schemas.openxmlformats.org/drawingml/2006/main" xmlns:r="http://schemas.openxmlformats.org/officeDocument/2006/relationships" xmlns:p="http://schemas.openxmlformats.org/presentationml/2006/main">
+  <p:cSld>
+    <p:spTree>
+      <p:nvGrpSpPr>
+        <p:cNvPr id="1" name=""/>
+        <p:cNvGrpSpPr/>
+        <p:nvPr/>
+      </p:nvGrpSpPr>
+      <p:grpSpPr>
+        <a:xfrm>
+          <a:off x="0" y="0"/>
+          <a:ext cx="0" cy="0"/>
+          <a:chOff x="0" y="0"/>
+          <a:chExt cx="0" cy="0"/>
+        </a:xfrm>
+      </p:grpSpPr>
+      <p:sp>
+        <p:nvSpPr>
+          <p:cNvPr id="2" name="Titolo 1">
+            <a:extLst>
+              <a:ext uri="{FF2B5EF4-FFF2-40B4-BE49-F238E27FC236}">
+                <a16:creationId xmlns:a16="http://schemas.microsoft.com/office/drawing/2014/main" id="{EC546724-46C5-4BE0-A274-1BEC49C06B10}"/>
+              </a:ext>
+            </a:extLst>
+          </p:cNvPr>
+          <p:cNvSpPr>
+            <a:spLocks noGrp="1"/>
+          </p:cNvSpPr>
+          <p:nvPr>
+            <p:ph type="title"/>
+          </p:nvPr>
+        </p:nvSpPr>
+        <p:spPr/>
+        <p:txBody>
+          <a:bodyPr/>
+          <a:lstStyle/>
+          <a:p>
+            <a:r>
+              <a:rPr lang="it-IT" dirty="0"/>
+              <a:t> Cosa può dire la simulazione</a:t>
+            </a:r>
+          </a:p>
+        </p:txBody>
+      </p:sp>
+      <p:sp>
+        <p:nvSpPr>
+          <p:cNvPr id="3" name="Segnaposto contenuto 2">
+            <a:extLst>
+              <a:ext uri="{FF2B5EF4-FFF2-40B4-BE49-F238E27FC236}">
+                <a16:creationId xmlns:a16="http://schemas.microsoft.com/office/drawing/2014/main" id="{EA0FD485-7896-4A16-A47A-8EA6BAF5DE27}"/>
+              </a:ext>
+            </a:extLst>
+          </p:cNvPr>
+          <p:cNvSpPr>
+            <a:spLocks noGrp="1"/>
+          </p:cNvSpPr>
+          <p:nvPr>
+            <p:ph idx="1"/>
+          </p:nvPr>
+        </p:nvSpPr>
+        <p:spPr/>
+        <p:txBody>
+          <a:bodyPr>
+            <a:normAutofit/>
+          </a:bodyPr>
+          <a:lstStyle/>
+          <a:p>
+            <a:r>
+              <a:rPr lang="it-IT" dirty="0"/>
+              <a:t>Usando fotoni da 662 </a:t>
+            </a:r>
+            <a:r>
+              <a:rPr lang="it-IT" dirty="0" err="1"/>
+              <a:t>KeV</a:t>
+            </a:r>
+            <a:r>
+              <a:rPr lang="it-IT" dirty="0"/>
+              <a:t> (</a:t>
+            </a:r>
+            <a:r>
+              <a:rPr lang="it-IT" dirty="0" err="1"/>
+              <a:t>cesium</a:t>
+            </a:r>
+            <a:r>
+              <a:rPr lang="it-IT" dirty="0"/>
+              <a:t> 137)  si può misurare la massa dell’elettrone?  (Come ? Con quale accuratezza e precisione?). </a:t>
+            </a:r>
+          </a:p>
+          <a:p>
+            <a:r>
+              <a:rPr lang="it-IT" dirty="0"/>
+              <a:t>Si «vedono» gli effetti relativistici sulla sezione d’urto differenziale ?</a:t>
+            </a:r>
+          </a:p>
+          <a:p>
+            <a:r>
+              <a:rPr lang="it-IT" dirty="0"/>
+              <a:t>Ci sono effetti dovuti al bordo del collimatore ?  </a:t>
+            </a:r>
+          </a:p>
+          <a:p>
+            <a:r>
+              <a:rPr lang="it-IT" dirty="0"/>
+              <a:t>«</a:t>
+            </a:r>
+            <a:r>
+              <a:rPr lang="it-IT" dirty="0" err="1"/>
+              <a:t>Triggerare</a:t>
+            </a:r>
+            <a:r>
+              <a:rPr lang="it-IT" dirty="0"/>
+              <a:t>» sul segnale dell’elettrone introduce distorsioni? (Quali ? )</a:t>
+            </a:r>
+          </a:p>
+          <a:p>
+            <a:r>
+              <a:rPr lang="it-IT" dirty="0"/>
+              <a:t> Quando il fotone incide sul blocco di </a:t>
+            </a:r>
+            <a:r>
+              <a:rPr lang="it-IT" dirty="0" err="1"/>
+              <a:t>NaI</a:t>
+            </a:r>
+            <a:r>
+              <a:rPr lang="it-IT" dirty="0"/>
+              <a:t> può fare back-scattering. Cosa succede alla energia misurata ?  Cercare informazioni sulla «spalla Compton» (Compton Edge!) e se qualcuno lo ha già simulato nel caso «rubare» la simulazione...   (</a:t>
+            </a:r>
+            <a:r>
+              <a:rPr lang="it-IT" b="1" dirty="0"/>
+              <a:t>Montecarlo Condensato</a:t>
+            </a:r>
+            <a:r>
+              <a:rPr lang="it-IT" dirty="0"/>
+              <a:t>) </a:t>
+            </a:r>
+          </a:p>
+          <a:p>
+            <a:pPr marL="0" indent="0">
+              <a:buNone/>
+            </a:pPr>
+            <a:endParaRPr lang="it-IT" dirty="0"/>
+          </a:p>
+          <a:p>
+            <a:endParaRPr lang="it-IT" dirty="0"/>
+          </a:p>
+        </p:txBody>
+      </p:sp>
+    </p:spTree>
+    <p:extLst>
+      <p:ext uri="{BB962C8B-B14F-4D97-AF65-F5344CB8AC3E}">
+        <p14:creationId xmlns:p14="http://schemas.microsoft.com/office/powerpoint/2010/main" val="3783668171"/>
+      </p:ext>
+    </p:extLst>
+  </p:cSld>
+  <p:clrMapOvr>
+    <a:masterClrMapping/>
+  </p:clrMapOvr>
+</p:sld>
+</file>
+
+<file path=ppt/slides/slide63.xml><?xml version="1.0" encoding="utf-8"?>
+<p:sld xmlns:a="http://schemas.openxmlformats.org/drawingml/2006/main" xmlns:r="http://schemas.openxmlformats.org/officeDocument/2006/relationships" xmlns:p="http://schemas.openxmlformats.org/presentationml/2006/main">
+  <p:cSld>
+    <p:spTree>
+      <p:nvGrpSpPr>
+        <p:cNvPr id="1" name=""/>
+        <p:cNvGrpSpPr/>
+        <p:nvPr/>
+      </p:nvGrpSpPr>
+      <p:grpSpPr>
+        <a:xfrm>
+          <a:off x="0" y="0"/>
+          <a:ext cx="0" cy="0"/>
+          <a:chOff x="0" y="0"/>
+          <a:chExt cx="0" cy="0"/>
+        </a:xfrm>
+      </p:grpSpPr>
+      <p:sp>
+        <p:nvSpPr>
+          <p:cNvPr id="2" name="Titolo 1">
+            <a:extLst>
+              <a:ext uri="{FF2B5EF4-FFF2-40B4-BE49-F238E27FC236}">
+                <a16:creationId xmlns:a16="http://schemas.microsoft.com/office/drawing/2014/main" id="{76C6D537-DD4F-44E6-86C6-521E5E6E00FD}"/>
+              </a:ext>
+            </a:extLst>
+          </p:cNvPr>
+          <p:cNvSpPr>
+            <a:spLocks noGrp="1"/>
+          </p:cNvSpPr>
+          <p:nvPr>
+            <p:ph type="title"/>
+          </p:nvPr>
+        </p:nvSpPr>
+        <p:spPr/>
+        <p:txBody>
+          <a:bodyPr/>
+          <a:lstStyle/>
+          <a:p>
+            <a:r>
+              <a:rPr lang="it-IT" dirty="0"/>
+              <a:t>Problemi nella Simulazione</a:t>
+            </a:r>
+          </a:p>
+        </p:txBody>
+      </p:sp>
+      <mc:AlternateContent xmlns:mc="http://schemas.openxmlformats.org/markup-compatibility/2006">
+        <mc:Choice xmlns:a14="http://schemas.microsoft.com/office/drawing/2010/main" Requires="a14">
+          <p:sp>
+            <p:nvSpPr>
+              <p:cNvPr id="3" name="Segnaposto contenuto 2">
+                <a:extLst>
+                  <a:ext uri="{FF2B5EF4-FFF2-40B4-BE49-F238E27FC236}">
+                    <a16:creationId xmlns:a16="http://schemas.microsoft.com/office/drawing/2014/main" id="{463C5A7F-13ED-40AB-9A22-A8C73291056A}"/>
+                  </a:ext>
+                </a:extLst>
+              </p:cNvPr>
+              <p:cNvSpPr>
+                <a:spLocks noGrp="1"/>
+              </p:cNvSpPr>
+              <p:nvPr>
+                <p:ph idx="1"/>
+              </p:nvPr>
+            </p:nvSpPr>
+            <p:spPr/>
+            <p:txBody>
+              <a:bodyPr>
+                <a:normAutofit/>
+              </a:bodyPr>
+              <a:lstStyle/>
+              <a:p>
+                <a:r>
+                  <a:rPr lang="it-IT" dirty="0"/>
+                  <a:t>Trovare un modo efficiente per campionare la Klein-</a:t>
+                </a:r>
+                <a:r>
+                  <a:rPr lang="it-IT" dirty="0" err="1"/>
+                  <a:t>Nishina</a:t>
+                </a:r>
+                <a:r>
+                  <a:rPr lang="it-IT" dirty="0"/>
+                  <a:t> (proporre metodi)  Alcuni usano la variabile y = k/k’ </a:t>
+                </a:r>
+              </a:p>
+              <a:p>
+                <a:r>
+                  <a:rPr lang="it-IT" dirty="0"/>
+                  <a:t>Risoluzione  dei rivelatore   </a:t>
+                </a:r>
+                <a14:m>
+                  <m:oMath xmlns:m="http://schemas.openxmlformats.org/officeDocument/2006/math">
+                    <m:f>
+                      <m:fPr>
+                        <m:ctrlPr>
+                          <a:rPr lang="it-IT" i="1" smtClean="0">
+                            <a:latin typeface="Cambria Math" panose="02040503050406030204" pitchFamily="18" charset="0"/>
+                          </a:rPr>
+                        </m:ctrlPr>
+                      </m:fPr>
+                      <m:num>
+                        <m:r>
+                          <a:rPr lang="it-IT" b="0" i="1" smtClean="0">
+                            <a:latin typeface="Cambria Math" panose="02040503050406030204" pitchFamily="18" charset="0"/>
+                          </a:rPr>
+                          <m:t>𝑑𝐸</m:t>
+                        </m:r>
+                      </m:num>
+                      <m:den>
+                        <m:r>
+                          <a:rPr lang="it-IT" b="0" i="1" smtClean="0">
+                            <a:latin typeface="Cambria Math" panose="02040503050406030204" pitchFamily="18" charset="0"/>
+                          </a:rPr>
+                          <m:t>𝐸</m:t>
+                        </m:r>
+                      </m:den>
+                    </m:f>
+                    <m:r>
+                      <a:rPr lang="it-IT" b="0" i="1" smtClean="0">
+                        <a:latin typeface="Cambria Math" panose="02040503050406030204" pitchFamily="18" charset="0"/>
+                      </a:rPr>
+                      <m:t>= </m:t>
+                    </m:r>
+                    <m:f>
+                      <m:fPr>
+                        <m:ctrlPr>
+                          <a:rPr lang="it-IT" b="0" i="1" smtClean="0">
+                            <a:latin typeface="Cambria Math" panose="02040503050406030204" pitchFamily="18" charset="0"/>
+                          </a:rPr>
+                        </m:ctrlPr>
+                      </m:fPr>
+                      <m:num>
+                        <m:r>
+                          <a:rPr lang="it-IT" b="0" i="1" smtClean="0">
+                            <a:latin typeface="Cambria Math" panose="02040503050406030204" pitchFamily="18" charset="0"/>
+                          </a:rPr>
+                          <m:t>𝑎</m:t>
+                        </m:r>
+                      </m:num>
+                      <m:den>
+                        <m:rad>
+                          <m:radPr>
+                            <m:degHide m:val="on"/>
+                            <m:ctrlPr>
+                              <a:rPr lang="it-IT" b="0" i="1" smtClean="0">
+                                <a:latin typeface="Cambria Math" panose="02040503050406030204" pitchFamily="18" charset="0"/>
+                              </a:rPr>
+                            </m:ctrlPr>
+                          </m:radPr>
+                          <m:deg/>
+                          <m:e>
+                            <m:r>
+                              <a:rPr lang="it-IT" b="0" i="1" smtClean="0">
+                                <a:latin typeface="Cambria Math" panose="02040503050406030204" pitchFamily="18" charset="0"/>
+                              </a:rPr>
+                              <m:t>𝐸</m:t>
+                            </m:r>
+                          </m:e>
+                        </m:rad>
+                      </m:den>
+                    </m:f>
+                  </m:oMath>
+                </a14:m>
+                <a:r>
+                  <a:rPr lang="it-IT" dirty="0"/>
+                  <a:t>   (sensata ?) </a:t>
+                </a:r>
+              </a:p>
+              <a:p>
+                <a:r>
+                  <a:rPr lang="it-IT" dirty="0"/>
+                  <a:t>Come si simula il segnale dell’elettrone nello scintillatore ?  (Dove si mette la soglia )</a:t>
+                </a:r>
+              </a:p>
+              <a:p>
+                <a:endParaRPr lang="it-IT" dirty="0"/>
+              </a:p>
+              <a:p>
+                <a:pPr marL="0" indent="0">
+                  <a:buNone/>
+                </a:pPr>
+                <a:r>
+                  <a:rPr lang="it-IT" dirty="0"/>
+                  <a:t>  </a:t>
+                </a:r>
+              </a:p>
+            </p:txBody>
+          </p:sp>
+        </mc:Choice>
+        <mc:Fallback>
+          <p:sp>
+            <p:nvSpPr>
+              <p:cNvPr id="3" name="Segnaposto contenuto 2">
+                <a:extLst>
+                  <a:ext uri="{FF2B5EF4-FFF2-40B4-BE49-F238E27FC236}">
+                    <a16:creationId xmlns:a16="http://schemas.microsoft.com/office/drawing/2014/main" id="{463C5A7F-13ED-40AB-9A22-A8C73291056A}"/>
+                  </a:ext>
+                </a:extLst>
+              </p:cNvPr>
+              <p:cNvSpPr>
+                <a:spLocks noGrp="1" noRot="1" noChangeAspect="1" noMove="1" noResize="1" noEditPoints="1" noAdjustHandles="1" noChangeArrowheads="1" noChangeShapeType="1" noTextEdit="1"/>
+              </p:cNvSpPr>
+              <p:nvPr>
+                <p:ph idx="1"/>
+              </p:nvPr>
+            </p:nvSpPr>
+            <p:spPr>
+              <a:blipFill>
+                <a:blip r:embed="rId2"/>
+                <a:stretch>
+                  <a:fillRect l="-1043" t="-2241" r="-1275"/>
+                </a:stretch>
+              </a:blipFill>
+            </p:spPr>
+            <p:txBody>
+              <a:bodyPr/>
+              <a:lstStyle/>
+              <a:p>
+                <a:r>
+                  <a:rPr lang="it-IT">
+                    <a:noFill/>
+                  </a:rPr>
+                  <a:t> </a:t>
+                </a:r>
+              </a:p>
+            </p:txBody>
+          </p:sp>
+        </mc:Fallback>
+      </mc:AlternateContent>
+    </p:spTree>
+    <p:extLst>
+      <p:ext uri="{BB962C8B-B14F-4D97-AF65-F5344CB8AC3E}">
+        <p14:creationId xmlns:p14="http://schemas.microsoft.com/office/powerpoint/2010/main" val="513228321"/>
+      </p:ext>
+    </p:extLst>
+  </p:cSld>
+  <p:clrMapOvr>
+    <a:masterClrMapping/>
+  </p:clrMapOvr>
+</p:sld>
+</file>
+
+<file path=ppt/slides/slide64.xml><?xml version="1.0" encoding="utf-8"?>
+<p:sld xmlns:a="http://schemas.openxmlformats.org/drawingml/2006/main" xmlns:r="http://schemas.openxmlformats.org/officeDocument/2006/relationships" xmlns:p="http://schemas.openxmlformats.org/presentationml/2006/main">
+  <p:cSld>
+    <p:spTree>
+      <p:nvGrpSpPr>
+        <p:cNvPr id="1" name=""/>
+        <p:cNvGrpSpPr/>
+        <p:nvPr/>
+      </p:nvGrpSpPr>
+      <p:grpSpPr>
+        <a:xfrm>
+          <a:off x="0" y="0"/>
+          <a:ext cx="0" cy="0"/>
+          <a:chOff x="0" y="0"/>
+          <a:chExt cx="0" cy="0"/>
+        </a:xfrm>
+      </p:grpSpPr>
+      <p:sp>
+        <p:nvSpPr>
+          <p:cNvPr id="2" name="Titolo 1">
+            <a:extLst>
+              <a:ext uri="{FF2B5EF4-FFF2-40B4-BE49-F238E27FC236}">
+                <a16:creationId xmlns:a16="http://schemas.microsoft.com/office/drawing/2014/main" id="{791CF54E-D3E4-4E7E-AA50-D2635A769A62}"/>
+              </a:ext>
+            </a:extLst>
+          </p:cNvPr>
+          <p:cNvSpPr>
+            <a:spLocks noGrp="1"/>
+          </p:cNvSpPr>
+          <p:nvPr>
+            <p:ph type="title"/>
+          </p:nvPr>
+        </p:nvSpPr>
+        <p:spPr/>
+        <p:txBody>
+          <a:bodyPr/>
+          <a:lstStyle/>
+          <a:p>
+            <a:pPr algn="ctr"/>
+            <a:r>
+              <a:rPr lang="it-IT" b="1" dirty="0"/>
+              <a:t>Compton Edge </a:t>
+            </a:r>
+          </a:p>
+        </p:txBody>
+      </p:sp>
+      <p:pic>
+        <p:nvPicPr>
+          <p:cNvPr id="5" name="Segnaposto contenuto 4" descr="Immagine che contiene mappa, testo&#10;&#10;Descrizione generata automaticamente">
+            <a:extLst>
+              <a:ext uri="{FF2B5EF4-FFF2-40B4-BE49-F238E27FC236}">
+                <a16:creationId xmlns:a16="http://schemas.microsoft.com/office/drawing/2014/main" id="{7FD9F469-B7B1-4982-8FB9-2A50530AEE7D}"/>
+              </a:ext>
+            </a:extLst>
+          </p:cNvPr>
+          <p:cNvPicPr>
+            <a:picLocks noGrp="1" noChangeAspect="1"/>
+          </p:cNvPicPr>
+          <p:nvPr>
+            <p:ph idx="1"/>
+          </p:nvPr>
+        </p:nvPicPr>
+        <p:blipFill>
+          <a:blip r:embed="rId2">
+            <a:extLst>
+              <a:ext uri="{28A0092B-C50C-407E-A947-70E740481C1C}">
+                <a14:useLocalDpi xmlns:a14="http://schemas.microsoft.com/office/drawing/2010/main" val="0"/>
+              </a:ext>
+            </a:extLst>
+          </a:blip>
+          <a:stretch>
+            <a:fillRect/>
+          </a:stretch>
+        </p:blipFill>
+        <p:spPr>
+          <a:xfrm>
+            <a:off x="261731" y="1690688"/>
+            <a:ext cx="5642112" cy="4437867"/>
+          </a:xfrm>
+        </p:spPr>
+      </p:pic>
+      <p:pic>
+        <p:nvPicPr>
+          <p:cNvPr id="7" name="Immagine 6" descr="Immagine che contiene testo&#10;&#10;Descrizione generata automaticamente">
+            <a:extLst>
+              <a:ext uri="{FF2B5EF4-FFF2-40B4-BE49-F238E27FC236}">
+                <a16:creationId xmlns:a16="http://schemas.microsoft.com/office/drawing/2014/main" id="{75490071-B887-4E50-AF8A-3E6F4C6A07DA}"/>
+              </a:ext>
+            </a:extLst>
+          </p:cNvPr>
+          <p:cNvPicPr>
+            <a:picLocks noChangeAspect="1"/>
+          </p:cNvPicPr>
+          <p:nvPr/>
+        </p:nvPicPr>
+        <p:blipFill>
+          <a:blip r:embed="rId3">
+            <a:extLst>
+              <a:ext uri="{28A0092B-C50C-407E-A947-70E740481C1C}">
+                <a14:useLocalDpi xmlns:a14="http://schemas.microsoft.com/office/drawing/2010/main" val="0"/>
+              </a:ext>
+            </a:extLst>
+          </a:blip>
+          <a:stretch>
+            <a:fillRect/>
+          </a:stretch>
+        </p:blipFill>
+        <p:spPr>
+          <a:xfrm>
+            <a:off x="5865742" y="1606919"/>
+            <a:ext cx="5802811" cy="4605406"/>
+          </a:xfrm>
+          <a:prstGeom prst="rect">
+            <a:avLst/>
+          </a:prstGeom>
+        </p:spPr>
+      </p:pic>
+    </p:spTree>
+    <p:extLst>
+      <p:ext uri="{BB962C8B-B14F-4D97-AF65-F5344CB8AC3E}">
+        <p14:creationId xmlns:p14="http://schemas.microsoft.com/office/powerpoint/2010/main" val="2918323656"/>
+      </p:ext>
+    </p:extLst>
+  </p:cSld>
+  <p:clrMapOvr>
+    <a:masterClrMapping/>
+  </p:clrMapOvr>
+</p:sld>
+</file>
+
+<file path=ppt/slides/slide65.xml><?xml version="1.0" encoding="utf-8"?>
+<p:sld xmlns:a="http://schemas.openxmlformats.org/drawingml/2006/main" xmlns:r="http://schemas.openxmlformats.org/officeDocument/2006/relationships" xmlns:p="http://schemas.openxmlformats.org/presentationml/2006/main">
+  <p:cSld>
+    <p:spTree>
+      <p:nvGrpSpPr>
+        <p:cNvPr id="1" name=""/>
+        <p:cNvGrpSpPr/>
+        <p:nvPr/>
+      </p:nvGrpSpPr>
+      <p:grpSpPr>
+        <a:xfrm>
+          <a:off x="0" y="0"/>
+          <a:ext cx="0" cy="0"/>
+          <a:chOff x="0" y="0"/>
+          <a:chExt cx="0" cy="0"/>
+        </a:xfrm>
+      </p:grpSpPr>
+      <p:grpSp>
+        <p:nvGrpSpPr>
+          <p:cNvPr id="44" name="Gruppo 43">
+            <a:extLst>
+              <a:ext uri="{FF2B5EF4-FFF2-40B4-BE49-F238E27FC236}">
+                <a16:creationId xmlns:a16="http://schemas.microsoft.com/office/drawing/2014/main" id="{E30E192C-BEFB-4B77-8AE9-EB4548335261}"/>
+              </a:ext>
+            </a:extLst>
+          </p:cNvPr>
+          <p:cNvGrpSpPr/>
+          <p:nvPr/>
+        </p:nvGrpSpPr>
+        <p:grpSpPr>
+          <a:xfrm>
+            <a:off x="838200" y="2644346"/>
+            <a:ext cx="11040716" cy="2400657"/>
+            <a:chOff x="717274" y="1811226"/>
+            <a:chExt cx="11040716" cy="2400657"/>
+          </a:xfrm>
+        </p:grpSpPr>
+        <p:sp>
+          <p:nvSpPr>
+            <p:cNvPr id="12" name="Rettangolo con angoli arrotondati 11">
+              <a:extLst>
+                <a:ext uri="{FF2B5EF4-FFF2-40B4-BE49-F238E27FC236}">
+                  <a16:creationId xmlns:a16="http://schemas.microsoft.com/office/drawing/2014/main" id="{89744824-6B75-4983-891B-EBA6A6693EBC}"/>
+                </a:ext>
+              </a:extLst>
+            </p:cNvPr>
+            <p:cNvSpPr/>
+            <p:nvPr/>
+          </p:nvSpPr>
+          <p:spPr>
+            <a:xfrm>
+              <a:off x="717274" y="2523577"/>
+              <a:ext cx="672548" cy="637066"/>
+            </a:xfrm>
+            <a:prstGeom prst="roundRect">
+              <a:avLst/>
+            </a:prstGeom>
+          </p:spPr>
+          <p:style>
+            <a:lnRef idx="2">
+              <a:schemeClr val="accent6"/>
+            </a:lnRef>
+            <a:fillRef idx="1">
+              <a:schemeClr val="lt1"/>
+            </a:fillRef>
+            <a:effectRef idx="0">
+              <a:schemeClr val="accent6"/>
+            </a:effectRef>
+            <a:fontRef idx="minor">
+              <a:schemeClr val="dk1"/>
+            </a:fontRef>
+          </p:style>
+          <p:txBody>
+            <a:bodyPr rtlCol="0" anchor="ctr"/>
+            <a:lstStyle/>
+            <a:p>
+              <a:pPr algn="ctr"/>
+              <a:endParaRPr lang="it-IT"/>
+            </a:p>
+          </p:txBody>
+        </p:sp>
+        <p:sp>
+          <p:nvSpPr>
+            <p:cNvPr id="5" name="CasellaDiTesto 4">
+              <a:extLst>
+                <a:ext uri="{FF2B5EF4-FFF2-40B4-BE49-F238E27FC236}">
+                  <a16:creationId xmlns:a16="http://schemas.microsoft.com/office/drawing/2014/main" id="{B4B953B5-A48B-427E-9D30-CF634FD9D7F1}"/>
+                </a:ext>
+              </a:extLst>
+            </p:cNvPr>
+            <p:cNvSpPr txBox="1"/>
+            <p:nvPr/>
+          </p:nvSpPr>
+          <p:spPr>
+            <a:xfrm>
+              <a:off x="838200" y="2642223"/>
+              <a:ext cx="672548" cy="369332"/>
+            </a:xfrm>
+            <a:prstGeom prst="rect">
+              <a:avLst/>
+            </a:prstGeom>
+            <a:noFill/>
+          </p:spPr>
+          <p:txBody>
+            <a:bodyPr wrap="square" rtlCol="0">
+              <a:spAutoFit/>
+            </a:bodyPr>
+            <a:lstStyle/>
+            <a:p>
+              <a:r>
+                <a:rPr lang="it-IT" dirty="0" err="1"/>
+                <a:t>Init</a:t>
+              </a:r>
+              <a:endParaRPr lang="it-IT" dirty="0"/>
+            </a:p>
+          </p:txBody>
+        </p:sp>
+        <p:sp>
+          <p:nvSpPr>
+            <p:cNvPr id="9" name="Rettangolo con angoli arrotondati 8">
+              <a:extLst>
+                <a:ext uri="{FF2B5EF4-FFF2-40B4-BE49-F238E27FC236}">
+                  <a16:creationId xmlns:a16="http://schemas.microsoft.com/office/drawing/2014/main" id="{FF56BBCA-D54D-4E70-BA0F-FC71228899DE}"/>
+                </a:ext>
+              </a:extLst>
+            </p:cNvPr>
+            <p:cNvSpPr/>
+            <p:nvPr/>
+          </p:nvSpPr>
+          <p:spPr>
+            <a:xfrm>
+              <a:off x="3124201" y="1811226"/>
+              <a:ext cx="4386470" cy="2400657"/>
+            </a:xfrm>
+            <a:prstGeom prst="roundRect">
+              <a:avLst/>
+            </a:prstGeom>
+          </p:spPr>
+          <p:style>
+            <a:lnRef idx="2">
+              <a:schemeClr val="accent6"/>
+            </a:lnRef>
+            <a:fillRef idx="1">
+              <a:schemeClr val="lt1"/>
+            </a:fillRef>
+            <a:effectRef idx="0">
+              <a:schemeClr val="accent6"/>
+            </a:effectRef>
+            <a:fontRef idx="minor">
+              <a:schemeClr val="dk1"/>
+            </a:fontRef>
+          </p:style>
+          <p:txBody>
+            <a:bodyPr rtlCol="0" anchor="ctr"/>
+            <a:lstStyle/>
+            <a:p>
+              <a:pPr algn="ctr"/>
+              <a:endParaRPr lang="it-IT"/>
+            </a:p>
+          </p:txBody>
+        </p:sp>
+        <p:sp>
+          <p:nvSpPr>
+            <p:cNvPr id="6" name="CasellaDiTesto 5">
+              <a:extLst>
+                <a:ext uri="{FF2B5EF4-FFF2-40B4-BE49-F238E27FC236}">
+                  <a16:creationId xmlns:a16="http://schemas.microsoft.com/office/drawing/2014/main" id="{FA312EA2-DB99-47D1-A305-4708222567C9}"/>
+                </a:ext>
+              </a:extLst>
+            </p:cNvPr>
+            <p:cNvSpPr txBox="1"/>
+            <p:nvPr/>
+          </p:nvSpPr>
+          <p:spPr>
+            <a:xfrm>
+              <a:off x="3161090" y="1885770"/>
+              <a:ext cx="4386470" cy="2308324"/>
+            </a:xfrm>
+            <a:prstGeom prst="rect">
+              <a:avLst/>
+            </a:prstGeom>
+            <a:noFill/>
+          </p:spPr>
+          <p:txBody>
+            <a:bodyPr wrap="square" rtlCol="0">
+              <a:spAutoFit/>
+            </a:bodyPr>
+            <a:lstStyle/>
+            <a:p>
+              <a:pPr algn="ctr"/>
+              <a:r>
+                <a:rPr lang="it-IT" dirty="0"/>
+                <a:t>    </a:t>
+              </a:r>
+              <a:r>
+                <a:rPr lang="it-IT" b="1" dirty="0"/>
+                <a:t>  Event Generation</a:t>
+              </a:r>
+            </a:p>
+            <a:p>
+              <a:pPr marL="285750" indent="-285750">
+                <a:buFont typeface="Arial" panose="020B0604020202020204" pitchFamily="34" charset="0"/>
+                <a:buChar char="•"/>
+              </a:pPr>
+              <a:r>
+                <a:rPr lang="it-IT" dirty="0" err="1"/>
+                <a:t>Photon</a:t>
+              </a:r>
+              <a:r>
+                <a:rPr lang="it-IT" dirty="0"/>
+                <a:t> Birth  (E,E,0)</a:t>
+              </a:r>
+            </a:p>
+            <a:p>
+              <a:pPr marL="285750" indent="-285750">
+                <a:buFont typeface="Arial" panose="020B0604020202020204" pitchFamily="34" charset="0"/>
+                <a:buChar char="•"/>
+              </a:pPr>
+              <a:r>
+                <a:rPr lang="it-IT" dirty="0"/>
+                <a:t> Sampling Klein-</a:t>
+              </a:r>
+              <a:r>
+                <a:rPr lang="it-IT" dirty="0" err="1"/>
+                <a:t>Nishina</a:t>
+              </a:r>
+              <a:r>
+                <a:rPr lang="it-IT" dirty="0"/>
+                <a:t> (</a:t>
+              </a:r>
+              <a:r>
+                <a:rPr lang="it-IT" dirty="0" err="1"/>
+                <a:t>E_out</a:t>
+              </a:r>
+              <a:r>
+                <a:rPr lang="it-IT" dirty="0"/>
+                <a:t>, psi-angle)</a:t>
+              </a:r>
+            </a:p>
+            <a:p>
+              <a:pPr marL="285750" indent="-285750">
+                <a:buFont typeface="Arial" panose="020B0604020202020204" pitchFamily="34" charset="0"/>
+                <a:buChar char="•"/>
+              </a:pPr>
+              <a:r>
+                <a:rPr lang="it-IT" dirty="0"/>
+                <a:t>Electron </a:t>
+              </a:r>
+              <a:r>
+                <a:rPr lang="it-IT" dirty="0" err="1"/>
+                <a:t>birth</a:t>
+              </a:r>
+              <a:r>
+                <a:rPr lang="it-IT" dirty="0"/>
+                <a:t> (</a:t>
+              </a:r>
+              <a:r>
+                <a:rPr lang="it-IT" dirty="0" err="1"/>
+                <a:t>E,px,py</a:t>
+              </a:r>
+              <a:r>
+                <a:rPr lang="it-IT" dirty="0"/>
+                <a:t>)</a:t>
+              </a:r>
+            </a:p>
+            <a:p>
+              <a:pPr marL="285750" indent="-285750">
+                <a:buFont typeface="Arial" panose="020B0604020202020204" pitchFamily="34" charset="0"/>
+                <a:buChar char="•"/>
+              </a:pPr>
+              <a:r>
+                <a:rPr lang="it-IT" dirty="0"/>
+                <a:t>Compute Energy </a:t>
+              </a:r>
+              <a:r>
+                <a:rPr lang="it-IT" dirty="0" err="1"/>
+                <a:t>deposition</a:t>
+              </a:r>
+              <a:r>
+                <a:rPr lang="it-IT" dirty="0"/>
+                <a:t> in </a:t>
+              </a:r>
+              <a:r>
+                <a:rPr lang="it-IT" dirty="0" err="1"/>
+                <a:t>scintillator</a:t>
+              </a:r>
+              <a:r>
+                <a:rPr lang="it-IT" dirty="0"/>
+                <a:t> </a:t>
+              </a:r>
+            </a:p>
+            <a:p>
+              <a:pPr marL="285750" indent="-285750">
+                <a:buFont typeface="Arial" panose="020B0604020202020204" pitchFamily="34" charset="0"/>
+                <a:buChar char="•"/>
+              </a:pPr>
+              <a:r>
+                <a:rPr lang="it-IT" dirty="0"/>
+                <a:t>|g’&gt; = </a:t>
+              </a:r>
+              <a:r>
+                <a:rPr lang="it-IT" dirty="0" err="1"/>
+                <a:t>S|g</a:t>
+              </a:r>
+              <a:r>
+                <a:rPr lang="it-IT" dirty="0"/>
+                <a:t>&gt;     Scattering</a:t>
+              </a:r>
+            </a:p>
+            <a:p>
+              <a:pPr marL="285750" indent="-285750">
+                <a:buFont typeface="Arial" panose="020B0604020202020204" pitchFamily="34" charset="0"/>
+                <a:buChar char="•"/>
+              </a:pPr>
+              <a:r>
+                <a:rPr lang="it-IT" dirty="0" err="1"/>
+                <a:t>Smearing</a:t>
+              </a:r>
+              <a:r>
+                <a:rPr lang="it-IT" dirty="0"/>
+                <a:t> Energy and Angle  (</a:t>
+              </a:r>
+              <a:r>
+                <a:rPr lang="it-IT" dirty="0" err="1"/>
+                <a:t>Gaussian</a:t>
+              </a:r>
+              <a:r>
+                <a:rPr lang="it-IT" dirty="0"/>
+                <a:t>)</a:t>
+              </a:r>
+            </a:p>
+            <a:p>
+              <a:endParaRPr lang="it-IT" dirty="0"/>
+            </a:p>
+          </p:txBody>
+        </p:sp>
+        <p:sp>
+          <p:nvSpPr>
+            <p:cNvPr id="13" name="Rettangolo con angoli arrotondati 12">
+              <a:extLst>
+                <a:ext uri="{FF2B5EF4-FFF2-40B4-BE49-F238E27FC236}">
+                  <a16:creationId xmlns:a16="http://schemas.microsoft.com/office/drawing/2014/main" id="{3B4E29C4-6EEB-46F2-AC91-A604ED2E594B}"/>
+                </a:ext>
+              </a:extLst>
+            </p:cNvPr>
+            <p:cNvSpPr/>
+            <p:nvPr/>
+          </p:nvSpPr>
+          <p:spPr>
+            <a:xfrm>
+              <a:off x="9170503" y="2523577"/>
+              <a:ext cx="2587487" cy="905423"/>
+            </a:xfrm>
+            <a:prstGeom prst="roundRect">
+              <a:avLst/>
+            </a:prstGeom>
+          </p:spPr>
+          <p:style>
+            <a:lnRef idx="2">
+              <a:schemeClr val="accent6"/>
+            </a:lnRef>
+            <a:fillRef idx="1">
+              <a:schemeClr val="lt1"/>
+            </a:fillRef>
+            <a:effectRef idx="0">
+              <a:schemeClr val="accent6"/>
+            </a:effectRef>
+            <a:fontRef idx="minor">
+              <a:schemeClr val="dk1"/>
+            </a:fontRef>
+          </p:style>
+          <p:txBody>
+            <a:bodyPr rtlCol="0" anchor="ctr"/>
+            <a:lstStyle/>
+            <a:p>
+              <a:pPr algn="ctr"/>
+              <a:endParaRPr lang="it-IT"/>
+            </a:p>
+          </p:txBody>
+        </p:sp>
+        <p:sp>
+          <p:nvSpPr>
+            <p:cNvPr id="11" name="CasellaDiTesto 10">
+              <a:extLst>
+                <a:ext uri="{FF2B5EF4-FFF2-40B4-BE49-F238E27FC236}">
+                  <a16:creationId xmlns:a16="http://schemas.microsoft.com/office/drawing/2014/main" id="{DC02C2E3-4B10-4B40-A570-87C998CC034A}"/>
+                </a:ext>
+              </a:extLst>
+            </p:cNvPr>
+            <p:cNvSpPr txBox="1"/>
+            <p:nvPr/>
+          </p:nvSpPr>
+          <p:spPr>
+            <a:xfrm>
+              <a:off x="9170503" y="2642223"/>
+              <a:ext cx="2587487" cy="646331"/>
+            </a:xfrm>
+            <a:prstGeom prst="rect">
+              <a:avLst/>
+            </a:prstGeom>
+            <a:noFill/>
+          </p:spPr>
+          <p:txBody>
+            <a:bodyPr wrap="square" rtlCol="0">
+              <a:spAutoFit/>
+            </a:bodyPr>
+            <a:lstStyle/>
+            <a:p>
+              <a:r>
+                <a:rPr lang="it-IT" b="1" dirty="0"/>
+                <a:t>Event </a:t>
+              </a:r>
+              <a:r>
+                <a:rPr lang="it-IT" b="1" dirty="0" err="1"/>
+                <a:t>Reconstruction</a:t>
+              </a:r>
+              <a:r>
+                <a:rPr lang="it-IT" b="1" dirty="0"/>
+                <a:t> </a:t>
+              </a:r>
+            </a:p>
+            <a:p>
+              <a:r>
+                <a:rPr lang="it-IT" dirty="0"/>
+                <a:t>Analysis, </a:t>
+              </a:r>
+              <a:r>
+                <a:rPr lang="it-IT" dirty="0" err="1"/>
+                <a:t>Plotting</a:t>
+              </a:r>
+              <a:r>
+                <a:rPr lang="it-IT" dirty="0"/>
+                <a:t> ,</a:t>
+              </a:r>
+              <a:r>
+                <a:rPr lang="it-IT" dirty="0" err="1"/>
+                <a:t>etc</a:t>
+              </a:r>
+              <a:r>
+                <a:rPr lang="it-IT" dirty="0"/>
+                <a:t>….</a:t>
+              </a:r>
+            </a:p>
+          </p:txBody>
+        </p:sp>
+        <p:sp>
+          <p:nvSpPr>
+            <p:cNvPr id="14" name="Freccia a destra 13">
+              <a:extLst>
+                <a:ext uri="{FF2B5EF4-FFF2-40B4-BE49-F238E27FC236}">
+                  <a16:creationId xmlns:a16="http://schemas.microsoft.com/office/drawing/2014/main" id="{B41787EC-0E03-4FB0-84CD-8A9FA3447F91}"/>
+                </a:ext>
+              </a:extLst>
+            </p:cNvPr>
+            <p:cNvSpPr/>
+            <p:nvPr/>
+          </p:nvSpPr>
+          <p:spPr>
+            <a:xfrm>
+              <a:off x="1601194" y="2598121"/>
+              <a:ext cx="1353379" cy="487978"/>
+            </a:xfrm>
+            <a:prstGeom prst="rightArrow">
+              <a:avLst/>
+            </a:prstGeom>
+            <a:solidFill>
+              <a:schemeClr val="bg1"/>
+            </a:solidFill>
+            <a:ln>
+              <a:solidFill>
+                <a:schemeClr val="tx1"/>
+              </a:solidFill>
+            </a:ln>
+          </p:spPr>
+          <p:style>
+            <a:lnRef idx="2">
+              <a:schemeClr val="accent1">
+                <a:shade val="50000"/>
+              </a:schemeClr>
+            </a:lnRef>
+            <a:fillRef idx="1">
+              <a:schemeClr val="accent1"/>
+            </a:fillRef>
+            <a:effectRef idx="0">
+              <a:schemeClr val="accent1"/>
+            </a:effectRef>
+            <a:fontRef idx="minor">
+              <a:schemeClr val="lt1"/>
+            </a:fontRef>
+          </p:style>
+          <p:txBody>
+            <a:bodyPr rtlCol="0" anchor="ctr"/>
+            <a:lstStyle/>
+            <a:p>
+              <a:pPr algn="ctr"/>
+              <a:endParaRPr lang="it-IT"/>
+            </a:p>
+          </p:txBody>
+        </p:sp>
+        <p:sp>
+          <p:nvSpPr>
+            <p:cNvPr id="41" name="Freccia a destra 40">
+              <a:extLst>
+                <a:ext uri="{FF2B5EF4-FFF2-40B4-BE49-F238E27FC236}">
+                  <a16:creationId xmlns:a16="http://schemas.microsoft.com/office/drawing/2014/main" id="{5183A17B-1829-47E1-9347-017351F65C33}"/>
+                </a:ext>
+              </a:extLst>
+            </p:cNvPr>
+            <p:cNvSpPr/>
+            <p:nvPr/>
+          </p:nvSpPr>
+          <p:spPr>
+            <a:xfrm>
+              <a:off x="7682342" y="2732299"/>
+              <a:ext cx="1353379" cy="487978"/>
+            </a:xfrm>
+            <a:prstGeom prst="rightArrow">
+              <a:avLst/>
+            </a:prstGeom>
+            <a:solidFill>
+              <a:schemeClr val="bg1"/>
+            </a:solidFill>
+            <a:ln>
+              <a:solidFill>
+                <a:schemeClr val="tx1"/>
+              </a:solidFill>
+            </a:ln>
+          </p:spPr>
+          <p:style>
+            <a:lnRef idx="2">
+              <a:schemeClr val="accent1">
+                <a:shade val="50000"/>
+              </a:schemeClr>
+            </a:lnRef>
+            <a:fillRef idx="1">
+              <a:schemeClr val="accent1"/>
+            </a:fillRef>
+            <a:effectRef idx="0">
+              <a:schemeClr val="accent1"/>
+            </a:effectRef>
+            <a:fontRef idx="minor">
+              <a:schemeClr val="lt1"/>
+            </a:fontRef>
+          </p:style>
+          <p:txBody>
+            <a:bodyPr rtlCol="0" anchor="ctr"/>
+            <a:lstStyle/>
+            <a:p>
+              <a:pPr algn="ctr"/>
+              <a:endParaRPr lang="it-IT"/>
+            </a:p>
+          </p:txBody>
+        </p:sp>
+      </p:grpSp>
+      <p:sp>
+        <p:nvSpPr>
+          <p:cNvPr id="43" name="Titolo 42">
+            <a:extLst>
+              <a:ext uri="{FF2B5EF4-FFF2-40B4-BE49-F238E27FC236}">
+                <a16:creationId xmlns:a16="http://schemas.microsoft.com/office/drawing/2014/main" id="{58E99E51-7993-4201-8287-C0A8ADDEBAE9}"/>
+              </a:ext>
+            </a:extLst>
+          </p:cNvPr>
+          <p:cNvSpPr>
+            <a:spLocks noGrp="1"/>
+          </p:cNvSpPr>
+          <p:nvPr>
+            <p:ph type="title"/>
+          </p:nvPr>
+        </p:nvSpPr>
+        <p:spPr/>
+        <p:txBody>
+          <a:bodyPr/>
+          <a:lstStyle/>
+          <a:p>
+            <a:pPr algn="ctr"/>
+            <a:r>
+              <a:rPr lang="it-IT" b="1" dirty="0"/>
+              <a:t>Codice compton.py</a:t>
+            </a:r>
+          </a:p>
+        </p:txBody>
+      </p:sp>
+    </p:spTree>
+    <p:extLst>
+      <p:ext uri="{BB962C8B-B14F-4D97-AF65-F5344CB8AC3E}">
+        <p14:creationId xmlns:p14="http://schemas.microsoft.com/office/powerpoint/2010/main" val="2012322444"/>
       </p:ext>
     </p:extLst>
   </p:cSld>

--- a/Slide Corso Metodi Montecarlo.pptx
+++ b/Slide Corso Metodi Montecarlo.pptx
@@ -5,7 +5,7 @@
     <p:sldMasterId id="2147483648" r:id="rId1"/>
   </p:sldMasterIdLst>
   <p:notesMasterIdLst>
-    <p:notesMasterId r:id="rId67"/>
+    <p:notesMasterId r:id="rId77"/>
   </p:notesMasterIdLst>
   <p:sldIdLst>
     <p:sldId id="256" r:id="rId2"/>
@@ -73,6 +73,16 @@
     <p:sldId id="320" r:id="rId64"/>
     <p:sldId id="321" r:id="rId65"/>
     <p:sldId id="322" r:id="rId66"/>
+    <p:sldId id="323" r:id="rId67"/>
+    <p:sldId id="324" r:id="rId68"/>
+    <p:sldId id="325" r:id="rId69"/>
+    <p:sldId id="326" r:id="rId70"/>
+    <p:sldId id="327" r:id="rId71"/>
+    <p:sldId id="328" r:id="rId72"/>
+    <p:sldId id="329" r:id="rId73"/>
+    <p:sldId id="331" r:id="rId74"/>
+    <p:sldId id="332" r:id="rId75"/>
+    <p:sldId id="333" r:id="rId76"/>
   </p:sldIdLst>
   <p:sldSz cx="12192000" cy="6858000"/>
   <p:notesSz cx="6858000" cy="9144000"/>
@@ -261,7 +271,7 @@
           <a:p>
             <a:fld id="{41288613-0B85-403D-92A7-6B6C545CB660}" type="datetimeFigureOut">
               <a:rPr lang="it-IT" smtClean="0"/>
-              <a:t>09/04/2020</a:t>
+              <a:t>23/04/2020</a:t>
             </a:fld>
             <a:endParaRPr lang="it-IT"/>
           </a:p>
@@ -843,7 +853,7 @@
           <a:p>
             <a:fld id="{1A3BF8E8-E514-488A-8533-83F354D3E341}" type="datetimeFigureOut">
               <a:rPr lang="it-IT" smtClean="0"/>
-              <a:t>09/04/2020</a:t>
+              <a:t>23/04/2020</a:t>
             </a:fld>
             <a:endParaRPr lang="it-IT"/>
           </a:p>
@@ -1041,7 +1051,7 @@
           <a:p>
             <a:fld id="{1A3BF8E8-E514-488A-8533-83F354D3E341}" type="datetimeFigureOut">
               <a:rPr lang="it-IT" smtClean="0"/>
-              <a:t>09/04/2020</a:t>
+              <a:t>23/04/2020</a:t>
             </a:fld>
             <a:endParaRPr lang="it-IT"/>
           </a:p>
@@ -1249,7 +1259,7 @@
           <a:p>
             <a:fld id="{1A3BF8E8-E514-488A-8533-83F354D3E341}" type="datetimeFigureOut">
               <a:rPr lang="it-IT" smtClean="0"/>
-              <a:t>09/04/2020</a:t>
+              <a:t>23/04/2020</a:t>
             </a:fld>
             <a:endParaRPr lang="it-IT"/>
           </a:p>
@@ -1447,7 +1457,7 @@
           <a:p>
             <a:fld id="{1A3BF8E8-E514-488A-8533-83F354D3E341}" type="datetimeFigureOut">
               <a:rPr lang="it-IT" smtClean="0"/>
-              <a:t>09/04/2020</a:t>
+              <a:t>23/04/2020</a:t>
             </a:fld>
             <a:endParaRPr lang="it-IT"/>
           </a:p>
@@ -1722,7 +1732,7 @@
           <a:p>
             <a:fld id="{1A3BF8E8-E514-488A-8533-83F354D3E341}" type="datetimeFigureOut">
               <a:rPr lang="it-IT" smtClean="0"/>
-              <a:t>09/04/2020</a:t>
+              <a:t>23/04/2020</a:t>
             </a:fld>
             <a:endParaRPr lang="it-IT"/>
           </a:p>
@@ -1987,7 +1997,7 @@
           <a:p>
             <a:fld id="{1A3BF8E8-E514-488A-8533-83F354D3E341}" type="datetimeFigureOut">
               <a:rPr lang="it-IT" smtClean="0"/>
-              <a:t>09/04/2020</a:t>
+              <a:t>23/04/2020</a:t>
             </a:fld>
             <a:endParaRPr lang="it-IT"/>
           </a:p>
@@ -2399,7 +2409,7 @@
           <a:p>
             <a:fld id="{1A3BF8E8-E514-488A-8533-83F354D3E341}" type="datetimeFigureOut">
               <a:rPr lang="it-IT" smtClean="0"/>
-              <a:t>09/04/2020</a:t>
+              <a:t>23/04/2020</a:t>
             </a:fld>
             <a:endParaRPr lang="it-IT"/>
           </a:p>
@@ -2540,7 +2550,7 @@
           <a:p>
             <a:fld id="{1A3BF8E8-E514-488A-8533-83F354D3E341}" type="datetimeFigureOut">
               <a:rPr lang="it-IT" smtClean="0"/>
-              <a:t>09/04/2020</a:t>
+              <a:t>23/04/2020</a:t>
             </a:fld>
             <a:endParaRPr lang="it-IT"/>
           </a:p>
@@ -2653,7 +2663,7 @@
           <a:p>
             <a:fld id="{1A3BF8E8-E514-488A-8533-83F354D3E341}" type="datetimeFigureOut">
               <a:rPr lang="it-IT" smtClean="0"/>
-              <a:t>09/04/2020</a:t>
+              <a:t>23/04/2020</a:t>
             </a:fld>
             <a:endParaRPr lang="it-IT"/>
           </a:p>
@@ -2964,7 +2974,7 @@
           <a:p>
             <a:fld id="{1A3BF8E8-E514-488A-8533-83F354D3E341}" type="datetimeFigureOut">
               <a:rPr lang="it-IT" smtClean="0"/>
-              <a:t>09/04/2020</a:t>
+              <a:t>23/04/2020</a:t>
             </a:fld>
             <a:endParaRPr lang="it-IT"/>
           </a:p>
@@ -3252,7 +3262,7 @@
           <a:p>
             <a:fld id="{1A3BF8E8-E514-488A-8533-83F354D3E341}" type="datetimeFigureOut">
               <a:rPr lang="it-IT" smtClean="0"/>
-              <a:t>09/04/2020</a:t>
+              <a:t>23/04/2020</a:t>
             </a:fld>
             <a:endParaRPr lang="it-IT"/>
           </a:p>
@@ -3493,7 +3503,7 @@
           <a:p>
             <a:fld id="{1A3BF8E8-E514-488A-8533-83F354D3E341}" type="datetimeFigureOut">
               <a:rPr lang="it-IT" smtClean="0"/>
-              <a:t>09/04/2020</a:t>
+              <a:t>23/04/2020</a:t>
             </a:fld>
             <a:endParaRPr lang="it-IT"/>
           </a:p>
@@ -5600,7 +5610,13 @@
                                 <a:rPr lang="it-IT" b="0" i="1" smtClean="0">
                                   <a:latin typeface="Cambria Math" panose="02040503050406030204" pitchFamily="18" charset="0"/>
                                 </a:rPr>
-                                <m:t>1−</m:t>
+                                <m:t>1</m:t>
+                              </m:r>
+                              <m:r>
+                                <a:rPr lang="it-IT" b="0" i="1" smtClean="0">
+                                  <a:latin typeface="Cambria Math" panose="02040503050406030204" pitchFamily="18" charset="0"/>
+                                </a:rPr>
+                                <m:t>−</m:t>
                               </m:r>
                               <m:sSup>
                                 <m:sSupPr>
@@ -16475,8 +16491,8 @@
           </a:p>
         </p:txBody>
       </p:sp>
-      <mc:AlternateContent xmlns:mc="http://schemas.openxmlformats.org/markup-compatibility/2006" xmlns:a14="http://schemas.microsoft.com/office/drawing/2010/main">
-        <mc:Choice Requires="a14">
+      <mc:AlternateContent xmlns:mc="http://schemas.openxmlformats.org/markup-compatibility/2006">
+        <mc:Choice xmlns:a14="http://schemas.microsoft.com/office/drawing/2010/main" Requires="a14">
           <p:sp>
             <p:nvSpPr>
               <p:cNvPr id="3" name="Segnaposto contenuto 2">
@@ -16496,7 +16512,7 @@
             <p:spPr/>
             <p:txBody>
               <a:bodyPr>
-                <a:normAutofit/>
+                <a:normAutofit lnSpcReduction="10000"/>
               </a:bodyPr>
               <a:lstStyle/>
               <a:p>
@@ -16807,7 +16823,7 @@
             </p:txBody>
           </p:sp>
         </mc:Choice>
-        <mc:Fallback xmlns="">
+        <mc:Fallback>
           <p:sp>
             <p:nvSpPr>
               <p:cNvPr id="3" name="Segnaposto contenuto 2">
@@ -16828,7 +16844,7 @@
               <a:blipFill>
                 <a:blip r:embed="rId2"/>
                 <a:stretch>
-                  <a:fillRect l="-1217" t="-2241" r="-1623"/>
+                  <a:fillRect l="-1217" t="-3081" r="-1623"/>
                 </a:stretch>
               </a:blipFill>
             </p:spPr>
@@ -22792,7 +22808,14 @@
                               <a:latin typeface="Cambria Math" panose="02040503050406030204" pitchFamily="18" charset="0"/>
                               <a:ea typeface="Cambria Math" panose="02040503050406030204" pitchFamily="18" charset="0"/>
                             </a:rPr>
-                            <m:t>2  </m:t>
+                            <m:t>2</m:t>
+                          </m:r>
+                          <m:r>
+                            <a:rPr lang="it-IT" b="0" i="1" smtClean="0">
+                              <a:latin typeface="Cambria Math" panose="02040503050406030204" pitchFamily="18" charset="0"/>
+                              <a:ea typeface="Cambria Math" panose="02040503050406030204" pitchFamily="18" charset="0"/>
+                            </a:rPr>
+                            <m:t>  </m:t>
                           </m:r>
                         </m:sup>
                       </m:sSup>
@@ -23014,7 +23037,14 @@
                                           <a:latin typeface="Cambria Math" panose="02040503050406030204" pitchFamily="18" charset="0"/>
                                           <a:ea typeface="Cambria Math" panose="02040503050406030204" pitchFamily="18" charset="0"/>
                                         </a:rPr>
-                                        <m:t>′(</m:t>
+                                        <m:t>′</m:t>
+                                      </m:r>
+                                      <m:r>
+                                        <a:rPr lang="it-IT" b="0" i="1" smtClean="0">
+                                          <a:latin typeface="Cambria Math" panose="02040503050406030204" pitchFamily="18" charset="0"/>
+                                          <a:ea typeface="Cambria Math" panose="02040503050406030204" pitchFamily="18" charset="0"/>
+                                        </a:rPr>
+                                        <m:t>(</m:t>
                                       </m:r>
                                       <m:sSub>
                                         <m:sSubPr>
@@ -24840,8 +24870,8 @@
           <a:chExt cx="0" cy="0"/>
         </a:xfrm>
       </p:grpSpPr>
-      <mc:AlternateContent xmlns:mc="http://schemas.openxmlformats.org/markup-compatibility/2006">
-        <mc:Choice xmlns:a14="http://schemas.microsoft.com/office/drawing/2010/main" Requires="a14">
+      <mc:AlternateContent xmlns:mc="http://schemas.openxmlformats.org/markup-compatibility/2006" xmlns:a14="http://schemas.microsoft.com/office/drawing/2010/main">
+        <mc:Choice Requires="a14">
           <p:sp>
             <p:nvSpPr>
               <p:cNvPr id="2" name="Titolo 1">
@@ -24970,7 +25000,7 @@
             </p:txBody>
           </p:sp>
         </mc:Choice>
-        <mc:Fallback>
+        <mc:Fallback xmlns="">
           <p:sp>
             <p:nvSpPr>
               <p:cNvPr id="2" name="Titolo 1">
@@ -25010,8 +25040,8 @@
           </p:sp>
         </mc:Fallback>
       </mc:AlternateContent>
-      <mc:AlternateContent xmlns:mc="http://schemas.openxmlformats.org/markup-compatibility/2006">
-        <mc:Choice xmlns:a14="http://schemas.microsoft.com/office/drawing/2010/main" Requires="a14">
+      <mc:AlternateContent xmlns:mc="http://schemas.openxmlformats.org/markup-compatibility/2006" xmlns:a14="http://schemas.microsoft.com/office/drawing/2010/main">
+        <mc:Choice Requires="a14">
           <p:sp>
             <p:nvSpPr>
               <p:cNvPr id="3" name="Segnaposto contenuto 2">
@@ -25181,6 +25211,18 @@
                       </a:rPr>
                       <m:t>&lt;</m:t>
                     </m:r>
+                    <m:r>
+                      <a:rPr lang="it-IT" sz="5200" b="0" i="1" dirty="0" smtClean="0">
+                        <a:latin typeface="Cambria Math" panose="02040503050406030204" pitchFamily="18" charset="0"/>
+                      </a:rPr>
+                      <m:t>𝑥</m:t>
+                    </m:r>
+                    <m:r>
+                      <a:rPr lang="it-IT" sz="5200" b="0" i="1" dirty="0" smtClean="0">
+                        <a:latin typeface="Cambria Math" panose="02040503050406030204" pitchFamily="18" charset="0"/>
+                      </a:rPr>
+                      <m:t>=</m:t>
+                    </m:r>
                     <m:f>
                       <m:fPr>
                         <m:ctrlPr>
@@ -25385,7 +25427,7 @@
             </p:txBody>
           </p:sp>
         </mc:Choice>
-        <mc:Fallback>
+        <mc:Fallback xmlns="">
           <p:sp>
             <p:nvSpPr>
               <p:cNvPr id="3" name="Segnaposto contenuto 2">
@@ -25495,8 +25537,8 @@
           <a:chExt cx="0" cy="0"/>
         </a:xfrm>
       </p:grpSpPr>
-      <mc:AlternateContent xmlns:mc="http://schemas.openxmlformats.org/markup-compatibility/2006">
-        <mc:Choice xmlns:a14="http://schemas.microsoft.com/office/drawing/2010/main" Requires="a14">
+      <mc:AlternateContent xmlns:mc="http://schemas.openxmlformats.org/markup-compatibility/2006" xmlns:a14="http://schemas.microsoft.com/office/drawing/2010/main">
+        <mc:Choice Requires="a14">
           <p:sp>
             <p:nvSpPr>
               <p:cNvPr id="2" name="Titolo 1">
@@ -25631,7 +25673,7 @@
             </p:txBody>
           </p:sp>
         </mc:Choice>
-        <mc:Fallback>
+        <mc:Fallback xmlns="">
           <p:sp>
             <p:nvSpPr>
               <p:cNvPr id="2" name="Titolo 1">
@@ -25671,8 +25713,8 @@
           </p:sp>
         </mc:Fallback>
       </mc:AlternateContent>
-      <mc:AlternateContent xmlns:mc="http://schemas.openxmlformats.org/markup-compatibility/2006">
-        <mc:Choice xmlns:a14="http://schemas.microsoft.com/office/drawing/2010/main" Requires="a14">
+      <mc:AlternateContent xmlns:mc="http://schemas.openxmlformats.org/markup-compatibility/2006" xmlns:a14="http://schemas.microsoft.com/office/drawing/2010/main">
+        <mc:Choice Requires="a14">
           <p:sp>
             <p:nvSpPr>
               <p:cNvPr id="3" name="Segnaposto contenuto 2">
@@ -25719,15 +25761,7 @@
                 </a:r>
                 <a:r>
                   <a:rPr lang="it-IT" dirty="0"/>
-                  <a:t>’  Il fotone </a:t>
-                </a:r>
-                <a:r>
-                  <a:rPr lang="it-IT" dirty="0" err="1"/>
-                  <a:t>emergecon</a:t>
-                </a:r>
-                <a:r>
-                  <a:rPr lang="it-IT" dirty="0"/>
-                  <a:t>  distribuzione angolare </a:t>
+                  <a:t>’  Il fotone emerge con  distribuzione angolare </a:t>
                 </a:r>
               </a:p>
               <a:p>
@@ -26282,7 +26316,7 @@
             </p:txBody>
           </p:sp>
         </mc:Choice>
-        <mc:Fallback>
+        <mc:Fallback xmlns="">
           <p:sp>
             <p:nvSpPr>
               <p:cNvPr id="3" name="Segnaposto contenuto 2">
@@ -26307,7 +26341,7 @@
               <a:blipFill>
                 <a:blip r:embed="rId3"/>
                 <a:stretch>
-                  <a:fillRect l="-1043" t="-1998"/>
+                  <a:fillRect l="-1043" t="-1998" r="-812"/>
                 </a:stretch>
               </a:blipFill>
             </p:spPr>
@@ -26679,8 +26713,8 @@
           </a:p>
         </p:txBody>
       </p:sp>
-      <mc:AlternateContent xmlns:mc="http://schemas.openxmlformats.org/markup-compatibility/2006">
-        <mc:Choice xmlns:a14="http://schemas.microsoft.com/office/drawing/2010/main" Requires="a14">
+      <mc:AlternateContent xmlns:mc="http://schemas.openxmlformats.org/markup-compatibility/2006" xmlns:a14="http://schemas.microsoft.com/office/drawing/2010/main">
+        <mc:Choice Requires="a14">
           <p:sp>
             <p:nvSpPr>
               <p:cNvPr id="3" name="Segnaposto contenuto 2">
@@ -27208,7 +27242,7 @@
             </p:txBody>
           </p:sp>
         </mc:Choice>
-        <mc:Fallback>
+        <mc:Fallback xmlns="">
           <p:sp>
             <p:nvSpPr>
               <p:cNvPr id="3" name="Segnaposto contenuto 2">
@@ -27467,8 +27501,8 @@
           </a:p>
         </p:txBody>
       </p:sp>
-      <mc:AlternateContent xmlns:mc="http://schemas.openxmlformats.org/markup-compatibility/2006">
-        <mc:Choice xmlns:a14="http://schemas.microsoft.com/office/drawing/2010/main" Requires="a14">
+      <mc:AlternateContent xmlns:mc="http://schemas.openxmlformats.org/markup-compatibility/2006" xmlns:a14="http://schemas.microsoft.com/office/drawing/2010/main">
+        <mc:Choice Requires="a14">
           <p:sp>
             <p:nvSpPr>
               <p:cNvPr id="3" name="Segnaposto contenuto 2">
@@ -27609,7 +27643,7 @@
             </p:txBody>
           </p:sp>
         </mc:Choice>
-        <mc:Fallback>
+        <mc:Fallback xmlns="">
           <p:sp>
             <p:nvSpPr>
               <p:cNvPr id="3" name="Segnaposto contenuto 2">
@@ -28388,6 +28422,742 @@
 </p:sld>
 </file>
 
+<file path=ppt/slides/slide66.xml><?xml version="1.0" encoding="utf-8"?>
+<p:sld xmlns:a="http://schemas.openxmlformats.org/drawingml/2006/main" xmlns:r="http://schemas.openxmlformats.org/officeDocument/2006/relationships" xmlns:p="http://schemas.openxmlformats.org/presentationml/2006/main">
+  <p:cSld>
+    <p:spTree>
+      <p:nvGrpSpPr>
+        <p:cNvPr id="1" name=""/>
+        <p:cNvGrpSpPr/>
+        <p:nvPr/>
+      </p:nvGrpSpPr>
+      <p:grpSpPr>
+        <a:xfrm>
+          <a:off x="0" y="0"/>
+          <a:ext cx="0" cy="0"/>
+          <a:chOff x="0" y="0"/>
+          <a:chExt cx="0" cy="0"/>
+        </a:xfrm>
+      </p:grpSpPr>
+      <p:sp>
+        <p:nvSpPr>
+          <p:cNvPr id="2" name="Titolo 1">
+            <a:extLst>
+              <a:ext uri="{FF2B5EF4-FFF2-40B4-BE49-F238E27FC236}">
+                <a16:creationId xmlns:a16="http://schemas.microsoft.com/office/drawing/2014/main" id="{D3BCAF6E-49F1-4102-A29B-0A1366ABE04A}"/>
+              </a:ext>
+            </a:extLst>
+          </p:cNvPr>
+          <p:cNvSpPr>
+            <a:spLocks noGrp="1"/>
+          </p:cNvSpPr>
+          <p:nvPr>
+            <p:ph type="title"/>
+          </p:nvPr>
+        </p:nvSpPr>
+        <p:spPr/>
+        <p:txBody>
+          <a:bodyPr/>
+          <a:lstStyle/>
+          <a:p>
+            <a:pPr algn="ctr"/>
+            <a:r>
+              <a:rPr lang="it-IT" dirty="0"/>
+              <a:t>Particelle cariche nella Materia</a:t>
+            </a:r>
+          </a:p>
+        </p:txBody>
+      </p:sp>
+      <p:sp>
+        <p:nvSpPr>
+          <p:cNvPr id="3" name="Segnaposto contenuto 2">
+            <a:extLst>
+              <a:ext uri="{FF2B5EF4-FFF2-40B4-BE49-F238E27FC236}">
+                <a16:creationId xmlns:a16="http://schemas.microsoft.com/office/drawing/2014/main" id="{728F3E34-E336-4D5E-93CD-FE5E26A53A33}"/>
+              </a:ext>
+            </a:extLst>
+          </p:cNvPr>
+          <p:cNvSpPr>
+            <a:spLocks noGrp="1"/>
+          </p:cNvSpPr>
+          <p:nvPr>
+            <p:ph idx="1"/>
+          </p:nvPr>
+        </p:nvSpPr>
+        <p:spPr>
+          <a:xfrm>
+            <a:off x="838200" y="1467169"/>
+            <a:ext cx="11008360" cy="5025706"/>
+          </a:xfrm>
+        </p:spPr>
+        <p:txBody>
+          <a:bodyPr>
+            <a:normAutofit fontScale="70000" lnSpcReduction="20000"/>
+          </a:bodyPr>
+          <a:lstStyle/>
+          <a:p>
+            <a:pPr marL="0" indent="0">
+              <a:buNone/>
+            </a:pPr>
+            <a:r>
+              <a:rPr lang="it-IT" sz="3600" dirty="0"/>
+              <a:t>Particelle cariche (Elettroni, protoni, alfa) sono soggette alle interazioni con gli atomi del materiale attraversato. I fenomeni tipici sono: </a:t>
+            </a:r>
+          </a:p>
+          <a:p>
+            <a:pPr marL="0" indent="0">
+              <a:buNone/>
+            </a:pPr>
+            <a:endParaRPr lang="it-IT" sz="3600" dirty="0"/>
+          </a:p>
+          <a:p>
+            <a:r>
+              <a:rPr lang="it-IT" sz="3600" dirty="0"/>
+              <a:t>Ionizzazione    (Produzione di raggi delta</a:t>
+            </a:r>
+          </a:p>
+          <a:p>
+            <a:r>
+              <a:rPr lang="it-IT" sz="3600" dirty="0"/>
+              <a:t>Eccitazione degli atomi  </a:t>
+            </a:r>
+          </a:p>
+          <a:p>
+            <a:r>
+              <a:rPr lang="it-IT" sz="3600" dirty="0"/>
+              <a:t>Radiazione di frenamento </a:t>
+            </a:r>
+          </a:p>
+          <a:p>
+            <a:r>
+              <a:rPr lang="it-IT" sz="3600" dirty="0"/>
+              <a:t>Effetto </a:t>
+            </a:r>
+            <a:r>
+              <a:rPr lang="it-IT" sz="3600" dirty="0" err="1"/>
+              <a:t>Cherenkov</a:t>
+            </a:r>
+            <a:r>
+              <a:rPr lang="it-IT" sz="3600" dirty="0"/>
+              <a:t> </a:t>
+            </a:r>
+          </a:p>
+          <a:p>
+            <a:r>
+              <a:rPr lang="it-IT" sz="3600" dirty="0"/>
+              <a:t>Radiazione di transizione (si verifica alle giunzioni) </a:t>
+            </a:r>
+          </a:p>
+          <a:p>
+            <a:r>
+              <a:rPr lang="it-IT" sz="3600" dirty="0"/>
+              <a:t>Interazioni nucleari </a:t>
+            </a:r>
+          </a:p>
+          <a:p>
+            <a:pPr marL="0" indent="0">
+              <a:buNone/>
+            </a:pPr>
+            <a:endParaRPr lang="it-IT" sz="3600" dirty="0"/>
+          </a:p>
+          <a:p>
+            <a:pPr marL="0" indent="0">
+              <a:buNone/>
+            </a:pPr>
+            <a:r>
+              <a:rPr lang="it-IT" sz="3600" dirty="0"/>
+              <a:t>La particella perde energia lungo il cammino, fa scattering Multiplo (randomizzazione della direzione del momento) e infine si ferma ed è «assorbita» nel materiale.</a:t>
+            </a:r>
+          </a:p>
+          <a:p>
+            <a:pPr marL="0" indent="0">
+              <a:buNone/>
+            </a:pPr>
+            <a:endParaRPr lang="it-IT" sz="3600" dirty="0"/>
+          </a:p>
+          <a:p>
+            <a:pPr marL="0" indent="0">
+              <a:buNone/>
+            </a:pPr>
+            <a:endParaRPr lang="it-IT" sz="3600" dirty="0"/>
+          </a:p>
+          <a:p>
+            <a:endParaRPr lang="it-IT" dirty="0"/>
+          </a:p>
+        </p:txBody>
+      </p:sp>
+    </p:spTree>
+    <p:extLst>
+      <p:ext uri="{BB962C8B-B14F-4D97-AF65-F5344CB8AC3E}">
+        <p14:creationId xmlns:p14="http://schemas.microsoft.com/office/powerpoint/2010/main" val="2940888398"/>
+      </p:ext>
+    </p:extLst>
+  </p:cSld>
+  <p:clrMapOvr>
+    <a:masterClrMapping/>
+  </p:clrMapOvr>
+</p:sld>
+</file>
+
+<file path=ppt/slides/slide67.xml><?xml version="1.0" encoding="utf-8"?>
+<p:sld xmlns:a="http://schemas.openxmlformats.org/drawingml/2006/main" xmlns:r="http://schemas.openxmlformats.org/officeDocument/2006/relationships" xmlns:p="http://schemas.openxmlformats.org/presentationml/2006/main">
+  <p:cSld>
+    <p:spTree>
+      <p:nvGrpSpPr>
+        <p:cNvPr id="1" name=""/>
+        <p:cNvGrpSpPr/>
+        <p:nvPr/>
+      </p:nvGrpSpPr>
+      <p:grpSpPr>
+        <a:xfrm>
+          <a:off x="0" y="0"/>
+          <a:ext cx="0" cy="0"/>
+          <a:chOff x="0" y="0"/>
+          <a:chExt cx="0" cy="0"/>
+        </a:xfrm>
+      </p:grpSpPr>
+      <p:sp>
+        <p:nvSpPr>
+          <p:cNvPr id="2" name="Titolo 1">
+            <a:extLst>
+              <a:ext uri="{FF2B5EF4-FFF2-40B4-BE49-F238E27FC236}">
+                <a16:creationId xmlns:a16="http://schemas.microsoft.com/office/drawing/2014/main" id="{FF61CD57-E913-4D97-BCBC-8F583485FC73}"/>
+              </a:ext>
+            </a:extLst>
+          </p:cNvPr>
+          <p:cNvSpPr>
+            <a:spLocks noGrp="1"/>
+          </p:cNvSpPr>
+          <p:nvPr>
+            <p:ph type="title"/>
+          </p:nvPr>
+        </p:nvSpPr>
+        <p:spPr/>
+        <p:txBody>
+          <a:bodyPr/>
+          <a:lstStyle/>
+          <a:p>
+            <a:r>
+              <a:rPr lang="it-IT" dirty="0"/>
+              <a:t>Particelle cariche Pesanti </a:t>
+            </a:r>
+          </a:p>
+        </p:txBody>
+      </p:sp>
+      <p:sp>
+        <p:nvSpPr>
+          <p:cNvPr id="3" name="Segnaposto contenuto 2">
+            <a:extLst>
+              <a:ext uri="{FF2B5EF4-FFF2-40B4-BE49-F238E27FC236}">
+                <a16:creationId xmlns:a16="http://schemas.microsoft.com/office/drawing/2014/main" id="{4FB9FA3D-5409-4B75-97D6-224D0B1D07A2}"/>
+              </a:ext>
+            </a:extLst>
+          </p:cNvPr>
+          <p:cNvSpPr>
+            <a:spLocks noGrp="1"/>
+          </p:cNvSpPr>
+          <p:nvPr>
+            <p:ph idx="1"/>
+          </p:nvPr>
+        </p:nvSpPr>
+        <p:spPr/>
+        <p:txBody>
+          <a:bodyPr>
+            <a:normAutofit fontScale="92500" lnSpcReduction="10000"/>
+          </a:bodyPr>
+          <a:lstStyle/>
+          <a:p>
+            <a:r>
+              <a:rPr lang="it-IT" dirty="0"/>
+              <a:t>Se M</a:t>
+            </a:r>
+            <a:r>
+              <a:rPr lang="it-IT" baseline="-25000" dirty="0"/>
+              <a:t>X</a:t>
+            </a:r>
+            <a:r>
+              <a:rPr lang="it-IT" dirty="0"/>
+              <a:t> &gt;&gt; m</a:t>
+            </a:r>
+            <a:r>
+              <a:rPr lang="it-IT" baseline="-25000" dirty="0"/>
+              <a:t>e</a:t>
+            </a:r>
+            <a:r>
+              <a:rPr lang="it-IT" dirty="0"/>
+              <a:t>   i processi dominanti sono </a:t>
+            </a:r>
+          </a:p>
+          <a:p>
+            <a:r>
+              <a:rPr lang="it-IT" dirty="0"/>
+              <a:t>Collisioni elastiche  nel campo Coulombiano dei nuclei</a:t>
+            </a:r>
+          </a:p>
+          <a:p>
+            <a:pPr marL="0" indent="0">
+              <a:buNone/>
+            </a:pPr>
+            <a:r>
+              <a:rPr lang="it-IT" dirty="0"/>
+              <a:t>   X +N </a:t>
+            </a:r>
+            <a:r>
+              <a:rPr lang="it-IT" dirty="0">
+                <a:sym typeface="Wingdings" panose="05000000000000000000" pitchFamily="2" charset="2"/>
+              </a:rPr>
+              <a:t> X +N   (Scattering, randomizzazione della direzione)</a:t>
+            </a:r>
+          </a:p>
+          <a:p>
+            <a:pPr marL="0" indent="0">
+              <a:buNone/>
+            </a:pPr>
+            <a:r>
+              <a:rPr lang="it-IT" dirty="0">
+                <a:sym typeface="Wingdings" panose="05000000000000000000" pitchFamily="2" charset="2"/>
+              </a:rPr>
+              <a:t>   </a:t>
+            </a:r>
+          </a:p>
+          <a:p>
+            <a:r>
+              <a:rPr lang="it-IT" dirty="0">
+                <a:sym typeface="Wingdings" panose="05000000000000000000" pitchFamily="2" charset="2"/>
+              </a:rPr>
+              <a:t>Collisioni Inelastiche Coulombiane sugli atomi   </a:t>
+            </a:r>
+          </a:p>
+          <a:p>
+            <a:r>
+              <a:rPr lang="it-IT" dirty="0">
+                <a:sym typeface="Wingdings" panose="05000000000000000000" pitchFamily="2" charset="2"/>
+              </a:rPr>
+              <a:t>X+A -&gt; X + A* -&gt;  X + A + </a:t>
+            </a:r>
+            <a:r>
+              <a:rPr lang="it-IT" dirty="0">
+                <a:latin typeface="Symbol" panose="05050102010706020507" pitchFamily="18" charset="2"/>
+                <a:sym typeface="Wingdings" panose="05000000000000000000" pitchFamily="2" charset="2"/>
+              </a:rPr>
+              <a:t>g    </a:t>
+            </a:r>
+            <a:r>
+              <a:rPr lang="it-IT" dirty="0">
+                <a:sym typeface="Wingdings" panose="05000000000000000000" pitchFamily="2" charset="2"/>
+              </a:rPr>
+              <a:t>(eccitazione EM dell’atomo)</a:t>
+            </a:r>
+          </a:p>
+          <a:p>
+            <a:r>
+              <a:rPr lang="it-IT" dirty="0">
+                <a:sym typeface="Wingdings" panose="05000000000000000000" pitchFamily="2" charset="2"/>
+              </a:rPr>
+              <a:t>X +A</a:t>
+            </a:r>
+            <a:r>
+              <a:rPr lang="it-IT" baseline="30000" dirty="0">
+                <a:sym typeface="Wingdings" panose="05000000000000000000" pitchFamily="2" charset="2"/>
+              </a:rPr>
+              <a:t>   </a:t>
+            </a:r>
+            <a:r>
+              <a:rPr lang="it-IT" dirty="0">
+                <a:sym typeface="Wingdings" panose="05000000000000000000" pitchFamily="2" charset="2"/>
+              </a:rPr>
+              <a:t>-&gt; X+A</a:t>
+            </a:r>
+            <a:r>
+              <a:rPr lang="it-IT" baseline="30000" dirty="0">
+                <a:sym typeface="Wingdings" panose="05000000000000000000" pitchFamily="2" charset="2"/>
+              </a:rPr>
+              <a:t>+</a:t>
+            </a:r>
+            <a:r>
+              <a:rPr lang="it-IT" dirty="0">
+                <a:sym typeface="Wingdings" panose="05000000000000000000" pitchFamily="2" charset="2"/>
+              </a:rPr>
+              <a:t>  + e</a:t>
+            </a:r>
+            <a:r>
+              <a:rPr lang="it-IT" baseline="30000" dirty="0">
+                <a:sym typeface="Wingdings" panose="05000000000000000000" pitchFamily="2" charset="2"/>
+              </a:rPr>
+              <a:t>-</a:t>
+            </a:r>
+            <a:r>
+              <a:rPr lang="it-IT" dirty="0">
+                <a:sym typeface="Wingdings" panose="05000000000000000000" pitchFamily="2" charset="2"/>
+              </a:rPr>
+              <a:t>    (Ionizzazione, produzione di raggi delta) </a:t>
+            </a:r>
+          </a:p>
+          <a:p>
+            <a:endParaRPr lang="it-IT" dirty="0">
+              <a:sym typeface="Wingdings" panose="05000000000000000000" pitchFamily="2" charset="2"/>
+            </a:endParaRPr>
+          </a:p>
+          <a:p>
+            <a:r>
+              <a:rPr lang="it-IT" dirty="0">
+                <a:sym typeface="Wingdings" panose="05000000000000000000" pitchFamily="2" charset="2"/>
+              </a:rPr>
+              <a:t>Trascuriamo le interazioni Nucleari Ovvero quelle che </a:t>
+            </a:r>
+            <a:r>
+              <a:rPr lang="it-IT" dirty="0" err="1">
+                <a:sym typeface="Wingdings" panose="05000000000000000000" pitchFamily="2" charset="2"/>
+              </a:rPr>
+              <a:t>che</a:t>
+            </a:r>
+            <a:r>
+              <a:rPr lang="it-IT" dirty="0">
+                <a:sym typeface="Wingdings" panose="05000000000000000000" pitchFamily="2" charset="2"/>
+              </a:rPr>
+              <a:t> «spezzano» il nucleo atomico    </a:t>
+            </a:r>
+          </a:p>
+          <a:p>
+            <a:endParaRPr lang="it-IT" dirty="0">
+              <a:sym typeface="Wingdings" panose="05000000000000000000" pitchFamily="2" charset="2"/>
+            </a:endParaRPr>
+          </a:p>
+          <a:p>
+            <a:endParaRPr lang="it-IT" dirty="0">
+              <a:sym typeface="Wingdings" panose="05000000000000000000" pitchFamily="2" charset="2"/>
+            </a:endParaRPr>
+          </a:p>
+          <a:p>
+            <a:pPr marL="0" indent="0">
+              <a:buNone/>
+            </a:pPr>
+            <a:endParaRPr lang="it-IT" dirty="0"/>
+          </a:p>
+        </p:txBody>
+      </p:sp>
+    </p:spTree>
+    <p:extLst>
+      <p:ext uri="{BB962C8B-B14F-4D97-AF65-F5344CB8AC3E}">
+        <p14:creationId xmlns:p14="http://schemas.microsoft.com/office/powerpoint/2010/main" val="21102039"/>
+      </p:ext>
+    </p:extLst>
+  </p:cSld>
+  <p:clrMapOvr>
+    <a:masterClrMapping/>
+  </p:clrMapOvr>
+</p:sld>
+</file>
+
+<file path=ppt/slides/slide68.xml><?xml version="1.0" encoding="utf-8"?>
+<p:sld xmlns:a="http://schemas.openxmlformats.org/drawingml/2006/main" xmlns:r="http://schemas.openxmlformats.org/officeDocument/2006/relationships" xmlns:p="http://schemas.openxmlformats.org/presentationml/2006/main">
+  <p:cSld>
+    <p:spTree>
+      <p:nvGrpSpPr>
+        <p:cNvPr id="1" name=""/>
+        <p:cNvGrpSpPr/>
+        <p:nvPr/>
+      </p:nvGrpSpPr>
+      <p:grpSpPr>
+        <a:xfrm>
+          <a:off x="0" y="0"/>
+          <a:ext cx="0" cy="0"/>
+          <a:chOff x="0" y="0"/>
+          <a:chExt cx="0" cy="0"/>
+        </a:xfrm>
+      </p:grpSpPr>
+      <p:sp>
+        <p:nvSpPr>
+          <p:cNvPr id="2" name="Titolo 1">
+            <a:extLst>
+              <a:ext uri="{FF2B5EF4-FFF2-40B4-BE49-F238E27FC236}">
+                <a16:creationId xmlns:a16="http://schemas.microsoft.com/office/drawing/2014/main" id="{912ACDEA-3BA3-452A-944C-D9F38F87F6E8}"/>
+              </a:ext>
+            </a:extLst>
+          </p:cNvPr>
+          <p:cNvSpPr>
+            <a:spLocks noGrp="1"/>
+          </p:cNvSpPr>
+          <p:nvPr>
+            <p:ph type="title"/>
+          </p:nvPr>
+        </p:nvSpPr>
+        <p:spPr/>
+        <p:txBody>
+          <a:bodyPr/>
+          <a:lstStyle/>
+          <a:p>
+            <a:r>
+              <a:rPr lang="it-IT" dirty="0"/>
+              <a:t>Perdita di energia per Ionizzazione </a:t>
+            </a:r>
+          </a:p>
+        </p:txBody>
+      </p:sp>
+      <p:sp>
+        <p:nvSpPr>
+          <p:cNvPr id="3" name="Segnaposto contenuto 2">
+            <a:extLst>
+              <a:ext uri="{FF2B5EF4-FFF2-40B4-BE49-F238E27FC236}">
+                <a16:creationId xmlns:a16="http://schemas.microsoft.com/office/drawing/2014/main" id="{26957018-02AD-4BAD-856F-EC3701211BAB}"/>
+              </a:ext>
+            </a:extLst>
+          </p:cNvPr>
+          <p:cNvSpPr>
+            <a:spLocks noGrp="1"/>
+          </p:cNvSpPr>
+          <p:nvPr>
+            <p:ph idx="1"/>
+          </p:nvPr>
+        </p:nvSpPr>
+        <p:spPr/>
+        <p:txBody>
+          <a:bodyPr/>
+          <a:lstStyle/>
+          <a:p>
+            <a:r>
+              <a:rPr lang="it-IT" dirty="0"/>
+              <a:t>Se </a:t>
+            </a:r>
+            <a:r>
+              <a:rPr lang="it-IT" dirty="0" err="1"/>
+              <a:t>M</a:t>
+            </a:r>
+            <a:r>
+              <a:rPr lang="it-IT" baseline="-25000" dirty="0" err="1"/>
+              <a:t>x</a:t>
+            </a:r>
+            <a:r>
+              <a:rPr lang="it-IT" baseline="-25000" dirty="0"/>
+              <a:t> </a:t>
+            </a:r>
+            <a:r>
+              <a:rPr lang="it-IT" dirty="0"/>
+              <a:t>&gt;&gt; m</a:t>
+            </a:r>
+            <a:r>
+              <a:rPr lang="it-IT" baseline="-25000" dirty="0"/>
+              <a:t>e</a:t>
+            </a:r>
+            <a:r>
+              <a:rPr lang="it-IT" dirty="0"/>
+              <a:t> e  p ≈ 1 GeV   allora domina l’interazione elettromagnetica e l’energia persa per Ionizzazione.</a:t>
+            </a:r>
+          </a:p>
+          <a:p>
+            <a:endParaRPr lang="it-IT" dirty="0"/>
+          </a:p>
+          <a:p>
+            <a:pPr marL="0" indent="0">
+              <a:buNone/>
+            </a:pPr>
+            <a:r>
+              <a:rPr lang="it-IT" dirty="0"/>
+              <a:t>Ricordiamo  la trattazione «classica» data da Bohr (1913)  [Che aiuta a stabilire gli ordini di grandezza, costanti coinvolte, etc..]</a:t>
+            </a:r>
+          </a:p>
+          <a:p>
+            <a:pPr marL="0" indent="0">
+              <a:buNone/>
+            </a:pPr>
+            <a:r>
+              <a:rPr lang="it-IT" dirty="0"/>
+              <a:t> La  trattazione QM si deve a </a:t>
+            </a:r>
+            <a:r>
+              <a:rPr lang="it-IT" dirty="0" err="1"/>
+              <a:t>Bethe-Block</a:t>
+            </a:r>
+            <a:r>
+              <a:rPr lang="it-IT" dirty="0"/>
+              <a:t> (1930) e citeremo solo il risultato. </a:t>
+            </a:r>
+          </a:p>
+        </p:txBody>
+      </p:sp>
+    </p:spTree>
+    <p:extLst>
+      <p:ext uri="{BB962C8B-B14F-4D97-AF65-F5344CB8AC3E}">
+        <p14:creationId xmlns:p14="http://schemas.microsoft.com/office/powerpoint/2010/main" val="1867743751"/>
+      </p:ext>
+    </p:extLst>
+  </p:cSld>
+  <p:clrMapOvr>
+    <a:masterClrMapping/>
+  </p:clrMapOvr>
+</p:sld>
+</file>
+
+<file path=ppt/slides/slide69.xml><?xml version="1.0" encoding="utf-8"?>
+<p:sld xmlns:a="http://schemas.openxmlformats.org/drawingml/2006/main" xmlns:r="http://schemas.openxmlformats.org/officeDocument/2006/relationships" xmlns:p="http://schemas.openxmlformats.org/presentationml/2006/main">
+  <p:cSld>
+    <p:spTree>
+      <p:nvGrpSpPr>
+        <p:cNvPr id="1" name=""/>
+        <p:cNvGrpSpPr/>
+        <p:nvPr/>
+      </p:nvGrpSpPr>
+      <p:grpSpPr>
+        <a:xfrm>
+          <a:off x="0" y="0"/>
+          <a:ext cx="0" cy="0"/>
+          <a:chOff x="0" y="0"/>
+          <a:chExt cx="0" cy="0"/>
+        </a:xfrm>
+      </p:grpSpPr>
+      <p:sp>
+        <p:nvSpPr>
+          <p:cNvPr id="2" name="Titolo 1">
+            <a:extLst>
+              <a:ext uri="{FF2B5EF4-FFF2-40B4-BE49-F238E27FC236}">
+                <a16:creationId xmlns:a16="http://schemas.microsoft.com/office/drawing/2014/main" id="{788EB4EF-7636-4200-8A52-32247CE93697}"/>
+              </a:ext>
+            </a:extLst>
+          </p:cNvPr>
+          <p:cNvSpPr>
+            <a:spLocks noGrp="1"/>
+          </p:cNvSpPr>
+          <p:nvPr>
+            <p:ph type="title"/>
+          </p:nvPr>
+        </p:nvSpPr>
+        <p:spPr/>
+        <p:txBody>
+          <a:bodyPr/>
+          <a:lstStyle/>
+          <a:p>
+            <a:r>
+              <a:rPr lang="it-IT" dirty="0"/>
+              <a:t>Energia persa per ionizzazione nell’unità di cammino  </a:t>
+            </a:r>
+            <a:r>
+              <a:rPr lang="it-IT" dirty="0" err="1"/>
+              <a:t>dE</a:t>
+            </a:r>
+            <a:r>
+              <a:rPr lang="it-IT" dirty="0"/>
+              <a:t>/dx    (Bohr 1913) </a:t>
+            </a:r>
+          </a:p>
+        </p:txBody>
+      </p:sp>
+      <p:pic>
+        <p:nvPicPr>
+          <p:cNvPr id="5" name="Segnaposto contenuto 4" descr="Immagine che contiene oggetto, orologio&#10;&#10;Descrizione generata automaticamente">
+            <a:extLst>
+              <a:ext uri="{FF2B5EF4-FFF2-40B4-BE49-F238E27FC236}">
+                <a16:creationId xmlns:a16="http://schemas.microsoft.com/office/drawing/2014/main" id="{7BAAB147-68E7-46A3-B74E-9E77713CC3D1}"/>
+              </a:ext>
+            </a:extLst>
+          </p:cNvPr>
+          <p:cNvPicPr>
+            <a:picLocks noGrp="1" noChangeAspect="1"/>
+          </p:cNvPicPr>
+          <p:nvPr>
+            <p:ph idx="1"/>
+          </p:nvPr>
+        </p:nvPicPr>
+        <p:blipFill>
+          <a:blip r:embed="rId2">
+            <a:extLst>
+              <a:ext uri="{28A0092B-C50C-407E-A947-70E740481C1C}">
+                <a14:useLocalDpi xmlns:a14="http://schemas.microsoft.com/office/drawing/2010/main" val="0"/>
+              </a:ext>
+            </a:extLst>
+          </a:blip>
+          <a:stretch>
+            <a:fillRect/>
+          </a:stretch>
+        </p:blipFill>
+        <p:spPr>
+          <a:xfrm>
+            <a:off x="3154680" y="2061845"/>
+            <a:ext cx="5573042" cy="2022475"/>
+          </a:xfrm>
+        </p:spPr>
+      </p:pic>
+      <p:sp>
+        <p:nvSpPr>
+          <p:cNvPr id="6" name="CasellaDiTesto 5">
+            <a:extLst>
+              <a:ext uri="{FF2B5EF4-FFF2-40B4-BE49-F238E27FC236}">
+                <a16:creationId xmlns:a16="http://schemas.microsoft.com/office/drawing/2014/main" id="{E6B9FC4D-F5A0-47F3-840D-6F78FB559C5C}"/>
+              </a:ext>
+            </a:extLst>
+          </p:cNvPr>
+          <p:cNvSpPr txBox="1"/>
+          <p:nvPr/>
+        </p:nvSpPr>
+        <p:spPr>
+          <a:xfrm>
+            <a:off x="838200" y="4470400"/>
+            <a:ext cx="10947400" cy="2246769"/>
+          </a:xfrm>
+          <a:prstGeom prst="rect">
+            <a:avLst/>
+          </a:prstGeom>
+          <a:noFill/>
+        </p:spPr>
+        <p:txBody>
+          <a:bodyPr wrap="square" rtlCol="0">
+            <a:spAutoFit/>
+          </a:bodyPr>
+          <a:lstStyle/>
+          <a:p>
+            <a:r>
+              <a:rPr lang="it-IT" sz="2800" dirty="0"/>
+              <a:t>Idea del calcolo : Considerare una particella carica che si muove lungo l’asse x (circondata dal materiale)  e calcolare il «momento trasferito» a tutti gli elettroni che stanno nel guscio cilindrico 2</a:t>
+            </a:r>
+            <a:r>
+              <a:rPr lang="it-IT" sz="2800" dirty="0">
+                <a:latin typeface="Symbol" panose="05050102010706020507" pitchFamily="18" charset="2"/>
+              </a:rPr>
+              <a:t>p</a:t>
+            </a:r>
+            <a:r>
+              <a:rPr lang="it-IT" sz="2800" dirty="0"/>
+              <a:t>bdbdx  quindi integrare su ragionevoli estremi </a:t>
+            </a:r>
+            <a:r>
+              <a:rPr lang="it-IT" sz="2800" dirty="0" err="1"/>
+              <a:t>b</a:t>
+            </a:r>
+            <a:r>
+              <a:rPr lang="it-IT" sz="2800" baseline="-25000" dirty="0" err="1"/>
+              <a:t>min</a:t>
+            </a:r>
+            <a:r>
+              <a:rPr lang="it-IT" sz="2800" dirty="0"/>
+              <a:t>&lt;b&lt;</a:t>
+            </a:r>
+            <a:r>
+              <a:rPr lang="it-IT" sz="2800" dirty="0" err="1"/>
+              <a:t>b</a:t>
+            </a:r>
+            <a:r>
+              <a:rPr lang="it-IT" sz="2800" baseline="-25000" dirty="0" err="1"/>
+              <a:t>max</a:t>
+            </a:r>
+            <a:r>
+              <a:rPr lang="it-IT" sz="2800" dirty="0"/>
+              <a:t>   Il tratto dx è scelto abbastanza piccolo in modo che la velocità in esso si possa considerare costante!!!   </a:t>
+            </a:r>
+          </a:p>
+        </p:txBody>
+      </p:sp>
+    </p:spTree>
+    <p:extLst>
+      <p:ext uri="{BB962C8B-B14F-4D97-AF65-F5344CB8AC3E}">
+        <p14:creationId xmlns:p14="http://schemas.microsoft.com/office/powerpoint/2010/main" val="3957270547"/>
+      </p:ext>
+    </p:extLst>
+  </p:cSld>
+  <p:clrMapOvr>
+    <a:masterClrMapping/>
+  </p:clrMapOvr>
+</p:sld>
+</file>
+
 <file path=ppt/slides/slide7.xml><?xml version="1.0" encoding="utf-8"?>
 <p:sld xmlns:a="http://schemas.openxmlformats.org/drawingml/2006/main" xmlns:r="http://schemas.openxmlformats.org/officeDocument/2006/relationships" xmlns:p="http://schemas.openxmlformats.org/presentationml/2006/main">
   <p:cSld>
@@ -29174,6 +29944,3676 @@
     <p:extLst>
       <p:ext uri="{BB962C8B-B14F-4D97-AF65-F5344CB8AC3E}">
         <p14:creationId xmlns:p14="http://schemas.microsoft.com/office/powerpoint/2010/main" val="3207309293"/>
+      </p:ext>
+    </p:extLst>
+  </p:cSld>
+  <p:clrMapOvr>
+    <a:masterClrMapping/>
+  </p:clrMapOvr>
+</p:sld>
+</file>
+
+<file path=ppt/slides/slide70.xml><?xml version="1.0" encoding="utf-8"?>
+<p:sld xmlns:a="http://schemas.openxmlformats.org/drawingml/2006/main" xmlns:r="http://schemas.openxmlformats.org/officeDocument/2006/relationships" xmlns:p="http://schemas.openxmlformats.org/presentationml/2006/main">
+  <p:cSld>
+    <p:spTree>
+      <p:nvGrpSpPr>
+        <p:cNvPr id="1" name=""/>
+        <p:cNvGrpSpPr/>
+        <p:nvPr/>
+      </p:nvGrpSpPr>
+      <p:grpSpPr>
+        <a:xfrm>
+          <a:off x="0" y="0"/>
+          <a:ext cx="0" cy="0"/>
+          <a:chOff x="0" y="0"/>
+          <a:chExt cx="0" cy="0"/>
+        </a:xfrm>
+      </p:grpSpPr>
+      <p:sp>
+        <p:nvSpPr>
+          <p:cNvPr id="2" name="Titolo 1">
+            <a:extLst>
+              <a:ext uri="{FF2B5EF4-FFF2-40B4-BE49-F238E27FC236}">
+                <a16:creationId xmlns:a16="http://schemas.microsoft.com/office/drawing/2014/main" id="{74F35F8F-AC3C-4337-8544-411196512509}"/>
+              </a:ext>
+            </a:extLst>
+          </p:cNvPr>
+          <p:cNvSpPr>
+            <a:spLocks noGrp="1"/>
+          </p:cNvSpPr>
+          <p:nvPr>
+            <p:ph type="title"/>
+          </p:nvPr>
+        </p:nvSpPr>
+        <p:spPr/>
+        <p:txBody>
+          <a:bodyPr/>
+          <a:lstStyle/>
+          <a:p>
+            <a:r>
+              <a:rPr lang="it-IT" dirty="0"/>
+              <a:t>Assomiglia tanto ad uno «splash»</a:t>
+            </a:r>
+          </a:p>
+        </p:txBody>
+      </p:sp>
+      <p:sp>
+        <p:nvSpPr>
+          <p:cNvPr id="3" name="Segnaposto contenuto 2">
+            <a:extLst>
+              <a:ext uri="{FF2B5EF4-FFF2-40B4-BE49-F238E27FC236}">
+                <a16:creationId xmlns:a16="http://schemas.microsoft.com/office/drawing/2014/main" id="{2FD0A406-50AE-4AB7-B8EE-C565DD2CCE04}"/>
+              </a:ext>
+            </a:extLst>
+          </p:cNvPr>
+          <p:cNvSpPr>
+            <a:spLocks noGrp="1"/>
+          </p:cNvSpPr>
+          <p:nvPr>
+            <p:ph idx="1"/>
+          </p:nvPr>
+        </p:nvSpPr>
+        <p:spPr/>
+        <p:txBody>
+          <a:bodyPr>
+            <a:normAutofit fontScale="92500" lnSpcReduction="20000"/>
+          </a:bodyPr>
+          <a:lstStyle/>
+          <a:p>
+            <a:r>
+              <a:rPr lang="it-IT" dirty="0"/>
+              <a:t>Il calcolo si basa sul Teorema dell’Impulso </a:t>
+            </a:r>
+            <a:r>
+              <a:rPr lang="it-IT" dirty="0" err="1"/>
+              <a:t>Fdt</a:t>
+            </a:r>
+            <a:r>
+              <a:rPr lang="it-IT" dirty="0"/>
+              <a:t> = </a:t>
+            </a:r>
+            <a:r>
+              <a:rPr lang="it-IT" dirty="0" err="1"/>
+              <a:t>dp</a:t>
+            </a:r>
+            <a:r>
+              <a:rPr lang="it-IT" dirty="0"/>
+              <a:t>  (Secondo principio della dinamica «classica» ) </a:t>
+            </a:r>
+          </a:p>
+          <a:p>
+            <a:r>
+              <a:rPr lang="it-IT" dirty="0"/>
+              <a:t>Potete immaginarlo come un esercizio di Fisica 1 in cui si chiede: Una palla da Bowling attraversa uno strato dx uniformemente riempito con palline da </a:t>
+            </a:r>
+            <a:r>
+              <a:rPr lang="it-IT" dirty="0" err="1"/>
+              <a:t>ping</a:t>
+            </a:r>
+            <a:r>
+              <a:rPr lang="it-IT" dirty="0"/>
+              <a:t> </a:t>
+            </a:r>
+            <a:r>
+              <a:rPr lang="it-IT" dirty="0" err="1"/>
+              <a:t>pong</a:t>
+            </a:r>
+            <a:r>
+              <a:rPr lang="it-IT" dirty="0"/>
+              <a:t>.  Calcolare l’energia persa dalla palla da bowling nell’attraversare lo strato.  Dire se  e dove eventualmente si ferma se lo strato è abbastanza spesso. </a:t>
+            </a:r>
+          </a:p>
+          <a:p>
+            <a:r>
+              <a:rPr lang="it-IT" dirty="0"/>
+              <a:t>Oppure: un tuffatore si lancia da un trampolino di altezza h.. Dire a quale profondità dal pelo dell’acqua si ferma (e Archimede lo riporta su!!!) </a:t>
+            </a:r>
+          </a:p>
+          <a:p>
+            <a:r>
+              <a:rPr lang="it-IT" dirty="0"/>
+              <a:t>Oppure un meteorite si schianta sulla Luna..  Stimare la profondità del cratere</a:t>
+            </a:r>
+          </a:p>
+          <a:p>
+            <a:r>
+              <a:rPr lang="it-IT" dirty="0"/>
+              <a:t>Immaginare altri casi di «Splash» </a:t>
+            </a:r>
+            <a:r>
+              <a:rPr lang="it-IT" dirty="0">
+                <a:sym typeface="Wingdings" panose="05000000000000000000" pitchFamily="2" charset="2"/>
+              </a:rPr>
+              <a:t> </a:t>
+            </a:r>
+            <a:r>
+              <a:rPr lang="it-IT" dirty="0"/>
+              <a:t> </a:t>
+            </a:r>
+          </a:p>
+          <a:p>
+            <a:pPr marL="0" indent="0">
+              <a:buNone/>
+            </a:pPr>
+            <a:endParaRPr lang="it-IT" dirty="0"/>
+          </a:p>
+        </p:txBody>
+      </p:sp>
+    </p:spTree>
+    <p:extLst>
+      <p:ext uri="{BB962C8B-B14F-4D97-AF65-F5344CB8AC3E}">
+        <p14:creationId xmlns:p14="http://schemas.microsoft.com/office/powerpoint/2010/main" val="4213616760"/>
+      </p:ext>
+    </p:extLst>
+  </p:cSld>
+  <p:clrMapOvr>
+    <a:masterClrMapping/>
+  </p:clrMapOvr>
+</p:sld>
+</file>
+
+<file path=ppt/slides/slide71.xml><?xml version="1.0" encoding="utf-8"?>
+<p:sld xmlns:a="http://schemas.openxmlformats.org/drawingml/2006/main" xmlns:r="http://schemas.openxmlformats.org/officeDocument/2006/relationships" xmlns:p="http://schemas.openxmlformats.org/presentationml/2006/main">
+  <p:cSld>
+    <p:spTree>
+      <p:nvGrpSpPr>
+        <p:cNvPr id="1" name=""/>
+        <p:cNvGrpSpPr/>
+        <p:nvPr/>
+      </p:nvGrpSpPr>
+      <p:grpSpPr>
+        <a:xfrm>
+          <a:off x="0" y="0"/>
+          <a:ext cx="0" cy="0"/>
+          <a:chOff x="0" y="0"/>
+          <a:chExt cx="0" cy="0"/>
+        </a:xfrm>
+      </p:grpSpPr>
+      <p:sp>
+        <p:nvSpPr>
+          <p:cNvPr id="2" name="Titolo 1">
+            <a:extLst>
+              <a:ext uri="{FF2B5EF4-FFF2-40B4-BE49-F238E27FC236}">
+                <a16:creationId xmlns:a16="http://schemas.microsoft.com/office/drawing/2014/main" id="{33343327-C999-407A-AAD6-B308ECBF5902}"/>
+              </a:ext>
+            </a:extLst>
+          </p:cNvPr>
+          <p:cNvSpPr>
+            <a:spLocks noGrp="1"/>
+          </p:cNvSpPr>
+          <p:nvPr>
+            <p:ph type="title"/>
+          </p:nvPr>
+        </p:nvSpPr>
+        <p:spPr/>
+        <p:txBody>
+          <a:bodyPr/>
+          <a:lstStyle/>
+          <a:p>
+            <a:r>
+              <a:rPr lang="it-IT" dirty="0"/>
+              <a:t>Consideriamo  X = protone (z=1 e q=e) </a:t>
+            </a:r>
+          </a:p>
+        </p:txBody>
+      </p:sp>
+      <mc:AlternateContent xmlns:mc="http://schemas.openxmlformats.org/markup-compatibility/2006">
+        <mc:Choice xmlns:a14="http://schemas.microsoft.com/office/drawing/2010/main" Requires="a14">
+          <p:sp>
+            <p:nvSpPr>
+              <p:cNvPr id="3" name="Segnaposto contenuto 2">
+                <a:extLst>
+                  <a:ext uri="{FF2B5EF4-FFF2-40B4-BE49-F238E27FC236}">
+                    <a16:creationId xmlns:a16="http://schemas.microsoft.com/office/drawing/2014/main" id="{BB700251-6881-4F86-8019-EDA9587734CA}"/>
+                  </a:ext>
+                </a:extLst>
+              </p:cNvPr>
+              <p:cNvSpPr>
+                <a:spLocks noGrp="1"/>
+              </p:cNvSpPr>
+              <p:nvPr>
+                <p:ph idx="1"/>
+              </p:nvPr>
+            </p:nvSpPr>
+            <p:spPr>
+              <a:xfrm>
+                <a:off x="838200" y="1381760"/>
+                <a:ext cx="10515600" cy="4795203"/>
+              </a:xfrm>
+            </p:spPr>
+            <p:txBody>
+              <a:bodyPr>
+                <a:normAutofit fontScale="70000" lnSpcReduction="20000"/>
+              </a:bodyPr>
+              <a:lstStyle/>
+              <a:p>
+                <a:r>
+                  <a:rPr lang="it-IT" dirty="0"/>
+                  <a:t>Il momento trasferito all’elettrone che si trova in (r=b e x=0)  è ortogonale all’asse x (Momento trasverso solo!)   (Dire perché quello longitudinale è nullo)</a:t>
+                </a:r>
+              </a:p>
+              <a:p>
+                <a:pPr marL="0" indent="0">
+                  <a:buNone/>
+                </a:pPr>
+                <a:endParaRPr lang="it-IT" dirty="0"/>
+              </a:p>
+              <a:p>
+                <a:pPr marL="0" indent="0">
+                  <a:buNone/>
+                </a:pPr>
+                <a14:m>
+                  <m:oMathPara xmlns:m="http://schemas.openxmlformats.org/officeDocument/2006/math">
+                    <m:oMathParaPr>
+                      <m:jc m:val="centerGroup"/>
+                    </m:oMathParaPr>
+                    <m:oMath xmlns:m="http://schemas.openxmlformats.org/officeDocument/2006/math">
+                      <m:r>
+                        <m:rPr>
+                          <m:sty m:val="p"/>
+                        </m:rPr>
+                        <a:rPr lang="el-GR" b="0" i="1" smtClean="0">
+                          <a:latin typeface="Cambria Math" panose="02040503050406030204" pitchFamily="18" charset="0"/>
+                          <a:ea typeface="Cambria Math" panose="02040503050406030204" pitchFamily="18" charset="0"/>
+                        </a:rPr>
+                        <m:t>Δ</m:t>
+                      </m:r>
+                      <m:r>
+                        <a:rPr lang="it-IT" b="0" i="1" smtClean="0">
+                          <a:latin typeface="Cambria Math" panose="02040503050406030204" pitchFamily="18" charset="0"/>
+                        </a:rPr>
+                        <m:t>𝑝</m:t>
+                      </m:r>
+                      <m:r>
+                        <a:rPr lang="it-IT" b="0" i="1" smtClean="0">
+                          <a:latin typeface="Cambria Math" panose="02040503050406030204" pitchFamily="18" charset="0"/>
+                        </a:rPr>
+                        <m:t>=</m:t>
+                      </m:r>
+                      <m:nary>
+                        <m:naryPr>
+                          <m:limLoc m:val="undOvr"/>
+                          <m:ctrlPr>
+                            <a:rPr lang="it-IT" b="0" i="1" smtClean="0">
+                              <a:latin typeface="Cambria Math" panose="02040503050406030204" pitchFamily="18" charset="0"/>
+                            </a:rPr>
+                          </m:ctrlPr>
+                        </m:naryPr>
+                        <m:sub>
+                          <m:r>
+                            <m:rPr>
+                              <m:brk m:alnAt="24"/>
+                            </m:rPr>
+                            <a:rPr lang="it-IT" b="0" i="1" smtClean="0">
+                              <a:latin typeface="Cambria Math" panose="02040503050406030204" pitchFamily="18" charset="0"/>
+                            </a:rPr>
+                            <m:t>−</m:t>
+                          </m:r>
+                          <m:r>
+                            <m:rPr>
+                              <m:brk m:alnAt="24"/>
+                            </m:rPr>
+                            <a:rPr lang="it-IT" b="0" i="1" smtClean="0">
+                              <a:latin typeface="Cambria Math" panose="02040503050406030204" pitchFamily="18" charset="0"/>
+                              <a:ea typeface="Cambria Math" panose="02040503050406030204" pitchFamily="18" charset="0"/>
+                            </a:rPr>
+                            <m:t>∞</m:t>
+                          </m:r>
+                        </m:sub>
+                        <m:sup>
+                          <m:r>
+                            <a:rPr lang="it-IT" b="0" i="1" smtClean="0">
+                              <a:latin typeface="Cambria Math" panose="02040503050406030204" pitchFamily="18" charset="0"/>
+                            </a:rPr>
+                            <m:t>+</m:t>
+                          </m:r>
+                          <m:r>
+                            <a:rPr lang="it-IT" b="0" i="1" smtClean="0">
+                              <a:latin typeface="Cambria Math" panose="02040503050406030204" pitchFamily="18" charset="0"/>
+                              <a:ea typeface="Cambria Math" panose="02040503050406030204" pitchFamily="18" charset="0"/>
+                            </a:rPr>
+                            <m:t>∞</m:t>
+                          </m:r>
+                        </m:sup>
+                        <m:e>
+                          <m:r>
+                            <a:rPr lang="it-IT" b="0" i="1" smtClean="0">
+                              <a:latin typeface="Cambria Math" panose="02040503050406030204" pitchFamily="18" charset="0"/>
+                            </a:rPr>
+                            <m:t>𝐹𝑑𝑡</m:t>
+                          </m:r>
+                          <m:r>
+                            <a:rPr lang="it-IT" b="0" i="1" smtClean="0">
+                              <a:latin typeface="Cambria Math" panose="02040503050406030204" pitchFamily="18" charset="0"/>
+                            </a:rPr>
+                            <m:t>=</m:t>
+                          </m:r>
+                          <m:nary>
+                            <m:naryPr>
+                              <m:limLoc m:val="undOvr"/>
+                              <m:ctrlPr>
+                                <a:rPr lang="it-IT" i="1" smtClean="0">
+                                  <a:latin typeface="Cambria Math" panose="02040503050406030204" pitchFamily="18" charset="0"/>
+                                </a:rPr>
+                              </m:ctrlPr>
+                            </m:naryPr>
+                            <m:sub>
+                              <m:r>
+                                <m:rPr>
+                                  <m:brk m:alnAt="24"/>
+                                </m:rPr>
+                                <a:rPr lang="it-IT" i="1">
+                                  <a:latin typeface="Cambria Math" panose="02040503050406030204" pitchFamily="18" charset="0"/>
+                                </a:rPr>
+                                <m:t>−</m:t>
+                              </m:r>
+                              <m:r>
+                                <a:rPr lang="it-IT" i="1">
+                                  <a:latin typeface="Cambria Math" panose="02040503050406030204" pitchFamily="18" charset="0"/>
+                                  <a:ea typeface="Cambria Math" panose="02040503050406030204" pitchFamily="18" charset="0"/>
+                                </a:rPr>
+                                <m:t>∞</m:t>
+                              </m:r>
+                            </m:sub>
+                            <m:sup>
+                              <m:r>
+                                <a:rPr lang="it-IT" i="1">
+                                  <a:latin typeface="Cambria Math" panose="02040503050406030204" pitchFamily="18" charset="0"/>
+                                </a:rPr>
+                                <m:t>+</m:t>
+                              </m:r>
+                              <m:r>
+                                <a:rPr lang="it-IT" i="1">
+                                  <a:latin typeface="Cambria Math" panose="02040503050406030204" pitchFamily="18" charset="0"/>
+                                  <a:ea typeface="Cambria Math" panose="02040503050406030204" pitchFamily="18" charset="0"/>
+                                </a:rPr>
+                                <m:t>∞</m:t>
+                              </m:r>
+                            </m:sup>
+                            <m:e>
+                              <m:r>
+                                <a:rPr lang="it-IT" i="1">
+                                  <a:latin typeface="Cambria Math" panose="02040503050406030204" pitchFamily="18" charset="0"/>
+                                </a:rPr>
+                                <m:t>𝐹</m:t>
+                              </m:r>
+                              <m:f>
+                                <m:fPr>
+                                  <m:ctrlPr>
+                                    <a:rPr lang="it-IT" i="1" smtClean="0">
+                                      <a:latin typeface="Cambria Math" panose="02040503050406030204" pitchFamily="18" charset="0"/>
+                                    </a:rPr>
+                                  </m:ctrlPr>
+                                </m:fPr>
+                                <m:num>
+                                  <m:r>
+                                    <a:rPr lang="it-IT" i="1" smtClean="0">
+                                      <a:latin typeface="Cambria Math" panose="02040503050406030204" pitchFamily="18" charset="0"/>
+                                    </a:rPr>
+                                    <m:t>𝑑</m:t>
+                                  </m:r>
+                                  <m:r>
+                                    <a:rPr lang="it-IT" b="0" i="1" smtClean="0">
+                                      <a:latin typeface="Cambria Math" panose="02040503050406030204" pitchFamily="18" charset="0"/>
+                                    </a:rPr>
+                                    <m:t>𝑥</m:t>
+                                  </m:r>
+                                </m:num>
+                                <m:den>
+                                  <m:r>
+                                    <a:rPr lang="it-IT" b="0" i="1" smtClean="0">
+                                      <a:latin typeface="Cambria Math" panose="02040503050406030204" pitchFamily="18" charset="0"/>
+                                    </a:rPr>
+                                    <m:t>𝑣</m:t>
+                                  </m:r>
+                                </m:den>
+                              </m:f>
+                            </m:e>
+                          </m:nary>
+                          <m:r>
+                            <a:rPr lang="it-IT" b="0" i="1" smtClean="0">
+                              <a:latin typeface="Cambria Math" panose="02040503050406030204" pitchFamily="18" charset="0"/>
+                            </a:rPr>
+                            <m:t>  = </m:t>
+                          </m:r>
+                        </m:e>
+                      </m:nary>
+                      <m:f>
+                        <m:fPr>
+                          <m:ctrlPr>
+                            <a:rPr lang="it-IT" i="1">
+                              <a:latin typeface="Cambria Math" panose="02040503050406030204" pitchFamily="18" charset="0"/>
+                            </a:rPr>
+                          </m:ctrlPr>
+                        </m:fPr>
+                        <m:num>
+                          <m:sSup>
+                            <m:sSupPr>
+                              <m:ctrlPr>
+                                <a:rPr lang="it-IT" i="1">
+                                  <a:latin typeface="Cambria Math" panose="02040503050406030204" pitchFamily="18" charset="0"/>
+                                </a:rPr>
+                              </m:ctrlPr>
+                            </m:sSupPr>
+                            <m:e>
+                              <m:r>
+                                <a:rPr lang="it-IT" i="1">
+                                  <a:latin typeface="Cambria Math" panose="02040503050406030204" pitchFamily="18" charset="0"/>
+                                </a:rPr>
+                                <m:t>𝑞</m:t>
+                              </m:r>
+                            </m:e>
+                            <m:sup>
+                              <m:r>
+                                <a:rPr lang="it-IT" i="1">
+                                  <a:latin typeface="Cambria Math" panose="02040503050406030204" pitchFamily="18" charset="0"/>
+                                </a:rPr>
+                                <m:t>2</m:t>
+                              </m:r>
+                            </m:sup>
+                          </m:sSup>
+                        </m:num>
+                        <m:den>
+                          <m:r>
+                            <a:rPr lang="it-IT" i="1">
+                              <a:latin typeface="Cambria Math" panose="02040503050406030204" pitchFamily="18" charset="0"/>
+                            </a:rPr>
+                            <m:t>𝑣</m:t>
+                          </m:r>
+                        </m:den>
+                      </m:f>
+                      <m:nary>
+                        <m:naryPr>
+                          <m:limLoc m:val="undOvr"/>
+                          <m:ctrlPr>
+                            <a:rPr lang="it-IT" i="1">
+                              <a:latin typeface="Cambria Math" panose="02040503050406030204" pitchFamily="18" charset="0"/>
+                            </a:rPr>
+                          </m:ctrlPr>
+                        </m:naryPr>
+                        <m:sub>
+                          <m:r>
+                            <m:rPr>
+                              <m:brk m:alnAt="24"/>
+                            </m:rPr>
+                            <a:rPr lang="it-IT" i="1">
+                              <a:latin typeface="Cambria Math" panose="02040503050406030204" pitchFamily="18" charset="0"/>
+                            </a:rPr>
+                            <m:t>−</m:t>
+                          </m:r>
+                          <m:r>
+                            <a:rPr lang="it-IT" i="1">
+                              <a:latin typeface="Cambria Math" panose="02040503050406030204" pitchFamily="18" charset="0"/>
+                              <a:ea typeface="Cambria Math" panose="02040503050406030204" pitchFamily="18" charset="0"/>
+                            </a:rPr>
+                            <m:t>∞</m:t>
+                          </m:r>
+                        </m:sub>
+                        <m:sup>
+                          <m:r>
+                            <a:rPr lang="it-IT" i="1">
+                              <a:latin typeface="Cambria Math" panose="02040503050406030204" pitchFamily="18" charset="0"/>
+                            </a:rPr>
+                            <m:t>+</m:t>
+                          </m:r>
+                          <m:r>
+                            <a:rPr lang="it-IT" i="1">
+                              <a:latin typeface="Cambria Math" panose="02040503050406030204" pitchFamily="18" charset="0"/>
+                              <a:ea typeface="Cambria Math" panose="02040503050406030204" pitchFamily="18" charset="0"/>
+                            </a:rPr>
+                            <m:t>∞</m:t>
+                          </m:r>
+                        </m:sup>
+                        <m:e>
+                          <m:f>
+                            <m:fPr>
+                              <m:ctrlPr>
+                                <a:rPr lang="it-IT" i="1">
+                                  <a:latin typeface="Cambria Math" panose="02040503050406030204" pitchFamily="18" charset="0"/>
+                                  <a:ea typeface="Cambria Math" panose="02040503050406030204" pitchFamily="18" charset="0"/>
+                                </a:rPr>
+                              </m:ctrlPr>
+                            </m:fPr>
+                            <m:num>
+                              <m:r>
+                                <a:rPr lang="it-IT" i="1">
+                                  <a:latin typeface="Cambria Math" panose="02040503050406030204" pitchFamily="18" charset="0"/>
+                                  <a:ea typeface="Cambria Math" panose="02040503050406030204" pitchFamily="18" charset="0"/>
+                                </a:rPr>
+                                <m:t>𝑑𝑥</m:t>
+                              </m:r>
+                            </m:num>
+                            <m:den>
+                              <m:sSup>
+                                <m:sSupPr>
+                                  <m:ctrlPr>
+                                    <a:rPr lang="it-IT" i="1">
+                                      <a:latin typeface="Cambria Math" panose="02040503050406030204" pitchFamily="18" charset="0"/>
+                                      <a:ea typeface="Cambria Math" panose="02040503050406030204" pitchFamily="18" charset="0"/>
+                                    </a:rPr>
+                                  </m:ctrlPr>
+                                </m:sSupPr>
+                                <m:e>
+                                  <m:d>
+                                    <m:dPr>
+                                      <m:ctrlPr>
+                                        <a:rPr lang="it-IT" i="1">
+                                          <a:latin typeface="Cambria Math" panose="02040503050406030204" pitchFamily="18" charset="0"/>
+                                          <a:ea typeface="Cambria Math" panose="02040503050406030204" pitchFamily="18" charset="0"/>
+                                        </a:rPr>
+                                      </m:ctrlPr>
+                                    </m:dPr>
+                                    <m:e>
+                                      <m:sSup>
+                                        <m:sSupPr>
+                                          <m:ctrlPr>
+                                            <a:rPr lang="it-IT" i="1">
+                                              <a:latin typeface="Cambria Math" panose="02040503050406030204" pitchFamily="18" charset="0"/>
+                                              <a:ea typeface="Cambria Math" panose="02040503050406030204" pitchFamily="18" charset="0"/>
+                                            </a:rPr>
+                                          </m:ctrlPr>
+                                        </m:sSupPr>
+                                        <m:e>
+                                          <m:r>
+                                            <a:rPr lang="it-IT" i="1">
+                                              <a:latin typeface="Cambria Math" panose="02040503050406030204" pitchFamily="18" charset="0"/>
+                                              <a:ea typeface="Cambria Math" panose="02040503050406030204" pitchFamily="18" charset="0"/>
+                                            </a:rPr>
+                                            <m:t>𝑥</m:t>
+                                          </m:r>
+                                        </m:e>
+                                        <m:sup>
+                                          <m:r>
+                                            <a:rPr lang="it-IT" i="1">
+                                              <a:latin typeface="Cambria Math" panose="02040503050406030204" pitchFamily="18" charset="0"/>
+                                              <a:ea typeface="Cambria Math" panose="02040503050406030204" pitchFamily="18" charset="0"/>
+                                            </a:rPr>
+                                            <m:t>2</m:t>
+                                          </m:r>
+                                        </m:sup>
+                                      </m:sSup>
+                                      <m:r>
+                                        <a:rPr lang="it-IT" i="1">
+                                          <a:latin typeface="Cambria Math" panose="02040503050406030204" pitchFamily="18" charset="0"/>
+                                          <a:ea typeface="Cambria Math" panose="02040503050406030204" pitchFamily="18" charset="0"/>
+                                        </a:rPr>
+                                        <m:t>+</m:t>
+                                      </m:r>
+                                      <m:sSup>
+                                        <m:sSupPr>
+                                          <m:ctrlPr>
+                                            <a:rPr lang="it-IT" i="1">
+                                              <a:latin typeface="Cambria Math" panose="02040503050406030204" pitchFamily="18" charset="0"/>
+                                              <a:ea typeface="Cambria Math" panose="02040503050406030204" pitchFamily="18" charset="0"/>
+                                            </a:rPr>
+                                          </m:ctrlPr>
+                                        </m:sSupPr>
+                                        <m:e>
+                                          <m:r>
+                                            <a:rPr lang="it-IT" i="1">
+                                              <a:latin typeface="Cambria Math" panose="02040503050406030204" pitchFamily="18" charset="0"/>
+                                              <a:ea typeface="Cambria Math" panose="02040503050406030204" pitchFamily="18" charset="0"/>
+                                            </a:rPr>
+                                            <m:t>𝑏</m:t>
+                                          </m:r>
+                                        </m:e>
+                                        <m:sup>
+                                          <m:r>
+                                            <a:rPr lang="it-IT" i="1">
+                                              <a:latin typeface="Cambria Math" panose="02040503050406030204" pitchFamily="18" charset="0"/>
+                                              <a:ea typeface="Cambria Math" panose="02040503050406030204" pitchFamily="18" charset="0"/>
+                                            </a:rPr>
+                                            <m:t>2</m:t>
+                                          </m:r>
+                                        </m:sup>
+                                      </m:sSup>
+                                    </m:e>
+                                  </m:d>
+                                </m:e>
+                                <m:sup>
+                                  <m:r>
+                                    <a:rPr lang="it-IT" i="1">
+                                      <a:latin typeface="Cambria Math" panose="02040503050406030204" pitchFamily="18" charset="0"/>
+                                      <a:ea typeface="Cambria Math" panose="02040503050406030204" pitchFamily="18" charset="0"/>
+                                    </a:rPr>
+                                    <m:t>3</m:t>
+                                  </m:r>
+                                  <m:r>
+                                    <a:rPr lang="it-IT" i="1">
+                                      <a:latin typeface="Cambria Math" panose="02040503050406030204" pitchFamily="18" charset="0"/>
+                                      <a:ea typeface="Cambria Math" panose="02040503050406030204" pitchFamily="18" charset="0"/>
+                                    </a:rPr>
+                                    <m:t>/</m:t>
+                                  </m:r>
+                                  <m:r>
+                                    <a:rPr lang="it-IT" i="1">
+                                      <a:latin typeface="Cambria Math" panose="02040503050406030204" pitchFamily="18" charset="0"/>
+                                      <a:ea typeface="Cambria Math" panose="02040503050406030204" pitchFamily="18" charset="0"/>
+                                    </a:rPr>
+                                    <m:t>2</m:t>
+                                  </m:r>
+                                </m:sup>
+                              </m:sSup>
+                            </m:den>
+                          </m:f>
+                          <m:r>
+                            <a:rPr lang="it-IT" i="1">
+                              <a:latin typeface="Cambria Math" panose="02040503050406030204" pitchFamily="18" charset="0"/>
+                            </a:rPr>
+                            <m:t>=</m:t>
+                          </m:r>
+                          <m:f>
+                            <m:fPr>
+                              <m:ctrlPr>
+                                <a:rPr lang="it-IT" i="1">
+                                  <a:latin typeface="Cambria Math" panose="02040503050406030204" pitchFamily="18" charset="0"/>
+                                </a:rPr>
+                              </m:ctrlPr>
+                            </m:fPr>
+                            <m:num>
+                              <m:r>
+                                <a:rPr lang="it-IT" i="1">
+                                  <a:latin typeface="Cambria Math" panose="02040503050406030204" pitchFamily="18" charset="0"/>
+                                </a:rPr>
+                                <m:t>2</m:t>
+                              </m:r>
+                              <m:sSup>
+                                <m:sSupPr>
+                                  <m:ctrlPr>
+                                    <a:rPr lang="it-IT" i="1">
+                                      <a:latin typeface="Cambria Math" panose="02040503050406030204" pitchFamily="18" charset="0"/>
+                                    </a:rPr>
+                                  </m:ctrlPr>
+                                </m:sSupPr>
+                                <m:e>
+                                  <m:r>
+                                    <a:rPr lang="it-IT" i="1">
+                                      <a:latin typeface="Cambria Math" panose="02040503050406030204" pitchFamily="18" charset="0"/>
+                                    </a:rPr>
+                                    <m:t>𝑞</m:t>
+                                  </m:r>
+                                </m:e>
+                                <m:sup>
+                                  <m:r>
+                                    <a:rPr lang="it-IT" i="1">
+                                      <a:latin typeface="Cambria Math" panose="02040503050406030204" pitchFamily="18" charset="0"/>
+                                    </a:rPr>
+                                    <m:t>2</m:t>
+                                  </m:r>
+                                </m:sup>
+                              </m:sSup>
+                            </m:num>
+                            <m:den>
+                              <m:r>
+                                <a:rPr lang="it-IT" i="1">
+                                  <a:latin typeface="Cambria Math" panose="02040503050406030204" pitchFamily="18" charset="0"/>
+                                </a:rPr>
+                                <m:t>𝑏𝑣</m:t>
+                              </m:r>
+                            </m:den>
+                          </m:f>
+                          <m:r>
+                            <a:rPr lang="it-IT" i="1">
+                              <a:latin typeface="Cambria Math" panose="02040503050406030204" pitchFamily="18" charset="0"/>
+                            </a:rPr>
+                            <m:t> </m:t>
+                          </m:r>
+                        </m:e>
+                      </m:nary>
+                    </m:oMath>
+                  </m:oMathPara>
+                </a14:m>
+                <a:endParaRPr lang="it-IT" dirty="0"/>
+              </a:p>
+              <a:p>
+                <a:pPr marL="0" indent="0">
+                  <a:buNone/>
+                </a:pPr>
+                <a:endParaRPr lang="it-IT" dirty="0"/>
+              </a:p>
+              <a:p>
+                <a:pPr marL="0" indent="0">
+                  <a:buNone/>
+                </a:pPr>
+                <a:r>
+                  <a:rPr lang="it-IT" dirty="0"/>
+                  <a:t>L’energia persa sul singolo elettrone  vale </a:t>
+                </a:r>
+                <a:endParaRPr lang="it-IT" i="1" dirty="0">
+                  <a:latin typeface="Cambria Math" panose="02040503050406030204" pitchFamily="18" charset="0"/>
+                  <a:ea typeface="Cambria Math" panose="02040503050406030204" pitchFamily="18" charset="0"/>
+                </a:endParaRPr>
+              </a:p>
+              <a:p>
+                <a:pPr marL="0" indent="0" algn="ctr">
+                  <a:buNone/>
+                </a:pPr>
+                <a14:m>
+                  <m:oMath xmlns:m="http://schemas.openxmlformats.org/officeDocument/2006/math">
+                    <m:r>
+                      <m:rPr>
+                        <m:sty m:val="p"/>
+                      </m:rPr>
+                      <a:rPr lang="el-GR" sz="3600" i="1">
+                        <a:latin typeface="Cambria Math" panose="02040503050406030204" pitchFamily="18" charset="0"/>
+                        <a:ea typeface="Cambria Math" panose="02040503050406030204" pitchFamily="18" charset="0"/>
+                      </a:rPr>
+                      <m:t>Δ</m:t>
+                    </m:r>
+                    <m:r>
+                      <a:rPr lang="it-IT" sz="3600" b="0" i="1" smtClean="0">
+                        <a:latin typeface="Cambria Math" panose="02040503050406030204" pitchFamily="18" charset="0"/>
+                        <a:ea typeface="Cambria Math" panose="02040503050406030204" pitchFamily="18" charset="0"/>
+                      </a:rPr>
+                      <m:t>𝐸</m:t>
+                    </m:r>
+                    <m:r>
+                      <a:rPr lang="it-IT" sz="3600" b="0" i="1" smtClean="0">
+                        <a:latin typeface="Cambria Math" panose="02040503050406030204" pitchFamily="18" charset="0"/>
+                      </a:rPr>
+                      <m:t>=−</m:t>
+                    </m:r>
+                    <m:f>
+                      <m:fPr>
+                        <m:ctrlPr>
+                          <a:rPr lang="it-IT" sz="3600" b="0" i="1" smtClean="0">
+                            <a:latin typeface="Cambria Math" panose="02040503050406030204" pitchFamily="18" charset="0"/>
+                            <a:ea typeface="Cambria Math" panose="02040503050406030204" pitchFamily="18" charset="0"/>
+                          </a:rPr>
+                        </m:ctrlPr>
+                      </m:fPr>
+                      <m:num>
+                        <m:sSup>
+                          <m:sSupPr>
+                            <m:ctrlPr>
+                              <a:rPr lang="it-IT" sz="3600" b="0" i="1" smtClean="0">
+                                <a:latin typeface="Cambria Math" panose="02040503050406030204" pitchFamily="18" charset="0"/>
+                                <a:ea typeface="Cambria Math" panose="02040503050406030204" pitchFamily="18" charset="0"/>
+                              </a:rPr>
+                            </m:ctrlPr>
+                          </m:sSupPr>
+                          <m:e>
+                            <m:r>
+                              <m:rPr>
+                                <m:sty m:val="p"/>
+                              </m:rPr>
+                              <a:rPr lang="el-GR" sz="3600" i="1">
+                                <a:latin typeface="Cambria Math" panose="02040503050406030204" pitchFamily="18" charset="0"/>
+                                <a:ea typeface="Cambria Math" panose="02040503050406030204" pitchFamily="18" charset="0"/>
+                              </a:rPr>
+                              <m:t>Δ</m:t>
+                            </m:r>
+                          </m:e>
+                          <m:sup>
+                            <m:r>
+                              <a:rPr lang="it-IT" sz="3600" b="0" i="1" smtClean="0">
+                                <a:latin typeface="Cambria Math" panose="02040503050406030204" pitchFamily="18" charset="0"/>
+                                <a:ea typeface="Cambria Math" panose="02040503050406030204" pitchFamily="18" charset="0"/>
+                              </a:rPr>
+                              <m:t>2</m:t>
+                            </m:r>
+                          </m:sup>
+                        </m:sSup>
+                        <m:r>
+                          <a:rPr lang="it-IT" sz="3600" i="1">
+                            <a:latin typeface="Cambria Math" panose="02040503050406030204" pitchFamily="18" charset="0"/>
+                          </a:rPr>
+                          <m:t>𝑝</m:t>
+                        </m:r>
+                      </m:num>
+                      <m:den>
+                        <m:r>
+                          <a:rPr lang="it-IT" sz="3600" b="0" i="1" smtClean="0">
+                            <a:latin typeface="Cambria Math" panose="02040503050406030204" pitchFamily="18" charset="0"/>
+                          </a:rPr>
+                          <m:t>2</m:t>
+                        </m:r>
+                        <m:sSub>
+                          <m:sSubPr>
+                            <m:ctrlPr>
+                              <a:rPr lang="it-IT" sz="3600" b="0" i="1" smtClean="0">
+                                <a:latin typeface="Cambria Math" panose="02040503050406030204" pitchFamily="18" charset="0"/>
+                              </a:rPr>
+                            </m:ctrlPr>
+                          </m:sSubPr>
+                          <m:e>
+                            <m:r>
+                              <a:rPr lang="it-IT" sz="3600" b="0" i="1" smtClean="0">
+                                <a:latin typeface="Cambria Math" panose="02040503050406030204" pitchFamily="18" charset="0"/>
+                              </a:rPr>
+                              <m:t>𝑚</m:t>
+                            </m:r>
+                          </m:e>
+                          <m:sub>
+                            <m:r>
+                              <a:rPr lang="it-IT" sz="3600" b="0" i="1" smtClean="0">
+                                <a:latin typeface="Cambria Math" panose="02040503050406030204" pitchFamily="18" charset="0"/>
+                              </a:rPr>
+                              <m:t>𝑒</m:t>
+                            </m:r>
+                          </m:sub>
+                        </m:sSub>
+                      </m:den>
+                    </m:f>
+                    <m:r>
+                      <a:rPr lang="it-IT" sz="3600" b="0" i="1" smtClean="0">
+                        <a:latin typeface="Cambria Math" panose="02040503050406030204" pitchFamily="18" charset="0"/>
+                      </a:rPr>
+                      <m:t>=−</m:t>
+                    </m:r>
+                    <m:f>
+                      <m:fPr>
+                        <m:ctrlPr>
+                          <a:rPr lang="it-IT" sz="3600" b="0" i="1" smtClean="0">
+                            <a:latin typeface="Cambria Math" panose="02040503050406030204" pitchFamily="18" charset="0"/>
+                          </a:rPr>
+                        </m:ctrlPr>
+                      </m:fPr>
+                      <m:num>
+                        <m:r>
+                          <a:rPr lang="it-IT" sz="3600" b="0" i="1" smtClean="0">
+                            <a:latin typeface="Cambria Math" panose="02040503050406030204" pitchFamily="18" charset="0"/>
+                          </a:rPr>
+                          <m:t>4</m:t>
+                        </m:r>
+                        <m:sSup>
+                          <m:sSupPr>
+                            <m:ctrlPr>
+                              <a:rPr lang="it-IT" sz="3600" b="0" i="1" smtClean="0">
+                                <a:latin typeface="Cambria Math" panose="02040503050406030204" pitchFamily="18" charset="0"/>
+                              </a:rPr>
+                            </m:ctrlPr>
+                          </m:sSupPr>
+                          <m:e>
+                            <m:r>
+                              <a:rPr lang="it-IT" sz="3600" b="0" i="1" smtClean="0">
+                                <a:latin typeface="Cambria Math" panose="02040503050406030204" pitchFamily="18" charset="0"/>
+                              </a:rPr>
+                              <m:t>𝑞</m:t>
+                            </m:r>
+                          </m:e>
+                          <m:sup>
+                            <m:r>
+                              <a:rPr lang="it-IT" sz="3600" b="0" i="1" smtClean="0">
+                                <a:latin typeface="Cambria Math" panose="02040503050406030204" pitchFamily="18" charset="0"/>
+                              </a:rPr>
+                              <m:t>4</m:t>
+                            </m:r>
+                          </m:sup>
+                        </m:sSup>
+                      </m:num>
+                      <m:den>
+                        <m:sSup>
+                          <m:sSupPr>
+                            <m:ctrlPr>
+                              <a:rPr lang="it-IT" sz="3600" b="0" i="1" smtClean="0">
+                                <a:latin typeface="Cambria Math" panose="02040503050406030204" pitchFamily="18" charset="0"/>
+                              </a:rPr>
+                            </m:ctrlPr>
+                          </m:sSupPr>
+                          <m:e>
+                            <m:r>
+                              <a:rPr lang="it-IT" sz="3600" b="0" i="1" smtClean="0">
+                                <a:latin typeface="Cambria Math" panose="02040503050406030204" pitchFamily="18" charset="0"/>
+                              </a:rPr>
+                              <m:t>𝑏</m:t>
+                            </m:r>
+                          </m:e>
+                          <m:sup>
+                            <m:r>
+                              <a:rPr lang="it-IT" sz="3600" b="0" i="1" smtClean="0">
+                                <a:latin typeface="Cambria Math" panose="02040503050406030204" pitchFamily="18" charset="0"/>
+                              </a:rPr>
+                              <m:t>2</m:t>
+                            </m:r>
+                          </m:sup>
+                        </m:sSup>
+                        <m:sSub>
+                          <m:sSubPr>
+                            <m:ctrlPr>
+                              <a:rPr lang="it-IT" sz="3600" b="0" i="1" smtClean="0">
+                                <a:latin typeface="Cambria Math" panose="02040503050406030204" pitchFamily="18" charset="0"/>
+                              </a:rPr>
+                            </m:ctrlPr>
+                          </m:sSubPr>
+                          <m:e>
+                            <m:r>
+                              <a:rPr lang="it-IT" sz="3600" b="0" i="1" smtClean="0">
+                                <a:latin typeface="Cambria Math" panose="02040503050406030204" pitchFamily="18" charset="0"/>
+                              </a:rPr>
+                              <m:t>𝑚</m:t>
+                            </m:r>
+                          </m:e>
+                          <m:sub>
+                            <m:r>
+                              <a:rPr lang="it-IT" sz="3600" b="0" i="1" smtClean="0">
+                                <a:latin typeface="Cambria Math" panose="02040503050406030204" pitchFamily="18" charset="0"/>
+                              </a:rPr>
+                              <m:t>𝑒</m:t>
+                            </m:r>
+                          </m:sub>
+                        </m:sSub>
+                        <m:sSup>
+                          <m:sSupPr>
+                            <m:ctrlPr>
+                              <a:rPr lang="it-IT" sz="3600" b="0" i="1" smtClean="0">
+                                <a:latin typeface="Cambria Math" panose="02040503050406030204" pitchFamily="18" charset="0"/>
+                              </a:rPr>
+                            </m:ctrlPr>
+                          </m:sSupPr>
+                          <m:e>
+                            <m:r>
+                              <a:rPr lang="it-IT" sz="3600" b="0" i="1" smtClean="0">
+                                <a:latin typeface="Cambria Math" panose="02040503050406030204" pitchFamily="18" charset="0"/>
+                              </a:rPr>
+                              <m:t>𝑣</m:t>
+                            </m:r>
+                          </m:e>
+                          <m:sup>
+                            <m:r>
+                              <a:rPr lang="it-IT" sz="3600" b="0" i="1" smtClean="0">
+                                <a:latin typeface="Cambria Math" panose="02040503050406030204" pitchFamily="18" charset="0"/>
+                              </a:rPr>
+                              <m:t>2</m:t>
+                            </m:r>
+                          </m:sup>
+                        </m:sSup>
+                      </m:den>
+                    </m:f>
+                  </m:oMath>
+                </a14:m>
+                <a:r>
+                  <a:rPr lang="it-IT" dirty="0"/>
+                  <a:t> </a:t>
+                </a:r>
+              </a:p>
+              <a:p>
+                <a:pPr marL="0" indent="0">
+                  <a:buNone/>
+                </a:pPr>
+                <a:endParaRPr lang="it-IT" dirty="0"/>
+              </a:p>
+              <a:p>
+                <a:pPr marL="0" indent="0">
+                  <a:buNone/>
+                </a:pPr>
+                <a:r>
+                  <a:rPr lang="it-IT" dirty="0"/>
+                  <a:t> va  «integrata» su tutti gli elettroni presenti nel guscio cilindrico.  Quanti ce ne sono nel tratto dx ?  </a:t>
+                </a:r>
+                <a14:m>
+                  <m:oMath xmlns:m="http://schemas.openxmlformats.org/officeDocument/2006/math">
+                    <m:r>
+                      <a:rPr lang="it-IT" i="1" dirty="0">
+                        <a:latin typeface="Cambria Math" panose="02040503050406030204" pitchFamily="18" charset="0"/>
+                        <a:ea typeface="Cambria Math" panose="02040503050406030204" pitchFamily="18" charset="0"/>
+                      </a:rPr>
+                      <m:t> </m:t>
+                    </m:r>
+                    <m:r>
+                      <a:rPr lang="it-IT" b="0" i="1" dirty="0" smtClean="0">
+                        <a:latin typeface="Cambria Math" panose="02040503050406030204" pitchFamily="18" charset="0"/>
+                        <a:ea typeface="Cambria Math" panose="02040503050406030204" pitchFamily="18" charset="0"/>
+                      </a:rPr>
+                      <m:t>  </m:t>
+                    </m:r>
+                  </m:oMath>
+                </a14:m>
+                <a:endParaRPr lang="it-IT" b="0" i="1" dirty="0">
+                  <a:latin typeface="Cambria Math" panose="02040503050406030204" pitchFamily="18" charset="0"/>
+                  <a:ea typeface="Cambria Math" panose="02040503050406030204" pitchFamily="18" charset="0"/>
+                </a:endParaRPr>
+              </a:p>
+              <a:p>
+                <a:pPr marL="0" indent="0" algn="ctr">
+                  <a:buNone/>
+                </a:pPr>
+                <a14:m>
+                  <m:oMathPara xmlns:m="http://schemas.openxmlformats.org/officeDocument/2006/math">
+                    <m:oMathParaPr>
+                      <m:jc m:val="centerGroup"/>
+                    </m:oMathParaPr>
+                    <m:oMath xmlns:m="http://schemas.openxmlformats.org/officeDocument/2006/math">
+                      <m:sSup>
+                        <m:sSupPr>
+                          <m:ctrlPr>
+                            <a:rPr lang="it-IT" b="0" i="1" smtClean="0">
+                              <a:latin typeface="Cambria Math" panose="02040503050406030204" pitchFamily="18" charset="0"/>
+                              <a:ea typeface="Cambria Math" panose="02040503050406030204" pitchFamily="18" charset="0"/>
+                            </a:rPr>
+                          </m:ctrlPr>
+                        </m:sSupPr>
+                        <m:e>
+                          <m:r>
+                            <a:rPr lang="it-IT" b="0" i="1" smtClean="0">
+                              <a:latin typeface="Cambria Math" panose="02040503050406030204" pitchFamily="18" charset="0"/>
+                              <a:ea typeface="Cambria Math" panose="02040503050406030204" pitchFamily="18" charset="0"/>
+                            </a:rPr>
+                            <m:t>𝑑</m:t>
+                          </m:r>
+                        </m:e>
+                        <m:sup>
+                          <m:r>
+                            <a:rPr lang="it-IT" b="0" i="1" smtClean="0">
+                              <a:latin typeface="Cambria Math" panose="02040503050406030204" pitchFamily="18" charset="0"/>
+                              <a:ea typeface="Cambria Math" panose="02040503050406030204" pitchFamily="18" charset="0"/>
+                            </a:rPr>
+                            <m:t>2</m:t>
+                          </m:r>
+                        </m:sup>
+                      </m:sSup>
+                      <m:r>
+                        <a:rPr lang="it-IT" b="0" i="1" smtClean="0">
+                          <a:latin typeface="Cambria Math" panose="02040503050406030204" pitchFamily="18" charset="0"/>
+                          <a:ea typeface="Cambria Math" panose="02040503050406030204" pitchFamily="18" charset="0"/>
+                        </a:rPr>
+                        <m:t>𝑁</m:t>
+                      </m:r>
+                      <m:r>
+                        <a:rPr lang="it-IT" b="0" i="1" smtClean="0">
+                          <a:latin typeface="Cambria Math" panose="02040503050406030204" pitchFamily="18" charset="0"/>
+                          <a:ea typeface="Cambria Math" panose="02040503050406030204" pitchFamily="18" charset="0"/>
+                        </a:rPr>
+                        <m:t>=</m:t>
+                      </m:r>
+                      <m:r>
+                        <a:rPr lang="it-IT" b="0" i="1" smtClean="0">
+                          <a:latin typeface="Cambria Math" panose="02040503050406030204" pitchFamily="18" charset="0"/>
+                          <a:ea typeface="Cambria Math" panose="02040503050406030204" pitchFamily="18" charset="0"/>
+                        </a:rPr>
+                        <m:t>2</m:t>
+                      </m:r>
+                      <m:r>
+                        <a:rPr lang="it-IT" b="0" i="1" smtClean="0">
+                          <a:latin typeface="Cambria Math" panose="02040503050406030204" pitchFamily="18" charset="0"/>
+                          <a:ea typeface="Cambria Math" panose="02040503050406030204" pitchFamily="18" charset="0"/>
+                        </a:rPr>
+                        <m:t>𝜋𝜌</m:t>
+                      </m:r>
+                      <m:r>
+                        <a:rPr lang="it-IT" b="0" i="1" smtClean="0">
+                          <a:latin typeface="Cambria Math" panose="02040503050406030204" pitchFamily="18" charset="0"/>
+                        </a:rPr>
+                        <m:t>𝑏𝑑𝑏𝑑𝑥</m:t>
+                      </m:r>
+                    </m:oMath>
+                  </m:oMathPara>
+                </a14:m>
+                <a:endParaRPr lang="it-IT" dirty="0"/>
+              </a:p>
+              <a:p>
+                <a:pPr marL="0" indent="0" algn="ctr">
+                  <a:buNone/>
+                </a:pPr>
+                <a:r>
+                  <a:rPr lang="it-IT" dirty="0"/>
+                  <a:t>   </a:t>
+                </a:r>
+              </a:p>
+              <a:p>
+                <a:pPr marL="0" indent="0">
+                  <a:buNone/>
+                </a:pPr>
+                <a:r>
+                  <a:rPr lang="it-IT" dirty="0"/>
+                  <a:t>(</a:t>
+                </a:r>
+                <a:r>
+                  <a:rPr lang="it-IT" dirty="0">
+                    <a:latin typeface="Symbol" panose="05050102010706020507" pitchFamily="18" charset="2"/>
+                  </a:rPr>
+                  <a:t>r</a:t>
+                </a:r>
+                <a:r>
+                  <a:rPr lang="it-IT" dirty="0"/>
+                  <a:t> = densità di elettroni, quanti ce ne sono per m</a:t>
+                </a:r>
+                <a:r>
+                  <a:rPr lang="it-IT" baseline="30000" dirty="0"/>
+                  <a:t>3</a:t>
+                </a:r>
+                <a:r>
+                  <a:rPr lang="it-IT" dirty="0"/>
+                  <a:t>) </a:t>
+                </a:r>
+              </a:p>
+              <a:p>
+                <a:pPr marL="0" indent="0">
+                  <a:buNone/>
+                </a:pPr>
+                <a:endParaRPr lang="it-IT" dirty="0"/>
+              </a:p>
+              <a:p>
+                <a:pPr marL="0" indent="0">
+                  <a:buNone/>
+                </a:pPr>
+                <a:endParaRPr lang="it-IT" dirty="0"/>
+              </a:p>
+            </p:txBody>
+          </p:sp>
+        </mc:Choice>
+        <mc:Fallback>
+          <p:sp>
+            <p:nvSpPr>
+              <p:cNvPr id="3" name="Segnaposto contenuto 2">
+                <a:extLst>
+                  <a:ext uri="{FF2B5EF4-FFF2-40B4-BE49-F238E27FC236}">
+                    <a16:creationId xmlns:a16="http://schemas.microsoft.com/office/drawing/2014/main" id="{BB700251-6881-4F86-8019-EDA9587734CA}"/>
+                  </a:ext>
+                </a:extLst>
+              </p:cNvPr>
+              <p:cNvSpPr>
+                <a:spLocks noGrp="1" noRot="1" noChangeAspect="1" noMove="1" noResize="1" noEditPoints="1" noAdjustHandles="1" noChangeArrowheads="1" noChangeShapeType="1" noTextEdit="1"/>
+              </p:cNvSpPr>
+              <p:nvPr>
+                <p:ph idx="1"/>
+              </p:nvPr>
+            </p:nvSpPr>
+            <p:spPr>
+              <a:xfrm>
+                <a:off x="838200" y="1381760"/>
+                <a:ext cx="10515600" cy="4795203"/>
+              </a:xfrm>
+              <a:blipFill>
+                <a:blip r:embed="rId2"/>
+                <a:stretch>
+                  <a:fillRect l="-638" t="-2417" b="-2417"/>
+                </a:stretch>
+              </a:blipFill>
+            </p:spPr>
+            <p:txBody>
+              <a:bodyPr/>
+              <a:lstStyle/>
+              <a:p>
+                <a:r>
+                  <a:rPr lang="it-IT">
+                    <a:noFill/>
+                  </a:rPr>
+                  <a:t> </a:t>
+                </a:r>
+              </a:p>
+            </p:txBody>
+          </p:sp>
+        </mc:Fallback>
+      </mc:AlternateContent>
+    </p:spTree>
+    <p:extLst>
+      <p:ext uri="{BB962C8B-B14F-4D97-AF65-F5344CB8AC3E}">
+        <p14:creationId xmlns:p14="http://schemas.microsoft.com/office/powerpoint/2010/main" val="3290500091"/>
+      </p:ext>
+    </p:extLst>
+  </p:cSld>
+  <p:clrMapOvr>
+    <a:masterClrMapping/>
+  </p:clrMapOvr>
+</p:sld>
+</file>
+
+<file path=ppt/slides/slide72.xml><?xml version="1.0" encoding="utf-8"?>
+<p:sld xmlns:a="http://schemas.openxmlformats.org/drawingml/2006/main" xmlns:r="http://schemas.openxmlformats.org/officeDocument/2006/relationships" xmlns:p="http://schemas.openxmlformats.org/presentationml/2006/main">
+  <p:cSld>
+    <p:spTree>
+      <p:nvGrpSpPr>
+        <p:cNvPr id="1" name=""/>
+        <p:cNvGrpSpPr/>
+        <p:nvPr/>
+      </p:nvGrpSpPr>
+      <p:grpSpPr>
+        <a:xfrm>
+          <a:off x="0" y="0"/>
+          <a:ext cx="0" cy="0"/>
+          <a:chOff x="0" y="0"/>
+          <a:chExt cx="0" cy="0"/>
+        </a:xfrm>
+      </p:grpSpPr>
+      <p:sp>
+        <p:nvSpPr>
+          <p:cNvPr id="2" name="Titolo 1">
+            <a:extLst>
+              <a:ext uri="{FF2B5EF4-FFF2-40B4-BE49-F238E27FC236}">
+                <a16:creationId xmlns:a16="http://schemas.microsoft.com/office/drawing/2014/main" id="{1F9C4C26-B5D9-4525-A4D3-0CDA80CF0B37}"/>
+              </a:ext>
+            </a:extLst>
+          </p:cNvPr>
+          <p:cNvSpPr>
+            <a:spLocks noGrp="1"/>
+          </p:cNvSpPr>
+          <p:nvPr>
+            <p:ph type="title"/>
+          </p:nvPr>
+        </p:nvSpPr>
+        <p:spPr/>
+        <p:txBody>
+          <a:bodyPr/>
+          <a:lstStyle/>
+          <a:p>
+            <a:r>
+              <a:rPr lang="it-IT" dirty="0"/>
+              <a:t>E ora…. Integrare su tutto </a:t>
+            </a:r>
+          </a:p>
+        </p:txBody>
+      </p:sp>
+      <mc:AlternateContent xmlns:mc="http://schemas.openxmlformats.org/markup-compatibility/2006">
+        <mc:Choice xmlns:a14="http://schemas.microsoft.com/office/drawing/2010/main" Requires="a14">
+          <p:sp>
+            <p:nvSpPr>
+              <p:cNvPr id="3" name="Segnaposto contenuto 2">
+                <a:extLst>
+                  <a:ext uri="{FF2B5EF4-FFF2-40B4-BE49-F238E27FC236}">
+                    <a16:creationId xmlns:a16="http://schemas.microsoft.com/office/drawing/2014/main" id="{FFE5F63A-FAB5-437F-8038-92F24C6282D0}"/>
+                  </a:ext>
+                </a:extLst>
+              </p:cNvPr>
+              <p:cNvSpPr>
+                <a:spLocks noGrp="1"/>
+              </p:cNvSpPr>
+              <p:nvPr>
+                <p:ph idx="1"/>
+              </p:nvPr>
+            </p:nvSpPr>
+            <p:spPr/>
+            <p:txBody>
+              <a:bodyPr>
+                <a:normAutofit fontScale="92500" lnSpcReduction="10000"/>
+              </a:bodyPr>
+              <a:lstStyle/>
+              <a:p>
+                <a:pPr marL="0" indent="0">
+                  <a:buNone/>
+                </a:pPr>
+                <a14:m>
+                  <m:oMathPara xmlns:m="http://schemas.openxmlformats.org/officeDocument/2006/math">
+                    <m:oMathParaPr>
+                      <m:jc m:val="centerGroup"/>
+                    </m:oMathParaPr>
+                    <m:oMath xmlns:m="http://schemas.openxmlformats.org/officeDocument/2006/math">
+                      <m:f>
+                        <m:fPr>
+                          <m:ctrlPr>
+                            <a:rPr lang="it-IT" i="1" smtClean="0">
+                              <a:latin typeface="Cambria Math" panose="02040503050406030204" pitchFamily="18" charset="0"/>
+                            </a:rPr>
+                          </m:ctrlPr>
+                        </m:fPr>
+                        <m:num>
+                          <m:r>
+                            <a:rPr lang="it-IT" b="0" i="1" smtClean="0">
+                              <a:latin typeface="Cambria Math" panose="02040503050406030204" pitchFamily="18" charset="0"/>
+                            </a:rPr>
+                            <m:t>𝑑𝐸</m:t>
+                          </m:r>
+                        </m:num>
+                        <m:den>
+                          <m:r>
+                            <a:rPr lang="it-IT" b="0" i="1" smtClean="0">
+                              <a:latin typeface="Cambria Math" panose="02040503050406030204" pitchFamily="18" charset="0"/>
+                            </a:rPr>
+                            <m:t>𝑑𝑥</m:t>
+                          </m:r>
+                        </m:den>
+                      </m:f>
+                      <m:r>
+                        <a:rPr lang="it-IT" b="0" i="1" smtClean="0">
+                          <a:latin typeface="Cambria Math" panose="02040503050406030204" pitchFamily="18" charset="0"/>
+                        </a:rPr>
+                        <m:t>=−</m:t>
+                      </m:r>
+                      <m:f>
+                        <m:fPr>
+                          <m:ctrlPr>
+                            <a:rPr lang="it-IT" i="1">
+                              <a:latin typeface="Cambria Math" panose="02040503050406030204" pitchFamily="18" charset="0"/>
+                            </a:rPr>
+                          </m:ctrlPr>
+                        </m:fPr>
+                        <m:num>
+                          <m:r>
+                            <a:rPr lang="it-IT" i="1">
+                              <a:latin typeface="Cambria Math" panose="02040503050406030204" pitchFamily="18" charset="0"/>
+                            </a:rPr>
+                            <m:t>4</m:t>
+                          </m:r>
+                          <m:sSup>
+                            <m:sSupPr>
+                              <m:ctrlPr>
+                                <a:rPr lang="it-IT" i="1">
+                                  <a:latin typeface="Cambria Math" panose="02040503050406030204" pitchFamily="18" charset="0"/>
+                                </a:rPr>
+                              </m:ctrlPr>
+                            </m:sSupPr>
+                            <m:e>
+                              <m:r>
+                                <a:rPr lang="it-IT" i="1" smtClean="0">
+                                  <a:latin typeface="Cambria Math" panose="02040503050406030204" pitchFamily="18" charset="0"/>
+                                  <a:ea typeface="Cambria Math" panose="02040503050406030204" pitchFamily="18" charset="0"/>
+                                </a:rPr>
+                                <m:t>𝜋𝜌</m:t>
+                              </m:r>
+                              <m:r>
+                                <a:rPr lang="it-IT" i="1">
+                                  <a:latin typeface="Cambria Math" panose="02040503050406030204" pitchFamily="18" charset="0"/>
+                                </a:rPr>
+                                <m:t>𝑞</m:t>
+                              </m:r>
+                            </m:e>
+                            <m:sup>
+                              <m:r>
+                                <a:rPr lang="it-IT" i="1">
+                                  <a:latin typeface="Cambria Math" panose="02040503050406030204" pitchFamily="18" charset="0"/>
+                                </a:rPr>
+                                <m:t>4</m:t>
+                              </m:r>
+                            </m:sup>
+                          </m:sSup>
+                        </m:num>
+                        <m:den>
+                          <m:sSup>
+                            <m:sSupPr>
+                              <m:ctrlPr>
+                                <a:rPr lang="it-IT" i="1">
+                                  <a:latin typeface="Cambria Math" panose="02040503050406030204" pitchFamily="18" charset="0"/>
+                                </a:rPr>
+                              </m:ctrlPr>
+                            </m:sSupPr>
+                            <m:e>
+                              <m:sSub>
+                                <m:sSubPr>
+                                  <m:ctrlPr>
+                                    <a:rPr lang="it-IT" b="0" i="1" smtClean="0">
+                                      <a:latin typeface="Cambria Math" panose="02040503050406030204" pitchFamily="18" charset="0"/>
+                                    </a:rPr>
+                                  </m:ctrlPr>
+                                </m:sSubPr>
+                                <m:e>
+                                  <m:r>
+                                    <a:rPr lang="it-IT" b="0" i="1" smtClean="0">
+                                      <a:latin typeface="Cambria Math" panose="02040503050406030204" pitchFamily="18" charset="0"/>
+                                    </a:rPr>
+                                    <m:t>𝑚</m:t>
+                                  </m:r>
+                                </m:e>
+                                <m:sub>
+                                  <m:r>
+                                    <a:rPr lang="it-IT" b="0" i="1" smtClean="0">
+                                      <a:latin typeface="Cambria Math" panose="02040503050406030204" pitchFamily="18" charset="0"/>
+                                    </a:rPr>
+                                    <m:t>𝑒</m:t>
+                                  </m:r>
+                                </m:sub>
+                              </m:sSub>
+                              <m:r>
+                                <a:rPr lang="it-IT" i="1">
+                                  <a:latin typeface="Cambria Math" panose="02040503050406030204" pitchFamily="18" charset="0"/>
+                                </a:rPr>
+                                <m:t>𝑣</m:t>
+                              </m:r>
+                            </m:e>
+                            <m:sup>
+                              <m:r>
+                                <a:rPr lang="it-IT" i="1">
+                                  <a:latin typeface="Cambria Math" panose="02040503050406030204" pitchFamily="18" charset="0"/>
+                                </a:rPr>
+                                <m:t>2</m:t>
+                              </m:r>
+                            </m:sup>
+                          </m:sSup>
+                        </m:den>
+                      </m:f>
+                      <m:nary>
+                        <m:naryPr>
+                          <m:ctrlPr>
+                            <a:rPr lang="it-IT" i="1" smtClean="0">
+                              <a:latin typeface="Cambria Math" panose="02040503050406030204" pitchFamily="18" charset="0"/>
+                            </a:rPr>
+                          </m:ctrlPr>
+                        </m:naryPr>
+                        <m:sub>
+                          <m:sSub>
+                            <m:sSubPr>
+                              <m:ctrlPr>
+                                <a:rPr lang="it-IT" i="1" smtClean="0">
+                                  <a:latin typeface="Cambria Math" panose="02040503050406030204" pitchFamily="18" charset="0"/>
+                                </a:rPr>
+                              </m:ctrlPr>
+                            </m:sSubPr>
+                            <m:e>
+                              <m:r>
+                                <a:rPr lang="it-IT" b="0" i="1" smtClean="0">
+                                  <a:latin typeface="Cambria Math" panose="02040503050406030204" pitchFamily="18" charset="0"/>
+                                </a:rPr>
+                                <m:t>𝑏</m:t>
+                              </m:r>
+                            </m:e>
+                            <m:sub>
+                              <m:r>
+                                <a:rPr lang="it-IT" b="0" i="1" smtClean="0">
+                                  <a:latin typeface="Cambria Math" panose="02040503050406030204" pitchFamily="18" charset="0"/>
+                                </a:rPr>
+                                <m:t>𝑚𝑖𝑛</m:t>
+                              </m:r>
+                            </m:sub>
+                          </m:sSub>
+                        </m:sub>
+                        <m:sup>
+                          <m:sSub>
+                            <m:sSubPr>
+                              <m:ctrlPr>
+                                <a:rPr lang="it-IT" i="1" smtClean="0">
+                                  <a:latin typeface="Cambria Math" panose="02040503050406030204" pitchFamily="18" charset="0"/>
+                                </a:rPr>
+                              </m:ctrlPr>
+                            </m:sSubPr>
+                            <m:e>
+                              <m:r>
+                                <a:rPr lang="it-IT" b="0" i="1" smtClean="0">
+                                  <a:latin typeface="Cambria Math" panose="02040503050406030204" pitchFamily="18" charset="0"/>
+                                </a:rPr>
+                                <m:t>𝑏</m:t>
+                              </m:r>
+                            </m:e>
+                            <m:sub>
+                              <m:r>
+                                <a:rPr lang="it-IT" b="0" i="1" smtClean="0">
+                                  <a:latin typeface="Cambria Math" panose="02040503050406030204" pitchFamily="18" charset="0"/>
+                                </a:rPr>
+                                <m:t>𝑚𝑎𝑥</m:t>
+                              </m:r>
+                            </m:sub>
+                          </m:sSub>
+                        </m:sup>
+                        <m:e>
+                          <m:f>
+                            <m:fPr>
+                              <m:ctrlPr>
+                                <a:rPr lang="it-IT" i="1" smtClean="0">
+                                  <a:latin typeface="Cambria Math" panose="02040503050406030204" pitchFamily="18" charset="0"/>
+                                </a:rPr>
+                              </m:ctrlPr>
+                            </m:fPr>
+                            <m:num>
+                              <m:r>
+                                <a:rPr lang="it-IT" b="0" i="1" smtClean="0">
+                                  <a:latin typeface="Cambria Math" panose="02040503050406030204" pitchFamily="18" charset="0"/>
+                                </a:rPr>
+                                <m:t>𝑑𝑏</m:t>
+                              </m:r>
+                            </m:num>
+                            <m:den>
+                              <m:r>
+                                <a:rPr lang="it-IT" b="0" i="1" smtClean="0">
+                                  <a:latin typeface="Cambria Math" panose="02040503050406030204" pitchFamily="18" charset="0"/>
+                                </a:rPr>
+                                <m:t>𝑏</m:t>
+                              </m:r>
+                            </m:den>
+                          </m:f>
+                        </m:e>
+                      </m:nary>
+                      <m:r>
+                        <a:rPr lang="it-IT" b="0" i="1" smtClean="0">
+                          <a:latin typeface="Cambria Math" panose="02040503050406030204" pitchFamily="18" charset="0"/>
+                        </a:rPr>
+                        <m:t>= </m:t>
+                      </m:r>
+                      <m:f>
+                        <m:fPr>
+                          <m:ctrlPr>
+                            <a:rPr lang="it-IT" i="1">
+                              <a:latin typeface="Cambria Math" panose="02040503050406030204" pitchFamily="18" charset="0"/>
+                            </a:rPr>
+                          </m:ctrlPr>
+                        </m:fPr>
+                        <m:num>
+                          <m:r>
+                            <a:rPr lang="it-IT" i="1">
+                              <a:latin typeface="Cambria Math" panose="02040503050406030204" pitchFamily="18" charset="0"/>
+                            </a:rPr>
+                            <m:t>4</m:t>
+                          </m:r>
+                          <m:sSup>
+                            <m:sSupPr>
+                              <m:ctrlPr>
+                                <a:rPr lang="it-IT" i="1">
+                                  <a:latin typeface="Cambria Math" panose="02040503050406030204" pitchFamily="18" charset="0"/>
+                                </a:rPr>
+                              </m:ctrlPr>
+                            </m:sSupPr>
+                            <m:e>
+                              <m:r>
+                                <a:rPr lang="it-IT" i="1">
+                                  <a:latin typeface="Cambria Math" panose="02040503050406030204" pitchFamily="18" charset="0"/>
+                                  <a:ea typeface="Cambria Math" panose="02040503050406030204" pitchFamily="18" charset="0"/>
+                                </a:rPr>
+                                <m:t>𝜋𝜌</m:t>
+                              </m:r>
+                              <m:r>
+                                <a:rPr lang="it-IT" i="1">
+                                  <a:latin typeface="Cambria Math" panose="02040503050406030204" pitchFamily="18" charset="0"/>
+                                </a:rPr>
+                                <m:t>𝑞</m:t>
+                              </m:r>
+                            </m:e>
+                            <m:sup>
+                              <m:r>
+                                <a:rPr lang="it-IT" i="1">
+                                  <a:latin typeface="Cambria Math" panose="02040503050406030204" pitchFamily="18" charset="0"/>
+                                </a:rPr>
+                                <m:t>4</m:t>
+                              </m:r>
+                            </m:sup>
+                          </m:sSup>
+                        </m:num>
+                        <m:den>
+                          <m:sSup>
+                            <m:sSupPr>
+                              <m:ctrlPr>
+                                <a:rPr lang="it-IT" i="1">
+                                  <a:latin typeface="Cambria Math" panose="02040503050406030204" pitchFamily="18" charset="0"/>
+                                </a:rPr>
+                              </m:ctrlPr>
+                            </m:sSupPr>
+                            <m:e>
+                              <m:sSub>
+                                <m:sSubPr>
+                                  <m:ctrlPr>
+                                    <a:rPr lang="it-IT" i="1">
+                                      <a:latin typeface="Cambria Math" panose="02040503050406030204" pitchFamily="18" charset="0"/>
+                                    </a:rPr>
+                                  </m:ctrlPr>
+                                </m:sSubPr>
+                                <m:e>
+                                  <m:r>
+                                    <a:rPr lang="it-IT" i="1">
+                                      <a:latin typeface="Cambria Math" panose="02040503050406030204" pitchFamily="18" charset="0"/>
+                                    </a:rPr>
+                                    <m:t>𝑚</m:t>
+                                  </m:r>
+                                </m:e>
+                                <m:sub>
+                                  <m:r>
+                                    <a:rPr lang="it-IT" i="1">
+                                      <a:latin typeface="Cambria Math" panose="02040503050406030204" pitchFamily="18" charset="0"/>
+                                    </a:rPr>
+                                    <m:t>𝑒</m:t>
+                                  </m:r>
+                                </m:sub>
+                              </m:sSub>
+                              <m:r>
+                                <a:rPr lang="it-IT" i="1">
+                                  <a:latin typeface="Cambria Math" panose="02040503050406030204" pitchFamily="18" charset="0"/>
+                                </a:rPr>
+                                <m:t>𝑣</m:t>
+                              </m:r>
+                            </m:e>
+                            <m:sup>
+                              <m:r>
+                                <a:rPr lang="it-IT" i="1">
+                                  <a:latin typeface="Cambria Math" panose="02040503050406030204" pitchFamily="18" charset="0"/>
+                                </a:rPr>
+                                <m:t>2</m:t>
+                              </m:r>
+                            </m:sup>
+                          </m:sSup>
+                        </m:den>
+                      </m:f>
+                      <m:r>
+                        <a:rPr lang="it-IT" b="0" i="1" smtClean="0">
+                          <a:latin typeface="Cambria Math" panose="02040503050406030204" pitchFamily="18" charset="0"/>
+                        </a:rPr>
+                        <m:t>𝑙𝑜𝑔</m:t>
+                      </m:r>
+                      <m:d>
+                        <m:dPr>
+                          <m:ctrlPr>
+                            <a:rPr lang="it-IT" b="0" i="1" smtClean="0">
+                              <a:latin typeface="Cambria Math" panose="02040503050406030204" pitchFamily="18" charset="0"/>
+                            </a:rPr>
+                          </m:ctrlPr>
+                        </m:dPr>
+                        <m:e>
+                          <m:f>
+                            <m:fPr>
+                              <m:ctrlPr>
+                                <a:rPr lang="it-IT" b="0" i="1" smtClean="0">
+                                  <a:latin typeface="Cambria Math" panose="02040503050406030204" pitchFamily="18" charset="0"/>
+                                </a:rPr>
+                              </m:ctrlPr>
+                            </m:fPr>
+                            <m:num>
+                              <m:sSub>
+                                <m:sSubPr>
+                                  <m:ctrlPr>
+                                    <a:rPr lang="it-IT" b="0" i="1" smtClean="0">
+                                      <a:latin typeface="Cambria Math" panose="02040503050406030204" pitchFamily="18" charset="0"/>
+                                    </a:rPr>
+                                  </m:ctrlPr>
+                                </m:sSubPr>
+                                <m:e>
+                                  <m:r>
+                                    <a:rPr lang="it-IT" b="0" i="1" smtClean="0">
+                                      <a:latin typeface="Cambria Math" panose="02040503050406030204" pitchFamily="18" charset="0"/>
+                                    </a:rPr>
+                                    <m:t>𝑏</m:t>
+                                  </m:r>
+                                </m:e>
+                                <m:sub>
+                                  <m:r>
+                                    <a:rPr lang="it-IT" b="0" i="1" smtClean="0">
+                                      <a:latin typeface="Cambria Math" panose="02040503050406030204" pitchFamily="18" charset="0"/>
+                                    </a:rPr>
+                                    <m:t>𝑚𝑎𝑥</m:t>
+                                  </m:r>
+                                </m:sub>
+                              </m:sSub>
+                            </m:num>
+                            <m:den>
+                              <m:sSub>
+                                <m:sSubPr>
+                                  <m:ctrlPr>
+                                    <a:rPr lang="it-IT" b="0" i="1" smtClean="0">
+                                      <a:latin typeface="Cambria Math" panose="02040503050406030204" pitchFamily="18" charset="0"/>
+                                    </a:rPr>
+                                  </m:ctrlPr>
+                                </m:sSubPr>
+                                <m:e>
+                                  <m:r>
+                                    <a:rPr lang="it-IT" b="0" i="1" smtClean="0">
+                                      <a:latin typeface="Cambria Math" panose="02040503050406030204" pitchFamily="18" charset="0"/>
+                                    </a:rPr>
+                                    <m:t>𝑏</m:t>
+                                  </m:r>
+                                </m:e>
+                                <m:sub>
+                                  <m:r>
+                                    <a:rPr lang="it-IT" b="0" i="1" smtClean="0">
+                                      <a:latin typeface="Cambria Math" panose="02040503050406030204" pitchFamily="18" charset="0"/>
+                                    </a:rPr>
+                                    <m:t>𝑚𝑖𝑛</m:t>
+                                  </m:r>
+                                </m:sub>
+                              </m:sSub>
+                            </m:den>
+                          </m:f>
+                        </m:e>
+                      </m:d>
+                    </m:oMath>
+                  </m:oMathPara>
+                </a14:m>
+                <a:endParaRPr lang="it-IT" dirty="0"/>
+              </a:p>
+              <a:p>
+                <a:pPr marL="0" indent="0">
+                  <a:buNone/>
+                </a:pPr>
+                <a:endParaRPr lang="it-IT" dirty="0"/>
+              </a:p>
+              <a:p>
+                <a:pPr marL="0" indent="0">
+                  <a:buNone/>
+                </a:pPr>
+                <a:r>
+                  <a:rPr lang="it-IT" dirty="0"/>
+                  <a:t>Come scala lo spazio di frenata con l’energia iniziale? </a:t>
+                </a:r>
+              </a:p>
+              <a:p>
+                <a:pPr marL="0" indent="0">
+                  <a:buNone/>
+                </a:pPr>
+                <a:r>
+                  <a:rPr lang="it-IT" dirty="0"/>
+                  <a:t>Confrontare  la profondità (range) raggiunta da un protone da 1 </a:t>
+                </a:r>
+                <a:r>
+                  <a:rPr lang="it-IT" dirty="0" err="1"/>
+                  <a:t>MeV</a:t>
+                </a:r>
+                <a:r>
+                  <a:rPr lang="it-IT" dirty="0"/>
+                  <a:t>  e uno da 100 </a:t>
+                </a:r>
+                <a:r>
+                  <a:rPr lang="it-IT" dirty="0" err="1"/>
+                  <a:t>MeV</a:t>
+                </a:r>
+                <a:r>
+                  <a:rPr lang="it-IT" dirty="0"/>
+                  <a:t> (Energia cinetica) in acqua </a:t>
+                </a:r>
+              </a:p>
+              <a:p>
+                <a:pPr marL="0" indent="0">
+                  <a:buNone/>
+                </a:pPr>
+                <a:r>
+                  <a:rPr lang="it-IT" dirty="0"/>
+                  <a:t>Domanda:  Perché abbiamo trascurato la perdita di energia dovuta alle collisioni Coulombiane con i nuclei atomici ? Quanto è più piccola rispetto a quella dovuta agli elettroni?  Quale effetto provoca sul Range?</a:t>
+                </a:r>
+              </a:p>
+              <a:p>
+                <a:pPr marL="0" indent="0">
+                  <a:buNone/>
+                </a:pPr>
+                <a:r>
+                  <a:rPr lang="it-IT" dirty="0"/>
+                  <a:t>Domanda:  Cosa diavolo sono </a:t>
+                </a:r>
+                <a:r>
+                  <a:rPr lang="it-IT" dirty="0" err="1"/>
+                  <a:t>b</a:t>
+                </a:r>
+                <a:r>
+                  <a:rPr lang="it-IT" baseline="-25000" dirty="0" err="1"/>
+                  <a:t>min</a:t>
+                </a:r>
+                <a:r>
+                  <a:rPr lang="it-IT" dirty="0"/>
+                  <a:t> e </a:t>
+                </a:r>
+                <a:r>
+                  <a:rPr lang="it-IT" dirty="0" err="1"/>
+                  <a:t>b</a:t>
+                </a:r>
+                <a:r>
+                  <a:rPr lang="it-IT" baseline="-25000" dirty="0" err="1"/>
+                  <a:t>max</a:t>
+                </a:r>
+                <a:r>
+                  <a:rPr lang="it-IT" dirty="0"/>
+                  <a:t> ?</a:t>
+                </a:r>
+              </a:p>
+              <a:p>
+                <a:pPr marL="0" indent="0">
+                  <a:buNone/>
+                </a:pPr>
+                <a:endParaRPr lang="it-IT" dirty="0"/>
+              </a:p>
+            </p:txBody>
+          </p:sp>
+        </mc:Choice>
+        <mc:Fallback>
+          <p:sp>
+            <p:nvSpPr>
+              <p:cNvPr id="3" name="Segnaposto contenuto 2">
+                <a:extLst>
+                  <a:ext uri="{FF2B5EF4-FFF2-40B4-BE49-F238E27FC236}">
+                    <a16:creationId xmlns:a16="http://schemas.microsoft.com/office/drawing/2014/main" id="{FFE5F63A-FAB5-437F-8038-92F24C6282D0}"/>
+                  </a:ext>
+                </a:extLst>
+              </p:cNvPr>
+              <p:cNvSpPr>
+                <a:spLocks noGrp="1" noRot="1" noChangeAspect="1" noMove="1" noResize="1" noEditPoints="1" noAdjustHandles="1" noChangeArrowheads="1" noChangeShapeType="1" noTextEdit="1"/>
+              </p:cNvSpPr>
+              <p:nvPr>
+                <p:ph idx="1"/>
+              </p:nvPr>
+            </p:nvSpPr>
+            <p:spPr>
+              <a:blipFill>
+                <a:blip r:embed="rId2"/>
+                <a:stretch>
+                  <a:fillRect l="-1043" r="-174"/>
+                </a:stretch>
+              </a:blipFill>
+            </p:spPr>
+            <p:txBody>
+              <a:bodyPr/>
+              <a:lstStyle/>
+              <a:p>
+                <a:r>
+                  <a:rPr lang="it-IT">
+                    <a:noFill/>
+                  </a:rPr>
+                  <a:t> </a:t>
+                </a:r>
+              </a:p>
+            </p:txBody>
+          </p:sp>
+        </mc:Fallback>
+      </mc:AlternateContent>
+    </p:spTree>
+    <p:extLst>
+      <p:ext uri="{BB962C8B-B14F-4D97-AF65-F5344CB8AC3E}">
+        <p14:creationId xmlns:p14="http://schemas.microsoft.com/office/powerpoint/2010/main" val="1172400435"/>
+      </p:ext>
+    </p:extLst>
+  </p:cSld>
+  <p:clrMapOvr>
+    <a:masterClrMapping/>
+  </p:clrMapOvr>
+</p:sld>
+</file>
+
+<file path=ppt/slides/slide73.xml><?xml version="1.0" encoding="utf-8"?>
+<p:sld xmlns:a="http://schemas.openxmlformats.org/drawingml/2006/main" xmlns:r="http://schemas.openxmlformats.org/officeDocument/2006/relationships" xmlns:p="http://schemas.openxmlformats.org/presentationml/2006/main">
+  <p:cSld>
+    <p:spTree>
+      <p:nvGrpSpPr>
+        <p:cNvPr id="1" name=""/>
+        <p:cNvGrpSpPr/>
+        <p:nvPr/>
+      </p:nvGrpSpPr>
+      <p:grpSpPr>
+        <a:xfrm>
+          <a:off x="0" y="0"/>
+          <a:ext cx="0" cy="0"/>
+          <a:chOff x="0" y="0"/>
+          <a:chExt cx="0" cy="0"/>
+        </a:xfrm>
+      </p:grpSpPr>
+      <p:sp>
+        <p:nvSpPr>
+          <p:cNvPr id="2" name="Titolo 1">
+            <a:extLst>
+              <a:ext uri="{FF2B5EF4-FFF2-40B4-BE49-F238E27FC236}">
+                <a16:creationId xmlns:a16="http://schemas.microsoft.com/office/drawing/2014/main" id="{F35ABD10-8A23-4BF6-BBB2-37140CB82656}"/>
+              </a:ext>
+            </a:extLst>
+          </p:cNvPr>
+          <p:cNvSpPr>
+            <a:spLocks noGrp="1"/>
+          </p:cNvSpPr>
+          <p:nvPr>
+            <p:ph type="title"/>
+          </p:nvPr>
+        </p:nvSpPr>
+        <p:spPr/>
+        <p:txBody>
+          <a:bodyPr/>
+          <a:lstStyle/>
+          <a:p>
+            <a:r>
+              <a:rPr lang="it-IT" dirty="0"/>
+              <a:t>Scelta di  </a:t>
+            </a:r>
+            <a:r>
+              <a:rPr lang="it-IT" dirty="0" err="1"/>
+              <a:t>bmin</a:t>
+            </a:r>
+            <a:r>
+              <a:rPr lang="it-IT" dirty="0"/>
+              <a:t> e </a:t>
+            </a:r>
+            <a:r>
+              <a:rPr lang="it-IT" dirty="0" err="1"/>
+              <a:t>bmax</a:t>
+            </a:r>
+            <a:r>
+              <a:rPr lang="it-IT" dirty="0"/>
+              <a:t> … («Black Magic» !!!) </a:t>
+            </a:r>
+          </a:p>
+        </p:txBody>
+      </p:sp>
+      <p:sp>
+        <p:nvSpPr>
+          <p:cNvPr id="3" name="Segnaposto contenuto 2">
+            <a:extLst>
+              <a:ext uri="{FF2B5EF4-FFF2-40B4-BE49-F238E27FC236}">
+                <a16:creationId xmlns:a16="http://schemas.microsoft.com/office/drawing/2014/main" id="{315D7AE1-E490-4E3D-83FB-ABA1D43C9A6A}"/>
+              </a:ext>
+            </a:extLst>
+          </p:cNvPr>
+          <p:cNvSpPr>
+            <a:spLocks noGrp="1"/>
+          </p:cNvSpPr>
+          <p:nvPr>
+            <p:ph idx="1"/>
+          </p:nvPr>
+        </p:nvSpPr>
+        <p:spPr>
+          <a:xfrm>
+            <a:off x="838200" y="1825625"/>
+            <a:ext cx="10515600" cy="2441833"/>
+          </a:xfrm>
+        </p:spPr>
+        <p:txBody>
+          <a:bodyPr>
+            <a:normAutofit lnSpcReduction="10000"/>
+          </a:bodyPr>
+          <a:lstStyle/>
+          <a:p>
+            <a:r>
+              <a:rPr lang="it-IT" dirty="0"/>
+              <a:t>Parametro di impatto minimo  perché non ha senso scendere al di sotto della lunghezza d’onda di De Broglie dell’elettrone (visto dalla particella carica incidente)</a:t>
+            </a:r>
+          </a:p>
+          <a:p>
+            <a:r>
+              <a:rPr lang="it-IT" dirty="0"/>
+              <a:t>Parametro di impatto massimo:  Il tempo di interazione (come si valuta?) deve essere più breve del «periodo» dell’elettrone per garantire un «efficace trasferimento di energia»  </a:t>
+            </a:r>
+          </a:p>
+          <a:p>
+            <a:pPr marL="0" indent="0">
+              <a:buNone/>
+            </a:pPr>
+            <a:endParaRPr lang="it-IT" dirty="0"/>
+          </a:p>
+        </p:txBody>
+      </p:sp>
+      <mc:AlternateContent xmlns:mc="http://schemas.openxmlformats.org/markup-compatibility/2006">
+        <mc:Choice xmlns:a14="http://schemas.microsoft.com/office/drawing/2010/main" Requires="a14">
+          <p:sp>
+            <p:nvSpPr>
+              <p:cNvPr id="4" name="Rettangolo 3">
+                <a:extLst>
+                  <a:ext uri="{FF2B5EF4-FFF2-40B4-BE49-F238E27FC236}">
+                    <a16:creationId xmlns:a16="http://schemas.microsoft.com/office/drawing/2014/main" id="{111C7BCD-B760-486D-B3BD-2E7284156559}"/>
+                  </a:ext>
+                </a:extLst>
+              </p:cNvPr>
+              <p:cNvSpPr/>
+              <p:nvPr/>
+            </p:nvSpPr>
+            <p:spPr>
+              <a:xfrm>
+                <a:off x="2727961" y="4402395"/>
+                <a:ext cx="5928360" cy="983154"/>
+              </a:xfrm>
+              <a:prstGeom prst="rect">
+                <a:avLst/>
+              </a:prstGeom>
+            </p:spPr>
+            <p:txBody>
+              <a:bodyPr wrap="square">
+                <a:spAutoFit/>
+              </a:bodyPr>
+              <a:lstStyle/>
+              <a:p>
+                <a:pPr/>
+                <a14:m>
+                  <m:oMathPara xmlns:m="http://schemas.openxmlformats.org/officeDocument/2006/math">
+                    <m:oMathParaPr>
+                      <m:jc m:val="left"/>
+                    </m:oMathParaPr>
+                    <m:oMath xmlns:m="http://schemas.openxmlformats.org/officeDocument/2006/math">
+                      <m:sSub>
+                        <m:sSubPr>
+                          <m:ctrlPr>
+                            <a:rPr lang="it-IT" sz="2800" i="1" smtClean="0">
+                              <a:latin typeface="Cambria Math" panose="02040503050406030204" pitchFamily="18" charset="0"/>
+                            </a:rPr>
+                          </m:ctrlPr>
+                        </m:sSubPr>
+                        <m:e>
+                          <m:r>
+                            <a:rPr lang="it-IT" sz="2800" b="0" i="1" smtClean="0">
+                              <a:latin typeface="Cambria Math" panose="02040503050406030204" pitchFamily="18" charset="0"/>
+                            </a:rPr>
+                            <m:t>𝑏</m:t>
+                          </m:r>
+                        </m:e>
+                        <m:sub>
+                          <m:r>
+                            <a:rPr lang="it-IT" sz="2800" b="0" i="1" smtClean="0">
+                              <a:latin typeface="Cambria Math" panose="02040503050406030204" pitchFamily="18" charset="0"/>
+                            </a:rPr>
+                            <m:t>𝑚𝑖𝑛</m:t>
+                          </m:r>
+                        </m:sub>
+                      </m:sSub>
+                      <m:r>
+                        <a:rPr lang="it-IT" sz="2800" i="1" smtClean="0">
+                          <a:latin typeface="Cambria Math" panose="02040503050406030204" pitchFamily="18" charset="0"/>
+                          <a:ea typeface="Cambria Math" panose="02040503050406030204" pitchFamily="18" charset="0"/>
+                        </a:rPr>
+                        <m:t>≈</m:t>
+                      </m:r>
+                      <m:r>
+                        <a:rPr lang="it-IT" sz="2800" b="0" i="1" smtClean="0">
+                          <a:latin typeface="Cambria Math" panose="02040503050406030204" pitchFamily="18" charset="0"/>
+                          <a:ea typeface="Cambria Math" panose="02040503050406030204" pitchFamily="18" charset="0"/>
+                        </a:rPr>
+                        <m:t> </m:t>
+                      </m:r>
+                      <m:f>
+                        <m:fPr>
+                          <m:ctrlPr>
+                            <a:rPr lang="it-IT" sz="2800" b="0" i="1" smtClean="0">
+                              <a:latin typeface="Cambria Math" panose="02040503050406030204" pitchFamily="18" charset="0"/>
+                              <a:ea typeface="Cambria Math" panose="02040503050406030204" pitchFamily="18" charset="0"/>
+                            </a:rPr>
+                          </m:ctrlPr>
+                        </m:fPr>
+                        <m:num>
+                          <m:r>
+                            <a:rPr lang="it-IT" sz="2800" b="0" i="1" smtClean="0">
+                              <a:latin typeface="Cambria Math" panose="02040503050406030204" pitchFamily="18" charset="0"/>
+                              <a:ea typeface="Cambria Math" panose="02040503050406030204" pitchFamily="18" charset="0"/>
+                            </a:rPr>
+                            <m:t>h</m:t>
+                          </m:r>
+                        </m:num>
+                        <m:den>
+                          <m:r>
+                            <a:rPr lang="it-IT" sz="2800" b="0" i="1" smtClean="0">
+                              <a:latin typeface="Cambria Math" panose="02040503050406030204" pitchFamily="18" charset="0"/>
+                              <a:ea typeface="Cambria Math" panose="02040503050406030204" pitchFamily="18" charset="0"/>
+                            </a:rPr>
+                            <m:t>𝑝</m:t>
+                          </m:r>
+                        </m:den>
+                      </m:f>
+                      <m:r>
+                        <a:rPr lang="it-IT" sz="2800" i="1">
+                          <a:latin typeface="Cambria Math" panose="02040503050406030204" pitchFamily="18" charset="0"/>
+                        </a:rPr>
+                        <m:t>=</m:t>
+                      </m:r>
+                      <m:f>
+                        <m:fPr>
+                          <m:ctrlPr>
+                            <a:rPr lang="it-IT" sz="2800" i="1" smtClean="0">
+                              <a:latin typeface="Cambria Math" panose="02040503050406030204" pitchFamily="18" charset="0"/>
+                            </a:rPr>
+                          </m:ctrlPr>
+                        </m:fPr>
+                        <m:num>
+                          <m:r>
+                            <a:rPr lang="it-IT" sz="2800" b="0" i="1" smtClean="0">
+                              <a:latin typeface="Cambria Math" panose="02040503050406030204" pitchFamily="18" charset="0"/>
+                            </a:rPr>
+                            <m:t>h</m:t>
+                          </m:r>
+                        </m:num>
+                        <m:den>
+                          <m:r>
+                            <a:rPr lang="it-IT" sz="2800" i="1" smtClean="0">
+                              <a:latin typeface="Cambria Math" panose="02040503050406030204" pitchFamily="18" charset="0"/>
+                              <a:ea typeface="Cambria Math" panose="02040503050406030204" pitchFamily="18" charset="0"/>
+                            </a:rPr>
+                            <m:t>𝛾</m:t>
+                          </m:r>
+                          <m:sSub>
+                            <m:sSubPr>
+                              <m:ctrlPr>
+                                <a:rPr lang="it-IT" sz="2800" b="0" i="1" smtClean="0">
+                                  <a:latin typeface="Cambria Math" panose="02040503050406030204" pitchFamily="18" charset="0"/>
+                                  <a:ea typeface="Cambria Math" panose="02040503050406030204" pitchFamily="18" charset="0"/>
+                                </a:rPr>
+                              </m:ctrlPr>
+                            </m:sSubPr>
+                            <m:e>
+                              <m:r>
+                                <a:rPr lang="it-IT" sz="2800" b="0" i="1" smtClean="0">
+                                  <a:latin typeface="Cambria Math" panose="02040503050406030204" pitchFamily="18" charset="0"/>
+                                  <a:ea typeface="Cambria Math" panose="02040503050406030204" pitchFamily="18" charset="0"/>
+                                </a:rPr>
+                                <m:t>𝑚</m:t>
+                              </m:r>
+                            </m:e>
+                            <m:sub>
+                              <m:r>
+                                <a:rPr lang="it-IT" sz="2800" b="0" i="1" smtClean="0">
+                                  <a:latin typeface="Cambria Math" panose="02040503050406030204" pitchFamily="18" charset="0"/>
+                                  <a:ea typeface="Cambria Math" panose="02040503050406030204" pitchFamily="18" charset="0"/>
+                                </a:rPr>
+                                <m:t>𝑒</m:t>
+                              </m:r>
+                            </m:sub>
+                          </m:sSub>
+                          <m:r>
+                            <a:rPr lang="it-IT" sz="2800" b="0" i="1" smtClean="0">
+                              <a:latin typeface="Cambria Math" panose="02040503050406030204" pitchFamily="18" charset="0"/>
+                              <a:ea typeface="Cambria Math" panose="02040503050406030204" pitchFamily="18" charset="0"/>
+                            </a:rPr>
+                            <m:t>𝑣</m:t>
+                          </m:r>
+                        </m:den>
+                      </m:f>
+                      <m:r>
+                        <a:rPr lang="it-IT" sz="2800" b="0" i="0" smtClean="0">
+                          <a:latin typeface="Cambria Math" panose="02040503050406030204" pitchFamily="18" charset="0"/>
+                        </a:rPr>
+                        <m:t>            </m:t>
+                      </m:r>
+                      <m:sSub>
+                        <m:sSubPr>
+                          <m:ctrlPr>
+                            <a:rPr lang="it-IT" sz="2800" i="1" smtClean="0">
+                              <a:latin typeface="Cambria Math" panose="02040503050406030204" pitchFamily="18" charset="0"/>
+                            </a:rPr>
+                          </m:ctrlPr>
+                        </m:sSubPr>
+                        <m:e>
+                          <m:r>
+                            <a:rPr lang="it-IT" sz="2800" i="1">
+                              <a:latin typeface="Cambria Math" panose="02040503050406030204" pitchFamily="18" charset="0"/>
+                            </a:rPr>
+                            <m:t>𝑏</m:t>
+                          </m:r>
+                        </m:e>
+                        <m:sub>
+                          <m:r>
+                            <a:rPr lang="it-IT" sz="2800" i="1">
+                              <a:latin typeface="Cambria Math" panose="02040503050406030204" pitchFamily="18" charset="0"/>
+                            </a:rPr>
+                            <m:t>𝑚</m:t>
+                          </m:r>
+                          <m:r>
+                            <a:rPr lang="it-IT" sz="2800" b="0" i="1" smtClean="0">
+                              <a:latin typeface="Cambria Math" panose="02040503050406030204" pitchFamily="18" charset="0"/>
+                            </a:rPr>
+                            <m:t>𝑎𝑥</m:t>
+                          </m:r>
+                        </m:sub>
+                      </m:sSub>
+                      <m:r>
+                        <a:rPr lang="it-IT" sz="2800" i="1">
+                          <a:latin typeface="Cambria Math" panose="02040503050406030204" pitchFamily="18" charset="0"/>
+                          <a:ea typeface="Cambria Math" panose="02040503050406030204" pitchFamily="18" charset="0"/>
+                        </a:rPr>
+                        <m:t>≈ </m:t>
+                      </m:r>
+                      <m:f>
+                        <m:fPr>
+                          <m:ctrlPr>
+                            <a:rPr lang="it-IT" sz="2800" i="1">
+                              <a:latin typeface="Cambria Math" panose="02040503050406030204" pitchFamily="18" charset="0"/>
+                              <a:ea typeface="Cambria Math" panose="02040503050406030204" pitchFamily="18" charset="0"/>
+                            </a:rPr>
+                          </m:ctrlPr>
+                        </m:fPr>
+                        <m:num>
+                          <m:r>
+                            <a:rPr lang="it-IT" sz="2800" i="1" smtClean="0">
+                              <a:latin typeface="Cambria Math" panose="02040503050406030204" pitchFamily="18" charset="0"/>
+                              <a:ea typeface="Cambria Math" panose="02040503050406030204" pitchFamily="18" charset="0"/>
+                            </a:rPr>
+                            <m:t>𝛾</m:t>
+                          </m:r>
+                          <m:r>
+                            <a:rPr lang="it-IT" sz="2800" b="0" i="1" smtClean="0">
+                              <a:latin typeface="Cambria Math" panose="02040503050406030204" pitchFamily="18" charset="0"/>
+                              <a:ea typeface="Cambria Math" panose="02040503050406030204" pitchFamily="18" charset="0"/>
+                            </a:rPr>
+                            <m:t>𝑣</m:t>
+                          </m:r>
+                        </m:num>
+                        <m:den>
+                          <m:d>
+                            <m:dPr>
+                              <m:begChr m:val="⟨"/>
+                              <m:endChr m:val="⟩"/>
+                              <m:ctrlPr>
+                                <a:rPr lang="it-IT" sz="2800" i="1" smtClean="0">
+                                  <a:latin typeface="Cambria Math" panose="02040503050406030204" pitchFamily="18" charset="0"/>
+                                  <a:ea typeface="Cambria Math" panose="02040503050406030204" pitchFamily="18" charset="0"/>
+                                </a:rPr>
+                              </m:ctrlPr>
+                            </m:dPr>
+                            <m:e>
+                              <m:sSub>
+                                <m:sSubPr>
+                                  <m:ctrlPr>
+                                    <a:rPr lang="it-IT" sz="2800" b="0" i="1" smtClean="0">
+                                      <a:latin typeface="Cambria Math" panose="02040503050406030204" pitchFamily="18" charset="0"/>
+                                      <a:ea typeface="Cambria Math" panose="02040503050406030204" pitchFamily="18" charset="0"/>
+                                    </a:rPr>
+                                  </m:ctrlPr>
+                                </m:sSubPr>
+                                <m:e>
+                                  <m:r>
+                                    <a:rPr lang="it-IT" sz="2800" i="1" smtClean="0">
+                                      <a:latin typeface="Cambria Math" panose="02040503050406030204" pitchFamily="18" charset="0"/>
+                                      <a:ea typeface="Cambria Math" panose="02040503050406030204" pitchFamily="18" charset="0"/>
+                                    </a:rPr>
+                                    <m:t>𝜈</m:t>
+                                  </m:r>
+                                </m:e>
+                                <m:sub>
+                                  <m:r>
+                                    <a:rPr lang="it-IT" sz="2800" b="0" i="1" smtClean="0">
+                                      <a:latin typeface="Cambria Math" panose="02040503050406030204" pitchFamily="18" charset="0"/>
+                                      <a:ea typeface="Cambria Math" panose="02040503050406030204" pitchFamily="18" charset="0"/>
+                                    </a:rPr>
+                                    <m:t>𝑒</m:t>
+                                  </m:r>
+                                </m:sub>
+                              </m:sSub>
+                            </m:e>
+                          </m:d>
+                        </m:den>
+                      </m:f>
+                    </m:oMath>
+                  </m:oMathPara>
+                </a14:m>
+                <a:endParaRPr lang="it-IT" sz="2800" dirty="0"/>
+              </a:p>
+            </p:txBody>
+          </p:sp>
+        </mc:Choice>
+        <mc:Fallback>
+          <p:sp>
+            <p:nvSpPr>
+              <p:cNvPr id="4" name="Rettangolo 3">
+                <a:extLst>
+                  <a:ext uri="{FF2B5EF4-FFF2-40B4-BE49-F238E27FC236}">
+                    <a16:creationId xmlns:a16="http://schemas.microsoft.com/office/drawing/2014/main" id="{111C7BCD-B760-486D-B3BD-2E7284156559}"/>
+                  </a:ext>
+                </a:extLst>
+              </p:cNvPr>
+              <p:cNvSpPr>
+                <a:spLocks noRot="1" noChangeAspect="1" noMove="1" noResize="1" noEditPoints="1" noAdjustHandles="1" noChangeArrowheads="1" noChangeShapeType="1" noTextEdit="1"/>
+              </p:cNvSpPr>
+              <p:nvPr/>
+            </p:nvSpPr>
+            <p:spPr>
+              <a:xfrm>
+                <a:off x="2727961" y="4402395"/>
+                <a:ext cx="5928360" cy="983154"/>
+              </a:xfrm>
+              <a:prstGeom prst="rect">
+                <a:avLst/>
+              </a:prstGeom>
+              <a:blipFill>
+                <a:blip r:embed="rId2"/>
+                <a:stretch>
+                  <a:fillRect/>
+                </a:stretch>
+              </a:blipFill>
+            </p:spPr>
+            <p:txBody>
+              <a:bodyPr/>
+              <a:lstStyle/>
+              <a:p>
+                <a:r>
+                  <a:rPr lang="it-IT">
+                    <a:noFill/>
+                  </a:rPr>
+                  <a:t> </a:t>
+                </a:r>
+              </a:p>
+            </p:txBody>
+          </p:sp>
+        </mc:Fallback>
+      </mc:AlternateContent>
+      <p:sp>
+        <p:nvSpPr>
+          <p:cNvPr id="5" name="CasellaDiTesto 4">
+            <a:extLst>
+              <a:ext uri="{FF2B5EF4-FFF2-40B4-BE49-F238E27FC236}">
+                <a16:creationId xmlns:a16="http://schemas.microsoft.com/office/drawing/2014/main" id="{84884E1E-1EA3-42EE-87EB-1400FC4118D6}"/>
+              </a:ext>
+            </a:extLst>
+          </p:cNvPr>
+          <p:cNvSpPr txBox="1"/>
+          <p:nvPr/>
+        </p:nvSpPr>
+        <p:spPr>
+          <a:xfrm>
+            <a:off x="1417320" y="5655190"/>
+            <a:ext cx="9936480" cy="1077218"/>
+          </a:xfrm>
+          <a:prstGeom prst="rect">
+            <a:avLst/>
+          </a:prstGeom>
+          <a:noFill/>
+        </p:spPr>
+        <p:txBody>
+          <a:bodyPr wrap="square" rtlCol="0">
+            <a:spAutoFit/>
+          </a:bodyPr>
+          <a:lstStyle/>
+          <a:p>
+            <a:r>
+              <a:rPr lang="it-IT" sz="3200" dirty="0"/>
+              <a:t>La «frequenza media» si stima attraverso il potenziale di ionizzazione </a:t>
+            </a:r>
+            <a:r>
+              <a:rPr lang="it-IT" sz="3200" i="1" dirty="0"/>
+              <a:t>I = </a:t>
+            </a:r>
+            <a:r>
+              <a:rPr lang="it-IT" sz="3200" i="1" dirty="0" err="1"/>
+              <a:t>h</a:t>
+            </a:r>
+            <a:r>
+              <a:rPr lang="it-IT" sz="3200" i="1" dirty="0" err="1">
+                <a:latin typeface="Symbol" panose="05050102010706020507" pitchFamily="18" charset="2"/>
+              </a:rPr>
+              <a:t>n</a:t>
+            </a:r>
+            <a:r>
+              <a:rPr lang="it-IT" sz="3200" i="1" dirty="0"/>
+              <a:t>    </a:t>
+            </a:r>
+            <a:endParaRPr lang="it-IT" sz="3200" dirty="0"/>
+          </a:p>
+        </p:txBody>
+      </p:sp>
+    </p:spTree>
+    <p:extLst>
+      <p:ext uri="{BB962C8B-B14F-4D97-AF65-F5344CB8AC3E}">
+        <p14:creationId xmlns:p14="http://schemas.microsoft.com/office/powerpoint/2010/main" val="213039013"/>
+      </p:ext>
+    </p:extLst>
+  </p:cSld>
+  <p:clrMapOvr>
+    <a:masterClrMapping/>
+  </p:clrMapOvr>
+</p:sld>
+</file>
+
+<file path=ppt/slides/slide74.xml><?xml version="1.0" encoding="utf-8"?>
+<p:sld xmlns:a="http://schemas.openxmlformats.org/drawingml/2006/main" xmlns:r="http://schemas.openxmlformats.org/officeDocument/2006/relationships" xmlns:p="http://schemas.openxmlformats.org/presentationml/2006/main">
+  <p:cSld>
+    <p:spTree>
+      <p:nvGrpSpPr>
+        <p:cNvPr id="1" name=""/>
+        <p:cNvGrpSpPr/>
+        <p:nvPr/>
+      </p:nvGrpSpPr>
+      <p:grpSpPr>
+        <a:xfrm>
+          <a:off x="0" y="0"/>
+          <a:ext cx="0" cy="0"/>
+          <a:chOff x="0" y="0"/>
+          <a:chExt cx="0" cy="0"/>
+        </a:xfrm>
+      </p:grpSpPr>
+      <p:sp>
+        <p:nvSpPr>
+          <p:cNvPr id="2" name="Titolo 1">
+            <a:extLst>
+              <a:ext uri="{FF2B5EF4-FFF2-40B4-BE49-F238E27FC236}">
+                <a16:creationId xmlns:a16="http://schemas.microsoft.com/office/drawing/2014/main" id="{1AC864EC-FAB8-43F9-BA13-D972BF558693}"/>
+              </a:ext>
+            </a:extLst>
+          </p:cNvPr>
+          <p:cNvSpPr>
+            <a:spLocks noGrp="1"/>
+          </p:cNvSpPr>
+          <p:nvPr>
+            <p:ph type="title"/>
+          </p:nvPr>
+        </p:nvSpPr>
+        <p:spPr/>
+        <p:txBody>
+          <a:bodyPr/>
+          <a:lstStyle/>
+          <a:p>
+            <a:r>
+              <a:rPr lang="it-IT" dirty="0"/>
+              <a:t>In conclusione  </a:t>
+            </a:r>
+          </a:p>
+        </p:txBody>
+      </p:sp>
+      <mc:AlternateContent xmlns:mc="http://schemas.openxmlformats.org/markup-compatibility/2006">
+        <mc:Choice xmlns:a14="http://schemas.microsoft.com/office/drawing/2010/main" Requires="a14">
+          <p:sp>
+            <p:nvSpPr>
+              <p:cNvPr id="3" name="Segnaposto contenuto 2">
+                <a:extLst>
+                  <a:ext uri="{FF2B5EF4-FFF2-40B4-BE49-F238E27FC236}">
+                    <a16:creationId xmlns:a16="http://schemas.microsoft.com/office/drawing/2014/main" id="{1E31E4EA-7C4D-466A-8AF0-1CA42A182555}"/>
+                  </a:ext>
+                </a:extLst>
+              </p:cNvPr>
+              <p:cNvSpPr>
+                <a:spLocks noGrp="1"/>
+              </p:cNvSpPr>
+              <p:nvPr>
+                <p:ph idx="1"/>
+              </p:nvPr>
+            </p:nvSpPr>
+            <p:spPr/>
+            <p:txBody>
+              <a:bodyPr>
+                <a:normAutofit lnSpcReduction="10000"/>
+              </a:bodyPr>
+              <a:lstStyle/>
+              <a:p>
+                <a14:m>
+                  <m:oMath xmlns:m="http://schemas.openxmlformats.org/officeDocument/2006/math">
+                    <m:f>
+                      <m:fPr>
+                        <m:ctrlPr>
+                          <a:rPr lang="it-IT" i="1" smtClean="0">
+                            <a:latin typeface="Cambria Math" panose="02040503050406030204" pitchFamily="18" charset="0"/>
+                          </a:rPr>
+                        </m:ctrlPr>
+                      </m:fPr>
+                      <m:num>
+                        <m:r>
+                          <a:rPr lang="it-IT" i="1">
+                            <a:latin typeface="Cambria Math" panose="02040503050406030204" pitchFamily="18" charset="0"/>
+                          </a:rPr>
+                          <m:t>𝑑𝐸</m:t>
+                        </m:r>
+                      </m:num>
+                      <m:den>
+                        <m:r>
+                          <a:rPr lang="it-IT" i="1">
+                            <a:latin typeface="Cambria Math" panose="02040503050406030204" pitchFamily="18" charset="0"/>
+                          </a:rPr>
+                          <m:t>𝑑𝑥</m:t>
+                        </m:r>
+                      </m:den>
+                    </m:f>
+                    <m:r>
+                      <a:rPr lang="it-IT" i="1">
+                        <a:latin typeface="Cambria Math" panose="02040503050406030204" pitchFamily="18" charset="0"/>
+                      </a:rPr>
+                      <m:t>=− </m:t>
+                    </m:r>
+                    <m:f>
+                      <m:fPr>
+                        <m:ctrlPr>
+                          <a:rPr lang="it-IT" i="1">
+                            <a:latin typeface="Cambria Math" panose="02040503050406030204" pitchFamily="18" charset="0"/>
+                          </a:rPr>
+                        </m:ctrlPr>
+                      </m:fPr>
+                      <m:num>
+                        <m:r>
+                          <a:rPr lang="it-IT" i="1">
+                            <a:latin typeface="Cambria Math" panose="02040503050406030204" pitchFamily="18" charset="0"/>
+                          </a:rPr>
+                          <m:t>4</m:t>
+                        </m:r>
+                        <m:sSup>
+                          <m:sSupPr>
+                            <m:ctrlPr>
+                              <a:rPr lang="it-IT" i="1">
+                                <a:latin typeface="Cambria Math" panose="02040503050406030204" pitchFamily="18" charset="0"/>
+                              </a:rPr>
+                            </m:ctrlPr>
+                          </m:sSupPr>
+                          <m:e>
+                            <m:r>
+                              <a:rPr lang="it-IT" i="1">
+                                <a:latin typeface="Cambria Math" panose="02040503050406030204" pitchFamily="18" charset="0"/>
+                                <a:ea typeface="Cambria Math" panose="02040503050406030204" pitchFamily="18" charset="0"/>
+                              </a:rPr>
+                              <m:t>𝜋𝜌</m:t>
+                            </m:r>
+                            <m:r>
+                              <a:rPr lang="it-IT" i="1">
+                                <a:latin typeface="Cambria Math" panose="02040503050406030204" pitchFamily="18" charset="0"/>
+                              </a:rPr>
+                              <m:t>𝑞</m:t>
+                            </m:r>
+                          </m:e>
+                          <m:sup>
+                            <m:r>
+                              <a:rPr lang="it-IT" i="1">
+                                <a:latin typeface="Cambria Math" panose="02040503050406030204" pitchFamily="18" charset="0"/>
+                              </a:rPr>
+                              <m:t>4</m:t>
+                            </m:r>
+                          </m:sup>
+                        </m:sSup>
+                      </m:num>
+                      <m:den>
+                        <m:sSup>
+                          <m:sSupPr>
+                            <m:ctrlPr>
+                              <a:rPr lang="it-IT" i="1">
+                                <a:latin typeface="Cambria Math" panose="02040503050406030204" pitchFamily="18" charset="0"/>
+                              </a:rPr>
+                            </m:ctrlPr>
+                          </m:sSupPr>
+                          <m:e>
+                            <m:sSub>
+                              <m:sSubPr>
+                                <m:ctrlPr>
+                                  <a:rPr lang="it-IT" i="1">
+                                    <a:latin typeface="Cambria Math" panose="02040503050406030204" pitchFamily="18" charset="0"/>
+                                  </a:rPr>
+                                </m:ctrlPr>
+                              </m:sSubPr>
+                              <m:e>
+                                <m:r>
+                                  <a:rPr lang="it-IT" i="1">
+                                    <a:latin typeface="Cambria Math" panose="02040503050406030204" pitchFamily="18" charset="0"/>
+                                  </a:rPr>
+                                  <m:t>𝑚</m:t>
+                                </m:r>
+                              </m:e>
+                              <m:sub>
+                                <m:r>
+                                  <a:rPr lang="it-IT" i="1">
+                                    <a:latin typeface="Cambria Math" panose="02040503050406030204" pitchFamily="18" charset="0"/>
+                                  </a:rPr>
+                                  <m:t>𝑒</m:t>
+                                </m:r>
+                              </m:sub>
+                            </m:sSub>
+                            <m:r>
+                              <a:rPr lang="it-IT" i="1">
+                                <a:latin typeface="Cambria Math" panose="02040503050406030204" pitchFamily="18" charset="0"/>
+                              </a:rPr>
+                              <m:t>𝑣</m:t>
+                            </m:r>
+                          </m:e>
+                          <m:sup>
+                            <m:r>
+                              <a:rPr lang="it-IT" i="1">
+                                <a:latin typeface="Cambria Math" panose="02040503050406030204" pitchFamily="18" charset="0"/>
+                              </a:rPr>
+                              <m:t>2</m:t>
+                            </m:r>
+                          </m:sup>
+                        </m:sSup>
+                      </m:den>
+                    </m:f>
+                    <m:r>
+                      <a:rPr lang="it-IT" i="1">
+                        <a:latin typeface="Cambria Math" panose="02040503050406030204" pitchFamily="18" charset="0"/>
+                      </a:rPr>
+                      <m:t>𝑙𝑜𝑔</m:t>
+                    </m:r>
+                    <m:d>
+                      <m:dPr>
+                        <m:ctrlPr>
+                          <a:rPr lang="it-IT" i="1">
+                            <a:latin typeface="Cambria Math" panose="02040503050406030204" pitchFamily="18" charset="0"/>
+                          </a:rPr>
+                        </m:ctrlPr>
+                      </m:dPr>
+                      <m:e>
+                        <m:f>
+                          <m:fPr>
+                            <m:ctrlPr>
+                              <a:rPr lang="it-IT" i="1">
+                                <a:latin typeface="Cambria Math" panose="02040503050406030204" pitchFamily="18" charset="0"/>
+                              </a:rPr>
+                            </m:ctrlPr>
+                          </m:fPr>
+                          <m:num>
+                            <m:sSup>
+                              <m:sSupPr>
+                                <m:ctrlPr>
+                                  <a:rPr lang="it-IT" i="1">
+                                    <a:latin typeface="Cambria Math" panose="02040503050406030204" pitchFamily="18" charset="0"/>
+                                    <a:ea typeface="Cambria Math" panose="02040503050406030204" pitchFamily="18" charset="0"/>
+                                  </a:rPr>
+                                </m:ctrlPr>
+                              </m:sSupPr>
+                              <m:e>
+                                <m:r>
+                                  <a:rPr lang="it-IT" i="1">
+                                    <a:latin typeface="Cambria Math" panose="02040503050406030204" pitchFamily="18" charset="0"/>
+                                    <a:ea typeface="Cambria Math" panose="02040503050406030204" pitchFamily="18" charset="0"/>
+                                  </a:rPr>
+                                  <m:t>𝛾</m:t>
+                                </m:r>
+                              </m:e>
+                              <m:sup>
+                                <m:r>
+                                  <a:rPr lang="it-IT" i="1">
+                                    <a:latin typeface="Cambria Math" panose="02040503050406030204" pitchFamily="18" charset="0"/>
+                                    <a:ea typeface="Cambria Math" panose="02040503050406030204" pitchFamily="18" charset="0"/>
+                                  </a:rPr>
+                                  <m:t>2</m:t>
+                                </m:r>
+                              </m:sup>
+                            </m:sSup>
+                            <m:sSup>
+                              <m:sSupPr>
+                                <m:ctrlPr>
+                                  <a:rPr lang="it-IT" i="1">
+                                    <a:latin typeface="Cambria Math" panose="02040503050406030204" pitchFamily="18" charset="0"/>
+                                    <a:ea typeface="Cambria Math" panose="02040503050406030204" pitchFamily="18" charset="0"/>
+                                  </a:rPr>
+                                </m:ctrlPr>
+                              </m:sSupPr>
+                              <m:e>
+                                <m:r>
+                                  <a:rPr lang="it-IT" i="1">
+                                    <a:latin typeface="Cambria Math" panose="02040503050406030204" pitchFamily="18" charset="0"/>
+                                    <a:ea typeface="Cambria Math" panose="02040503050406030204" pitchFamily="18" charset="0"/>
+                                  </a:rPr>
+                                  <m:t>𝛽</m:t>
+                                </m:r>
+                              </m:e>
+                              <m:sup>
+                                <m:r>
+                                  <a:rPr lang="it-IT" i="1">
+                                    <a:latin typeface="Cambria Math" panose="02040503050406030204" pitchFamily="18" charset="0"/>
+                                    <a:ea typeface="Cambria Math" panose="02040503050406030204" pitchFamily="18" charset="0"/>
+                                  </a:rPr>
+                                  <m:t>2</m:t>
+                                </m:r>
+                              </m:sup>
+                            </m:sSup>
+                            <m:sSub>
+                              <m:sSubPr>
+                                <m:ctrlPr>
+                                  <a:rPr lang="it-IT" i="1">
+                                    <a:latin typeface="Cambria Math" panose="02040503050406030204" pitchFamily="18" charset="0"/>
+                                    <a:ea typeface="Cambria Math" panose="02040503050406030204" pitchFamily="18" charset="0"/>
+                                  </a:rPr>
+                                </m:ctrlPr>
+                              </m:sSubPr>
+                              <m:e>
+                                <m:r>
+                                  <a:rPr lang="it-IT" i="1">
+                                    <a:latin typeface="Cambria Math" panose="02040503050406030204" pitchFamily="18" charset="0"/>
+                                    <a:ea typeface="Cambria Math" panose="02040503050406030204" pitchFamily="18" charset="0"/>
+                                  </a:rPr>
+                                  <m:t>𝑚</m:t>
+                                </m:r>
+                              </m:e>
+                              <m:sub>
+                                <m:r>
+                                  <a:rPr lang="it-IT" i="1">
+                                    <a:latin typeface="Cambria Math" panose="02040503050406030204" pitchFamily="18" charset="0"/>
+                                    <a:ea typeface="Cambria Math" panose="02040503050406030204" pitchFamily="18" charset="0"/>
+                                  </a:rPr>
+                                  <m:t>𝑒</m:t>
+                                </m:r>
+                              </m:sub>
+                            </m:sSub>
+                            <m:sSup>
+                              <m:sSupPr>
+                                <m:ctrlPr>
+                                  <a:rPr lang="it-IT" i="1">
+                                    <a:latin typeface="Cambria Math" panose="02040503050406030204" pitchFamily="18" charset="0"/>
+                                    <a:ea typeface="Cambria Math" panose="02040503050406030204" pitchFamily="18" charset="0"/>
+                                  </a:rPr>
+                                </m:ctrlPr>
+                              </m:sSupPr>
+                              <m:e>
+                                <m:r>
+                                  <a:rPr lang="it-IT" i="1">
+                                    <a:latin typeface="Cambria Math" panose="02040503050406030204" pitchFamily="18" charset="0"/>
+                                    <a:ea typeface="Cambria Math" panose="02040503050406030204" pitchFamily="18" charset="0"/>
+                                  </a:rPr>
+                                  <m:t>𝑐</m:t>
+                                </m:r>
+                              </m:e>
+                              <m:sup>
+                                <m:r>
+                                  <a:rPr lang="it-IT" i="1">
+                                    <a:latin typeface="Cambria Math" panose="02040503050406030204" pitchFamily="18" charset="0"/>
+                                    <a:ea typeface="Cambria Math" panose="02040503050406030204" pitchFamily="18" charset="0"/>
+                                  </a:rPr>
+                                  <m:t>2</m:t>
+                                </m:r>
+                                <m:r>
+                                  <a:rPr lang="it-IT" i="1">
+                                    <a:latin typeface="Cambria Math" panose="02040503050406030204" pitchFamily="18" charset="0"/>
+                                    <a:ea typeface="Cambria Math" panose="02040503050406030204" pitchFamily="18" charset="0"/>
+                                  </a:rPr>
+                                  <m:t>     </m:t>
+                                </m:r>
+                              </m:sup>
+                            </m:sSup>
+                          </m:num>
+                          <m:den>
+                            <m:r>
+                              <a:rPr lang="it-IT" b="0" i="1" smtClean="0">
+                                <a:latin typeface="Cambria Math" panose="02040503050406030204" pitchFamily="18" charset="0"/>
+                              </a:rPr>
+                              <m:t>𝐼</m:t>
+                            </m:r>
+                          </m:den>
+                        </m:f>
+                      </m:e>
+                    </m:d>
+                  </m:oMath>
+                </a14:m>
+                <a:r>
+                  <a:rPr lang="it-IT" dirty="0"/>
+                  <a:t>               (Bohr 1913)</a:t>
+                </a:r>
+              </a:p>
+              <a:p>
+                <a:endParaRPr lang="it-IT" dirty="0"/>
+              </a:p>
+              <a:p>
+                <a:r>
+                  <a:rPr lang="it-IT" dirty="0"/>
+                  <a:t> </a:t>
+                </a:r>
+                <a14:m>
+                  <m:oMath xmlns:m="http://schemas.openxmlformats.org/officeDocument/2006/math">
+                    <m:f>
+                      <m:fPr>
+                        <m:ctrlPr>
+                          <a:rPr lang="it-IT" i="1">
+                            <a:latin typeface="Cambria Math" panose="02040503050406030204" pitchFamily="18" charset="0"/>
+                          </a:rPr>
+                        </m:ctrlPr>
+                      </m:fPr>
+                      <m:num>
+                        <m:r>
+                          <a:rPr lang="it-IT" i="1">
+                            <a:latin typeface="Cambria Math" panose="02040503050406030204" pitchFamily="18" charset="0"/>
+                          </a:rPr>
+                          <m:t>𝑑𝐸</m:t>
+                        </m:r>
+                      </m:num>
+                      <m:den>
+                        <m:r>
+                          <a:rPr lang="it-IT" i="1">
+                            <a:latin typeface="Cambria Math" panose="02040503050406030204" pitchFamily="18" charset="0"/>
+                          </a:rPr>
+                          <m:t>𝑑𝑥</m:t>
+                        </m:r>
+                      </m:den>
+                    </m:f>
+                    <m:r>
+                      <a:rPr lang="it-IT" i="1">
+                        <a:latin typeface="Cambria Math" panose="02040503050406030204" pitchFamily="18" charset="0"/>
+                      </a:rPr>
+                      <m:t>=− </m:t>
+                    </m:r>
+                    <m:f>
+                      <m:fPr>
+                        <m:ctrlPr>
+                          <a:rPr lang="it-IT" i="1">
+                            <a:latin typeface="Cambria Math" panose="02040503050406030204" pitchFamily="18" charset="0"/>
+                          </a:rPr>
+                        </m:ctrlPr>
+                      </m:fPr>
+                      <m:num>
+                        <m:r>
+                          <a:rPr lang="it-IT" i="1">
+                            <a:latin typeface="Cambria Math" panose="02040503050406030204" pitchFamily="18" charset="0"/>
+                          </a:rPr>
+                          <m:t>4</m:t>
+                        </m:r>
+                        <m:sSup>
+                          <m:sSupPr>
+                            <m:ctrlPr>
+                              <a:rPr lang="it-IT" i="1">
+                                <a:latin typeface="Cambria Math" panose="02040503050406030204" pitchFamily="18" charset="0"/>
+                              </a:rPr>
+                            </m:ctrlPr>
+                          </m:sSupPr>
+                          <m:e>
+                            <m:r>
+                              <a:rPr lang="it-IT" i="1">
+                                <a:latin typeface="Cambria Math" panose="02040503050406030204" pitchFamily="18" charset="0"/>
+                                <a:ea typeface="Cambria Math" panose="02040503050406030204" pitchFamily="18" charset="0"/>
+                              </a:rPr>
+                              <m:t>𝜋𝜌</m:t>
+                            </m:r>
+                            <m:r>
+                              <a:rPr lang="it-IT" i="1">
+                                <a:latin typeface="Cambria Math" panose="02040503050406030204" pitchFamily="18" charset="0"/>
+                              </a:rPr>
+                              <m:t>𝑞</m:t>
+                            </m:r>
+                          </m:e>
+                          <m:sup>
+                            <m:r>
+                              <a:rPr lang="it-IT" i="1">
+                                <a:latin typeface="Cambria Math" panose="02040503050406030204" pitchFamily="18" charset="0"/>
+                              </a:rPr>
+                              <m:t>4</m:t>
+                            </m:r>
+                          </m:sup>
+                        </m:sSup>
+                      </m:num>
+                      <m:den>
+                        <m:sSup>
+                          <m:sSupPr>
+                            <m:ctrlPr>
+                              <a:rPr lang="it-IT" i="1">
+                                <a:latin typeface="Cambria Math" panose="02040503050406030204" pitchFamily="18" charset="0"/>
+                              </a:rPr>
+                            </m:ctrlPr>
+                          </m:sSupPr>
+                          <m:e>
+                            <m:sSub>
+                              <m:sSubPr>
+                                <m:ctrlPr>
+                                  <a:rPr lang="it-IT" i="1">
+                                    <a:latin typeface="Cambria Math" panose="02040503050406030204" pitchFamily="18" charset="0"/>
+                                  </a:rPr>
+                                </m:ctrlPr>
+                              </m:sSubPr>
+                              <m:e>
+                                <m:r>
+                                  <a:rPr lang="it-IT" i="1">
+                                    <a:latin typeface="Cambria Math" panose="02040503050406030204" pitchFamily="18" charset="0"/>
+                                  </a:rPr>
+                                  <m:t>𝑚</m:t>
+                                </m:r>
+                              </m:e>
+                              <m:sub>
+                                <m:r>
+                                  <a:rPr lang="it-IT" i="1">
+                                    <a:latin typeface="Cambria Math" panose="02040503050406030204" pitchFamily="18" charset="0"/>
+                                  </a:rPr>
+                                  <m:t>𝑒</m:t>
+                                </m:r>
+                              </m:sub>
+                            </m:sSub>
+                            <m:r>
+                              <a:rPr lang="it-IT" i="1">
+                                <a:latin typeface="Cambria Math" panose="02040503050406030204" pitchFamily="18" charset="0"/>
+                              </a:rPr>
+                              <m:t>𝑣</m:t>
+                            </m:r>
+                          </m:e>
+                          <m:sup>
+                            <m:r>
+                              <a:rPr lang="it-IT" i="1">
+                                <a:latin typeface="Cambria Math" panose="02040503050406030204" pitchFamily="18" charset="0"/>
+                              </a:rPr>
+                              <m:t>2</m:t>
+                            </m:r>
+                          </m:sup>
+                        </m:sSup>
+                      </m:den>
+                    </m:f>
+                    <m:r>
+                      <a:rPr lang="it-IT" b="0" i="1" smtClean="0">
+                        <a:latin typeface="Cambria Math" panose="02040503050406030204" pitchFamily="18" charset="0"/>
+                      </a:rPr>
+                      <m:t>    </m:t>
+                    </m:r>
+                    <m:d>
+                      <m:dPr>
+                        <m:begChr m:val="["/>
+                        <m:endChr m:val="]"/>
+                        <m:ctrlPr>
+                          <a:rPr lang="it-IT" b="0" i="1" smtClean="0">
+                            <a:latin typeface="Cambria Math" panose="02040503050406030204" pitchFamily="18" charset="0"/>
+                          </a:rPr>
+                        </m:ctrlPr>
+                      </m:dPr>
+                      <m:e>
+                        <m:f>
+                          <m:fPr>
+                            <m:ctrlPr>
+                              <a:rPr lang="it-IT" b="0" i="1" smtClean="0">
+                                <a:latin typeface="Cambria Math" panose="02040503050406030204" pitchFamily="18" charset="0"/>
+                              </a:rPr>
+                            </m:ctrlPr>
+                          </m:fPr>
+                          <m:num>
+                            <m:r>
+                              <a:rPr lang="it-IT" b="0" i="1" smtClean="0">
+                                <a:latin typeface="Cambria Math" panose="02040503050406030204" pitchFamily="18" charset="0"/>
+                              </a:rPr>
+                              <m:t>1</m:t>
+                            </m:r>
+                          </m:num>
+                          <m:den>
+                            <m:r>
+                              <a:rPr lang="it-IT" b="0" i="1" smtClean="0">
+                                <a:latin typeface="Cambria Math" panose="02040503050406030204" pitchFamily="18" charset="0"/>
+                              </a:rPr>
+                              <m:t>2</m:t>
+                            </m:r>
+                          </m:den>
+                        </m:f>
+                        <m:r>
+                          <a:rPr lang="it-IT" i="1">
+                            <a:latin typeface="Cambria Math" panose="02040503050406030204" pitchFamily="18" charset="0"/>
+                          </a:rPr>
+                          <m:t>𝑙𝑜𝑔</m:t>
+                        </m:r>
+                        <m:d>
+                          <m:dPr>
+                            <m:ctrlPr>
+                              <a:rPr lang="it-IT" i="1">
+                                <a:latin typeface="Cambria Math" panose="02040503050406030204" pitchFamily="18" charset="0"/>
+                              </a:rPr>
+                            </m:ctrlPr>
+                          </m:dPr>
+                          <m:e>
+                            <m:f>
+                              <m:fPr>
+                                <m:ctrlPr>
+                                  <a:rPr lang="it-IT" i="1">
+                                    <a:latin typeface="Cambria Math" panose="02040503050406030204" pitchFamily="18" charset="0"/>
+                                  </a:rPr>
+                                </m:ctrlPr>
+                              </m:fPr>
+                              <m:num>
+                                <m:sSup>
+                                  <m:sSupPr>
+                                    <m:ctrlPr>
+                                      <a:rPr lang="it-IT" i="1">
+                                        <a:latin typeface="Cambria Math" panose="02040503050406030204" pitchFamily="18" charset="0"/>
+                                        <a:ea typeface="Cambria Math" panose="02040503050406030204" pitchFamily="18" charset="0"/>
+                                      </a:rPr>
+                                    </m:ctrlPr>
+                                  </m:sSupPr>
+                                  <m:e>
+                                    <m:r>
+                                      <a:rPr lang="it-IT" i="1">
+                                        <a:latin typeface="Cambria Math" panose="02040503050406030204" pitchFamily="18" charset="0"/>
+                                        <a:ea typeface="Cambria Math" panose="02040503050406030204" pitchFamily="18" charset="0"/>
+                                      </a:rPr>
+                                      <m:t>𝛾</m:t>
+                                    </m:r>
+                                  </m:e>
+                                  <m:sup>
+                                    <m:r>
+                                      <a:rPr lang="it-IT" i="1">
+                                        <a:latin typeface="Cambria Math" panose="02040503050406030204" pitchFamily="18" charset="0"/>
+                                        <a:ea typeface="Cambria Math" panose="02040503050406030204" pitchFamily="18" charset="0"/>
+                                      </a:rPr>
+                                      <m:t>2</m:t>
+                                    </m:r>
+                                  </m:sup>
+                                </m:sSup>
+                                <m:sSup>
+                                  <m:sSupPr>
+                                    <m:ctrlPr>
+                                      <a:rPr lang="it-IT" i="1">
+                                        <a:latin typeface="Cambria Math" panose="02040503050406030204" pitchFamily="18" charset="0"/>
+                                        <a:ea typeface="Cambria Math" panose="02040503050406030204" pitchFamily="18" charset="0"/>
+                                      </a:rPr>
+                                    </m:ctrlPr>
+                                  </m:sSupPr>
+                                  <m:e>
+                                    <m:r>
+                                      <a:rPr lang="it-IT" i="1">
+                                        <a:latin typeface="Cambria Math" panose="02040503050406030204" pitchFamily="18" charset="0"/>
+                                        <a:ea typeface="Cambria Math" panose="02040503050406030204" pitchFamily="18" charset="0"/>
+                                      </a:rPr>
+                                      <m:t>𝛽</m:t>
+                                    </m:r>
+                                  </m:e>
+                                  <m:sup>
+                                    <m:r>
+                                      <a:rPr lang="it-IT" i="1">
+                                        <a:latin typeface="Cambria Math" panose="02040503050406030204" pitchFamily="18" charset="0"/>
+                                        <a:ea typeface="Cambria Math" panose="02040503050406030204" pitchFamily="18" charset="0"/>
+                                      </a:rPr>
+                                      <m:t>2</m:t>
+                                    </m:r>
+                                  </m:sup>
+                                </m:sSup>
+                                <m:sSub>
+                                  <m:sSubPr>
+                                    <m:ctrlPr>
+                                      <a:rPr lang="it-IT" i="1">
+                                        <a:latin typeface="Cambria Math" panose="02040503050406030204" pitchFamily="18" charset="0"/>
+                                        <a:ea typeface="Cambria Math" panose="02040503050406030204" pitchFamily="18" charset="0"/>
+                                      </a:rPr>
+                                    </m:ctrlPr>
+                                  </m:sSubPr>
+                                  <m:e>
+                                    <m:r>
+                                      <a:rPr lang="it-IT" i="1">
+                                        <a:latin typeface="Cambria Math" panose="02040503050406030204" pitchFamily="18" charset="0"/>
+                                        <a:ea typeface="Cambria Math" panose="02040503050406030204" pitchFamily="18" charset="0"/>
+                                      </a:rPr>
+                                      <m:t>𝑚</m:t>
+                                    </m:r>
+                                  </m:e>
+                                  <m:sub>
+                                    <m:r>
+                                      <a:rPr lang="it-IT" i="1">
+                                        <a:latin typeface="Cambria Math" panose="02040503050406030204" pitchFamily="18" charset="0"/>
+                                        <a:ea typeface="Cambria Math" panose="02040503050406030204" pitchFamily="18" charset="0"/>
+                                      </a:rPr>
+                                      <m:t>𝑒</m:t>
+                                    </m:r>
+                                  </m:sub>
+                                </m:sSub>
+                                <m:sSup>
+                                  <m:sSupPr>
+                                    <m:ctrlPr>
+                                      <a:rPr lang="it-IT" i="1" smtClean="0">
+                                        <a:latin typeface="Cambria Math" panose="02040503050406030204" pitchFamily="18" charset="0"/>
+                                        <a:ea typeface="Cambria Math" panose="02040503050406030204" pitchFamily="18" charset="0"/>
+                                      </a:rPr>
+                                    </m:ctrlPr>
+                                  </m:sSupPr>
+                                  <m:e>
+                                    <m:r>
+                                      <a:rPr lang="it-IT" i="1">
+                                        <a:latin typeface="Cambria Math" panose="02040503050406030204" pitchFamily="18" charset="0"/>
+                                        <a:ea typeface="Cambria Math" panose="02040503050406030204" pitchFamily="18" charset="0"/>
+                                      </a:rPr>
+                                      <m:t>𝑐</m:t>
+                                    </m:r>
+                                  </m:e>
+                                  <m:sup>
+                                    <m:r>
+                                      <a:rPr lang="it-IT" i="1">
+                                        <a:latin typeface="Cambria Math" panose="02040503050406030204" pitchFamily="18" charset="0"/>
+                                        <a:ea typeface="Cambria Math" panose="02040503050406030204" pitchFamily="18" charset="0"/>
+                                      </a:rPr>
+                                      <m:t>2</m:t>
+                                    </m:r>
+                                  </m:sup>
+                                </m:sSup>
+                                <m:sSub>
+                                  <m:sSubPr>
+                                    <m:ctrlPr>
+                                      <a:rPr lang="it-IT" b="0" i="1" smtClean="0">
+                                        <a:latin typeface="Cambria Math" panose="02040503050406030204" pitchFamily="18" charset="0"/>
+                                        <a:ea typeface="Cambria Math" panose="02040503050406030204" pitchFamily="18" charset="0"/>
+                                      </a:rPr>
+                                    </m:ctrlPr>
+                                  </m:sSubPr>
+                                  <m:e>
+                                    <m:r>
+                                      <a:rPr lang="it-IT" b="0" i="1" smtClean="0">
+                                        <a:latin typeface="Cambria Math" panose="02040503050406030204" pitchFamily="18" charset="0"/>
+                                        <a:ea typeface="Cambria Math" panose="02040503050406030204" pitchFamily="18" charset="0"/>
+                                      </a:rPr>
+                                      <m:t>𝑇</m:t>
+                                    </m:r>
+                                  </m:e>
+                                  <m:sub>
+                                    <m:r>
+                                      <a:rPr lang="it-IT" b="0" i="1" smtClean="0">
+                                        <a:latin typeface="Cambria Math" panose="02040503050406030204" pitchFamily="18" charset="0"/>
+                                        <a:ea typeface="Cambria Math" panose="02040503050406030204" pitchFamily="18" charset="0"/>
+                                      </a:rPr>
+                                      <m:t>𝑚𝑎𝑥</m:t>
+                                    </m:r>
+                                  </m:sub>
+                                </m:sSub>
+                              </m:num>
+                              <m:den>
+                                <m:sSup>
+                                  <m:sSupPr>
+                                    <m:ctrlPr>
+                                      <a:rPr lang="it-IT" b="0" i="1" smtClean="0">
+                                        <a:latin typeface="Cambria Math" panose="02040503050406030204" pitchFamily="18" charset="0"/>
+                                      </a:rPr>
+                                    </m:ctrlPr>
+                                  </m:sSupPr>
+                                  <m:e>
+                                    <m:r>
+                                      <a:rPr lang="it-IT" i="1">
+                                        <a:latin typeface="Cambria Math" panose="02040503050406030204" pitchFamily="18" charset="0"/>
+                                      </a:rPr>
+                                      <m:t>𝐼</m:t>
+                                    </m:r>
+                                  </m:e>
+                                  <m:sup>
+                                    <m:r>
+                                      <a:rPr lang="it-IT" b="0" i="1" smtClean="0">
+                                        <a:latin typeface="Cambria Math" panose="02040503050406030204" pitchFamily="18" charset="0"/>
+                                      </a:rPr>
+                                      <m:t>2</m:t>
+                                    </m:r>
+                                  </m:sup>
+                                </m:sSup>
+                              </m:den>
+                            </m:f>
+                          </m:e>
+                        </m:d>
+                        <m:r>
+                          <a:rPr lang="it-IT" b="0" i="1" smtClean="0">
+                            <a:latin typeface="Cambria Math" panose="02040503050406030204" pitchFamily="18" charset="0"/>
+                          </a:rPr>
+                          <m:t>  −</m:t>
+                        </m:r>
+                        <m:sSup>
+                          <m:sSupPr>
+                            <m:ctrlPr>
+                              <a:rPr lang="it-IT" b="0" i="1" smtClean="0">
+                                <a:latin typeface="Cambria Math" panose="02040503050406030204" pitchFamily="18" charset="0"/>
+                                <a:ea typeface="Cambria Math" panose="02040503050406030204" pitchFamily="18" charset="0"/>
+                              </a:rPr>
+                            </m:ctrlPr>
+                          </m:sSupPr>
+                          <m:e>
+                            <m:r>
+                              <a:rPr lang="it-IT" b="0" i="1" smtClean="0">
+                                <a:latin typeface="Cambria Math" panose="02040503050406030204" pitchFamily="18" charset="0"/>
+                                <a:ea typeface="Cambria Math" panose="02040503050406030204" pitchFamily="18" charset="0"/>
+                              </a:rPr>
+                              <m:t>𝛽</m:t>
+                            </m:r>
+                          </m:e>
+                          <m:sup>
+                            <m:r>
+                              <a:rPr lang="it-IT" b="0" i="1" smtClean="0">
+                                <a:latin typeface="Cambria Math" panose="02040503050406030204" pitchFamily="18" charset="0"/>
+                                <a:ea typeface="Cambria Math" panose="02040503050406030204" pitchFamily="18" charset="0"/>
+                              </a:rPr>
+                              <m:t>2</m:t>
+                            </m:r>
+                          </m:sup>
+                        </m:sSup>
+                        <m:r>
+                          <a:rPr lang="it-IT" b="0" i="1" smtClean="0">
+                            <a:latin typeface="Cambria Math" panose="02040503050406030204" pitchFamily="18" charset="0"/>
+                            <a:ea typeface="Cambria Math" panose="02040503050406030204" pitchFamily="18" charset="0"/>
+                          </a:rPr>
+                          <m:t> −</m:t>
+                        </m:r>
+                        <m:f>
+                          <m:fPr>
+                            <m:ctrlPr>
+                              <a:rPr lang="it-IT" b="0" i="1" smtClean="0">
+                                <a:latin typeface="Cambria Math" panose="02040503050406030204" pitchFamily="18" charset="0"/>
+                                <a:ea typeface="Cambria Math" panose="02040503050406030204" pitchFamily="18" charset="0"/>
+                              </a:rPr>
+                            </m:ctrlPr>
+                          </m:fPr>
+                          <m:num>
+                            <m:r>
+                              <a:rPr lang="it-IT" b="0" i="1" smtClean="0">
+                                <a:latin typeface="Cambria Math" panose="02040503050406030204" pitchFamily="18" charset="0"/>
+                                <a:ea typeface="Cambria Math" panose="02040503050406030204" pitchFamily="18" charset="0"/>
+                              </a:rPr>
+                              <m:t>𝛿</m:t>
+                            </m:r>
+                            <m:d>
+                              <m:dPr>
+                                <m:ctrlPr>
+                                  <a:rPr lang="it-IT" b="0" i="1" smtClean="0">
+                                    <a:latin typeface="Cambria Math" panose="02040503050406030204" pitchFamily="18" charset="0"/>
+                                    <a:ea typeface="Cambria Math" panose="02040503050406030204" pitchFamily="18" charset="0"/>
+                                  </a:rPr>
+                                </m:ctrlPr>
+                              </m:dPr>
+                              <m:e>
+                                <m:r>
+                                  <a:rPr lang="it-IT" b="0" i="1" smtClean="0">
+                                    <a:latin typeface="Cambria Math" panose="02040503050406030204" pitchFamily="18" charset="0"/>
+                                    <a:ea typeface="Cambria Math" panose="02040503050406030204" pitchFamily="18" charset="0"/>
+                                  </a:rPr>
+                                  <m:t>𝛽𝛾</m:t>
+                                </m:r>
+                              </m:e>
+                            </m:d>
+                          </m:num>
+                          <m:den>
+                            <m:r>
+                              <a:rPr lang="it-IT" b="0" i="1" smtClean="0">
+                                <a:latin typeface="Cambria Math" panose="02040503050406030204" pitchFamily="18" charset="0"/>
+                                <a:ea typeface="Cambria Math" panose="02040503050406030204" pitchFamily="18" charset="0"/>
+                              </a:rPr>
+                              <m:t>2</m:t>
+                            </m:r>
+                          </m:den>
+                        </m:f>
+                      </m:e>
+                    </m:d>
+                  </m:oMath>
+                </a14:m>
+                <a:r>
+                  <a:rPr lang="it-IT" dirty="0"/>
+                  <a:t>    (B.B.  1930)</a:t>
+                </a:r>
+              </a:p>
+              <a:p>
+                <a:endParaRPr lang="it-IT" dirty="0"/>
+              </a:p>
+              <a:p>
+                <a14:m>
+                  <m:oMath xmlns:m="http://schemas.openxmlformats.org/officeDocument/2006/math">
+                    <m:sSub>
+                      <m:sSubPr>
+                        <m:ctrlPr>
+                          <a:rPr lang="it-IT" i="1" smtClean="0">
+                            <a:latin typeface="Cambria Math" panose="02040503050406030204" pitchFamily="18" charset="0"/>
+                          </a:rPr>
+                        </m:ctrlPr>
+                      </m:sSubPr>
+                      <m:e>
+                        <m:r>
+                          <a:rPr lang="it-IT" b="0" i="1" smtClean="0">
+                            <a:latin typeface="Cambria Math" panose="02040503050406030204" pitchFamily="18" charset="0"/>
+                          </a:rPr>
+                          <m:t>𝑇</m:t>
+                        </m:r>
+                      </m:e>
+                      <m:sub>
+                        <m:r>
+                          <a:rPr lang="it-IT" b="0" i="1" smtClean="0">
+                            <a:latin typeface="Cambria Math" panose="02040503050406030204" pitchFamily="18" charset="0"/>
+                          </a:rPr>
+                          <m:t>𝑚𝑎𝑥</m:t>
+                        </m:r>
+                      </m:sub>
+                    </m:sSub>
+                    <m:r>
+                      <a:rPr lang="it-IT" b="0" i="1" smtClean="0">
+                        <a:latin typeface="Cambria Math" panose="02040503050406030204" pitchFamily="18" charset="0"/>
+                      </a:rPr>
+                      <m:t>= </m:t>
+                    </m:r>
+                    <m:f>
+                      <m:fPr>
+                        <m:ctrlPr>
+                          <a:rPr lang="it-IT" b="0" i="1" smtClean="0">
+                            <a:latin typeface="Cambria Math" panose="02040503050406030204" pitchFamily="18" charset="0"/>
+                          </a:rPr>
+                        </m:ctrlPr>
+                      </m:fPr>
+                      <m:num>
+                        <m:r>
+                          <a:rPr lang="it-IT" b="0" i="1" smtClean="0">
+                            <a:latin typeface="Cambria Math" panose="02040503050406030204" pitchFamily="18" charset="0"/>
+                          </a:rPr>
+                          <m:t>2</m:t>
+                        </m:r>
+                        <m:sSub>
+                          <m:sSubPr>
+                            <m:ctrlPr>
+                              <a:rPr lang="it-IT" b="0" i="1" smtClean="0">
+                                <a:latin typeface="Cambria Math" panose="02040503050406030204" pitchFamily="18" charset="0"/>
+                              </a:rPr>
+                            </m:ctrlPr>
+                          </m:sSubPr>
+                          <m:e>
+                            <m:r>
+                              <a:rPr lang="it-IT" b="0" i="1" smtClean="0">
+                                <a:latin typeface="Cambria Math" panose="02040503050406030204" pitchFamily="18" charset="0"/>
+                              </a:rPr>
+                              <m:t>𝑚</m:t>
+                            </m:r>
+                          </m:e>
+                          <m:sub>
+                            <m:r>
+                              <a:rPr lang="it-IT" b="0" i="1" smtClean="0">
+                                <a:latin typeface="Cambria Math" panose="02040503050406030204" pitchFamily="18" charset="0"/>
+                              </a:rPr>
+                              <m:t>𝑒</m:t>
+                            </m:r>
+                          </m:sub>
+                        </m:sSub>
+                        <m:r>
+                          <a:rPr lang="it-IT" b="0" i="1" smtClean="0">
+                            <a:latin typeface="Cambria Math" panose="02040503050406030204" pitchFamily="18" charset="0"/>
+                          </a:rPr>
+                          <m:t> </m:t>
+                        </m:r>
+                        <m:sSup>
+                          <m:sSupPr>
+                            <m:ctrlPr>
+                              <a:rPr lang="it-IT" b="0" i="1" smtClean="0">
+                                <a:latin typeface="Cambria Math" panose="02040503050406030204" pitchFamily="18" charset="0"/>
+                              </a:rPr>
+                            </m:ctrlPr>
+                          </m:sSupPr>
+                          <m:e>
+                            <m:r>
+                              <a:rPr lang="it-IT" b="0" i="1" smtClean="0">
+                                <a:latin typeface="Cambria Math" panose="02040503050406030204" pitchFamily="18" charset="0"/>
+                              </a:rPr>
+                              <m:t>𝑐</m:t>
+                            </m:r>
+                          </m:e>
+                          <m:sup>
+                            <m:r>
+                              <a:rPr lang="it-IT" b="0" i="1" smtClean="0">
+                                <a:latin typeface="Cambria Math" panose="02040503050406030204" pitchFamily="18" charset="0"/>
+                              </a:rPr>
+                              <m:t>2</m:t>
+                            </m:r>
+                          </m:sup>
+                        </m:sSup>
+                        <m:sSup>
+                          <m:sSupPr>
+                            <m:ctrlPr>
+                              <a:rPr lang="it-IT" b="0" i="1" smtClean="0">
+                                <a:latin typeface="Cambria Math" panose="02040503050406030204" pitchFamily="18" charset="0"/>
+                                <a:ea typeface="Cambria Math" panose="02040503050406030204" pitchFamily="18" charset="0"/>
+                              </a:rPr>
+                            </m:ctrlPr>
+                          </m:sSupPr>
+                          <m:e>
+                            <m:r>
+                              <a:rPr lang="it-IT" b="0" i="1" smtClean="0">
+                                <a:latin typeface="Cambria Math" panose="02040503050406030204" pitchFamily="18" charset="0"/>
+                                <a:ea typeface="Cambria Math" panose="02040503050406030204" pitchFamily="18" charset="0"/>
+                              </a:rPr>
+                              <m:t>𝛽</m:t>
+                            </m:r>
+                          </m:e>
+                          <m:sup>
+                            <m:r>
+                              <a:rPr lang="it-IT" b="0" i="1" smtClean="0">
+                                <a:latin typeface="Cambria Math" panose="02040503050406030204" pitchFamily="18" charset="0"/>
+                                <a:ea typeface="Cambria Math" panose="02040503050406030204" pitchFamily="18" charset="0"/>
+                              </a:rPr>
+                              <m:t>2</m:t>
+                            </m:r>
+                          </m:sup>
+                        </m:sSup>
+                        <m:sSup>
+                          <m:sSupPr>
+                            <m:ctrlPr>
+                              <a:rPr lang="it-IT" b="0" i="1" smtClean="0">
+                                <a:latin typeface="Cambria Math" panose="02040503050406030204" pitchFamily="18" charset="0"/>
+                                <a:ea typeface="Cambria Math" panose="02040503050406030204" pitchFamily="18" charset="0"/>
+                              </a:rPr>
+                            </m:ctrlPr>
+                          </m:sSupPr>
+                          <m:e>
+                            <m:r>
+                              <a:rPr lang="it-IT" b="0" i="1" smtClean="0">
+                                <a:latin typeface="Cambria Math" panose="02040503050406030204" pitchFamily="18" charset="0"/>
+                                <a:ea typeface="Cambria Math" panose="02040503050406030204" pitchFamily="18" charset="0"/>
+                              </a:rPr>
+                              <m:t>𝛾</m:t>
+                            </m:r>
+                          </m:e>
+                          <m:sup>
+                            <m:r>
+                              <a:rPr lang="it-IT" b="0" i="1" smtClean="0">
+                                <a:latin typeface="Cambria Math" panose="02040503050406030204" pitchFamily="18" charset="0"/>
+                                <a:ea typeface="Cambria Math" panose="02040503050406030204" pitchFamily="18" charset="0"/>
+                              </a:rPr>
+                              <m:t>2</m:t>
+                            </m:r>
+                          </m:sup>
+                        </m:sSup>
+                      </m:num>
+                      <m:den>
+                        <m:r>
+                          <a:rPr lang="it-IT" b="0" i="1" smtClean="0">
+                            <a:latin typeface="Cambria Math" panose="02040503050406030204" pitchFamily="18" charset="0"/>
+                          </a:rPr>
+                          <m:t>1</m:t>
+                        </m:r>
+                        <m:r>
+                          <a:rPr lang="it-IT" b="0" i="1" smtClean="0">
+                            <a:latin typeface="Cambria Math" panose="02040503050406030204" pitchFamily="18" charset="0"/>
+                          </a:rPr>
+                          <m:t>+</m:t>
+                        </m:r>
+                        <m:r>
+                          <a:rPr lang="it-IT" b="0" i="1" smtClean="0">
+                            <a:latin typeface="Cambria Math" panose="02040503050406030204" pitchFamily="18" charset="0"/>
+                          </a:rPr>
+                          <m:t>2</m:t>
+                        </m:r>
+                        <m:r>
+                          <a:rPr lang="it-IT" b="0" i="1" smtClean="0">
+                            <a:latin typeface="Cambria Math" panose="02040503050406030204" pitchFamily="18" charset="0"/>
+                            <a:ea typeface="Cambria Math" panose="02040503050406030204" pitchFamily="18" charset="0"/>
+                          </a:rPr>
+                          <m:t>𝛾</m:t>
+                        </m:r>
+                        <m:r>
+                          <a:rPr lang="it-IT" b="0" i="1" smtClean="0">
+                            <a:latin typeface="Cambria Math" panose="02040503050406030204" pitchFamily="18" charset="0"/>
+                            <a:ea typeface="Cambria Math" panose="02040503050406030204" pitchFamily="18" charset="0"/>
+                          </a:rPr>
+                          <m:t> </m:t>
+                        </m:r>
+                        <m:f>
+                          <m:fPr>
+                            <m:ctrlPr>
+                              <a:rPr lang="it-IT" b="0" i="1" smtClean="0">
+                                <a:latin typeface="Cambria Math" panose="02040503050406030204" pitchFamily="18" charset="0"/>
+                                <a:ea typeface="Cambria Math" panose="02040503050406030204" pitchFamily="18" charset="0"/>
+                              </a:rPr>
+                            </m:ctrlPr>
+                          </m:fPr>
+                          <m:num>
+                            <m:sSub>
+                              <m:sSubPr>
+                                <m:ctrlPr>
+                                  <a:rPr lang="it-IT" b="0" i="1" smtClean="0">
+                                    <a:latin typeface="Cambria Math" panose="02040503050406030204" pitchFamily="18" charset="0"/>
+                                    <a:ea typeface="Cambria Math" panose="02040503050406030204" pitchFamily="18" charset="0"/>
+                                  </a:rPr>
+                                </m:ctrlPr>
+                              </m:sSubPr>
+                              <m:e>
+                                <m:r>
+                                  <a:rPr lang="it-IT" b="0" i="1" smtClean="0">
+                                    <a:latin typeface="Cambria Math" panose="02040503050406030204" pitchFamily="18" charset="0"/>
+                                    <a:ea typeface="Cambria Math" panose="02040503050406030204" pitchFamily="18" charset="0"/>
+                                  </a:rPr>
+                                  <m:t>𝑚</m:t>
+                                </m:r>
+                              </m:e>
+                              <m:sub>
+                                <m:r>
+                                  <a:rPr lang="it-IT" b="0" i="1" smtClean="0">
+                                    <a:latin typeface="Cambria Math" panose="02040503050406030204" pitchFamily="18" charset="0"/>
+                                    <a:ea typeface="Cambria Math" panose="02040503050406030204" pitchFamily="18" charset="0"/>
+                                  </a:rPr>
+                                  <m:t>𝑒</m:t>
+                                </m:r>
+                              </m:sub>
+                            </m:sSub>
+                          </m:num>
+                          <m:den>
+                            <m:r>
+                              <a:rPr lang="it-IT" b="0" i="1" smtClean="0">
+                                <a:latin typeface="Cambria Math" panose="02040503050406030204" pitchFamily="18" charset="0"/>
+                                <a:ea typeface="Cambria Math" panose="02040503050406030204" pitchFamily="18" charset="0"/>
+                              </a:rPr>
+                              <m:t>𝑀</m:t>
+                            </m:r>
+                          </m:den>
+                        </m:f>
+                        <m:r>
+                          <a:rPr lang="it-IT" b="0" i="1" smtClean="0">
+                            <a:latin typeface="Cambria Math" panose="02040503050406030204" pitchFamily="18" charset="0"/>
+                            <a:ea typeface="Cambria Math" panose="02040503050406030204" pitchFamily="18" charset="0"/>
+                          </a:rPr>
+                          <m:t>+</m:t>
+                        </m:r>
+                        <m:f>
+                          <m:fPr>
+                            <m:ctrlPr>
+                              <a:rPr lang="it-IT" b="0" i="1" smtClean="0">
+                                <a:latin typeface="Cambria Math" panose="02040503050406030204" pitchFamily="18" charset="0"/>
+                                <a:ea typeface="Cambria Math" panose="02040503050406030204" pitchFamily="18" charset="0"/>
+                              </a:rPr>
+                            </m:ctrlPr>
+                          </m:fPr>
+                          <m:num>
+                            <m:sSubSup>
+                              <m:sSubSupPr>
+                                <m:ctrlPr>
+                                  <a:rPr lang="it-IT" b="0" i="1" smtClean="0">
+                                    <a:latin typeface="Cambria Math" panose="02040503050406030204" pitchFamily="18" charset="0"/>
+                                    <a:ea typeface="Cambria Math" panose="02040503050406030204" pitchFamily="18" charset="0"/>
+                                  </a:rPr>
+                                </m:ctrlPr>
+                              </m:sSubSupPr>
+                              <m:e>
+                                <m:r>
+                                  <a:rPr lang="it-IT" b="0" i="1" smtClean="0">
+                                    <a:latin typeface="Cambria Math" panose="02040503050406030204" pitchFamily="18" charset="0"/>
+                                    <a:ea typeface="Cambria Math" panose="02040503050406030204" pitchFamily="18" charset="0"/>
+                                  </a:rPr>
+                                  <m:t>𝑚</m:t>
+                                </m:r>
+                              </m:e>
+                              <m:sub>
+                                <m:r>
+                                  <a:rPr lang="it-IT" b="0" i="1" smtClean="0">
+                                    <a:latin typeface="Cambria Math" panose="02040503050406030204" pitchFamily="18" charset="0"/>
+                                    <a:ea typeface="Cambria Math" panose="02040503050406030204" pitchFamily="18" charset="0"/>
+                                  </a:rPr>
+                                  <m:t>𝑒</m:t>
+                                </m:r>
+                              </m:sub>
+                              <m:sup>
+                                <m:r>
+                                  <a:rPr lang="it-IT" b="0" i="1" smtClean="0">
+                                    <a:latin typeface="Cambria Math" panose="02040503050406030204" pitchFamily="18" charset="0"/>
+                                    <a:ea typeface="Cambria Math" panose="02040503050406030204" pitchFamily="18" charset="0"/>
+                                  </a:rPr>
+                                  <m:t>2</m:t>
+                                </m:r>
+                              </m:sup>
+                            </m:sSubSup>
+                          </m:num>
+                          <m:den>
+                            <m:sSup>
+                              <m:sSupPr>
+                                <m:ctrlPr>
+                                  <a:rPr lang="it-IT" b="0" i="1" smtClean="0">
+                                    <a:latin typeface="Cambria Math" panose="02040503050406030204" pitchFamily="18" charset="0"/>
+                                    <a:ea typeface="Cambria Math" panose="02040503050406030204" pitchFamily="18" charset="0"/>
+                                  </a:rPr>
+                                </m:ctrlPr>
+                              </m:sSupPr>
+                              <m:e>
+                                <m:r>
+                                  <a:rPr lang="it-IT" b="0" i="1" smtClean="0">
+                                    <a:latin typeface="Cambria Math" panose="02040503050406030204" pitchFamily="18" charset="0"/>
+                                    <a:ea typeface="Cambria Math" panose="02040503050406030204" pitchFamily="18" charset="0"/>
+                                  </a:rPr>
+                                  <m:t>𝑀</m:t>
+                                </m:r>
+                              </m:e>
+                              <m:sup>
+                                <m:r>
+                                  <a:rPr lang="it-IT" b="0" i="1" smtClean="0">
+                                    <a:latin typeface="Cambria Math" panose="02040503050406030204" pitchFamily="18" charset="0"/>
+                                    <a:ea typeface="Cambria Math" panose="02040503050406030204" pitchFamily="18" charset="0"/>
+                                  </a:rPr>
+                                  <m:t>2</m:t>
+                                </m:r>
+                              </m:sup>
+                            </m:sSup>
+                            <m:r>
+                              <a:rPr lang="it-IT" b="0" i="1" smtClean="0">
+                                <a:latin typeface="Cambria Math" panose="02040503050406030204" pitchFamily="18" charset="0"/>
+                                <a:ea typeface="Cambria Math" panose="02040503050406030204" pitchFamily="18" charset="0"/>
+                              </a:rPr>
+                              <m:t>  </m:t>
+                            </m:r>
+                          </m:den>
+                        </m:f>
+                      </m:den>
+                    </m:f>
+                  </m:oMath>
+                </a14:m>
+                <a:r>
+                  <a:rPr lang="it-IT" dirty="0"/>
+                  <a:t>       </a:t>
+                </a:r>
+              </a:p>
+              <a:p>
+                <a:endParaRPr lang="it-IT" dirty="0"/>
+              </a:p>
+              <a:p>
+                <a:r>
+                  <a:rPr lang="it-IT" dirty="0"/>
+                  <a:t>Energia Massima trasferibile al singolo elettrone ( Raggio delta) </a:t>
+                </a:r>
+              </a:p>
+              <a:p>
+                <a:endParaRPr lang="it-IT" dirty="0"/>
+              </a:p>
+            </p:txBody>
+          </p:sp>
+        </mc:Choice>
+        <mc:Fallback>
+          <p:sp>
+            <p:nvSpPr>
+              <p:cNvPr id="3" name="Segnaposto contenuto 2">
+                <a:extLst>
+                  <a:ext uri="{FF2B5EF4-FFF2-40B4-BE49-F238E27FC236}">
+                    <a16:creationId xmlns:a16="http://schemas.microsoft.com/office/drawing/2014/main" id="{1E31E4EA-7C4D-466A-8AF0-1CA42A182555}"/>
+                  </a:ext>
+                </a:extLst>
+              </p:cNvPr>
+              <p:cNvSpPr>
+                <a:spLocks noGrp="1" noRot="1" noChangeAspect="1" noMove="1" noResize="1" noEditPoints="1" noAdjustHandles="1" noChangeArrowheads="1" noChangeShapeType="1" noTextEdit="1"/>
+              </p:cNvSpPr>
+              <p:nvPr>
+                <p:ph idx="1"/>
+              </p:nvPr>
+            </p:nvSpPr>
+            <p:spPr>
+              <a:blipFill>
+                <a:blip r:embed="rId2"/>
+                <a:stretch>
+                  <a:fillRect l="-1043" t="-280"/>
+                </a:stretch>
+              </a:blipFill>
+            </p:spPr>
+            <p:txBody>
+              <a:bodyPr/>
+              <a:lstStyle/>
+              <a:p>
+                <a:r>
+                  <a:rPr lang="it-IT">
+                    <a:noFill/>
+                  </a:rPr>
+                  <a:t> </a:t>
+                </a:r>
+              </a:p>
+            </p:txBody>
+          </p:sp>
+        </mc:Fallback>
+      </mc:AlternateContent>
+    </p:spTree>
+    <p:extLst>
+      <p:ext uri="{BB962C8B-B14F-4D97-AF65-F5344CB8AC3E}">
+        <p14:creationId xmlns:p14="http://schemas.microsoft.com/office/powerpoint/2010/main" val="771060932"/>
+      </p:ext>
+    </p:extLst>
+  </p:cSld>
+  <p:clrMapOvr>
+    <a:masterClrMapping/>
+  </p:clrMapOvr>
+</p:sld>
+</file>
+
+<file path=ppt/slides/slide75.xml><?xml version="1.0" encoding="utf-8"?>
+<p:sld xmlns:a="http://schemas.openxmlformats.org/drawingml/2006/main" xmlns:r="http://schemas.openxmlformats.org/officeDocument/2006/relationships" xmlns:p="http://schemas.openxmlformats.org/presentationml/2006/main">
+  <p:cSld>
+    <p:spTree>
+      <p:nvGrpSpPr>
+        <p:cNvPr id="1" name=""/>
+        <p:cNvGrpSpPr/>
+        <p:nvPr/>
+      </p:nvGrpSpPr>
+      <p:grpSpPr>
+        <a:xfrm>
+          <a:off x="0" y="0"/>
+          <a:ext cx="0" cy="0"/>
+          <a:chOff x="0" y="0"/>
+          <a:chExt cx="0" cy="0"/>
+        </a:xfrm>
+      </p:grpSpPr>
+      <p:sp>
+        <p:nvSpPr>
+          <p:cNvPr id="2" name="Titolo 1">
+            <a:extLst>
+              <a:ext uri="{FF2B5EF4-FFF2-40B4-BE49-F238E27FC236}">
+                <a16:creationId xmlns:a16="http://schemas.microsoft.com/office/drawing/2014/main" id="{75E3B39A-5DDA-4472-B9E0-C1CF0819BB1F}"/>
+              </a:ext>
+            </a:extLst>
+          </p:cNvPr>
+          <p:cNvSpPr>
+            <a:spLocks noGrp="1"/>
+          </p:cNvSpPr>
+          <p:nvPr>
+            <p:ph type="title"/>
+          </p:nvPr>
+        </p:nvSpPr>
+        <p:spPr>
+          <a:xfrm>
+            <a:off x="980440" y="2766218"/>
+            <a:ext cx="10515600" cy="1325563"/>
+          </a:xfrm>
+        </p:spPr>
+        <p:txBody>
+          <a:bodyPr>
+            <a:normAutofit fontScale="90000"/>
+          </a:bodyPr>
+          <a:lstStyle/>
+          <a:p>
+            <a:r>
+              <a:rPr lang="it-IT" dirty="0"/>
+              <a:t>Esercizio: Progettare un esperimento per decidere se tutto quanto detto ha riscontro in natura </a:t>
+            </a:r>
+          </a:p>
+        </p:txBody>
+      </p:sp>
+    </p:spTree>
+    <p:extLst>
+      <p:ext uri="{BB962C8B-B14F-4D97-AF65-F5344CB8AC3E}">
+        <p14:creationId xmlns:p14="http://schemas.microsoft.com/office/powerpoint/2010/main" val="1804545814"/>
       </p:ext>
     </p:extLst>
   </p:cSld>
